--- a/docs/Study Content/Human-Centered Artificial Intelligence/Assets/AB-Testing.pptx
+++ b/docs/Study Content/Human-Centered Artificial Intelligence/Assets/AB-Testing.pptx
@@ -5,24 +5,35 @@
     <p:sldMasterId id="2147483660" r:id="rId1"/>
   </p:sldMasterIdLst>
   <p:notesMasterIdLst>
-    <p:notesMasterId r:id="rId17"/>
+    <p:notesMasterId r:id="rId28"/>
   </p:notesMasterIdLst>
   <p:sldIdLst>
     <p:sldId id="259" r:id="rId2"/>
     <p:sldId id="300" r:id="rId3"/>
-    <p:sldId id="302" r:id="rId4"/>
-    <p:sldId id="305" r:id="rId5"/>
-    <p:sldId id="306" r:id="rId6"/>
-    <p:sldId id="307" r:id="rId7"/>
-    <p:sldId id="310" r:id="rId8"/>
-    <p:sldId id="333" r:id="rId9"/>
-    <p:sldId id="334" r:id="rId10"/>
-    <p:sldId id="311" r:id="rId11"/>
-    <p:sldId id="312" r:id="rId12"/>
-    <p:sldId id="313" r:id="rId13"/>
-    <p:sldId id="314" r:id="rId14"/>
-    <p:sldId id="315" r:id="rId15"/>
-    <p:sldId id="277" r:id="rId16"/>
+    <p:sldId id="338" r:id="rId4"/>
+    <p:sldId id="339" r:id="rId5"/>
+    <p:sldId id="302" r:id="rId6"/>
+    <p:sldId id="343" r:id="rId7"/>
+    <p:sldId id="305" r:id="rId8"/>
+    <p:sldId id="306" r:id="rId9"/>
+    <p:sldId id="307" r:id="rId10"/>
+    <p:sldId id="310" r:id="rId11"/>
+    <p:sldId id="333" r:id="rId12"/>
+    <p:sldId id="334" r:id="rId13"/>
+    <p:sldId id="311" r:id="rId14"/>
+    <p:sldId id="312" r:id="rId15"/>
+    <p:sldId id="313" r:id="rId16"/>
+    <p:sldId id="314" r:id="rId17"/>
+    <p:sldId id="315" r:id="rId18"/>
+    <p:sldId id="346" r:id="rId19"/>
+    <p:sldId id="347" r:id="rId20"/>
+    <p:sldId id="340" r:id="rId21"/>
+    <p:sldId id="341" r:id="rId22"/>
+    <p:sldId id="345" r:id="rId23"/>
+    <p:sldId id="342" r:id="rId24"/>
+    <p:sldId id="349" r:id="rId25"/>
+    <p:sldId id="350" r:id="rId26"/>
+    <p:sldId id="277" r:id="rId27"/>
   </p:sldIdLst>
   <p:sldSz cx="9144000" cy="5143500" type="screen16x9"/>
   <p:notesSz cx="6858000" cy="9144000"/>
@@ -222,7 +233,7 @@
           <a:p>
             <a:fld id="{1CFFBDD7-A652-3445-A411-AC6297B6EDB0}" type="datetimeFigureOut">
               <a:rPr lang="en-US"/>
-              <a:t>12/2/2021</a:t>
+              <a:t>3/31/2022</a:t>
             </a:fld>
             <a:endParaRPr lang="nl-NL"/>
           </a:p>
@@ -648,7 +659,7 @@
     </p:spTree>
     <p:extLst>
       <p:ext uri="{BB962C8B-B14F-4D97-AF65-F5344CB8AC3E}">
-        <p14:creationId xmlns:p14="http://schemas.microsoft.com/office/powerpoint/2010/main" val="3208679011"/>
+        <p14:creationId xmlns:p14="http://schemas.microsoft.com/office/powerpoint/2010/main" val="41402473"/>
       </p:ext>
     </p:extLst>
   </p:cSld>
@@ -702,7 +713,7 @@
           <a:bodyPr/>
           <a:lstStyle/>
           <a:p>
-            <a:endParaRPr lang="en-US" dirty="0"/>
+            <a:endParaRPr lang="en-US" dirty="0" smtClean="0"/>
           </a:p>
         </p:txBody>
       </p:sp>
@@ -732,7 +743,7 @@
     </p:spTree>
     <p:extLst>
       <p:ext uri="{BB962C8B-B14F-4D97-AF65-F5344CB8AC3E}">
-        <p14:creationId xmlns:p14="http://schemas.microsoft.com/office/powerpoint/2010/main" val="3990072130"/>
+        <p14:creationId xmlns:p14="http://schemas.microsoft.com/office/powerpoint/2010/main" val="3222361176"/>
       </p:ext>
     </p:extLst>
   </p:cSld>
@@ -816,7 +827,7 @@
     </p:spTree>
     <p:extLst>
       <p:ext uri="{BB962C8B-B14F-4D97-AF65-F5344CB8AC3E}">
-        <p14:creationId xmlns:p14="http://schemas.microsoft.com/office/powerpoint/2010/main" val="1344411940"/>
+        <p14:creationId xmlns:p14="http://schemas.microsoft.com/office/powerpoint/2010/main" val="2102902033"/>
       </p:ext>
     </p:extLst>
   </p:cSld>
@@ -870,12 +881,6 @@
           <a:bodyPr/>
           <a:lstStyle/>
           <a:p>
-            <a:endParaRPr lang="en-US" dirty="0" smtClean="0"/>
-          </a:p>
-          <a:p>
-            <a:endParaRPr lang="en-US" dirty="0" smtClean="0"/>
-          </a:p>
-          <a:p>
             <a:endParaRPr lang="en-US" dirty="0"/>
           </a:p>
         </p:txBody>
@@ -906,7 +911,517 @@
     </p:spTree>
     <p:extLst>
       <p:ext uri="{BB962C8B-B14F-4D97-AF65-F5344CB8AC3E}">
+        <p14:creationId xmlns:p14="http://schemas.microsoft.com/office/powerpoint/2010/main" val="3208679011"/>
+      </p:ext>
+    </p:extLst>
+  </p:cSld>
+  <p:clrMapOvr>
+    <a:masterClrMapping/>
+  </p:clrMapOvr>
+</p:notes>
+</file>
+
+<file path=ppt/notesSlides/notesSlide14.xml><?xml version="1.0" encoding="utf-8"?>
+<p:notes xmlns:a="http://schemas.openxmlformats.org/drawingml/2006/main" xmlns:r="http://schemas.openxmlformats.org/officeDocument/2006/relationships" xmlns:p="http://schemas.openxmlformats.org/presentationml/2006/main">
+  <p:cSld>
+    <p:spTree>
+      <p:nvGrpSpPr>
+        <p:cNvPr id="1" name=""/>
+        <p:cNvGrpSpPr/>
+        <p:nvPr/>
+      </p:nvGrpSpPr>
+      <p:grpSpPr>
+        <a:xfrm>
+          <a:off x="0" y="0"/>
+          <a:ext cx="0" cy="0"/>
+          <a:chOff x="0" y="0"/>
+          <a:chExt cx="0" cy="0"/>
+        </a:xfrm>
+      </p:grpSpPr>
+      <p:sp>
+        <p:nvSpPr>
+          <p:cNvPr id="2" name="Slide Image Placeholder 1"/>
+          <p:cNvSpPr>
+            <a:spLocks noGrp="1" noRot="1" noChangeAspect="1"/>
+          </p:cNvSpPr>
+          <p:nvPr>
+            <p:ph type="sldImg"/>
+          </p:nvPr>
+        </p:nvSpPr>
+        <p:spPr/>
+      </p:sp>
+      <p:sp>
+        <p:nvSpPr>
+          <p:cNvPr id="3" name="Notes Placeholder 2"/>
+          <p:cNvSpPr>
+            <a:spLocks noGrp="1"/>
+          </p:cNvSpPr>
+          <p:nvPr>
+            <p:ph type="body" idx="1"/>
+          </p:nvPr>
+        </p:nvSpPr>
+        <p:spPr/>
+        <p:txBody>
+          <a:bodyPr/>
+          <a:lstStyle/>
+          <a:p>
+            <a:endParaRPr lang="en-US" dirty="0"/>
+          </a:p>
+        </p:txBody>
+      </p:sp>
+      <p:sp>
+        <p:nvSpPr>
+          <p:cNvPr id="4" name="Slide Number Placeholder 3"/>
+          <p:cNvSpPr>
+            <a:spLocks noGrp="1"/>
+          </p:cNvSpPr>
+          <p:nvPr>
+            <p:ph type="sldNum" sz="quarter" idx="10"/>
+          </p:nvPr>
+        </p:nvSpPr>
+        <p:spPr/>
+        <p:txBody>
+          <a:bodyPr/>
+          <a:lstStyle/>
+          <a:p>
+            <a:fld id="{51AE5163-76D6-0846-B4A7-CD6FB6DB9683}" type="slidenum">
+              <a:rPr lang="en-US" smtClean="0"/>
+              <a:t>15</a:t>
+            </a:fld>
+            <a:endParaRPr lang="en-US"/>
+          </a:p>
+        </p:txBody>
+      </p:sp>
+    </p:spTree>
+    <p:extLst>
+      <p:ext uri="{BB962C8B-B14F-4D97-AF65-F5344CB8AC3E}">
+        <p14:creationId xmlns:p14="http://schemas.microsoft.com/office/powerpoint/2010/main" val="3990072130"/>
+      </p:ext>
+    </p:extLst>
+  </p:cSld>
+  <p:clrMapOvr>
+    <a:masterClrMapping/>
+  </p:clrMapOvr>
+</p:notes>
+</file>
+
+<file path=ppt/notesSlides/notesSlide15.xml><?xml version="1.0" encoding="utf-8"?>
+<p:notes xmlns:a="http://schemas.openxmlformats.org/drawingml/2006/main" xmlns:r="http://schemas.openxmlformats.org/officeDocument/2006/relationships" xmlns:p="http://schemas.openxmlformats.org/presentationml/2006/main">
+  <p:cSld>
+    <p:spTree>
+      <p:nvGrpSpPr>
+        <p:cNvPr id="1" name=""/>
+        <p:cNvGrpSpPr/>
+        <p:nvPr/>
+      </p:nvGrpSpPr>
+      <p:grpSpPr>
+        <a:xfrm>
+          <a:off x="0" y="0"/>
+          <a:ext cx="0" cy="0"/>
+          <a:chOff x="0" y="0"/>
+          <a:chExt cx="0" cy="0"/>
+        </a:xfrm>
+      </p:grpSpPr>
+      <p:sp>
+        <p:nvSpPr>
+          <p:cNvPr id="2" name="Slide Image Placeholder 1"/>
+          <p:cNvSpPr>
+            <a:spLocks noGrp="1" noRot="1" noChangeAspect="1"/>
+          </p:cNvSpPr>
+          <p:nvPr>
+            <p:ph type="sldImg"/>
+          </p:nvPr>
+        </p:nvSpPr>
+        <p:spPr/>
+      </p:sp>
+      <p:sp>
+        <p:nvSpPr>
+          <p:cNvPr id="3" name="Notes Placeholder 2"/>
+          <p:cNvSpPr>
+            <a:spLocks noGrp="1"/>
+          </p:cNvSpPr>
+          <p:nvPr>
+            <p:ph type="body" idx="1"/>
+          </p:nvPr>
+        </p:nvSpPr>
+        <p:spPr/>
+        <p:txBody>
+          <a:bodyPr/>
+          <a:lstStyle/>
+          <a:p>
+            <a:endParaRPr lang="en-US" dirty="0"/>
+          </a:p>
+        </p:txBody>
+      </p:sp>
+      <p:sp>
+        <p:nvSpPr>
+          <p:cNvPr id="4" name="Slide Number Placeholder 3"/>
+          <p:cNvSpPr>
+            <a:spLocks noGrp="1"/>
+          </p:cNvSpPr>
+          <p:nvPr>
+            <p:ph type="sldNum" sz="quarter" idx="10"/>
+          </p:nvPr>
+        </p:nvSpPr>
+        <p:spPr/>
+        <p:txBody>
+          <a:bodyPr/>
+          <a:lstStyle/>
+          <a:p>
+            <a:fld id="{51AE5163-76D6-0846-B4A7-CD6FB6DB9683}" type="slidenum">
+              <a:rPr lang="en-US" smtClean="0"/>
+              <a:t>16</a:t>
+            </a:fld>
+            <a:endParaRPr lang="en-US"/>
+          </a:p>
+        </p:txBody>
+      </p:sp>
+    </p:spTree>
+    <p:extLst>
+      <p:ext uri="{BB962C8B-B14F-4D97-AF65-F5344CB8AC3E}">
+        <p14:creationId xmlns:p14="http://schemas.microsoft.com/office/powerpoint/2010/main" val="1344411940"/>
+      </p:ext>
+    </p:extLst>
+  </p:cSld>
+  <p:clrMapOvr>
+    <a:masterClrMapping/>
+  </p:clrMapOvr>
+</p:notes>
+</file>
+
+<file path=ppt/notesSlides/notesSlide16.xml><?xml version="1.0" encoding="utf-8"?>
+<p:notes xmlns:a="http://schemas.openxmlformats.org/drawingml/2006/main" xmlns:r="http://schemas.openxmlformats.org/officeDocument/2006/relationships" xmlns:p="http://schemas.openxmlformats.org/presentationml/2006/main">
+  <p:cSld>
+    <p:spTree>
+      <p:nvGrpSpPr>
+        <p:cNvPr id="1" name=""/>
+        <p:cNvGrpSpPr/>
+        <p:nvPr/>
+      </p:nvGrpSpPr>
+      <p:grpSpPr>
+        <a:xfrm>
+          <a:off x="0" y="0"/>
+          <a:ext cx="0" cy="0"/>
+          <a:chOff x="0" y="0"/>
+          <a:chExt cx="0" cy="0"/>
+        </a:xfrm>
+      </p:grpSpPr>
+      <p:sp>
+        <p:nvSpPr>
+          <p:cNvPr id="2" name="Slide Image Placeholder 1"/>
+          <p:cNvSpPr>
+            <a:spLocks noGrp="1" noRot="1" noChangeAspect="1"/>
+          </p:cNvSpPr>
+          <p:nvPr>
+            <p:ph type="sldImg"/>
+          </p:nvPr>
+        </p:nvSpPr>
+        <p:spPr/>
+      </p:sp>
+      <p:sp>
+        <p:nvSpPr>
+          <p:cNvPr id="3" name="Notes Placeholder 2"/>
+          <p:cNvSpPr>
+            <a:spLocks noGrp="1"/>
+          </p:cNvSpPr>
+          <p:nvPr>
+            <p:ph type="body" idx="1"/>
+          </p:nvPr>
+        </p:nvSpPr>
+        <p:spPr/>
+        <p:txBody>
+          <a:bodyPr/>
+          <a:lstStyle/>
+          <a:p>
+            <a:endParaRPr lang="en-US" dirty="0" smtClean="0"/>
+          </a:p>
+          <a:p>
+            <a:endParaRPr lang="en-US" dirty="0" smtClean="0"/>
+          </a:p>
+          <a:p>
+            <a:endParaRPr lang="en-US" dirty="0"/>
+          </a:p>
+        </p:txBody>
+      </p:sp>
+      <p:sp>
+        <p:nvSpPr>
+          <p:cNvPr id="4" name="Slide Number Placeholder 3"/>
+          <p:cNvSpPr>
+            <a:spLocks noGrp="1"/>
+          </p:cNvSpPr>
+          <p:nvPr>
+            <p:ph type="sldNum" sz="quarter" idx="10"/>
+          </p:nvPr>
+        </p:nvSpPr>
+        <p:spPr/>
+        <p:txBody>
+          <a:bodyPr/>
+          <a:lstStyle/>
+          <a:p>
+            <a:fld id="{51AE5163-76D6-0846-B4A7-CD6FB6DB9683}" type="slidenum">
+              <a:rPr lang="en-US" smtClean="0"/>
+              <a:t>17</a:t>
+            </a:fld>
+            <a:endParaRPr lang="en-US"/>
+          </a:p>
+        </p:txBody>
+      </p:sp>
+    </p:spTree>
+    <p:extLst>
+      <p:ext uri="{BB962C8B-B14F-4D97-AF65-F5344CB8AC3E}">
         <p14:creationId xmlns:p14="http://schemas.microsoft.com/office/powerpoint/2010/main" val="373727308"/>
+      </p:ext>
+    </p:extLst>
+  </p:cSld>
+  <p:clrMapOvr>
+    <a:masterClrMapping/>
+  </p:clrMapOvr>
+</p:notes>
+</file>
+
+<file path=ppt/notesSlides/notesSlide17.xml><?xml version="1.0" encoding="utf-8"?>
+<p:notes xmlns:a="http://schemas.openxmlformats.org/drawingml/2006/main" xmlns:r="http://schemas.openxmlformats.org/officeDocument/2006/relationships" xmlns:p="http://schemas.openxmlformats.org/presentationml/2006/main">
+  <p:cSld>
+    <p:spTree>
+      <p:nvGrpSpPr>
+        <p:cNvPr id="1" name=""/>
+        <p:cNvGrpSpPr/>
+        <p:nvPr/>
+      </p:nvGrpSpPr>
+      <p:grpSpPr>
+        <a:xfrm>
+          <a:off x="0" y="0"/>
+          <a:ext cx="0" cy="0"/>
+          <a:chOff x="0" y="0"/>
+          <a:chExt cx="0" cy="0"/>
+        </a:xfrm>
+      </p:grpSpPr>
+      <p:sp>
+        <p:nvSpPr>
+          <p:cNvPr id="2" name="Slide Image Placeholder 1"/>
+          <p:cNvSpPr>
+            <a:spLocks noGrp="1" noRot="1" noChangeAspect="1"/>
+          </p:cNvSpPr>
+          <p:nvPr>
+            <p:ph type="sldImg"/>
+          </p:nvPr>
+        </p:nvSpPr>
+        <p:spPr/>
+      </p:sp>
+      <p:sp>
+        <p:nvSpPr>
+          <p:cNvPr id="3" name="Notes Placeholder 2"/>
+          <p:cNvSpPr>
+            <a:spLocks noGrp="1"/>
+          </p:cNvSpPr>
+          <p:nvPr>
+            <p:ph type="body" idx="1"/>
+          </p:nvPr>
+        </p:nvSpPr>
+        <p:spPr/>
+        <p:txBody>
+          <a:bodyPr/>
+          <a:lstStyle/>
+          <a:p>
+            <a:endParaRPr lang="en-US" dirty="0" smtClean="0"/>
+          </a:p>
+        </p:txBody>
+      </p:sp>
+      <p:sp>
+        <p:nvSpPr>
+          <p:cNvPr id="4" name="Slide Number Placeholder 3"/>
+          <p:cNvSpPr>
+            <a:spLocks noGrp="1"/>
+          </p:cNvSpPr>
+          <p:nvPr>
+            <p:ph type="sldNum" sz="quarter" idx="10"/>
+          </p:nvPr>
+        </p:nvSpPr>
+        <p:spPr/>
+        <p:txBody>
+          <a:bodyPr/>
+          <a:lstStyle/>
+          <a:p>
+            <a:fld id="{51AE5163-76D6-0846-B4A7-CD6FB6DB9683}" type="slidenum">
+              <a:rPr lang="en-US" smtClean="0"/>
+              <a:t>18</a:t>
+            </a:fld>
+            <a:endParaRPr lang="en-US"/>
+          </a:p>
+        </p:txBody>
+      </p:sp>
+    </p:spTree>
+    <p:extLst>
+      <p:ext uri="{BB962C8B-B14F-4D97-AF65-F5344CB8AC3E}">
+        <p14:creationId xmlns:p14="http://schemas.microsoft.com/office/powerpoint/2010/main" val="4191114907"/>
+      </p:ext>
+    </p:extLst>
+  </p:cSld>
+  <p:clrMapOvr>
+    <a:masterClrMapping/>
+  </p:clrMapOvr>
+</p:notes>
+</file>
+
+<file path=ppt/notesSlides/notesSlide18.xml><?xml version="1.0" encoding="utf-8"?>
+<p:notes xmlns:a="http://schemas.openxmlformats.org/drawingml/2006/main" xmlns:r="http://schemas.openxmlformats.org/officeDocument/2006/relationships" xmlns:p="http://schemas.openxmlformats.org/presentationml/2006/main">
+  <p:cSld>
+    <p:spTree>
+      <p:nvGrpSpPr>
+        <p:cNvPr id="1" name=""/>
+        <p:cNvGrpSpPr/>
+        <p:nvPr/>
+      </p:nvGrpSpPr>
+      <p:grpSpPr>
+        <a:xfrm>
+          <a:off x="0" y="0"/>
+          <a:ext cx="0" cy="0"/>
+          <a:chOff x="0" y="0"/>
+          <a:chExt cx="0" cy="0"/>
+        </a:xfrm>
+      </p:grpSpPr>
+      <p:sp>
+        <p:nvSpPr>
+          <p:cNvPr id="2" name="Slide Image Placeholder 1"/>
+          <p:cNvSpPr>
+            <a:spLocks noGrp="1" noRot="1" noChangeAspect="1"/>
+          </p:cNvSpPr>
+          <p:nvPr>
+            <p:ph type="sldImg"/>
+          </p:nvPr>
+        </p:nvSpPr>
+        <p:spPr/>
+      </p:sp>
+      <p:sp>
+        <p:nvSpPr>
+          <p:cNvPr id="3" name="Notes Placeholder 2"/>
+          <p:cNvSpPr>
+            <a:spLocks noGrp="1"/>
+          </p:cNvSpPr>
+          <p:nvPr>
+            <p:ph type="body" idx="1"/>
+          </p:nvPr>
+        </p:nvSpPr>
+        <p:spPr/>
+        <p:txBody>
+          <a:bodyPr/>
+          <a:lstStyle/>
+          <a:p>
+            <a:endParaRPr lang="en-US" dirty="0"/>
+          </a:p>
+        </p:txBody>
+      </p:sp>
+      <p:sp>
+        <p:nvSpPr>
+          <p:cNvPr id="4" name="Slide Number Placeholder 3"/>
+          <p:cNvSpPr>
+            <a:spLocks noGrp="1"/>
+          </p:cNvSpPr>
+          <p:nvPr>
+            <p:ph type="sldNum" sz="quarter" idx="10"/>
+          </p:nvPr>
+        </p:nvSpPr>
+        <p:spPr/>
+        <p:txBody>
+          <a:bodyPr/>
+          <a:lstStyle/>
+          <a:p>
+            <a:fld id="{51AE5163-76D6-0846-B4A7-CD6FB6DB9683}" type="slidenum">
+              <a:rPr lang="en-US" smtClean="0"/>
+              <a:t>19</a:t>
+            </a:fld>
+            <a:endParaRPr lang="en-US"/>
+          </a:p>
+        </p:txBody>
+      </p:sp>
+    </p:spTree>
+    <p:extLst>
+      <p:ext uri="{BB962C8B-B14F-4D97-AF65-F5344CB8AC3E}">
+        <p14:creationId xmlns:p14="http://schemas.microsoft.com/office/powerpoint/2010/main" val="3164265011"/>
+      </p:ext>
+    </p:extLst>
+  </p:cSld>
+  <p:clrMapOvr>
+    <a:masterClrMapping/>
+  </p:clrMapOvr>
+</p:notes>
+</file>
+
+<file path=ppt/notesSlides/notesSlide19.xml><?xml version="1.0" encoding="utf-8"?>
+<p:notes xmlns:a="http://schemas.openxmlformats.org/drawingml/2006/main" xmlns:r="http://schemas.openxmlformats.org/officeDocument/2006/relationships" xmlns:p="http://schemas.openxmlformats.org/presentationml/2006/main">
+  <p:cSld>
+    <p:spTree>
+      <p:nvGrpSpPr>
+        <p:cNvPr id="1" name=""/>
+        <p:cNvGrpSpPr/>
+        <p:nvPr/>
+      </p:nvGrpSpPr>
+      <p:grpSpPr>
+        <a:xfrm>
+          <a:off x="0" y="0"/>
+          <a:ext cx="0" cy="0"/>
+          <a:chOff x="0" y="0"/>
+          <a:chExt cx="0" cy="0"/>
+        </a:xfrm>
+      </p:grpSpPr>
+      <p:sp>
+        <p:nvSpPr>
+          <p:cNvPr id="2" name="Slide Image Placeholder 1"/>
+          <p:cNvSpPr>
+            <a:spLocks noGrp="1" noRot="1" noChangeAspect="1"/>
+          </p:cNvSpPr>
+          <p:nvPr>
+            <p:ph type="sldImg"/>
+          </p:nvPr>
+        </p:nvSpPr>
+        <p:spPr/>
+      </p:sp>
+      <p:sp>
+        <p:nvSpPr>
+          <p:cNvPr id="3" name="Notes Placeholder 2"/>
+          <p:cNvSpPr>
+            <a:spLocks noGrp="1"/>
+          </p:cNvSpPr>
+          <p:nvPr>
+            <p:ph type="body" idx="1"/>
+          </p:nvPr>
+        </p:nvSpPr>
+        <p:spPr/>
+        <p:txBody>
+          <a:bodyPr/>
+          <a:lstStyle/>
+          <a:p>
+            <a:endParaRPr lang="en-US" dirty="0"/>
+          </a:p>
+        </p:txBody>
+      </p:sp>
+      <p:sp>
+        <p:nvSpPr>
+          <p:cNvPr id="4" name="Slide Number Placeholder 3"/>
+          <p:cNvSpPr>
+            <a:spLocks noGrp="1"/>
+          </p:cNvSpPr>
+          <p:nvPr>
+            <p:ph type="sldNum" sz="quarter" idx="10"/>
+          </p:nvPr>
+        </p:nvSpPr>
+        <p:spPr/>
+        <p:txBody>
+          <a:bodyPr/>
+          <a:lstStyle/>
+          <a:p>
+            <a:fld id="{51AE5163-76D6-0846-B4A7-CD6FB6DB9683}" type="slidenum">
+              <a:rPr lang="en-US" smtClean="0"/>
+              <a:t>20</a:t>
+            </a:fld>
+            <a:endParaRPr lang="en-US"/>
+          </a:p>
+        </p:txBody>
+      </p:sp>
+    </p:spTree>
+    <p:extLst>
+      <p:ext uri="{BB962C8B-B14F-4D97-AF65-F5344CB8AC3E}">
+        <p14:creationId xmlns:p14="http://schemas.microsoft.com/office/powerpoint/2010/main" val="3021305156"/>
       </p:ext>
     </p:extLst>
   </p:cSld>
@@ -960,6 +1475,17 @@
           <a:bodyPr/>
           <a:lstStyle/>
           <a:p>
+            <a:endParaRPr lang="en-US" sz="900" b="0" i="0" kern="1200" dirty="0" smtClean="0">
+              <a:solidFill>
+                <a:schemeClr val="tx1"/>
+              </a:solidFill>
+              <a:effectLst/>
+              <a:latin typeface="+mn-lt"/>
+              <a:ea typeface="+mn-ea"/>
+              <a:cs typeface="+mn-cs"/>
+            </a:endParaRPr>
+          </a:p>
+          <a:p>
             <a:endParaRPr lang="en-US" dirty="0"/>
           </a:p>
         </p:txBody>
@@ -990,7 +1516,427 @@
     </p:spTree>
     <p:extLst>
       <p:ext uri="{BB962C8B-B14F-4D97-AF65-F5344CB8AC3E}">
-        <p14:creationId xmlns:p14="http://schemas.microsoft.com/office/powerpoint/2010/main" val="1783179728"/>
+        <p14:creationId xmlns:p14="http://schemas.microsoft.com/office/powerpoint/2010/main" val="3456143343"/>
+      </p:ext>
+    </p:extLst>
+  </p:cSld>
+  <p:clrMapOvr>
+    <a:masterClrMapping/>
+  </p:clrMapOvr>
+</p:notes>
+</file>
+
+<file path=ppt/notesSlides/notesSlide20.xml><?xml version="1.0" encoding="utf-8"?>
+<p:notes xmlns:a="http://schemas.openxmlformats.org/drawingml/2006/main" xmlns:r="http://schemas.openxmlformats.org/officeDocument/2006/relationships" xmlns:p="http://schemas.openxmlformats.org/presentationml/2006/main">
+  <p:cSld>
+    <p:spTree>
+      <p:nvGrpSpPr>
+        <p:cNvPr id="1" name=""/>
+        <p:cNvGrpSpPr/>
+        <p:nvPr/>
+      </p:nvGrpSpPr>
+      <p:grpSpPr>
+        <a:xfrm>
+          <a:off x="0" y="0"/>
+          <a:ext cx="0" cy="0"/>
+          <a:chOff x="0" y="0"/>
+          <a:chExt cx="0" cy="0"/>
+        </a:xfrm>
+      </p:grpSpPr>
+      <p:sp>
+        <p:nvSpPr>
+          <p:cNvPr id="2" name="Slide Image Placeholder 1"/>
+          <p:cNvSpPr>
+            <a:spLocks noGrp="1" noRot="1" noChangeAspect="1"/>
+          </p:cNvSpPr>
+          <p:nvPr>
+            <p:ph type="sldImg"/>
+          </p:nvPr>
+        </p:nvSpPr>
+        <p:spPr/>
+      </p:sp>
+      <p:sp>
+        <p:nvSpPr>
+          <p:cNvPr id="3" name="Notes Placeholder 2"/>
+          <p:cNvSpPr>
+            <a:spLocks noGrp="1"/>
+          </p:cNvSpPr>
+          <p:nvPr>
+            <p:ph type="body" idx="1"/>
+          </p:nvPr>
+        </p:nvSpPr>
+        <p:spPr/>
+        <p:txBody>
+          <a:bodyPr/>
+          <a:lstStyle/>
+          <a:p>
+            <a:endParaRPr lang="en-US" dirty="0"/>
+          </a:p>
+        </p:txBody>
+      </p:sp>
+      <p:sp>
+        <p:nvSpPr>
+          <p:cNvPr id="4" name="Slide Number Placeholder 3"/>
+          <p:cNvSpPr>
+            <a:spLocks noGrp="1"/>
+          </p:cNvSpPr>
+          <p:nvPr>
+            <p:ph type="sldNum" sz="quarter" idx="10"/>
+          </p:nvPr>
+        </p:nvSpPr>
+        <p:spPr/>
+        <p:txBody>
+          <a:bodyPr/>
+          <a:lstStyle/>
+          <a:p>
+            <a:fld id="{51AE5163-76D6-0846-B4A7-CD6FB6DB9683}" type="slidenum">
+              <a:rPr lang="en-US" smtClean="0"/>
+              <a:t>21</a:t>
+            </a:fld>
+            <a:endParaRPr lang="en-US"/>
+          </a:p>
+        </p:txBody>
+      </p:sp>
+    </p:spTree>
+    <p:extLst>
+      <p:ext uri="{BB962C8B-B14F-4D97-AF65-F5344CB8AC3E}">
+        <p14:creationId xmlns:p14="http://schemas.microsoft.com/office/powerpoint/2010/main" val="119569866"/>
+      </p:ext>
+    </p:extLst>
+  </p:cSld>
+  <p:clrMapOvr>
+    <a:masterClrMapping/>
+  </p:clrMapOvr>
+</p:notes>
+</file>
+
+<file path=ppt/notesSlides/notesSlide21.xml><?xml version="1.0" encoding="utf-8"?>
+<p:notes xmlns:a="http://schemas.openxmlformats.org/drawingml/2006/main" xmlns:r="http://schemas.openxmlformats.org/officeDocument/2006/relationships" xmlns:p="http://schemas.openxmlformats.org/presentationml/2006/main">
+  <p:cSld>
+    <p:spTree>
+      <p:nvGrpSpPr>
+        <p:cNvPr id="1" name=""/>
+        <p:cNvGrpSpPr/>
+        <p:nvPr/>
+      </p:nvGrpSpPr>
+      <p:grpSpPr>
+        <a:xfrm>
+          <a:off x="0" y="0"/>
+          <a:ext cx="0" cy="0"/>
+          <a:chOff x="0" y="0"/>
+          <a:chExt cx="0" cy="0"/>
+        </a:xfrm>
+      </p:grpSpPr>
+      <p:sp>
+        <p:nvSpPr>
+          <p:cNvPr id="2" name="Slide Image Placeholder 1"/>
+          <p:cNvSpPr>
+            <a:spLocks noGrp="1" noRot="1" noChangeAspect="1"/>
+          </p:cNvSpPr>
+          <p:nvPr>
+            <p:ph type="sldImg"/>
+          </p:nvPr>
+        </p:nvSpPr>
+        <p:spPr/>
+      </p:sp>
+      <p:sp>
+        <p:nvSpPr>
+          <p:cNvPr id="3" name="Notes Placeholder 2"/>
+          <p:cNvSpPr>
+            <a:spLocks noGrp="1"/>
+          </p:cNvSpPr>
+          <p:nvPr>
+            <p:ph type="body" idx="1"/>
+          </p:nvPr>
+        </p:nvSpPr>
+        <p:spPr/>
+        <p:txBody>
+          <a:bodyPr/>
+          <a:lstStyle/>
+          <a:p>
+            <a:endParaRPr lang="en-US" dirty="0"/>
+          </a:p>
+        </p:txBody>
+      </p:sp>
+      <p:sp>
+        <p:nvSpPr>
+          <p:cNvPr id="4" name="Slide Number Placeholder 3"/>
+          <p:cNvSpPr>
+            <a:spLocks noGrp="1"/>
+          </p:cNvSpPr>
+          <p:nvPr>
+            <p:ph type="sldNum" sz="quarter" idx="10"/>
+          </p:nvPr>
+        </p:nvSpPr>
+        <p:spPr/>
+        <p:txBody>
+          <a:bodyPr/>
+          <a:lstStyle/>
+          <a:p>
+            <a:fld id="{51AE5163-76D6-0846-B4A7-CD6FB6DB9683}" type="slidenum">
+              <a:rPr lang="en-US" smtClean="0"/>
+              <a:t>22</a:t>
+            </a:fld>
+            <a:endParaRPr lang="en-US"/>
+          </a:p>
+        </p:txBody>
+      </p:sp>
+    </p:spTree>
+    <p:extLst>
+      <p:ext uri="{BB962C8B-B14F-4D97-AF65-F5344CB8AC3E}">
+        <p14:creationId xmlns:p14="http://schemas.microsoft.com/office/powerpoint/2010/main" val="3713594452"/>
+      </p:ext>
+    </p:extLst>
+  </p:cSld>
+  <p:clrMapOvr>
+    <a:masterClrMapping/>
+  </p:clrMapOvr>
+</p:notes>
+</file>
+
+<file path=ppt/notesSlides/notesSlide22.xml><?xml version="1.0" encoding="utf-8"?>
+<p:notes xmlns:a="http://schemas.openxmlformats.org/drawingml/2006/main" xmlns:r="http://schemas.openxmlformats.org/officeDocument/2006/relationships" xmlns:p="http://schemas.openxmlformats.org/presentationml/2006/main">
+  <p:cSld>
+    <p:spTree>
+      <p:nvGrpSpPr>
+        <p:cNvPr id="1" name=""/>
+        <p:cNvGrpSpPr/>
+        <p:nvPr/>
+      </p:nvGrpSpPr>
+      <p:grpSpPr>
+        <a:xfrm>
+          <a:off x="0" y="0"/>
+          <a:ext cx="0" cy="0"/>
+          <a:chOff x="0" y="0"/>
+          <a:chExt cx="0" cy="0"/>
+        </a:xfrm>
+      </p:grpSpPr>
+      <p:sp>
+        <p:nvSpPr>
+          <p:cNvPr id="2" name="Slide Image Placeholder 1"/>
+          <p:cNvSpPr>
+            <a:spLocks noGrp="1" noRot="1" noChangeAspect="1"/>
+          </p:cNvSpPr>
+          <p:nvPr>
+            <p:ph type="sldImg"/>
+          </p:nvPr>
+        </p:nvSpPr>
+        <p:spPr/>
+      </p:sp>
+      <p:sp>
+        <p:nvSpPr>
+          <p:cNvPr id="3" name="Notes Placeholder 2"/>
+          <p:cNvSpPr>
+            <a:spLocks noGrp="1"/>
+          </p:cNvSpPr>
+          <p:nvPr>
+            <p:ph type="body" idx="1"/>
+          </p:nvPr>
+        </p:nvSpPr>
+        <p:spPr/>
+        <p:txBody>
+          <a:bodyPr/>
+          <a:lstStyle/>
+          <a:p>
+            <a:endParaRPr lang="en-US" dirty="0"/>
+          </a:p>
+        </p:txBody>
+      </p:sp>
+      <p:sp>
+        <p:nvSpPr>
+          <p:cNvPr id="4" name="Slide Number Placeholder 3"/>
+          <p:cNvSpPr>
+            <a:spLocks noGrp="1"/>
+          </p:cNvSpPr>
+          <p:nvPr>
+            <p:ph type="sldNum" sz="quarter" idx="10"/>
+          </p:nvPr>
+        </p:nvSpPr>
+        <p:spPr/>
+        <p:txBody>
+          <a:bodyPr/>
+          <a:lstStyle/>
+          <a:p>
+            <a:fld id="{51AE5163-76D6-0846-B4A7-CD6FB6DB9683}" type="slidenum">
+              <a:rPr lang="en-US" smtClean="0"/>
+              <a:t>23</a:t>
+            </a:fld>
+            <a:endParaRPr lang="en-US"/>
+          </a:p>
+        </p:txBody>
+      </p:sp>
+    </p:spTree>
+    <p:extLst>
+      <p:ext uri="{BB962C8B-B14F-4D97-AF65-F5344CB8AC3E}">
+        <p14:creationId xmlns:p14="http://schemas.microsoft.com/office/powerpoint/2010/main" val="3444991073"/>
+      </p:ext>
+    </p:extLst>
+  </p:cSld>
+  <p:clrMapOvr>
+    <a:masterClrMapping/>
+  </p:clrMapOvr>
+</p:notes>
+</file>
+
+<file path=ppt/notesSlides/notesSlide23.xml><?xml version="1.0" encoding="utf-8"?>
+<p:notes xmlns:a="http://schemas.openxmlformats.org/drawingml/2006/main" xmlns:r="http://schemas.openxmlformats.org/officeDocument/2006/relationships" xmlns:p="http://schemas.openxmlformats.org/presentationml/2006/main">
+  <p:cSld>
+    <p:spTree>
+      <p:nvGrpSpPr>
+        <p:cNvPr id="1" name=""/>
+        <p:cNvGrpSpPr/>
+        <p:nvPr/>
+      </p:nvGrpSpPr>
+      <p:grpSpPr>
+        <a:xfrm>
+          <a:off x="0" y="0"/>
+          <a:ext cx="0" cy="0"/>
+          <a:chOff x="0" y="0"/>
+          <a:chExt cx="0" cy="0"/>
+        </a:xfrm>
+      </p:grpSpPr>
+      <p:sp>
+        <p:nvSpPr>
+          <p:cNvPr id="2" name="Slide Image Placeholder 1"/>
+          <p:cNvSpPr>
+            <a:spLocks noGrp="1" noRot="1" noChangeAspect="1"/>
+          </p:cNvSpPr>
+          <p:nvPr>
+            <p:ph type="sldImg"/>
+          </p:nvPr>
+        </p:nvSpPr>
+        <p:spPr/>
+      </p:sp>
+      <p:sp>
+        <p:nvSpPr>
+          <p:cNvPr id="3" name="Notes Placeholder 2"/>
+          <p:cNvSpPr>
+            <a:spLocks noGrp="1"/>
+          </p:cNvSpPr>
+          <p:nvPr>
+            <p:ph type="body" idx="1"/>
+          </p:nvPr>
+        </p:nvSpPr>
+        <p:spPr/>
+        <p:txBody>
+          <a:bodyPr/>
+          <a:lstStyle/>
+          <a:p>
+            <a:endParaRPr lang="en-US" dirty="0"/>
+          </a:p>
+        </p:txBody>
+      </p:sp>
+      <p:sp>
+        <p:nvSpPr>
+          <p:cNvPr id="4" name="Slide Number Placeholder 3"/>
+          <p:cNvSpPr>
+            <a:spLocks noGrp="1"/>
+          </p:cNvSpPr>
+          <p:nvPr>
+            <p:ph type="sldNum" sz="quarter" idx="10"/>
+          </p:nvPr>
+        </p:nvSpPr>
+        <p:spPr/>
+        <p:txBody>
+          <a:bodyPr/>
+          <a:lstStyle/>
+          <a:p>
+            <a:fld id="{51AE5163-76D6-0846-B4A7-CD6FB6DB9683}" type="slidenum">
+              <a:rPr lang="en-US" smtClean="0"/>
+              <a:t>24</a:t>
+            </a:fld>
+            <a:endParaRPr lang="en-US"/>
+          </a:p>
+        </p:txBody>
+      </p:sp>
+    </p:spTree>
+    <p:extLst>
+      <p:ext uri="{BB962C8B-B14F-4D97-AF65-F5344CB8AC3E}">
+        <p14:creationId xmlns:p14="http://schemas.microsoft.com/office/powerpoint/2010/main" val="456389721"/>
+      </p:ext>
+    </p:extLst>
+  </p:cSld>
+  <p:clrMapOvr>
+    <a:masterClrMapping/>
+  </p:clrMapOvr>
+</p:notes>
+</file>
+
+<file path=ppt/notesSlides/notesSlide24.xml><?xml version="1.0" encoding="utf-8"?>
+<p:notes xmlns:a="http://schemas.openxmlformats.org/drawingml/2006/main" xmlns:r="http://schemas.openxmlformats.org/officeDocument/2006/relationships" xmlns:p="http://schemas.openxmlformats.org/presentationml/2006/main">
+  <p:cSld>
+    <p:spTree>
+      <p:nvGrpSpPr>
+        <p:cNvPr id="1" name=""/>
+        <p:cNvGrpSpPr/>
+        <p:nvPr/>
+      </p:nvGrpSpPr>
+      <p:grpSpPr>
+        <a:xfrm>
+          <a:off x="0" y="0"/>
+          <a:ext cx="0" cy="0"/>
+          <a:chOff x="0" y="0"/>
+          <a:chExt cx="0" cy="0"/>
+        </a:xfrm>
+      </p:grpSpPr>
+      <p:sp>
+        <p:nvSpPr>
+          <p:cNvPr id="2" name="Slide Image Placeholder 1"/>
+          <p:cNvSpPr>
+            <a:spLocks noGrp="1" noRot="1" noChangeAspect="1"/>
+          </p:cNvSpPr>
+          <p:nvPr>
+            <p:ph type="sldImg"/>
+          </p:nvPr>
+        </p:nvSpPr>
+        <p:spPr/>
+      </p:sp>
+      <p:sp>
+        <p:nvSpPr>
+          <p:cNvPr id="3" name="Notes Placeholder 2"/>
+          <p:cNvSpPr>
+            <a:spLocks noGrp="1"/>
+          </p:cNvSpPr>
+          <p:nvPr>
+            <p:ph type="body" idx="1"/>
+          </p:nvPr>
+        </p:nvSpPr>
+        <p:spPr/>
+        <p:txBody>
+          <a:bodyPr/>
+          <a:lstStyle/>
+          <a:p>
+            <a:endParaRPr lang="en-US" dirty="0"/>
+          </a:p>
+        </p:txBody>
+      </p:sp>
+      <p:sp>
+        <p:nvSpPr>
+          <p:cNvPr id="4" name="Slide Number Placeholder 3"/>
+          <p:cNvSpPr>
+            <a:spLocks noGrp="1"/>
+          </p:cNvSpPr>
+          <p:nvPr>
+            <p:ph type="sldNum" sz="quarter" idx="10"/>
+          </p:nvPr>
+        </p:nvSpPr>
+        <p:spPr/>
+        <p:txBody>
+          <a:bodyPr/>
+          <a:lstStyle/>
+          <a:p>
+            <a:fld id="{51AE5163-76D6-0846-B4A7-CD6FB6DB9683}" type="slidenum">
+              <a:rPr lang="en-US" smtClean="0"/>
+              <a:t>25</a:t>
+            </a:fld>
+            <a:endParaRPr lang="en-US"/>
+          </a:p>
+        </p:txBody>
+      </p:sp>
+    </p:spTree>
+    <p:extLst>
+      <p:ext uri="{BB962C8B-B14F-4D97-AF65-F5344CB8AC3E}">
+        <p14:creationId xmlns:p14="http://schemas.microsoft.com/office/powerpoint/2010/main" val="1015451270"/>
       </p:ext>
     </p:extLst>
   </p:cSld>
@@ -1074,7 +2020,7 @@
     </p:spTree>
     <p:extLst>
       <p:ext uri="{BB962C8B-B14F-4D97-AF65-F5344CB8AC3E}">
-        <p14:creationId xmlns:p14="http://schemas.microsoft.com/office/powerpoint/2010/main" val="782460616"/>
+        <p14:creationId xmlns:p14="http://schemas.microsoft.com/office/powerpoint/2010/main" val="444349096"/>
       </p:ext>
     </p:extLst>
   </p:cSld>
@@ -1158,7 +2104,7 @@
     </p:spTree>
     <p:extLst>
       <p:ext uri="{BB962C8B-B14F-4D97-AF65-F5344CB8AC3E}">
-        <p14:creationId xmlns:p14="http://schemas.microsoft.com/office/powerpoint/2010/main" val="3253704318"/>
+        <p14:creationId xmlns:p14="http://schemas.microsoft.com/office/powerpoint/2010/main" val="1783179728"/>
       </p:ext>
     </p:extLst>
   </p:cSld>
@@ -1212,9 +2158,6 @@
           <a:bodyPr/>
           <a:lstStyle/>
           <a:p>
-            <a:endParaRPr lang="en-US" dirty="0" smtClean="0"/>
-          </a:p>
-          <a:p>
             <a:endParaRPr lang="en-US" dirty="0"/>
           </a:p>
         </p:txBody>
@@ -1245,7 +2188,7 @@
     </p:spTree>
     <p:extLst>
       <p:ext uri="{BB962C8B-B14F-4D97-AF65-F5344CB8AC3E}">
-        <p14:creationId xmlns:p14="http://schemas.microsoft.com/office/powerpoint/2010/main" val="3117092865"/>
+        <p14:creationId xmlns:p14="http://schemas.microsoft.com/office/powerpoint/2010/main" val="243590597"/>
       </p:ext>
     </p:extLst>
   </p:cSld>
@@ -1329,7 +2272,7 @@
     </p:spTree>
     <p:extLst>
       <p:ext uri="{BB962C8B-B14F-4D97-AF65-F5344CB8AC3E}">
-        <p14:creationId xmlns:p14="http://schemas.microsoft.com/office/powerpoint/2010/main" val="4286944276"/>
+        <p14:creationId xmlns:p14="http://schemas.microsoft.com/office/powerpoint/2010/main" val="782460616"/>
       </p:ext>
     </p:extLst>
   </p:cSld>
@@ -1413,7 +2356,7 @@
     </p:spTree>
     <p:extLst>
       <p:ext uri="{BB962C8B-B14F-4D97-AF65-F5344CB8AC3E}">
-        <p14:creationId xmlns:p14="http://schemas.microsoft.com/office/powerpoint/2010/main" val="41402473"/>
+        <p14:creationId xmlns:p14="http://schemas.microsoft.com/office/powerpoint/2010/main" val="3253704318"/>
       </p:ext>
     </p:extLst>
   </p:cSld>
@@ -1469,6 +2412,9 @@
           <a:p>
             <a:endParaRPr lang="en-US" dirty="0" smtClean="0"/>
           </a:p>
+          <a:p>
+            <a:endParaRPr lang="en-US" dirty="0"/>
+          </a:p>
         </p:txBody>
       </p:sp>
       <p:sp>
@@ -1497,7 +2443,7 @@
     </p:spTree>
     <p:extLst>
       <p:ext uri="{BB962C8B-B14F-4D97-AF65-F5344CB8AC3E}">
-        <p14:creationId xmlns:p14="http://schemas.microsoft.com/office/powerpoint/2010/main" val="3222361176"/>
+        <p14:creationId xmlns:p14="http://schemas.microsoft.com/office/powerpoint/2010/main" val="3117092865"/>
       </p:ext>
     </p:extLst>
   </p:cSld>
@@ -1581,7 +2527,7 @@
     </p:spTree>
     <p:extLst>
       <p:ext uri="{BB962C8B-B14F-4D97-AF65-F5344CB8AC3E}">
-        <p14:creationId xmlns:p14="http://schemas.microsoft.com/office/powerpoint/2010/main" val="2102902033"/>
+        <p14:creationId xmlns:p14="http://schemas.microsoft.com/office/powerpoint/2010/main" val="4286944276"/>
       </p:ext>
     </p:extLst>
   </p:cSld>
@@ -2129,7 +3075,7 @@
           <a:blip r:embed="rId4">
             <a:extLst>
               <a:ext uri="{96DAC541-7B7A-43D3-8B79-37D633B846F1}">
-                <asvg:svgBlip xmlns="" xmlns:asvg="http://schemas.microsoft.com/office/drawing/2016/SVG/main" r:embed="rId5"/>
+                <asvg:svgBlip xmlns:asvg="http://schemas.microsoft.com/office/drawing/2016/SVG/main" xmlns="" r:embed="rId5"/>
               </a:ext>
             </a:extLst>
           </a:blip>
@@ -2165,7 +3111,7 @@
           <a:blip r:embed="rId6">
             <a:extLst>
               <a:ext uri="{96DAC541-7B7A-43D3-8B79-37D633B846F1}">
-                <asvg:svgBlip xmlns="" xmlns:asvg="http://schemas.microsoft.com/office/drawing/2016/SVG/main" r:embed="rId7"/>
+                <asvg:svgBlip xmlns:asvg="http://schemas.microsoft.com/office/drawing/2016/SVG/main" xmlns="" r:embed="rId7"/>
               </a:ext>
             </a:extLst>
           </a:blip>
@@ -2572,7 +3518,7 @@
           <a:blip r:embed="rId3">
             <a:extLst>
               <a:ext uri="{96DAC541-7B7A-43D3-8B79-37D633B846F1}">
-                <asvg:svgBlip xmlns="" xmlns:asvg="http://schemas.microsoft.com/office/drawing/2016/SVG/main" r:embed="rId4"/>
+                <asvg:svgBlip xmlns:asvg="http://schemas.microsoft.com/office/drawing/2016/SVG/main" xmlns="" r:embed="rId4"/>
               </a:ext>
             </a:extLst>
           </a:blip>
@@ -2936,7 +3882,7 @@
           <a:blip r:embed="rId3">
             <a:extLst>
               <a:ext uri="{96DAC541-7B7A-43D3-8B79-37D633B846F1}">
-                <asvg:svgBlip xmlns="" xmlns:asvg="http://schemas.microsoft.com/office/drawing/2016/SVG/main" r:embed="rId4"/>
+                <asvg:svgBlip xmlns:asvg="http://schemas.microsoft.com/office/drawing/2016/SVG/main" xmlns="" r:embed="rId4"/>
               </a:ext>
             </a:extLst>
           </a:blip>
@@ -3467,7 +4413,7 @@
           <a:blip r:embed="rId3">
             <a:extLst>
               <a:ext uri="{96DAC541-7B7A-43D3-8B79-37D633B846F1}">
-                <asvg:svgBlip xmlns="" xmlns:asvg="http://schemas.microsoft.com/office/drawing/2016/SVG/main" r:embed="rId4"/>
+                <asvg:svgBlip xmlns:asvg="http://schemas.microsoft.com/office/drawing/2016/SVG/main" xmlns="" r:embed="rId4"/>
               </a:ext>
             </a:extLst>
           </a:blip>
@@ -3707,7 +4653,7 @@
           <a:blip r:embed="rId4">
             <a:extLst>
               <a:ext uri="{96DAC541-7B7A-43D3-8B79-37D633B846F1}">
-                <asvg:svgBlip xmlns="" xmlns:asvg="http://schemas.microsoft.com/office/drawing/2016/SVG/main" r:embed="rId5"/>
+                <asvg:svgBlip xmlns:asvg="http://schemas.microsoft.com/office/drawing/2016/SVG/main" xmlns="" r:embed="rId5"/>
               </a:ext>
             </a:extLst>
           </a:blip>
@@ -3787,7 +4733,7 @@
           <a:blip r:embed="rId3">
             <a:extLst>
               <a:ext uri="{96DAC541-7B7A-43D3-8B79-37D633B846F1}">
-                <asvg:svgBlip xmlns="" xmlns:asvg="http://schemas.microsoft.com/office/drawing/2016/SVG/main" r:embed="rId4"/>
+                <asvg:svgBlip xmlns:asvg="http://schemas.microsoft.com/office/drawing/2016/SVG/main" xmlns="" r:embed="rId4"/>
               </a:ext>
             </a:extLst>
           </a:blip>
@@ -3823,7 +4769,7 @@
           <a:blip r:embed="rId5">
             <a:extLst>
               <a:ext uri="{96DAC541-7B7A-43D3-8B79-37D633B846F1}">
-                <asvg:svgBlip xmlns="" xmlns:asvg="http://schemas.microsoft.com/office/drawing/2016/SVG/main" r:embed="rId6"/>
+                <asvg:svgBlip xmlns:asvg="http://schemas.microsoft.com/office/drawing/2016/SVG/main" xmlns="" r:embed="rId6"/>
               </a:ext>
             </a:extLst>
           </a:blip>
@@ -3903,7 +4849,7 @@
           <a:blip r:embed="rId3">
             <a:extLst>
               <a:ext uri="{96DAC541-7B7A-43D3-8B79-37D633B846F1}">
-                <asvg:svgBlip xmlns="" xmlns:asvg="http://schemas.microsoft.com/office/drawing/2016/SVG/main" r:embed="rId4"/>
+                <asvg:svgBlip xmlns:asvg="http://schemas.microsoft.com/office/drawing/2016/SVG/main" xmlns="" r:embed="rId4"/>
               </a:ext>
             </a:extLst>
           </a:blip>
@@ -3939,7 +4885,7 @@
           <a:blip r:embed="rId5">
             <a:extLst>
               <a:ext uri="{96DAC541-7B7A-43D3-8B79-37D633B846F1}">
-                <asvg:svgBlip xmlns="" xmlns:asvg="http://schemas.microsoft.com/office/drawing/2016/SVG/main" r:embed="rId6"/>
+                <asvg:svgBlip xmlns:asvg="http://schemas.microsoft.com/office/drawing/2016/SVG/main" xmlns="" r:embed="rId6"/>
               </a:ext>
             </a:extLst>
           </a:blip>
@@ -4019,7 +4965,7 @@
           <a:blip r:embed="rId3">
             <a:extLst>
               <a:ext uri="{96DAC541-7B7A-43D3-8B79-37D633B846F1}">
-                <asvg:svgBlip xmlns="" xmlns:asvg="http://schemas.microsoft.com/office/drawing/2016/SVG/main" r:embed="rId4"/>
+                <asvg:svgBlip xmlns:asvg="http://schemas.microsoft.com/office/drawing/2016/SVG/main" xmlns="" r:embed="rId4"/>
               </a:ext>
             </a:extLst>
           </a:blip>
@@ -4055,7 +5001,7 @@
           <a:blip r:embed="rId5">
             <a:extLst>
               <a:ext uri="{96DAC541-7B7A-43D3-8B79-37D633B846F1}">
-                <asvg:svgBlip xmlns="" xmlns:asvg="http://schemas.microsoft.com/office/drawing/2016/SVG/main" r:embed="rId6"/>
+                <asvg:svgBlip xmlns:asvg="http://schemas.microsoft.com/office/drawing/2016/SVG/main" xmlns="" r:embed="rId6"/>
               </a:ext>
             </a:extLst>
           </a:blip>
@@ -4135,7 +5081,7 @@
           <a:blip r:embed="rId3">
             <a:extLst>
               <a:ext uri="{96DAC541-7B7A-43D3-8B79-37D633B846F1}">
-                <asvg:svgBlip xmlns="" xmlns:asvg="http://schemas.microsoft.com/office/drawing/2016/SVG/main" r:embed="rId4"/>
+                <asvg:svgBlip xmlns:asvg="http://schemas.microsoft.com/office/drawing/2016/SVG/main" xmlns="" r:embed="rId4"/>
               </a:ext>
             </a:extLst>
           </a:blip>
@@ -4171,7 +5117,7 @@
           <a:blip r:embed="rId5">
             <a:extLst>
               <a:ext uri="{96DAC541-7B7A-43D3-8B79-37D633B846F1}">
-                <asvg:svgBlip xmlns="" xmlns:asvg="http://schemas.microsoft.com/office/drawing/2016/SVG/main" r:embed="rId6"/>
+                <asvg:svgBlip xmlns:asvg="http://schemas.microsoft.com/office/drawing/2016/SVG/main" xmlns="" r:embed="rId6"/>
               </a:ext>
             </a:extLst>
           </a:blip>
@@ -4251,7 +5197,7 @@
           <a:blip r:embed="rId3">
             <a:extLst>
               <a:ext uri="{96DAC541-7B7A-43D3-8B79-37D633B846F1}">
-                <asvg:svgBlip xmlns="" xmlns:asvg="http://schemas.microsoft.com/office/drawing/2016/SVG/main" r:embed="rId4"/>
+                <asvg:svgBlip xmlns:asvg="http://schemas.microsoft.com/office/drawing/2016/SVG/main" xmlns="" r:embed="rId4"/>
               </a:ext>
             </a:extLst>
           </a:blip>
@@ -4287,7 +5233,7 @@
           <a:blip r:embed="rId5">
             <a:extLst>
               <a:ext uri="{96DAC541-7B7A-43D3-8B79-37D633B846F1}">
-                <asvg:svgBlip xmlns="" xmlns:asvg="http://schemas.microsoft.com/office/drawing/2016/SVG/main" r:embed="rId6"/>
+                <asvg:svgBlip xmlns:asvg="http://schemas.microsoft.com/office/drawing/2016/SVG/main" xmlns="" r:embed="rId6"/>
               </a:ext>
             </a:extLst>
           </a:blip>
@@ -4367,7 +5313,7 @@
           <a:blip r:embed="rId3">
             <a:extLst>
               <a:ext uri="{96DAC541-7B7A-43D3-8B79-37D633B846F1}">
-                <asvg:svgBlip xmlns="" xmlns:asvg="http://schemas.microsoft.com/office/drawing/2016/SVG/main" r:embed="rId4"/>
+                <asvg:svgBlip xmlns:asvg="http://schemas.microsoft.com/office/drawing/2016/SVG/main" xmlns="" r:embed="rId4"/>
               </a:ext>
             </a:extLst>
           </a:blip>
@@ -4403,7 +5349,7 @@
           <a:blip r:embed="rId5">
             <a:extLst>
               <a:ext uri="{96DAC541-7B7A-43D3-8B79-37D633B846F1}">
-                <asvg:svgBlip xmlns="" xmlns:asvg="http://schemas.microsoft.com/office/drawing/2016/SVG/main" r:embed="rId6"/>
+                <asvg:svgBlip xmlns:asvg="http://schemas.microsoft.com/office/drawing/2016/SVG/main" xmlns="" r:embed="rId6"/>
               </a:ext>
             </a:extLst>
           </a:blip>
@@ -4972,7 +5918,7 @@
           <a:blip r:embed="rId4">
             <a:extLst>
               <a:ext uri="{96DAC541-7B7A-43D3-8B79-37D633B846F1}">
-                <asvg:svgBlip xmlns="" xmlns:asvg="http://schemas.microsoft.com/office/drawing/2016/SVG/main" r:embed="rId5"/>
+                <asvg:svgBlip xmlns:asvg="http://schemas.microsoft.com/office/drawing/2016/SVG/main" xmlns="" r:embed="rId5"/>
               </a:ext>
             </a:extLst>
           </a:blip>
@@ -5008,7 +5954,7 @@
           <a:blip r:embed="rId6">
             <a:extLst>
               <a:ext uri="{96DAC541-7B7A-43D3-8B79-37D633B846F1}">
-                <asvg:svgBlip xmlns="" xmlns:asvg="http://schemas.microsoft.com/office/drawing/2016/SVG/main" r:embed="rId7"/>
+                <asvg:svgBlip xmlns:asvg="http://schemas.microsoft.com/office/drawing/2016/SVG/main" xmlns="" r:embed="rId7"/>
               </a:ext>
             </a:extLst>
           </a:blip>
@@ -5088,7 +6034,7 @@
           <a:blip r:embed="rId3">
             <a:extLst>
               <a:ext uri="{96DAC541-7B7A-43D3-8B79-37D633B846F1}">
-                <asvg:svgBlip xmlns="" xmlns:asvg="http://schemas.microsoft.com/office/drawing/2016/SVG/main" r:embed="rId4"/>
+                <asvg:svgBlip xmlns:asvg="http://schemas.microsoft.com/office/drawing/2016/SVG/main" xmlns="" r:embed="rId4"/>
               </a:ext>
             </a:extLst>
           </a:blip>
@@ -5124,7 +6070,7 @@
           <a:blip r:embed="rId5">
             <a:extLst>
               <a:ext uri="{96DAC541-7B7A-43D3-8B79-37D633B846F1}">
-                <asvg:svgBlip xmlns="" xmlns:asvg="http://schemas.microsoft.com/office/drawing/2016/SVG/main" r:embed="rId6"/>
+                <asvg:svgBlip xmlns:asvg="http://schemas.microsoft.com/office/drawing/2016/SVG/main" xmlns="" r:embed="rId6"/>
               </a:ext>
             </a:extLst>
           </a:blip>
@@ -5204,7 +6150,7 @@
           <a:blip r:embed="rId3">
             <a:extLst>
               <a:ext uri="{96DAC541-7B7A-43D3-8B79-37D633B846F1}">
-                <asvg:svgBlip xmlns="" xmlns:asvg="http://schemas.microsoft.com/office/drawing/2016/SVG/main" r:embed="rId4"/>
+                <asvg:svgBlip xmlns:asvg="http://schemas.microsoft.com/office/drawing/2016/SVG/main" xmlns="" r:embed="rId4"/>
               </a:ext>
             </a:extLst>
           </a:blip>
@@ -5240,7 +6186,7 @@
           <a:blip r:embed="rId5">
             <a:extLst>
               <a:ext uri="{96DAC541-7B7A-43D3-8B79-37D633B846F1}">
-                <asvg:svgBlip xmlns="" xmlns:asvg="http://schemas.microsoft.com/office/drawing/2016/SVG/main" r:embed="rId6"/>
+                <asvg:svgBlip xmlns:asvg="http://schemas.microsoft.com/office/drawing/2016/SVG/main" xmlns="" r:embed="rId6"/>
               </a:ext>
             </a:extLst>
           </a:blip>
@@ -5633,7 +6579,7 @@
           <a:blip r:embed="rId3">
             <a:extLst>
               <a:ext uri="{96DAC541-7B7A-43D3-8B79-37D633B846F1}">
-                <asvg:svgBlip xmlns="" xmlns:asvg="http://schemas.microsoft.com/office/drawing/2016/SVG/main" r:embed="rId4"/>
+                <asvg:svgBlip xmlns:asvg="http://schemas.microsoft.com/office/drawing/2016/SVG/main" xmlns="" r:embed="rId4"/>
               </a:ext>
             </a:extLst>
           </a:blip>
@@ -6172,7 +7118,7 @@
           <a:blip r:embed="rId3">
             <a:extLst>
               <a:ext uri="{96DAC541-7B7A-43D3-8B79-37D633B846F1}">
-                <asvg:svgBlip xmlns="" xmlns:asvg="http://schemas.microsoft.com/office/drawing/2016/SVG/main" r:embed="rId4"/>
+                <asvg:svgBlip xmlns:asvg="http://schemas.microsoft.com/office/drawing/2016/SVG/main" xmlns="" r:embed="rId4"/>
               </a:ext>
             </a:extLst>
           </a:blip>
@@ -6208,7 +7154,7 @@
           <a:blip r:embed="rId5">
             <a:extLst>
               <a:ext uri="{96DAC541-7B7A-43D3-8B79-37D633B846F1}">
-                <asvg:svgBlip xmlns="" xmlns:asvg="http://schemas.microsoft.com/office/drawing/2016/SVG/main" r:embed="rId6"/>
+                <asvg:svgBlip xmlns:asvg="http://schemas.microsoft.com/office/drawing/2016/SVG/main" xmlns="" r:embed="rId6"/>
               </a:ext>
             </a:extLst>
           </a:blip>
@@ -6747,7 +7693,7 @@
           <a:blip r:embed="rId3">
             <a:extLst>
               <a:ext uri="{96DAC541-7B7A-43D3-8B79-37D633B846F1}">
-                <asvg:svgBlip xmlns="" xmlns:asvg="http://schemas.microsoft.com/office/drawing/2016/SVG/main" r:embed="rId4"/>
+                <asvg:svgBlip xmlns:asvg="http://schemas.microsoft.com/office/drawing/2016/SVG/main" xmlns="" r:embed="rId4"/>
               </a:ext>
             </a:extLst>
           </a:blip>
@@ -6783,7 +7729,7 @@
           <a:blip r:embed="rId5">
             <a:extLst>
               <a:ext uri="{96DAC541-7B7A-43D3-8B79-37D633B846F1}">
-                <asvg:svgBlip xmlns="" xmlns:asvg="http://schemas.microsoft.com/office/drawing/2016/SVG/main" r:embed="rId6"/>
+                <asvg:svgBlip xmlns:asvg="http://schemas.microsoft.com/office/drawing/2016/SVG/main" xmlns="" r:embed="rId6"/>
               </a:ext>
             </a:extLst>
           </a:blip>
@@ -7322,7 +8268,7 @@
           <a:blip r:embed="rId3">
             <a:extLst>
               <a:ext uri="{96DAC541-7B7A-43D3-8B79-37D633B846F1}">
-                <asvg:svgBlip xmlns="" xmlns:asvg="http://schemas.microsoft.com/office/drawing/2016/SVG/main" r:embed="rId4"/>
+                <asvg:svgBlip xmlns:asvg="http://schemas.microsoft.com/office/drawing/2016/SVG/main" xmlns="" r:embed="rId4"/>
               </a:ext>
             </a:extLst>
           </a:blip>
@@ -7358,7 +8304,7 @@
           <a:blip r:embed="rId5">
             <a:extLst>
               <a:ext uri="{96DAC541-7B7A-43D3-8B79-37D633B846F1}">
-                <asvg:svgBlip xmlns="" xmlns:asvg="http://schemas.microsoft.com/office/drawing/2016/SVG/main" r:embed="rId6"/>
+                <asvg:svgBlip xmlns:asvg="http://schemas.microsoft.com/office/drawing/2016/SVG/main" xmlns="" r:embed="rId6"/>
               </a:ext>
             </a:extLst>
           </a:blip>
@@ -7598,7 +8544,7 @@
           <a:blip r:embed="rId3">
             <a:extLst>
               <a:ext uri="{96DAC541-7B7A-43D3-8B79-37D633B846F1}">
-                <asvg:svgBlip xmlns="" xmlns:asvg="http://schemas.microsoft.com/office/drawing/2016/SVG/main" r:embed="rId4"/>
+                <asvg:svgBlip xmlns:asvg="http://schemas.microsoft.com/office/drawing/2016/SVG/main" xmlns="" r:embed="rId4"/>
               </a:ext>
             </a:extLst>
           </a:blip>
@@ -7900,7 +8846,7 @@
           <a:blip r:embed="rId3">
             <a:extLst>
               <a:ext uri="{96DAC541-7B7A-43D3-8B79-37D633B846F1}">
-                <asvg:svgBlip xmlns="" xmlns:asvg="http://schemas.microsoft.com/office/drawing/2016/SVG/main" r:embed="rId4"/>
+                <asvg:svgBlip xmlns:asvg="http://schemas.microsoft.com/office/drawing/2016/SVG/main" xmlns="" r:embed="rId4"/>
               </a:ext>
             </a:extLst>
           </a:blip>
@@ -8277,7 +9223,7 @@
           <a:blip r:embed="rId3">
             <a:extLst>
               <a:ext uri="{96DAC541-7B7A-43D3-8B79-37D633B846F1}">
-                <asvg:svgBlip xmlns="" xmlns:asvg="http://schemas.microsoft.com/office/drawing/2016/SVG/main" r:embed="rId4"/>
+                <asvg:svgBlip xmlns:asvg="http://schemas.microsoft.com/office/drawing/2016/SVG/main" xmlns="" r:embed="rId4"/>
               </a:ext>
             </a:extLst>
           </a:blip>
@@ -8579,7 +9525,7 @@
           <a:blip r:embed="rId3">
             <a:extLst>
               <a:ext uri="{96DAC541-7B7A-43D3-8B79-37D633B846F1}">
-                <asvg:svgBlip xmlns="" xmlns:asvg="http://schemas.microsoft.com/office/drawing/2016/SVG/main" r:embed="rId4"/>
+                <asvg:svgBlip xmlns:asvg="http://schemas.microsoft.com/office/drawing/2016/SVG/main" xmlns="" r:embed="rId4"/>
               </a:ext>
             </a:extLst>
           </a:blip>
@@ -9399,13 +10345,10 @@
           <a:lstStyle/>
           <a:p>
             <a:r>
-              <a:rPr lang="en-US" sz="3600" dirty="0"/>
-              <a:t>What Variables you should </a:t>
-            </a:r>
-            <a:r>
-              <a:rPr lang="en-US" sz="3200" dirty="0"/>
-              <a:t>test</a:t>
-            </a:r>
+              <a:rPr lang="en-US" sz="3600" dirty="0" smtClean="0"/>
+              <a:t>What Variables you should test</a:t>
+            </a:r>
+            <a:endParaRPr lang="en-US" sz="3600" dirty="0"/>
           </a:p>
         </p:txBody>
       </p:sp>
@@ -9419,12 +10362,7 @@
             <p:ph type="body" sz="quarter" idx="14"/>
           </p:nvPr>
         </p:nvSpPr>
-        <p:spPr>
-          <a:xfrm>
-            <a:off x="484188" y="1077746"/>
-            <a:ext cx="7002462" cy="3437994"/>
-          </a:xfrm>
-        </p:spPr>
+        <p:spPr/>
         <p:txBody>
           <a:bodyPr/>
           <a:lstStyle/>
@@ -9434,7 +10372,7 @@
             </a:pPr>
             <a:r>
               <a:rPr lang="en-US" b="1" dirty="0" smtClean="0"/>
-              <a:t>Call to action</a:t>
+              <a:t>Landing pages:</a:t>
             </a:r>
           </a:p>
           <a:p>
@@ -9443,7 +10381,7 @@
             </a:pPr>
             <a:r>
               <a:rPr lang="en-US" dirty="0" smtClean="0"/>
-              <a:t>PLACEMENT</a:t>
+              <a:t>OFFERS:</a:t>
             </a:r>
           </a:p>
           <a:p>
@@ -9451,58 +10389,18 @@
               <a:buNone/>
             </a:pPr>
             <a:r>
-              <a:rPr lang="en-US" sz="2000" dirty="0"/>
-              <a:t>A</a:t>
-            </a:r>
-            <a:r>
-              <a:rPr lang="en-US" sz="2000" dirty="0" smtClean="0"/>
-              <a:t>ccording </a:t>
-            </a:r>
-            <a:r>
-              <a:rPr lang="en-US" sz="2000" dirty="0"/>
-              <a:t>to an </a:t>
-            </a:r>
-            <a:r>
-              <a:rPr lang="en-US" sz="2000" dirty="0" err="1"/>
-              <a:t>Eyetrack</a:t>
-            </a:r>
-            <a:r>
-              <a:rPr lang="en-US" sz="2000" dirty="0"/>
-              <a:t> III study, the best placement of online ads is in the top and left position</a:t>
-            </a:r>
-            <a:r>
-              <a:rPr lang="en-US" sz="2000" dirty="0" smtClean="0"/>
-              <a:t>.</a:t>
-            </a:r>
-          </a:p>
-          <a:p>
-            <a:pPr marL="0" indent="0">
-              <a:buNone/>
-            </a:pPr>
-            <a:r>
-              <a:rPr lang="en-US" sz="2000" dirty="0"/>
-              <a:t>C</a:t>
-            </a:r>
-            <a:r>
-              <a:rPr lang="en-US" sz="2000" dirty="0" smtClean="0"/>
-              <a:t>opywriter </a:t>
-            </a:r>
-            <a:r>
-              <a:rPr lang="en-US" sz="2000" dirty="0"/>
-              <a:t>Dean </a:t>
-            </a:r>
-            <a:r>
-              <a:rPr lang="en-US" sz="2000" dirty="0" err="1"/>
-              <a:t>Rieck</a:t>
-            </a:r>
-            <a:r>
-              <a:rPr lang="en-US" sz="2000" dirty="0"/>
-              <a:t> suggests that once your readers get used to a particular placement, they might start ignoring the call-to-action or </a:t>
-            </a:r>
-            <a:r>
-              <a:rPr lang="en-US" sz="2000" dirty="0" smtClean="0"/>
-              <a:t>ad.</a:t>
-            </a:r>
+              <a:rPr lang="en-US" dirty="0" smtClean="0"/>
+              <a:t>What </a:t>
+            </a:r>
+            <a:r>
+              <a:rPr lang="en-US" dirty="0"/>
+              <a:t>types of offers convert the most visitors into leads and which offers help you push leads down the sales </a:t>
+            </a:r>
+            <a:r>
+              <a:rPr lang="en-US" dirty="0" smtClean="0"/>
+              <a:t>funnel?</a:t>
+            </a:r>
+            <a:endParaRPr lang="en-US" dirty="0"/>
           </a:p>
         </p:txBody>
       </p:sp>
@@ -9532,7 +10430,7 @@
       </p:sp>
       <p:pic>
         <p:nvPicPr>
-          <p:cNvPr id="10242" name="Picture 2" descr="Call-to-Action buttons – the ultimate guide for high-converting CTAs"/>
+          <p:cNvPr id="6146" name="Picture 2" descr="A/B testing - Wikipedia"/>
           <p:cNvPicPr>
             <a:picLocks noChangeAspect="1" noChangeArrowheads="1"/>
           </p:cNvPicPr>
@@ -9553,8 +10451,8 @@
         </p:blipFill>
         <p:spPr bwMode="auto">
           <a:xfrm>
-            <a:off x="3985419" y="3464787"/>
-            <a:ext cx="3870325" cy="1658711"/>
+            <a:off x="3824288" y="2808287"/>
+            <a:ext cx="3687741" cy="2182951"/>
           </a:xfrm>
           <a:prstGeom prst="rect">
             <a:avLst/>
@@ -9615,7 +10513,7 @@
     </p:spTree>
     <p:extLst>
       <p:ext uri="{BB962C8B-B14F-4D97-AF65-F5344CB8AC3E}">
-        <p14:creationId xmlns:p14="http://schemas.microsoft.com/office/powerpoint/2010/main" val="1354788257"/>
+        <p14:creationId xmlns:p14="http://schemas.microsoft.com/office/powerpoint/2010/main" val="197220036"/>
       </p:ext>
     </p:extLst>
   </p:cSld>
@@ -9651,7 +10549,7 @@
       </p:grpSpPr>
       <p:pic>
         <p:nvPicPr>
-          <p:cNvPr id="6" name="Picture 4" descr="White Background Images for Desktop or Mobile | Cool Backgrounds"/>
+          <p:cNvPr id="5" name="Picture 4" descr="White Background Images for Desktop or Mobile | Cool Backgrounds"/>
           <p:cNvPicPr>
             <a:picLocks noChangeAspect="1" noChangeArrowheads="1"/>
           </p:cNvPicPr>
@@ -9706,12 +10604,8 @@
           <a:lstStyle/>
           <a:p>
             <a:r>
-              <a:rPr lang="en-US" sz="3600" dirty="0"/>
-              <a:t>What Variables you should </a:t>
-            </a:r>
-            <a:r>
               <a:rPr lang="en-US" sz="3600" dirty="0" smtClean="0"/>
-              <a:t>test</a:t>
+              <a:t>What Variables you should test</a:t>
             </a:r>
             <a:endParaRPr lang="en-US" sz="3600" dirty="0"/>
           </a:p>
@@ -9730,7 +10624,7 @@
         <p:spPr>
           <a:xfrm>
             <a:off x="1169988" y="1077746"/>
-            <a:ext cx="4303712" cy="3437994"/>
+            <a:ext cx="4354512" cy="3437994"/>
           </a:xfrm>
         </p:spPr>
         <p:txBody>
@@ -9741,12 +10635,8 @@
               <a:buNone/>
             </a:pPr>
             <a:r>
-              <a:rPr lang="en-US" b="1" dirty="0"/>
-              <a:t>Call to </a:t>
-            </a:r>
-            <a:r>
               <a:rPr lang="en-US" b="1" dirty="0" smtClean="0"/>
-              <a:t>action</a:t>
+              <a:t>Landing pages:</a:t>
             </a:r>
           </a:p>
           <a:p>
@@ -9754,8 +10644,8 @@
               <a:buNone/>
             </a:pPr>
             <a:r>
-              <a:rPr lang="en-US" i="1" dirty="0" smtClean="0"/>
-              <a:t>SIZE</a:t>
+              <a:rPr lang="en-US" dirty="0" smtClean="0"/>
+              <a:t>TOPICS/COPY:</a:t>
             </a:r>
           </a:p>
           <a:p>
@@ -9763,53 +10653,9 @@
               <a:buNone/>
             </a:pPr>
             <a:r>
-              <a:rPr lang="en-US" dirty="0" smtClean="0"/>
-              <a:t>Create </a:t>
-            </a:r>
-            <a:r>
               <a:rPr lang="en-US" dirty="0"/>
-              <a:t>an A/B test to see if a big </a:t>
-            </a:r>
-            <a:r>
-              <a:rPr lang="en-US" dirty="0" smtClean="0"/>
-              <a:t>call to-action </a:t>
-            </a:r>
-            <a:r>
-              <a:rPr lang="en-US" dirty="0"/>
-              <a:t>that adds value to the </a:t>
-            </a:r>
-            <a:r>
-              <a:rPr lang="en-US" dirty="0" smtClean="0"/>
-              <a:t>message. </a:t>
-            </a:r>
-          </a:p>
-          <a:p>
-            <a:pPr marL="0" indent="0">
-              <a:buNone/>
-            </a:pPr>
-            <a:r>
-              <a:rPr lang="en-US" i="1" dirty="0" smtClean="0"/>
-              <a:t>COLOR</a:t>
-            </a:r>
-          </a:p>
-          <a:p>
-            <a:pPr marL="0" indent="0">
-              <a:buNone/>
-            </a:pPr>
-            <a:r>
-              <a:rPr lang="en-US" i="1" dirty="0" smtClean="0"/>
-              <a:t>COPY</a:t>
-            </a:r>
-          </a:p>
-          <a:p>
-            <a:pPr marL="0" indent="0">
-              <a:buNone/>
-            </a:pPr>
-            <a:r>
-              <a:rPr lang="en-US" i="1" dirty="0" smtClean="0"/>
-              <a:t>GRAPHIC</a:t>
-            </a:r>
-            <a:endParaRPr lang="en-US" i="1" dirty="0"/>
+              <a:t>How should you position your offer? What messaging will entice your reader? Should you add testimonials to strengthen the visitor’s incentive?</a:t>
+            </a:r>
           </a:p>
         </p:txBody>
       </p:sp>
@@ -9839,44 +10685,14 @@
       </p:sp>
       <p:pic>
         <p:nvPicPr>
-          <p:cNvPr id="5" name="Picture 4"/>
-          <p:cNvPicPr>
-            <a:picLocks noChangeAspect="1"/>
-          </p:cNvPicPr>
-          <p:nvPr/>
-        </p:nvPicPr>
-        <p:blipFill>
-          <a:blip r:embed="rId4">
-            <a:extLst>
-              <a:ext uri="{28A0092B-C50C-407E-A947-70E740481C1C}">
-                <a14:useLocalDpi xmlns:a14="http://schemas.microsoft.com/office/drawing/2010/main" val="0"/>
-              </a:ext>
-            </a:extLst>
-          </a:blip>
-          <a:stretch>
-            <a:fillRect/>
-          </a:stretch>
-        </p:blipFill>
-        <p:spPr>
-          <a:xfrm>
-            <a:off x="5473700" y="924819"/>
-            <a:ext cx="3572374" cy="3743847"/>
-          </a:xfrm>
-          <a:prstGeom prst="rect">
-            <a:avLst/>
-          </a:prstGeom>
-        </p:spPr>
-      </p:pic>
-      <p:pic>
-        <p:nvPicPr>
-          <p:cNvPr id="7" name="Picture 2" descr="Breda University of Applied Sciences"/>
+          <p:cNvPr id="7170" name="Picture 2" descr="A/B Testing with Firebase | Cardinal Path"/>
           <p:cNvPicPr>
             <a:picLocks noChangeAspect="1" noChangeArrowheads="1"/>
           </p:cNvPicPr>
           <p:nvPr/>
         </p:nvPicPr>
         <p:blipFill>
-          <a:blip r:embed="rId5">
+          <a:blip r:embed="rId4">
             <a:extLst>
               <a:ext uri="{28A0092B-C50C-407E-A947-70E740481C1C}">
                 <a14:useLocalDpi xmlns:a14="http://schemas.microsoft.com/office/drawing/2010/main" val="0"/>
@@ -9890,8 +10706,8 @@
         </p:blipFill>
         <p:spPr bwMode="auto">
           <a:xfrm>
-            <a:off x="0" y="4537973"/>
-            <a:ext cx="1707722" cy="589899"/>
+            <a:off x="5562600" y="2025175"/>
+            <a:ext cx="3392801" cy="1930259"/>
           </a:xfrm>
           <a:prstGeom prst="rect">
             <a:avLst/>
@@ -9908,10 +10724,51 @@
           </a:extLst>
         </p:spPr>
       </p:pic>
+      <p:pic>
+        <p:nvPicPr>
+          <p:cNvPr id="7" name="Picture 2" descr="Breda University of Applied Sciences"/>
+          <p:cNvPicPr>
+            <a:picLocks noChangeAspect="1" noChangeArrowheads="1"/>
+          </p:cNvPicPr>
+          <p:nvPr/>
+        </p:nvPicPr>
+        <p:blipFill>
+          <a:blip r:embed="rId5">
+            <a:extLst>
+              <a:ext uri="{28A0092B-C50C-407E-A947-70E740481C1C}">
+                <a14:useLocalDpi xmlns:a14="http://schemas.microsoft.com/office/drawing/2010/main" val="0"/>
+              </a:ext>
+            </a:extLst>
+          </a:blip>
+          <a:srcRect/>
+          <a:stretch>
+            <a:fillRect/>
+          </a:stretch>
+        </p:blipFill>
+        <p:spPr bwMode="auto">
+          <a:xfrm>
+            <a:off x="0" y="4537973"/>
+            <a:ext cx="1707722" cy="589899"/>
+          </a:xfrm>
+          <a:prstGeom prst="rect">
+            <a:avLst/>
+          </a:prstGeom>
+          <a:noFill/>
+          <a:extLst>
+            <a:ext uri="{909E8E84-426E-40DD-AFC4-6F175D3DCCD1}">
+              <a14:hiddenFill xmlns:a14="http://schemas.microsoft.com/office/drawing/2010/main">
+                <a:solidFill>
+                  <a:srgbClr val="FFFFFF"/>
+                </a:solidFill>
+              </a14:hiddenFill>
+            </a:ext>
+          </a:extLst>
+        </p:spPr>
+      </p:pic>
     </p:spTree>
     <p:extLst>
       <p:ext uri="{BB962C8B-B14F-4D97-AF65-F5344CB8AC3E}">
-        <p14:creationId xmlns:p14="http://schemas.microsoft.com/office/powerpoint/2010/main" val="848405415"/>
+        <p14:creationId xmlns:p14="http://schemas.microsoft.com/office/powerpoint/2010/main" val="4157633883"/>
       </p:ext>
     </p:extLst>
   </p:cSld>
@@ -10002,17 +10859,10 @@
           <a:lstStyle/>
           <a:p>
             <a:r>
-              <a:rPr lang="en-US" sz="2800" dirty="0"/>
-              <a:t>E</a:t>
-            </a:r>
-            <a:r>
-              <a:rPr lang="en-US" sz="2800" dirty="0" smtClean="0"/>
-              <a:t>lements </a:t>
-            </a:r>
-            <a:r>
-              <a:rPr lang="en-US" sz="2800" dirty="0"/>
-              <a:t>that you can optimize in your email:</a:t>
-            </a:r>
+              <a:rPr lang="en-US" sz="3600" dirty="0" smtClean="0"/>
+              <a:t>What Variables you should test</a:t>
+            </a:r>
+            <a:endParaRPr lang="en-US" sz="3600" dirty="0"/>
           </a:p>
         </p:txBody>
       </p:sp>
@@ -10031,48 +10881,50 @@
           <a:bodyPr/>
           <a:lstStyle/>
           <a:p>
-            <a:pPr>
-              <a:lnSpc>
-                <a:spcPct val="150000"/>
-              </a:lnSpc>
+            <a:pPr marL="0" indent="0">
+              <a:buNone/>
             </a:pPr>
             <a:r>
               <a:rPr lang="en-US" b="1" dirty="0" smtClean="0"/>
-              <a:t>FORMAT</a:t>
-            </a:r>
-          </a:p>
-          <a:p>
-            <a:pPr>
-              <a:lnSpc>
-                <a:spcPct val="150000"/>
-              </a:lnSpc>
+              <a:t>Landing pages:</a:t>
+            </a:r>
+          </a:p>
+          <a:p>
+            <a:pPr marL="0" indent="0">
+              <a:buNone/>
             </a:pPr>
             <a:r>
-              <a:rPr lang="en-US" b="1" dirty="0" smtClean="0"/>
-              <a:t>LAYOUT</a:t>
-            </a:r>
-          </a:p>
-          <a:p>
-            <a:pPr>
-              <a:lnSpc>
-                <a:spcPct val="150000"/>
-              </a:lnSpc>
+              <a:rPr lang="en-US" dirty="0" smtClean="0"/>
+              <a:t>FORM FIELDS:</a:t>
+            </a:r>
+          </a:p>
+          <a:p>
+            <a:pPr marL="0" indent="0">
+              <a:buNone/>
             </a:pPr>
             <a:r>
-              <a:rPr lang="en-US" b="1" dirty="0" smtClean="0"/>
-              <a:t>SENDER</a:t>
-            </a:r>
-          </a:p>
-          <a:p>
-            <a:pPr>
-              <a:lnSpc>
-                <a:spcPct val="150000"/>
-              </a:lnSpc>
+              <a:rPr lang="en-US" dirty="0"/>
+              <a:t>Should your lead capture form only request an email address or should it ask for more </a:t>
+            </a:r>
+            <a:r>
+              <a:rPr lang="en-US" dirty="0" smtClean="0"/>
+              <a:t>information?</a:t>
+            </a:r>
+          </a:p>
+          <a:p>
+            <a:pPr marL="0" indent="0">
+              <a:buNone/>
             </a:pPr>
             <a:r>
-              <a:rPr lang="en-US" b="1" dirty="0" smtClean="0"/>
-              <a:t>SUBJECT LINE</a:t>
-            </a:r>
+              <a:rPr lang="en-US" dirty="0"/>
+              <a:t>WHOLE PAGE</a:t>
+            </a:r>
+          </a:p>
+          <a:p>
+            <a:pPr marL="0" indent="0">
+              <a:buNone/>
+            </a:pPr>
+            <a:endParaRPr lang="en-US" dirty="0"/>
           </a:p>
         </p:txBody>
       </p:sp>
@@ -10102,7 +10954,7 @@
       </p:sp>
       <p:pic>
         <p:nvPicPr>
-          <p:cNvPr id="7" name="Picture 2" descr="Really Good Emails"/>
+          <p:cNvPr id="8194" name="Picture 2" descr="A/B Testing"/>
           <p:cNvPicPr>
             <a:picLocks noChangeAspect="1" noChangeArrowheads="1"/>
           </p:cNvPicPr>
@@ -10123,8 +10975,8 @@
         </p:blipFill>
         <p:spPr bwMode="auto">
           <a:xfrm>
-            <a:off x="4684708" y="2895600"/>
-            <a:ext cx="4383092" cy="2247900"/>
+            <a:off x="4370880" y="3071814"/>
+            <a:ext cx="2410920" cy="2067456"/>
           </a:xfrm>
           <a:prstGeom prst="rect">
             <a:avLst/>
@@ -10143,7 +10995,7 @@
       </p:pic>
       <p:pic>
         <p:nvPicPr>
-          <p:cNvPr id="8" name="Picture 2" descr="Breda University of Applied Sciences"/>
+          <p:cNvPr id="7" name="Picture 2" descr="Breda University of Applied Sciences"/>
           <p:cNvPicPr>
             <a:picLocks noChangeAspect="1" noChangeArrowheads="1"/>
           </p:cNvPicPr>
@@ -10185,7 +11037,7 @@
     </p:spTree>
     <p:extLst>
       <p:ext uri="{BB962C8B-B14F-4D97-AF65-F5344CB8AC3E}">
-        <p14:creationId xmlns:p14="http://schemas.microsoft.com/office/powerpoint/2010/main" val="1331018415"/>
+        <p14:creationId xmlns:p14="http://schemas.microsoft.com/office/powerpoint/2010/main" val="4060384533"/>
       </p:ext>
     </p:extLst>
   </p:cSld>
@@ -10221,7 +11073,7 @@
       </p:grpSpPr>
       <p:pic>
         <p:nvPicPr>
-          <p:cNvPr id="6" name="Picture 4" descr="White Background Images for Desktop or Mobile | Cool Backgrounds"/>
+          <p:cNvPr id="5" name="Picture 4" descr="White Background Images for Desktop or Mobile | Cool Backgrounds"/>
           <p:cNvPicPr>
             <a:picLocks noChangeAspect="1" noChangeArrowheads="1"/>
           </p:cNvPicPr>
@@ -10277,7 +11129,11 @@
           <a:p>
             <a:r>
               <a:rPr lang="en-US" sz="3600" dirty="0"/>
-              <a:t>What Variables you should test</a:t>
+              <a:t>What Variables you should </a:t>
+            </a:r>
+            <a:r>
+              <a:rPr lang="en-US" sz="3200" dirty="0"/>
+              <a:t>test</a:t>
             </a:r>
           </a:p>
         </p:txBody>
@@ -10292,7 +11148,12 @@
             <p:ph type="body" sz="quarter" idx="14"/>
           </p:nvPr>
         </p:nvSpPr>
-        <p:spPr/>
+        <p:spPr>
+          <a:xfrm>
+            <a:off x="484188" y="1077746"/>
+            <a:ext cx="7002462" cy="3437994"/>
+          </a:xfrm>
+        </p:spPr>
         <p:txBody>
           <a:bodyPr/>
           <a:lstStyle/>
@@ -10301,15 +11162,76 @@
               <a:buNone/>
             </a:pPr>
             <a:r>
-              <a:rPr lang="en-US" b="1" dirty="0"/>
-              <a:t>TIMING</a:t>
+              <a:rPr lang="en-US" b="1" dirty="0" smtClean="0"/>
+              <a:t>Call to action</a:t>
             </a:r>
           </a:p>
           <a:p>
             <a:pPr marL="0" indent="0">
               <a:buNone/>
             </a:pPr>
-            <a:endParaRPr lang="en-US" dirty="0"/>
+            <a:r>
+              <a:rPr lang="en-US" dirty="0" smtClean="0"/>
+              <a:t>PLACEMENT</a:t>
+            </a:r>
+          </a:p>
+          <a:p>
+            <a:pPr marL="0" indent="0">
+              <a:buNone/>
+            </a:pPr>
+            <a:r>
+              <a:rPr lang="en-US" sz="2000" dirty="0"/>
+              <a:t>A</a:t>
+            </a:r>
+            <a:r>
+              <a:rPr lang="en-US" sz="2000" dirty="0" smtClean="0"/>
+              <a:t>ccording </a:t>
+            </a:r>
+            <a:r>
+              <a:rPr lang="en-US" sz="2000" dirty="0"/>
+              <a:t>to an </a:t>
+            </a:r>
+            <a:r>
+              <a:rPr lang="en-US" sz="2000" dirty="0" err="1"/>
+              <a:t>Eyetrack</a:t>
+            </a:r>
+            <a:r>
+              <a:rPr lang="en-US" sz="2000" dirty="0"/>
+              <a:t> III study, the best placement of online ads is in the top and left position</a:t>
+            </a:r>
+            <a:r>
+              <a:rPr lang="en-US" sz="2000" dirty="0" smtClean="0"/>
+              <a:t>.</a:t>
+            </a:r>
+          </a:p>
+          <a:p>
+            <a:pPr marL="0" indent="0">
+              <a:buNone/>
+            </a:pPr>
+            <a:r>
+              <a:rPr lang="en-US" sz="2000" dirty="0"/>
+              <a:t>C</a:t>
+            </a:r>
+            <a:r>
+              <a:rPr lang="en-US" sz="2000" dirty="0" smtClean="0"/>
+              <a:t>opywriter </a:t>
+            </a:r>
+            <a:r>
+              <a:rPr lang="en-US" sz="2000" dirty="0"/>
+              <a:t>Dean </a:t>
+            </a:r>
+            <a:r>
+              <a:rPr lang="en-US" sz="2000" dirty="0" err="1"/>
+              <a:t>Rieck</a:t>
+            </a:r>
+            <a:r>
+              <a:rPr lang="en-US" sz="2000" dirty="0"/>
+              <a:t> suggests that once your readers get used to a particular placement, they might start ignoring the call-to-action or </a:t>
+            </a:r>
+            <a:r>
+              <a:rPr lang="en-US" sz="2000" dirty="0" smtClean="0"/>
+              <a:t>ad.</a:t>
+            </a:r>
           </a:p>
         </p:txBody>
       </p:sp>
@@ -10339,44 +11261,14 @@
       </p:sp>
       <p:pic>
         <p:nvPicPr>
-          <p:cNvPr id="5" name="Picture 4"/>
-          <p:cNvPicPr>
-            <a:picLocks noChangeAspect="1"/>
-          </p:cNvPicPr>
-          <p:nvPr/>
-        </p:nvPicPr>
-        <p:blipFill>
-          <a:blip r:embed="rId4">
-            <a:extLst>
-              <a:ext uri="{28A0092B-C50C-407E-A947-70E740481C1C}">
-                <a14:useLocalDpi xmlns:a14="http://schemas.microsoft.com/office/drawing/2010/main" val="0"/>
-              </a:ext>
-            </a:extLst>
-          </a:blip>
-          <a:stretch>
-            <a:fillRect/>
-          </a:stretch>
-        </p:blipFill>
-        <p:spPr>
-          <a:xfrm>
-            <a:off x="1748292" y="1498009"/>
-            <a:ext cx="5646562" cy="3215027"/>
-          </a:xfrm>
-          <a:prstGeom prst="rect">
-            <a:avLst/>
-          </a:prstGeom>
-        </p:spPr>
-      </p:pic>
-      <p:pic>
-        <p:nvPicPr>
-          <p:cNvPr id="7" name="Picture 2" descr="Breda University of Applied Sciences"/>
+          <p:cNvPr id="10242" name="Picture 2" descr="Call-to-Action buttons – the ultimate guide for high-converting CTAs"/>
           <p:cNvPicPr>
             <a:picLocks noChangeAspect="1" noChangeArrowheads="1"/>
           </p:cNvPicPr>
           <p:nvPr/>
         </p:nvPicPr>
         <p:blipFill>
-          <a:blip r:embed="rId5">
+          <a:blip r:embed="rId4">
             <a:extLst>
               <a:ext uri="{28A0092B-C50C-407E-A947-70E740481C1C}">
                 <a14:useLocalDpi xmlns:a14="http://schemas.microsoft.com/office/drawing/2010/main" val="0"/>
@@ -10390,8 +11282,8 @@
         </p:blipFill>
         <p:spPr bwMode="auto">
           <a:xfrm>
-            <a:off x="0" y="4537973"/>
-            <a:ext cx="1707722" cy="589899"/>
+            <a:off x="3985419" y="3464787"/>
+            <a:ext cx="3870325" cy="1658711"/>
           </a:xfrm>
           <a:prstGeom prst="rect">
             <a:avLst/>
@@ -10408,10 +11300,51 @@
           </a:extLst>
         </p:spPr>
       </p:pic>
+      <p:pic>
+        <p:nvPicPr>
+          <p:cNvPr id="7" name="Picture 2" descr="Breda University of Applied Sciences"/>
+          <p:cNvPicPr>
+            <a:picLocks noChangeAspect="1" noChangeArrowheads="1"/>
+          </p:cNvPicPr>
+          <p:nvPr/>
+        </p:nvPicPr>
+        <p:blipFill>
+          <a:blip r:embed="rId5">
+            <a:extLst>
+              <a:ext uri="{28A0092B-C50C-407E-A947-70E740481C1C}">
+                <a14:useLocalDpi xmlns:a14="http://schemas.microsoft.com/office/drawing/2010/main" val="0"/>
+              </a:ext>
+            </a:extLst>
+          </a:blip>
+          <a:srcRect/>
+          <a:stretch>
+            <a:fillRect/>
+          </a:stretch>
+        </p:blipFill>
+        <p:spPr bwMode="auto">
+          <a:xfrm>
+            <a:off x="0" y="4537973"/>
+            <a:ext cx="1707722" cy="589899"/>
+          </a:xfrm>
+          <a:prstGeom prst="rect">
+            <a:avLst/>
+          </a:prstGeom>
+          <a:noFill/>
+          <a:extLst>
+            <a:ext uri="{909E8E84-426E-40DD-AFC4-6F175D3DCCD1}">
+              <a14:hiddenFill xmlns:a14="http://schemas.microsoft.com/office/drawing/2010/main">
+                <a:solidFill>
+                  <a:srgbClr val="FFFFFF"/>
+                </a:solidFill>
+              </a14:hiddenFill>
+            </a:ext>
+          </a:extLst>
+        </p:spPr>
+      </p:pic>
     </p:spTree>
     <p:extLst>
       <p:ext uri="{BB962C8B-B14F-4D97-AF65-F5344CB8AC3E}">
-        <p14:creationId xmlns:p14="http://schemas.microsoft.com/office/powerpoint/2010/main" val="2302306785"/>
+        <p14:creationId xmlns:p14="http://schemas.microsoft.com/office/powerpoint/2010/main" val="1354788257"/>
       </p:ext>
     </p:extLst>
   </p:cSld>
@@ -10447,7 +11380,7 @@
       </p:grpSpPr>
       <p:pic>
         <p:nvPicPr>
-          <p:cNvPr id="5" name="Picture 4" descr="White Background Images for Desktop or Mobile | Cool Backgrounds"/>
+          <p:cNvPr id="6" name="Picture 4" descr="White Background Images for Desktop or Mobile | Cool Backgrounds"/>
           <p:cNvPicPr>
             <a:picLocks noChangeAspect="1" noChangeArrowheads="1"/>
           </p:cNvPicPr>
@@ -10502,56 +11435,110 @@
           <a:lstStyle/>
           <a:p>
             <a:r>
-              <a:rPr lang="en-US" sz="2800" dirty="0" smtClean="0"/>
-              <a:t>Elements </a:t>
-            </a:r>
-            <a:r>
-              <a:rPr lang="en-US" sz="2800" dirty="0"/>
-              <a:t>you shouldn’t bother testing</a:t>
+              <a:rPr lang="en-US" sz="3600" dirty="0"/>
+              <a:t>What Variables you should </a:t>
+            </a:r>
+            <a:r>
+              <a:rPr lang="en-US" sz="3600" dirty="0" smtClean="0"/>
+              <a:t>test</a:t>
+            </a:r>
+            <a:endParaRPr lang="en-US" sz="3600" dirty="0"/>
+          </a:p>
+        </p:txBody>
+      </p:sp>
+      <p:sp>
+        <p:nvSpPr>
+          <p:cNvPr id="3" name="Text Placeholder 2"/>
+          <p:cNvSpPr>
+            <a:spLocks noGrp="1"/>
+          </p:cNvSpPr>
+          <p:nvPr>
+            <p:ph type="body" sz="quarter" idx="14"/>
+          </p:nvPr>
+        </p:nvSpPr>
+        <p:spPr>
+          <a:xfrm>
+            <a:off x="1169988" y="1077746"/>
+            <a:ext cx="4303712" cy="3437994"/>
+          </a:xfrm>
+        </p:spPr>
+        <p:txBody>
+          <a:bodyPr/>
+          <a:lstStyle/>
+          <a:p>
+            <a:pPr marL="0" indent="0">
+              <a:buNone/>
+            </a:pPr>
+            <a:r>
+              <a:rPr lang="en-US" b="1" dirty="0"/>
+              <a:t>Call to </a:t>
+            </a:r>
+            <a:r>
+              <a:rPr lang="en-US" b="1" dirty="0" smtClean="0"/>
+              <a:t>action</a:t>
+            </a:r>
+          </a:p>
+          <a:p>
+            <a:pPr marL="0" indent="0">
+              <a:buNone/>
+            </a:pPr>
+            <a:r>
+              <a:rPr lang="en-US" i="1" dirty="0" smtClean="0"/>
+              <a:t>SIZE</a:t>
+            </a:r>
+          </a:p>
+          <a:p>
+            <a:pPr marL="0" indent="0">
+              <a:buNone/>
+            </a:pPr>
+            <a:r>
+              <a:rPr lang="en-US" dirty="0" smtClean="0"/>
+              <a:t>Create </a:t>
             </a:r>
             <a:r>
               <a:rPr lang="en-US" dirty="0"/>
-              <a:t>:</a:t>
-            </a:r>
-          </a:p>
-        </p:txBody>
-      </p:sp>
-      <p:sp>
-        <p:nvSpPr>
-          <p:cNvPr id="3" name="Text Placeholder 2"/>
-          <p:cNvSpPr>
-            <a:spLocks noGrp="1"/>
-          </p:cNvSpPr>
-          <p:nvPr>
-            <p:ph type="body" sz="quarter" idx="14"/>
-          </p:nvPr>
-        </p:nvSpPr>
-        <p:spPr>
-          <a:xfrm>
-            <a:off x="369888" y="1683528"/>
-            <a:ext cx="7002462" cy="1068554"/>
-          </a:xfrm>
-        </p:spPr>
-        <p:txBody>
-          <a:bodyPr/>
-          <a:lstStyle/>
-          <a:p>
+              <a:t>an A/B test to see if a big </a:t>
+            </a:r>
+            <a:r>
+              <a:rPr lang="en-US" dirty="0" smtClean="0"/>
+              <a:t>call to-action </a:t>
+            </a:r>
             <a:r>
               <a:rPr lang="en-US" dirty="0"/>
-              <a:t>Minor Text Changes </a:t>
-            </a:r>
-            <a:endParaRPr lang="en-US" dirty="0" smtClean="0"/>
-          </a:p>
-          <a:p>
-            <a:r>
-              <a:rPr lang="en-US" dirty="0"/>
-              <a:t>G</a:t>
+              <a:t>that adds value to the </a:t>
             </a:r>
             <a:r>
               <a:rPr lang="en-US" dirty="0" smtClean="0"/>
-              <a:t>eneral Improvements</a:t>
-            </a:r>
-            <a:endParaRPr lang="en-US" dirty="0"/>
+              <a:t>message. </a:t>
+            </a:r>
+          </a:p>
+          <a:p>
+            <a:pPr marL="0" indent="0">
+              <a:buNone/>
+            </a:pPr>
+            <a:r>
+              <a:rPr lang="en-US" i="1" dirty="0" smtClean="0"/>
+              <a:t>COLOR</a:t>
+            </a:r>
+          </a:p>
+          <a:p>
+            <a:pPr marL="0" indent="0">
+              <a:buNone/>
+            </a:pPr>
+            <a:r>
+              <a:rPr lang="en-US" i="1" dirty="0" smtClean="0"/>
+              <a:t>COPY</a:t>
+            </a:r>
+          </a:p>
+          <a:p>
+            <a:pPr marL="0" indent="0">
+              <a:buNone/>
+            </a:pPr>
+            <a:r>
+              <a:rPr lang="en-US" i="1" dirty="0" smtClean="0"/>
+              <a:t>GRAPHIC</a:t>
+            </a:r>
+            <a:endParaRPr lang="en-US" i="1" dirty="0"/>
           </a:p>
         </p:txBody>
       </p:sp>
@@ -10581,14 +11568,44 @@
       </p:sp>
       <p:pic>
         <p:nvPicPr>
-          <p:cNvPr id="6" name="Picture 2" descr="blog.travelpayouts.com/wp-content/uploads/2018/..."/>
+          <p:cNvPr id="5" name="Picture 4"/>
+          <p:cNvPicPr>
+            <a:picLocks noChangeAspect="1"/>
+          </p:cNvPicPr>
+          <p:nvPr/>
+        </p:nvPicPr>
+        <p:blipFill>
+          <a:blip r:embed="rId4">
+            <a:extLst>
+              <a:ext uri="{28A0092B-C50C-407E-A947-70E740481C1C}">
+                <a14:useLocalDpi xmlns:a14="http://schemas.microsoft.com/office/drawing/2010/main" val="0"/>
+              </a:ext>
+            </a:extLst>
+          </a:blip>
+          <a:stretch>
+            <a:fillRect/>
+          </a:stretch>
+        </p:blipFill>
+        <p:spPr>
+          <a:xfrm>
+            <a:off x="5473700" y="924819"/>
+            <a:ext cx="3572374" cy="3743847"/>
+          </a:xfrm>
+          <a:prstGeom prst="rect">
+            <a:avLst/>
+          </a:prstGeom>
+        </p:spPr>
+      </p:pic>
+      <p:pic>
+        <p:nvPicPr>
+          <p:cNvPr id="7" name="Picture 2" descr="Breda University of Applied Sciences"/>
           <p:cNvPicPr>
             <a:picLocks noChangeAspect="1" noChangeArrowheads="1"/>
           </p:cNvPicPr>
           <p:nvPr/>
         </p:nvPicPr>
         <p:blipFill>
-          <a:blip r:embed="rId4">
+          <a:blip r:embed="rId5">
             <a:extLst>
               <a:ext uri="{28A0092B-C50C-407E-A947-70E740481C1C}">
                 <a14:useLocalDpi xmlns:a14="http://schemas.microsoft.com/office/drawing/2010/main" val="0"/>
@@ -10602,8 +11619,8 @@
         </p:blipFill>
         <p:spPr bwMode="auto">
           <a:xfrm>
-            <a:off x="3741367" y="2265236"/>
-            <a:ext cx="5478833" cy="2878264"/>
+            <a:off x="0" y="4537973"/>
+            <a:ext cx="1707722" cy="589899"/>
           </a:xfrm>
           <a:prstGeom prst="rect">
             <a:avLst/>
@@ -10620,51 +11637,10 @@
           </a:extLst>
         </p:spPr>
       </p:pic>
-      <p:pic>
-        <p:nvPicPr>
-          <p:cNvPr id="7" name="Picture 2" descr="Breda University of Applied Sciences"/>
-          <p:cNvPicPr>
-            <a:picLocks noChangeAspect="1" noChangeArrowheads="1"/>
-          </p:cNvPicPr>
-          <p:nvPr/>
-        </p:nvPicPr>
-        <p:blipFill>
-          <a:blip r:embed="rId5">
-            <a:extLst>
-              <a:ext uri="{28A0092B-C50C-407E-A947-70E740481C1C}">
-                <a14:useLocalDpi xmlns:a14="http://schemas.microsoft.com/office/drawing/2010/main" val="0"/>
-              </a:ext>
-            </a:extLst>
-          </a:blip>
-          <a:srcRect/>
-          <a:stretch>
-            <a:fillRect/>
-          </a:stretch>
-        </p:blipFill>
-        <p:spPr bwMode="auto">
-          <a:xfrm>
-            <a:off x="0" y="4537973"/>
-            <a:ext cx="1707722" cy="589899"/>
-          </a:xfrm>
-          <a:prstGeom prst="rect">
-            <a:avLst/>
-          </a:prstGeom>
-          <a:noFill/>
-          <a:extLst>
-            <a:ext uri="{909E8E84-426E-40DD-AFC4-6F175D3DCCD1}">
-              <a14:hiddenFill xmlns:a14="http://schemas.microsoft.com/office/drawing/2010/main">
-                <a:solidFill>
-                  <a:srgbClr val="FFFFFF"/>
-                </a:solidFill>
-              </a14:hiddenFill>
-            </a:ext>
-          </a:extLst>
-        </p:spPr>
-      </p:pic>
     </p:spTree>
     <p:extLst>
       <p:ext uri="{BB962C8B-B14F-4D97-AF65-F5344CB8AC3E}">
-        <p14:creationId xmlns:p14="http://schemas.microsoft.com/office/powerpoint/2010/main" val="3988350121"/>
+        <p14:creationId xmlns:p14="http://schemas.microsoft.com/office/powerpoint/2010/main" val="848405415"/>
       </p:ext>
     </p:extLst>
   </p:cSld>
@@ -10698,15 +11674,50 @@
           <a:chExt cx="0" cy="0"/>
         </a:xfrm>
       </p:grpSpPr>
-      <p:sp>
-        <p:nvSpPr>
-          <p:cNvPr id="2" name="Title 1">
-            <a:extLst>
-              <a:ext uri="{FF2B5EF4-FFF2-40B4-BE49-F238E27FC236}">
-                <a16:creationId xmlns:a16="http://schemas.microsoft.com/office/drawing/2014/main" id="{0D7CA8DD-909E-6B48-85E9-7CFE5A74EE1D}"/>
-              </a:ext>
-            </a:extLst>
-          </p:cNvPr>
+      <p:pic>
+        <p:nvPicPr>
+          <p:cNvPr id="5" name="Picture 4" descr="White Background Images for Desktop or Mobile | Cool Backgrounds"/>
+          <p:cNvPicPr>
+            <a:picLocks noChangeAspect="1" noChangeArrowheads="1"/>
+          </p:cNvPicPr>
+          <p:nvPr/>
+        </p:nvPicPr>
+        <p:blipFill>
+          <a:blip r:embed="rId3">
+            <a:extLst>
+              <a:ext uri="{28A0092B-C50C-407E-A947-70E740481C1C}">
+                <a14:useLocalDpi xmlns:a14="http://schemas.microsoft.com/office/drawing/2010/main" val="0"/>
+              </a:ext>
+            </a:extLst>
+          </a:blip>
+          <a:srcRect/>
+          <a:stretch>
+            <a:fillRect/>
+          </a:stretch>
+        </p:blipFill>
+        <p:spPr bwMode="auto">
+          <a:xfrm>
+            <a:off x="0" y="0"/>
+            <a:ext cx="9220200" cy="5143500"/>
+          </a:xfrm>
+          <a:prstGeom prst="rect">
+            <a:avLst/>
+          </a:prstGeom>
+          <a:noFill/>
+          <a:extLst>
+            <a:ext uri="{909E8E84-426E-40DD-AFC4-6F175D3DCCD1}">
+              <a14:hiddenFill xmlns:a14="http://schemas.microsoft.com/office/drawing/2010/main">
+                <a:solidFill>
+                  <a:srgbClr val="FFFFFF"/>
+                </a:solidFill>
+              </a14:hiddenFill>
+            </a:ext>
+          </a:extLst>
+        </p:spPr>
+      </p:pic>
+      <p:sp>
+        <p:nvSpPr>
+          <p:cNvPr id="2" name="Title 1"/>
           <p:cNvSpPr>
             <a:spLocks noGrp="1"/>
           </p:cNvSpPr>
@@ -10719,24 +11730,29 @@
           <a:bodyPr/>
           <a:lstStyle/>
           <a:p>
-            <a:endParaRPr lang="nl-NL"/>
-          </a:p>
-        </p:txBody>
-      </p:sp>
-      <p:sp>
-        <p:nvSpPr>
-          <p:cNvPr id="3" name="Text Placeholder 2">
-            <a:extLst>
-              <a:ext uri="{FF2B5EF4-FFF2-40B4-BE49-F238E27FC236}">
-                <a16:creationId xmlns:a16="http://schemas.microsoft.com/office/drawing/2014/main" id="{1BA48E9E-D62A-CD4E-B2F3-22B1E85959B2}"/>
-              </a:ext>
-            </a:extLst>
-          </p:cNvPr>
-          <p:cNvSpPr>
-            <a:spLocks noGrp="1"/>
-          </p:cNvSpPr>
-          <p:nvPr>
-            <p:ph type="body" sz="quarter" idx="13"/>
+            <a:r>
+              <a:rPr lang="en-US" sz="2800" dirty="0"/>
+              <a:t>E</a:t>
+            </a:r>
+            <a:r>
+              <a:rPr lang="en-US" sz="2800" dirty="0" smtClean="0"/>
+              <a:t>lements </a:t>
+            </a:r>
+            <a:r>
+              <a:rPr lang="en-US" sz="2800" dirty="0"/>
+              <a:t>that you can optimize in your email:</a:t>
+            </a:r>
+          </a:p>
+        </p:txBody>
+      </p:sp>
+      <p:sp>
+        <p:nvSpPr>
+          <p:cNvPr id="3" name="Text Placeholder 2"/>
+          <p:cNvSpPr>
+            <a:spLocks noGrp="1"/>
+          </p:cNvSpPr>
+          <p:nvPr>
+            <p:ph type="body" sz="quarter" idx="14"/>
           </p:nvPr>
         </p:nvSpPr>
         <p:spPr/>
@@ -10744,14 +11760,1183 @@
           <a:bodyPr/>
           <a:lstStyle/>
           <a:p>
-            <a:endParaRPr lang="nl-NL"/>
-          </a:p>
-        </p:txBody>
-      </p:sp>
+            <a:pPr>
+              <a:lnSpc>
+                <a:spcPct val="150000"/>
+              </a:lnSpc>
+            </a:pPr>
+            <a:r>
+              <a:rPr lang="en-US" b="1" dirty="0" smtClean="0"/>
+              <a:t>FORMAT</a:t>
+            </a:r>
+          </a:p>
+          <a:p>
+            <a:pPr>
+              <a:lnSpc>
+                <a:spcPct val="150000"/>
+              </a:lnSpc>
+            </a:pPr>
+            <a:r>
+              <a:rPr lang="en-US" b="1" dirty="0" smtClean="0"/>
+              <a:t>LAYOUT</a:t>
+            </a:r>
+          </a:p>
+          <a:p>
+            <a:pPr>
+              <a:lnSpc>
+                <a:spcPct val="150000"/>
+              </a:lnSpc>
+            </a:pPr>
+            <a:r>
+              <a:rPr lang="en-US" b="1" dirty="0" smtClean="0"/>
+              <a:t>SENDER</a:t>
+            </a:r>
+          </a:p>
+          <a:p>
+            <a:pPr>
+              <a:lnSpc>
+                <a:spcPct val="150000"/>
+              </a:lnSpc>
+            </a:pPr>
+            <a:r>
+              <a:rPr lang="en-US" b="1" dirty="0" smtClean="0"/>
+              <a:t>SUBJECT LINE</a:t>
+            </a:r>
+          </a:p>
+        </p:txBody>
+      </p:sp>
+      <p:sp>
+        <p:nvSpPr>
+          <p:cNvPr id="4" name="Slide Number Placeholder 3"/>
+          <p:cNvSpPr>
+            <a:spLocks noGrp="1"/>
+          </p:cNvSpPr>
+          <p:nvPr>
+            <p:ph type="sldNum" sz="quarter" idx="12"/>
+          </p:nvPr>
+        </p:nvSpPr>
+        <p:spPr/>
+        <p:txBody>
+          <a:bodyPr/>
+          <a:lstStyle/>
+          <a:p>
+            <a:fld id="{993221B0-C4CD-1546-9E62-A4249094014D}" type="slidenum">
+              <a:rPr lang="en-GB" smtClean="0"/>
+              <a:pPr/>
+              <a:t>15</a:t>
+            </a:fld>
+            <a:endParaRPr lang="en-GB" dirty="0"/>
+          </a:p>
+        </p:txBody>
+      </p:sp>
+      <p:pic>
+        <p:nvPicPr>
+          <p:cNvPr id="7" name="Picture 2" descr="Really Good Emails"/>
+          <p:cNvPicPr>
+            <a:picLocks noChangeAspect="1" noChangeArrowheads="1"/>
+          </p:cNvPicPr>
+          <p:nvPr/>
+        </p:nvPicPr>
+        <p:blipFill>
+          <a:blip r:embed="rId4">
+            <a:extLst>
+              <a:ext uri="{28A0092B-C50C-407E-A947-70E740481C1C}">
+                <a14:useLocalDpi xmlns:a14="http://schemas.microsoft.com/office/drawing/2010/main" val="0"/>
+              </a:ext>
+            </a:extLst>
+          </a:blip>
+          <a:srcRect/>
+          <a:stretch>
+            <a:fillRect/>
+          </a:stretch>
+        </p:blipFill>
+        <p:spPr bwMode="auto">
+          <a:xfrm>
+            <a:off x="4684708" y="2895600"/>
+            <a:ext cx="4383092" cy="2247900"/>
+          </a:xfrm>
+          <a:prstGeom prst="rect">
+            <a:avLst/>
+          </a:prstGeom>
+          <a:noFill/>
+          <a:extLst>
+            <a:ext uri="{909E8E84-426E-40DD-AFC4-6F175D3DCCD1}">
+              <a14:hiddenFill xmlns:a14="http://schemas.microsoft.com/office/drawing/2010/main">
+                <a:solidFill>
+                  <a:srgbClr val="FFFFFF"/>
+                </a:solidFill>
+              </a14:hiddenFill>
+            </a:ext>
+          </a:extLst>
+        </p:spPr>
+      </p:pic>
+      <p:pic>
+        <p:nvPicPr>
+          <p:cNvPr id="8" name="Picture 2" descr="Breda University of Applied Sciences"/>
+          <p:cNvPicPr>
+            <a:picLocks noChangeAspect="1" noChangeArrowheads="1"/>
+          </p:cNvPicPr>
+          <p:nvPr/>
+        </p:nvPicPr>
+        <p:blipFill>
+          <a:blip r:embed="rId5">
+            <a:extLst>
+              <a:ext uri="{28A0092B-C50C-407E-A947-70E740481C1C}">
+                <a14:useLocalDpi xmlns:a14="http://schemas.microsoft.com/office/drawing/2010/main" val="0"/>
+              </a:ext>
+            </a:extLst>
+          </a:blip>
+          <a:srcRect/>
+          <a:stretch>
+            <a:fillRect/>
+          </a:stretch>
+        </p:blipFill>
+        <p:spPr bwMode="auto">
+          <a:xfrm>
+            <a:off x="0" y="4537973"/>
+            <a:ext cx="1707722" cy="589899"/>
+          </a:xfrm>
+          <a:prstGeom prst="rect">
+            <a:avLst/>
+          </a:prstGeom>
+          <a:noFill/>
+          <a:extLst>
+            <a:ext uri="{909E8E84-426E-40DD-AFC4-6F175D3DCCD1}">
+              <a14:hiddenFill xmlns:a14="http://schemas.microsoft.com/office/drawing/2010/main">
+                <a:solidFill>
+                  <a:srgbClr val="FFFFFF"/>
+                </a:solidFill>
+              </a14:hiddenFill>
+            </a:ext>
+          </a:extLst>
+        </p:spPr>
+      </p:pic>
     </p:spTree>
     <p:extLst>
       <p:ext uri="{BB962C8B-B14F-4D97-AF65-F5344CB8AC3E}">
-        <p14:creationId xmlns:p14="http://schemas.microsoft.com/office/powerpoint/2010/main" val="3665680473"/>
+        <p14:creationId xmlns:p14="http://schemas.microsoft.com/office/powerpoint/2010/main" val="1331018415"/>
+      </p:ext>
+    </p:extLst>
+  </p:cSld>
+  <p:clrMapOvr>
+    <a:masterClrMapping/>
+  </p:clrMapOvr>
+  <p:timing>
+    <p:tnLst>
+      <p:par>
+        <p:cTn id="1" dur="indefinite" restart="never" nodeType="tmRoot"/>
+      </p:par>
+    </p:tnLst>
+  </p:timing>
+</p:sld>
+</file>
+
+<file path=ppt/slides/slide16.xml><?xml version="1.0" encoding="utf-8"?>
+<p:sld xmlns:a="http://schemas.openxmlformats.org/drawingml/2006/main" xmlns:r="http://schemas.openxmlformats.org/officeDocument/2006/relationships" xmlns:p="http://schemas.openxmlformats.org/presentationml/2006/main">
+  <p:cSld>
+    <p:spTree>
+      <p:nvGrpSpPr>
+        <p:cNvPr id="1" name=""/>
+        <p:cNvGrpSpPr/>
+        <p:nvPr/>
+      </p:nvGrpSpPr>
+      <p:grpSpPr>
+        <a:xfrm>
+          <a:off x="0" y="0"/>
+          <a:ext cx="0" cy="0"/>
+          <a:chOff x="0" y="0"/>
+          <a:chExt cx="0" cy="0"/>
+        </a:xfrm>
+      </p:grpSpPr>
+      <p:pic>
+        <p:nvPicPr>
+          <p:cNvPr id="6" name="Picture 4" descr="White Background Images for Desktop or Mobile | Cool Backgrounds"/>
+          <p:cNvPicPr>
+            <a:picLocks noChangeAspect="1" noChangeArrowheads="1"/>
+          </p:cNvPicPr>
+          <p:nvPr/>
+        </p:nvPicPr>
+        <p:blipFill>
+          <a:blip r:embed="rId3">
+            <a:extLst>
+              <a:ext uri="{28A0092B-C50C-407E-A947-70E740481C1C}">
+                <a14:useLocalDpi xmlns:a14="http://schemas.microsoft.com/office/drawing/2010/main" val="0"/>
+              </a:ext>
+            </a:extLst>
+          </a:blip>
+          <a:srcRect/>
+          <a:stretch>
+            <a:fillRect/>
+          </a:stretch>
+        </p:blipFill>
+        <p:spPr bwMode="auto">
+          <a:xfrm>
+            <a:off x="0" y="0"/>
+            <a:ext cx="9220200" cy="5143500"/>
+          </a:xfrm>
+          <a:prstGeom prst="rect">
+            <a:avLst/>
+          </a:prstGeom>
+          <a:noFill/>
+          <a:extLst>
+            <a:ext uri="{909E8E84-426E-40DD-AFC4-6F175D3DCCD1}">
+              <a14:hiddenFill xmlns:a14="http://schemas.microsoft.com/office/drawing/2010/main">
+                <a:solidFill>
+                  <a:srgbClr val="FFFFFF"/>
+                </a:solidFill>
+              </a14:hiddenFill>
+            </a:ext>
+          </a:extLst>
+        </p:spPr>
+      </p:pic>
+      <p:sp>
+        <p:nvSpPr>
+          <p:cNvPr id="2" name="Title 1"/>
+          <p:cNvSpPr>
+            <a:spLocks noGrp="1"/>
+          </p:cNvSpPr>
+          <p:nvPr>
+            <p:ph type="title"/>
+          </p:nvPr>
+        </p:nvSpPr>
+        <p:spPr/>
+        <p:txBody>
+          <a:bodyPr/>
+          <a:lstStyle/>
+          <a:p>
+            <a:r>
+              <a:rPr lang="en-US" sz="3600" dirty="0"/>
+              <a:t>What Variables you should test</a:t>
+            </a:r>
+          </a:p>
+        </p:txBody>
+      </p:sp>
+      <p:sp>
+        <p:nvSpPr>
+          <p:cNvPr id="3" name="Text Placeholder 2"/>
+          <p:cNvSpPr>
+            <a:spLocks noGrp="1"/>
+          </p:cNvSpPr>
+          <p:nvPr>
+            <p:ph type="body" sz="quarter" idx="14"/>
+          </p:nvPr>
+        </p:nvSpPr>
+        <p:spPr/>
+        <p:txBody>
+          <a:bodyPr/>
+          <a:lstStyle/>
+          <a:p>
+            <a:pPr marL="0" indent="0">
+              <a:buNone/>
+            </a:pPr>
+            <a:r>
+              <a:rPr lang="en-US" b="1" dirty="0"/>
+              <a:t>TIMING</a:t>
+            </a:r>
+          </a:p>
+          <a:p>
+            <a:pPr marL="0" indent="0">
+              <a:buNone/>
+            </a:pPr>
+            <a:endParaRPr lang="en-US" dirty="0"/>
+          </a:p>
+        </p:txBody>
+      </p:sp>
+      <p:sp>
+        <p:nvSpPr>
+          <p:cNvPr id="4" name="Slide Number Placeholder 3"/>
+          <p:cNvSpPr>
+            <a:spLocks noGrp="1"/>
+          </p:cNvSpPr>
+          <p:nvPr>
+            <p:ph type="sldNum" sz="quarter" idx="12"/>
+          </p:nvPr>
+        </p:nvSpPr>
+        <p:spPr/>
+        <p:txBody>
+          <a:bodyPr/>
+          <a:lstStyle/>
+          <a:p>
+            <a:fld id="{993221B0-C4CD-1546-9E62-A4249094014D}" type="slidenum">
+              <a:rPr lang="en-GB" smtClean="0"/>
+              <a:pPr/>
+              <a:t>16</a:t>
+            </a:fld>
+            <a:endParaRPr lang="en-GB" dirty="0"/>
+          </a:p>
+        </p:txBody>
+      </p:sp>
+      <p:pic>
+        <p:nvPicPr>
+          <p:cNvPr id="5" name="Picture 4"/>
+          <p:cNvPicPr>
+            <a:picLocks noChangeAspect="1"/>
+          </p:cNvPicPr>
+          <p:nvPr/>
+        </p:nvPicPr>
+        <p:blipFill>
+          <a:blip r:embed="rId4">
+            <a:extLst>
+              <a:ext uri="{28A0092B-C50C-407E-A947-70E740481C1C}">
+                <a14:useLocalDpi xmlns:a14="http://schemas.microsoft.com/office/drawing/2010/main" val="0"/>
+              </a:ext>
+            </a:extLst>
+          </a:blip>
+          <a:stretch>
+            <a:fillRect/>
+          </a:stretch>
+        </p:blipFill>
+        <p:spPr>
+          <a:xfrm>
+            <a:off x="1748292" y="1498009"/>
+            <a:ext cx="5646562" cy="3215027"/>
+          </a:xfrm>
+          <a:prstGeom prst="rect">
+            <a:avLst/>
+          </a:prstGeom>
+        </p:spPr>
+      </p:pic>
+      <p:pic>
+        <p:nvPicPr>
+          <p:cNvPr id="7" name="Picture 2" descr="Breda University of Applied Sciences"/>
+          <p:cNvPicPr>
+            <a:picLocks noChangeAspect="1" noChangeArrowheads="1"/>
+          </p:cNvPicPr>
+          <p:nvPr/>
+        </p:nvPicPr>
+        <p:blipFill>
+          <a:blip r:embed="rId5">
+            <a:extLst>
+              <a:ext uri="{28A0092B-C50C-407E-A947-70E740481C1C}">
+                <a14:useLocalDpi xmlns:a14="http://schemas.microsoft.com/office/drawing/2010/main" val="0"/>
+              </a:ext>
+            </a:extLst>
+          </a:blip>
+          <a:srcRect/>
+          <a:stretch>
+            <a:fillRect/>
+          </a:stretch>
+        </p:blipFill>
+        <p:spPr bwMode="auto">
+          <a:xfrm>
+            <a:off x="0" y="4537973"/>
+            <a:ext cx="1707722" cy="589899"/>
+          </a:xfrm>
+          <a:prstGeom prst="rect">
+            <a:avLst/>
+          </a:prstGeom>
+          <a:noFill/>
+          <a:extLst>
+            <a:ext uri="{909E8E84-426E-40DD-AFC4-6F175D3DCCD1}">
+              <a14:hiddenFill xmlns:a14="http://schemas.microsoft.com/office/drawing/2010/main">
+                <a:solidFill>
+                  <a:srgbClr val="FFFFFF"/>
+                </a:solidFill>
+              </a14:hiddenFill>
+            </a:ext>
+          </a:extLst>
+        </p:spPr>
+      </p:pic>
+    </p:spTree>
+    <p:extLst>
+      <p:ext uri="{BB962C8B-B14F-4D97-AF65-F5344CB8AC3E}">
+        <p14:creationId xmlns:p14="http://schemas.microsoft.com/office/powerpoint/2010/main" val="2302306785"/>
+      </p:ext>
+    </p:extLst>
+  </p:cSld>
+  <p:clrMapOvr>
+    <a:masterClrMapping/>
+  </p:clrMapOvr>
+  <p:timing>
+    <p:tnLst>
+      <p:par>
+        <p:cTn id="1" dur="indefinite" restart="never" nodeType="tmRoot"/>
+      </p:par>
+    </p:tnLst>
+  </p:timing>
+</p:sld>
+</file>
+
+<file path=ppt/slides/slide17.xml><?xml version="1.0" encoding="utf-8"?>
+<p:sld xmlns:a="http://schemas.openxmlformats.org/drawingml/2006/main" xmlns:r="http://schemas.openxmlformats.org/officeDocument/2006/relationships" xmlns:p="http://schemas.openxmlformats.org/presentationml/2006/main">
+  <p:cSld>
+    <p:spTree>
+      <p:nvGrpSpPr>
+        <p:cNvPr id="1" name=""/>
+        <p:cNvGrpSpPr/>
+        <p:nvPr/>
+      </p:nvGrpSpPr>
+      <p:grpSpPr>
+        <a:xfrm>
+          <a:off x="0" y="0"/>
+          <a:ext cx="0" cy="0"/>
+          <a:chOff x="0" y="0"/>
+          <a:chExt cx="0" cy="0"/>
+        </a:xfrm>
+      </p:grpSpPr>
+      <p:pic>
+        <p:nvPicPr>
+          <p:cNvPr id="5" name="Picture 4" descr="White Background Images for Desktop or Mobile | Cool Backgrounds"/>
+          <p:cNvPicPr>
+            <a:picLocks noChangeAspect="1" noChangeArrowheads="1"/>
+          </p:cNvPicPr>
+          <p:nvPr/>
+        </p:nvPicPr>
+        <p:blipFill>
+          <a:blip r:embed="rId3">
+            <a:extLst>
+              <a:ext uri="{28A0092B-C50C-407E-A947-70E740481C1C}">
+                <a14:useLocalDpi xmlns:a14="http://schemas.microsoft.com/office/drawing/2010/main" val="0"/>
+              </a:ext>
+            </a:extLst>
+          </a:blip>
+          <a:srcRect/>
+          <a:stretch>
+            <a:fillRect/>
+          </a:stretch>
+        </p:blipFill>
+        <p:spPr bwMode="auto">
+          <a:xfrm>
+            <a:off x="0" y="0"/>
+            <a:ext cx="9220200" cy="5143500"/>
+          </a:xfrm>
+          <a:prstGeom prst="rect">
+            <a:avLst/>
+          </a:prstGeom>
+          <a:noFill/>
+          <a:extLst>
+            <a:ext uri="{909E8E84-426E-40DD-AFC4-6F175D3DCCD1}">
+              <a14:hiddenFill xmlns:a14="http://schemas.microsoft.com/office/drawing/2010/main">
+                <a:solidFill>
+                  <a:srgbClr val="FFFFFF"/>
+                </a:solidFill>
+              </a14:hiddenFill>
+            </a:ext>
+          </a:extLst>
+        </p:spPr>
+      </p:pic>
+      <p:sp>
+        <p:nvSpPr>
+          <p:cNvPr id="2" name="Title 1"/>
+          <p:cNvSpPr>
+            <a:spLocks noGrp="1"/>
+          </p:cNvSpPr>
+          <p:nvPr>
+            <p:ph type="title"/>
+          </p:nvPr>
+        </p:nvSpPr>
+        <p:spPr/>
+        <p:txBody>
+          <a:bodyPr/>
+          <a:lstStyle/>
+          <a:p>
+            <a:r>
+              <a:rPr lang="en-US" sz="2800" dirty="0" smtClean="0"/>
+              <a:t>Elements </a:t>
+            </a:r>
+            <a:r>
+              <a:rPr lang="en-US" sz="2800" dirty="0"/>
+              <a:t>you shouldn’t bother testing</a:t>
+            </a:r>
+            <a:r>
+              <a:rPr lang="en-US" dirty="0"/>
+              <a:t>:</a:t>
+            </a:r>
+          </a:p>
+        </p:txBody>
+      </p:sp>
+      <p:sp>
+        <p:nvSpPr>
+          <p:cNvPr id="3" name="Text Placeholder 2"/>
+          <p:cNvSpPr>
+            <a:spLocks noGrp="1"/>
+          </p:cNvSpPr>
+          <p:nvPr>
+            <p:ph type="body" sz="quarter" idx="14"/>
+          </p:nvPr>
+        </p:nvSpPr>
+        <p:spPr>
+          <a:xfrm>
+            <a:off x="369888" y="1683528"/>
+            <a:ext cx="7002462" cy="1068554"/>
+          </a:xfrm>
+        </p:spPr>
+        <p:txBody>
+          <a:bodyPr/>
+          <a:lstStyle/>
+          <a:p>
+            <a:r>
+              <a:rPr lang="en-US" dirty="0"/>
+              <a:t>Minor Text Changes </a:t>
+            </a:r>
+            <a:endParaRPr lang="en-US" dirty="0" smtClean="0"/>
+          </a:p>
+          <a:p>
+            <a:r>
+              <a:rPr lang="en-US" dirty="0"/>
+              <a:t>G</a:t>
+            </a:r>
+            <a:r>
+              <a:rPr lang="en-US" dirty="0" smtClean="0"/>
+              <a:t>eneral Improvements</a:t>
+            </a:r>
+            <a:endParaRPr lang="en-US" dirty="0"/>
+          </a:p>
+        </p:txBody>
+      </p:sp>
+      <p:sp>
+        <p:nvSpPr>
+          <p:cNvPr id="4" name="Slide Number Placeholder 3"/>
+          <p:cNvSpPr>
+            <a:spLocks noGrp="1"/>
+          </p:cNvSpPr>
+          <p:nvPr>
+            <p:ph type="sldNum" sz="quarter" idx="12"/>
+          </p:nvPr>
+        </p:nvSpPr>
+        <p:spPr/>
+        <p:txBody>
+          <a:bodyPr/>
+          <a:lstStyle/>
+          <a:p>
+            <a:fld id="{993221B0-C4CD-1546-9E62-A4249094014D}" type="slidenum">
+              <a:rPr lang="en-GB" smtClean="0"/>
+              <a:pPr/>
+              <a:t>17</a:t>
+            </a:fld>
+            <a:endParaRPr lang="en-GB" dirty="0"/>
+          </a:p>
+        </p:txBody>
+      </p:sp>
+      <p:pic>
+        <p:nvPicPr>
+          <p:cNvPr id="6" name="Picture 2" descr="blog.travelpayouts.com/wp-content/uploads/2018/..."/>
+          <p:cNvPicPr>
+            <a:picLocks noChangeAspect="1" noChangeArrowheads="1"/>
+          </p:cNvPicPr>
+          <p:nvPr/>
+        </p:nvPicPr>
+        <p:blipFill>
+          <a:blip r:embed="rId4">
+            <a:extLst>
+              <a:ext uri="{28A0092B-C50C-407E-A947-70E740481C1C}">
+                <a14:useLocalDpi xmlns:a14="http://schemas.microsoft.com/office/drawing/2010/main" val="0"/>
+              </a:ext>
+            </a:extLst>
+          </a:blip>
+          <a:srcRect/>
+          <a:stretch>
+            <a:fillRect/>
+          </a:stretch>
+        </p:blipFill>
+        <p:spPr bwMode="auto">
+          <a:xfrm>
+            <a:off x="3741367" y="2265236"/>
+            <a:ext cx="5478833" cy="2878264"/>
+          </a:xfrm>
+          <a:prstGeom prst="rect">
+            <a:avLst/>
+          </a:prstGeom>
+          <a:noFill/>
+          <a:extLst>
+            <a:ext uri="{909E8E84-426E-40DD-AFC4-6F175D3DCCD1}">
+              <a14:hiddenFill xmlns:a14="http://schemas.microsoft.com/office/drawing/2010/main">
+                <a:solidFill>
+                  <a:srgbClr val="FFFFFF"/>
+                </a:solidFill>
+              </a14:hiddenFill>
+            </a:ext>
+          </a:extLst>
+        </p:spPr>
+      </p:pic>
+      <p:pic>
+        <p:nvPicPr>
+          <p:cNvPr id="7" name="Picture 2" descr="Breda University of Applied Sciences"/>
+          <p:cNvPicPr>
+            <a:picLocks noChangeAspect="1" noChangeArrowheads="1"/>
+          </p:cNvPicPr>
+          <p:nvPr/>
+        </p:nvPicPr>
+        <p:blipFill>
+          <a:blip r:embed="rId5">
+            <a:extLst>
+              <a:ext uri="{28A0092B-C50C-407E-A947-70E740481C1C}">
+                <a14:useLocalDpi xmlns:a14="http://schemas.microsoft.com/office/drawing/2010/main" val="0"/>
+              </a:ext>
+            </a:extLst>
+          </a:blip>
+          <a:srcRect/>
+          <a:stretch>
+            <a:fillRect/>
+          </a:stretch>
+        </p:blipFill>
+        <p:spPr bwMode="auto">
+          <a:xfrm>
+            <a:off x="0" y="4537973"/>
+            <a:ext cx="1707722" cy="589899"/>
+          </a:xfrm>
+          <a:prstGeom prst="rect">
+            <a:avLst/>
+          </a:prstGeom>
+          <a:noFill/>
+          <a:extLst>
+            <a:ext uri="{909E8E84-426E-40DD-AFC4-6F175D3DCCD1}">
+              <a14:hiddenFill xmlns:a14="http://schemas.microsoft.com/office/drawing/2010/main">
+                <a:solidFill>
+                  <a:srgbClr val="FFFFFF"/>
+                </a:solidFill>
+              </a14:hiddenFill>
+            </a:ext>
+          </a:extLst>
+        </p:spPr>
+      </p:pic>
+    </p:spTree>
+    <p:extLst>
+      <p:ext uri="{BB962C8B-B14F-4D97-AF65-F5344CB8AC3E}">
+        <p14:creationId xmlns:p14="http://schemas.microsoft.com/office/powerpoint/2010/main" val="3988350121"/>
+      </p:ext>
+    </p:extLst>
+  </p:cSld>
+  <p:clrMapOvr>
+    <a:masterClrMapping/>
+  </p:clrMapOvr>
+  <p:timing>
+    <p:tnLst>
+      <p:par>
+        <p:cTn id="1" dur="indefinite" restart="never" nodeType="tmRoot"/>
+      </p:par>
+    </p:tnLst>
+  </p:timing>
+</p:sld>
+</file>
+
+<file path=ppt/slides/slide18.xml><?xml version="1.0" encoding="utf-8"?>
+<p:sld xmlns:a="http://schemas.openxmlformats.org/drawingml/2006/main" xmlns:r="http://schemas.openxmlformats.org/officeDocument/2006/relationships" xmlns:p="http://schemas.openxmlformats.org/presentationml/2006/main">
+  <p:cSld>
+    <p:spTree>
+      <p:nvGrpSpPr>
+        <p:cNvPr id="1" name=""/>
+        <p:cNvGrpSpPr/>
+        <p:nvPr/>
+      </p:nvGrpSpPr>
+      <p:grpSpPr>
+        <a:xfrm>
+          <a:off x="0" y="0"/>
+          <a:ext cx="0" cy="0"/>
+          <a:chOff x="0" y="0"/>
+          <a:chExt cx="0" cy="0"/>
+        </a:xfrm>
+      </p:grpSpPr>
+      <p:pic>
+        <p:nvPicPr>
+          <p:cNvPr id="5" name="Picture 4" descr="White Background Images for Desktop or Mobile | Cool Backgrounds"/>
+          <p:cNvPicPr>
+            <a:picLocks noChangeAspect="1" noChangeArrowheads="1"/>
+          </p:cNvPicPr>
+          <p:nvPr/>
+        </p:nvPicPr>
+        <p:blipFill>
+          <a:blip r:embed="rId3">
+            <a:extLst>
+              <a:ext uri="{28A0092B-C50C-407E-A947-70E740481C1C}">
+                <a14:useLocalDpi xmlns:a14="http://schemas.microsoft.com/office/drawing/2010/main" val="0"/>
+              </a:ext>
+            </a:extLst>
+          </a:blip>
+          <a:srcRect/>
+          <a:stretch>
+            <a:fillRect/>
+          </a:stretch>
+        </p:blipFill>
+        <p:spPr bwMode="auto">
+          <a:xfrm>
+            <a:off x="0" y="0"/>
+            <a:ext cx="9220200" cy="5143500"/>
+          </a:xfrm>
+          <a:prstGeom prst="rect">
+            <a:avLst/>
+          </a:prstGeom>
+          <a:noFill/>
+          <a:extLst>
+            <a:ext uri="{909E8E84-426E-40DD-AFC4-6F175D3DCCD1}">
+              <a14:hiddenFill xmlns:a14="http://schemas.microsoft.com/office/drawing/2010/main">
+                <a:solidFill>
+                  <a:srgbClr val="FFFFFF"/>
+                </a:solidFill>
+              </a14:hiddenFill>
+            </a:ext>
+          </a:extLst>
+        </p:spPr>
+      </p:pic>
+      <p:sp>
+        <p:nvSpPr>
+          <p:cNvPr id="2" name="Title 1"/>
+          <p:cNvSpPr>
+            <a:spLocks noGrp="1"/>
+          </p:cNvSpPr>
+          <p:nvPr>
+            <p:ph type="title"/>
+          </p:nvPr>
+        </p:nvSpPr>
+        <p:spPr>
+          <a:xfrm>
+            <a:off x="1083926" y="1419575"/>
+            <a:ext cx="7002463" cy="818910"/>
+          </a:xfrm>
+        </p:spPr>
+        <p:txBody>
+          <a:bodyPr/>
+          <a:lstStyle/>
+          <a:p>
+            <a:pPr fontAlgn="base"/>
+            <a:r>
+              <a:rPr lang="en-US" dirty="0"/>
+              <a:t>T</a:t>
+            </a:r>
+            <a:r>
+              <a:rPr lang="en-US" dirty="0" smtClean="0"/>
+              <a:t>ypes </a:t>
+            </a:r>
+            <a:r>
+              <a:rPr lang="en-US" dirty="0"/>
+              <a:t>of A/B testing for mobile apps</a:t>
+            </a:r>
+            <a:br>
+              <a:rPr lang="en-US" dirty="0"/>
+            </a:br>
+            <a:r>
+              <a:rPr lang="en-US" sz="2800" dirty="0">
+                <a:solidFill>
+                  <a:schemeClr val="accent2"/>
+                </a:solidFill>
+              </a:rPr>
+              <a:t/>
+            </a:r>
+            <a:br>
+              <a:rPr lang="en-US" sz="2800" dirty="0">
+                <a:solidFill>
+                  <a:schemeClr val="accent2"/>
+                </a:solidFill>
+              </a:rPr>
+            </a:br>
+            <a:endParaRPr lang="en-US" dirty="0">
+              <a:solidFill>
+                <a:schemeClr val="accent2"/>
+              </a:solidFill>
+            </a:endParaRPr>
+          </a:p>
+        </p:txBody>
+      </p:sp>
+      <p:sp>
+        <p:nvSpPr>
+          <p:cNvPr id="3" name="Text Placeholder 2"/>
+          <p:cNvSpPr>
+            <a:spLocks noGrp="1"/>
+          </p:cNvSpPr>
+          <p:nvPr>
+            <p:ph type="body" sz="quarter" idx="14"/>
+          </p:nvPr>
+        </p:nvSpPr>
+        <p:spPr>
+          <a:xfrm>
+            <a:off x="1083927" y="2037473"/>
+            <a:ext cx="3629588" cy="1068554"/>
+          </a:xfrm>
+        </p:spPr>
+        <p:txBody>
+          <a:bodyPr/>
+          <a:lstStyle/>
+          <a:p>
+            <a:pPr fontAlgn="base"/>
+            <a:r>
+              <a:rPr lang="en-US" dirty="0"/>
+              <a:t>In-app A/B testing</a:t>
+            </a:r>
+          </a:p>
+          <a:p>
+            <a:pPr fontAlgn="base"/>
+            <a:r>
+              <a:rPr lang="en-US" dirty="0"/>
+              <a:t>A/B testing for marketing campaigns</a:t>
+            </a:r>
+          </a:p>
+          <a:p>
+            <a:pPr marL="0" indent="0">
+              <a:buNone/>
+            </a:pPr>
+            <a:endParaRPr lang="en-US" dirty="0"/>
+          </a:p>
+        </p:txBody>
+      </p:sp>
+      <p:sp>
+        <p:nvSpPr>
+          <p:cNvPr id="4" name="Slide Number Placeholder 3"/>
+          <p:cNvSpPr>
+            <a:spLocks noGrp="1"/>
+          </p:cNvSpPr>
+          <p:nvPr>
+            <p:ph type="sldNum" sz="quarter" idx="12"/>
+          </p:nvPr>
+        </p:nvSpPr>
+        <p:spPr/>
+        <p:txBody>
+          <a:bodyPr/>
+          <a:lstStyle/>
+          <a:p>
+            <a:fld id="{993221B0-C4CD-1546-9E62-A4249094014D}" type="slidenum">
+              <a:rPr lang="en-GB" smtClean="0"/>
+              <a:pPr/>
+              <a:t>18</a:t>
+            </a:fld>
+            <a:endParaRPr lang="en-GB" dirty="0"/>
+          </a:p>
+        </p:txBody>
+      </p:sp>
+      <p:pic>
+        <p:nvPicPr>
+          <p:cNvPr id="7" name="Picture 2" descr="Breda University of Applied Sciences"/>
+          <p:cNvPicPr>
+            <a:picLocks noChangeAspect="1" noChangeArrowheads="1"/>
+          </p:cNvPicPr>
+          <p:nvPr/>
+        </p:nvPicPr>
+        <p:blipFill>
+          <a:blip r:embed="rId4">
+            <a:extLst>
+              <a:ext uri="{28A0092B-C50C-407E-A947-70E740481C1C}">
+                <a14:useLocalDpi xmlns:a14="http://schemas.microsoft.com/office/drawing/2010/main" val="0"/>
+              </a:ext>
+            </a:extLst>
+          </a:blip>
+          <a:srcRect/>
+          <a:stretch>
+            <a:fillRect/>
+          </a:stretch>
+        </p:blipFill>
+        <p:spPr bwMode="auto">
+          <a:xfrm>
+            <a:off x="0" y="4537973"/>
+            <a:ext cx="1707722" cy="589899"/>
+          </a:xfrm>
+          <a:prstGeom prst="rect">
+            <a:avLst/>
+          </a:prstGeom>
+          <a:noFill/>
+          <a:extLst>
+            <a:ext uri="{909E8E84-426E-40DD-AFC4-6F175D3DCCD1}">
+              <a14:hiddenFill xmlns:a14="http://schemas.microsoft.com/office/drawing/2010/main">
+                <a:solidFill>
+                  <a:srgbClr val="FFFFFF"/>
+                </a:solidFill>
+              </a14:hiddenFill>
+            </a:ext>
+          </a:extLst>
+        </p:spPr>
+      </p:pic>
+      <p:pic>
+        <p:nvPicPr>
+          <p:cNvPr id="2050" name="Picture 2" descr="https://lh4.googleusercontent.com/fSg766SNJUh-8Tio6LINXhY25-RZtUbtN7TtZJKKS7P-Ne8fKUhBCH-zDr-GF05lB7hDYlsG_KfQ9WyVg7ckl8MygLX0SzLpmlzZhDrLz6EAZC0MGacPrI4JMb0unHTsYA55FD-A"/>
+          <p:cNvPicPr>
+            <a:picLocks noChangeAspect="1" noChangeArrowheads="1"/>
+          </p:cNvPicPr>
+          <p:nvPr/>
+        </p:nvPicPr>
+        <p:blipFill>
+          <a:blip r:embed="rId5">
+            <a:extLst>
+              <a:ext uri="{28A0092B-C50C-407E-A947-70E740481C1C}">
+                <a14:useLocalDpi xmlns:a14="http://schemas.microsoft.com/office/drawing/2010/main" val="0"/>
+              </a:ext>
+            </a:extLst>
+          </a:blip>
+          <a:srcRect/>
+          <a:stretch>
+            <a:fillRect/>
+          </a:stretch>
+        </p:blipFill>
+        <p:spPr bwMode="auto">
+          <a:xfrm>
+            <a:off x="4944135" y="1678694"/>
+            <a:ext cx="4045444" cy="2022722"/>
+          </a:xfrm>
+          <a:prstGeom prst="rect">
+            <a:avLst/>
+          </a:prstGeom>
+          <a:noFill/>
+          <a:extLst>
+            <a:ext uri="{909E8E84-426E-40DD-AFC4-6F175D3DCCD1}">
+              <a14:hiddenFill xmlns:a14="http://schemas.microsoft.com/office/drawing/2010/main">
+                <a:solidFill>
+                  <a:srgbClr val="FFFFFF"/>
+                </a:solidFill>
+              </a14:hiddenFill>
+            </a:ext>
+          </a:extLst>
+        </p:spPr>
+      </p:pic>
+    </p:spTree>
+    <p:extLst>
+      <p:ext uri="{BB962C8B-B14F-4D97-AF65-F5344CB8AC3E}">
+        <p14:creationId xmlns:p14="http://schemas.microsoft.com/office/powerpoint/2010/main" val="2434649309"/>
+      </p:ext>
+    </p:extLst>
+  </p:cSld>
+  <p:clrMapOvr>
+    <a:masterClrMapping/>
+  </p:clrMapOvr>
+  <p:timing>
+    <p:tnLst>
+      <p:par>
+        <p:cTn id="1" dur="indefinite" restart="never" nodeType="tmRoot"/>
+      </p:par>
+    </p:tnLst>
+  </p:timing>
+</p:sld>
+</file>
+
+<file path=ppt/slides/slide19.xml><?xml version="1.0" encoding="utf-8"?>
+<p:sld xmlns:a="http://schemas.openxmlformats.org/drawingml/2006/main" xmlns:r="http://schemas.openxmlformats.org/officeDocument/2006/relationships" xmlns:p="http://schemas.openxmlformats.org/presentationml/2006/main">
+  <p:cSld>
+    <p:spTree>
+      <p:nvGrpSpPr>
+        <p:cNvPr id="1" name=""/>
+        <p:cNvGrpSpPr/>
+        <p:nvPr/>
+      </p:nvGrpSpPr>
+      <p:grpSpPr>
+        <a:xfrm>
+          <a:off x="0" y="0"/>
+          <a:ext cx="0" cy="0"/>
+          <a:chOff x="0" y="0"/>
+          <a:chExt cx="0" cy="0"/>
+        </a:xfrm>
+      </p:grpSpPr>
+      <p:pic>
+        <p:nvPicPr>
+          <p:cNvPr id="5" name="Picture 4" descr="White Background Images for Desktop or Mobile | Cool Backgrounds"/>
+          <p:cNvPicPr>
+            <a:picLocks noChangeAspect="1" noChangeArrowheads="1"/>
+          </p:cNvPicPr>
+          <p:nvPr/>
+        </p:nvPicPr>
+        <p:blipFill>
+          <a:blip r:embed="rId3">
+            <a:extLst>
+              <a:ext uri="{28A0092B-C50C-407E-A947-70E740481C1C}">
+                <a14:useLocalDpi xmlns:a14="http://schemas.microsoft.com/office/drawing/2010/main" val="0"/>
+              </a:ext>
+            </a:extLst>
+          </a:blip>
+          <a:srcRect/>
+          <a:stretch>
+            <a:fillRect/>
+          </a:stretch>
+        </p:blipFill>
+        <p:spPr bwMode="auto">
+          <a:xfrm>
+            <a:off x="0" y="0"/>
+            <a:ext cx="9220200" cy="5143500"/>
+          </a:xfrm>
+          <a:prstGeom prst="rect">
+            <a:avLst/>
+          </a:prstGeom>
+          <a:noFill/>
+          <a:extLst>
+            <a:ext uri="{909E8E84-426E-40DD-AFC4-6F175D3DCCD1}">
+              <a14:hiddenFill xmlns:a14="http://schemas.microsoft.com/office/drawing/2010/main">
+                <a:solidFill>
+                  <a:srgbClr val="FFFFFF"/>
+                </a:solidFill>
+              </a14:hiddenFill>
+            </a:ext>
+          </a:extLst>
+        </p:spPr>
+      </p:pic>
+      <p:sp>
+        <p:nvSpPr>
+          <p:cNvPr id="2" name="Title 1"/>
+          <p:cNvSpPr>
+            <a:spLocks noGrp="1"/>
+          </p:cNvSpPr>
+          <p:nvPr>
+            <p:ph type="title"/>
+          </p:nvPr>
+        </p:nvSpPr>
+        <p:spPr>
+          <a:xfrm>
+            <a:off x="1169987" y="286356"/>
+            <a:ext cx="7002463" cy="818910"/>
+          </a:xfrm>
+        </p:spPr>
+        <p:txBody>
+          <a:bodyPr/>
+          <a:lstStyle/>
+          <a:p>
+            <a:r>
+              <a:rPr lang="en-US" sz="3200" dirty="0"/>
+              <a:t>Why is A/B Testing Important in UX</a:t>
+            </a:r>
+            <a:r>
+              <a:rPr lang="en-US" sz="3200" b="0" dirty="0" smtClean="0"/>
+              <a:t>?</a:t>
+            </a:r>
+            <a:endParaRPr lang="en-US" sz="3200" dirty="0"/>
+          </a:p>
+        </p:txBody>
+      </p:sp>
+      <p:sp>
+        <p:nvSpPr>
+          <p:cNvPr id="3" name="Text Placeholder 2"/>
+          <p:cNvSpPr>
+            <a:spLocks noGrp="1"/>
+          </p:cNvSpPr>
+          <p:nvPr>
+            <p:ph type="body" sz="quarter" idx="14"/>
+          </p:nvPr>
+        </p:nvSpPr>
+        <p:spPr>
+          <a:xfrm>
+            <a:off x="1169988" y="1327540"/>
+            <a:ext cx="7002462" cy="3069711"/>
+          </a:xfrm>
+        </p:spPr>
+        <p:txBody>
+          <a:bodyPr/>
+          <a:lstStyle/>
+          <a:p>
+            <a:r>
+              <a:rPr lang="en-US" sz="2000" dirty="0"/>
+              <a:t>help you learn how small changes influence user </a:t>
+            </a:r>
+            <a:r>
+              <a:rPr lang="en-US" sz="2000" dirty="0" smtClean="0"/>
+              <a:t>behavior;</a:t>
+            </a:r>
+          </a:p>
+          <a:p>
+            <a:r>
+              <a:rPr lang="en-US" sz="2000" dirty="0" smtClean="0"/>
+              <a:t> </a:t>
+            </a:r>
+            <a:r>
+              <a:rPr lang="en-US" sz="2000" dirty="0"/>
+              <a:t>decide which approach towards design to </a:t>
+            </a:r>
+            <a:r>
+              <a:rPr lang="en-US" sz="2000" dirty="0" smtClean="0"/>
+              <a:t>implement;</a:t>
+            </a:r>
+          </a:p>
+          <a:p>
+            <a:r>
+              <a:rPr lang="en-US" sz="2000" dirty="0" smtClean="0"/>
+              <a:t> </a:t>
+            </a:r>
+            <a:r>
+              <a:rPr lang="en-US" sz="2000" dirty="0"/>
+              <a:t>confirms that a new design is going in the right direction. </a:t>
+            </a:r>
+            <a:endParaRPr lang="en-US" sz="2000" dirty="0" smtClean="0"/>
+          </a:p>
+          <a:p>
+            <a:pPr marL="0" indent="0">
+              <a:buNone/>
+            </a:pPr>
+            <a:endParaRPr lang="en-US" u="sng" dirty="0"/>
+          </a:p>
+          <a:p>
+            <a:pPr marL="0" indent="0" algn="ctr">
+              <a:buNone/>
+            </a:pPr>
+            <a:r>
+              <a:rPr lang="en-US" b="1" u="sng" dirty="0"/>
+              <a:t>G</a:t>
+            </a:r>
+            <a:r>
+              <a:rPr lang="en-US" b="1" u="sng" dirty="0" smtClean="0"/>
+              <a:t>ood </a:t>
+            </a:r>
+            <a:r>
+              <a:rPr lang="en-US" b="1" u="sng" dirty="0"/>
+              <a:t>UX will make users stay on a website or in the app – or will make them visit it again – while bad UX will do the </a:t>
+            </a:r>
+            <a:r>
+              <a:rPr lang="en-US" b="1" u="sng" dirty="0" smtClean="0"/>
+              <a:t>opposite.</a:t>
+            </a:r>
+            <a:endParaRPr lang="en-US" b="1" u="sng" dirty="0"/>
+          </a:p>
+        </p:txBody>
+      </p:sp>
+      <p:sp>
+        <p:nvSpPr>
+          <p:cNvPr id="4" name="Slide Number Placeholder 3"/>
+          <p:cNvSpPr>
+            <a:spLocks noGrp="1"/>
+          </p:cNvSpPr>
+          <p:nvPr>
+            <p:ph type="sldNum" sz="quarter" idx="12"/>
+          </p:nvPr>
+        </p:nvSpPr>
+        <p:spPr/>
+        <p:txBody>
+          <a:bodyPr/>
+          <a:lstStyle/>
+          <a:p>
+            <a:fld id="{993221B0-C4CD-1546-9E62-A4249094014D}" type="slidenum">
+              <a:rPr lang="en-GB" smtClean="0"/>
+              <a:pPr/>
+              <a:t>19</a:t>
+            </a:fld>
+            <a:endParaRPr lang="en-GB" dirty="0"/>
+          </a:p>
+        </p:txBody>
+      </p:sp>
+      <p:pic>
+        <p:nvPicPr>
+          <p:cNvPr id="6" name="Picture 2" descr="Breda University of Applied Sciences"/>
+          <p:cNvPicPr>
+            <a:picLocks noChangeAspect="1" noChangeArrowheads="1"/>
+          </p:cNvPicPr>
+          <p:nvPr/>
+        </p:nvPicPr>
+        <p:blipFill>
+          <a:blip r:embed="rId4">
+            <a:extLst>
+              <a:ext uri="{28A0092B-C50C-407E-A947-70E740481C1C}">
+                <a14:useLocalDpi xmlns:a14="http://schemas.microsoft.com/office/drawing/2010/main" val="0"/>
+              </a:ext>
+            </a:extLst>
+          </a:blip>
+          <a:srcRect/>
+          <a:stretch>
+            <a:fillRect/>
+          </a:stretch>
+        </p:blipFill>
+        <p:spPr bwMode="auto">
+          <a:xfrm>
+            <a:off x="0" y="4537973"/>
+            <a:ext cx="1707722" cy="589899"/>
+          </a:xfrm>
+          <a:prstGeom prst="rect">
+            <a:avLst/>
+          </a:prstGeom>
+          <a:noFill/>
+          <a:extLst>
+            <a:ext uri="{909E8E84-426E-40DD-AFC4-6F175D3DCCD1}">
+              <a14:hiddenFill xmlns:a14="http://schemas.microsoft.com/office/drawing/2010/main">
+                <a:solidFill>
+                  <a:srgbClr val="FFFFFF"/>
+                </a:solidFill>
+              </a14:hiddenFill>
+            </a:ext>
+          </a:extLst>
+        </p:spPr>
+      </p:pic>
+    </p:spTree>
+    <p:extLst>
+      <p:ext uri="{BB962C8B-B14F-4D97-AF65-F5344CB8AC3E}">
+        <p14:creationId xmlns:p14="http://schemas.microsoft.com/office/powerpoint/2010/main" val="2450743631"/>
       </p:ext>
     </p:extLst>
   </p:cSld>
@@ -10869,12 +13054,20 @@
           <a:bodyPr/>
           <a:lstStyle/>
           <a:p>
-            <a:pPr marL="0" indent="0">
+            <a:pPr marL="0" indent="0" algn="just">
               <a:buNone/>
             </a:pPr>
             <a:r>
               <a:rPr lang="en-US" dirty="0"/>
-              <a:t>A/B testing is the process of comparing two variations of a page element, usually by testing users' response to variant A vs variant B, and concluding which of the two variants is more effective.</a:t>
+              <a:t>A/B testing is the process of comparing two variations of </a:t>
+            </a:r>
+            <a:r>
+              <a:rPr lang="en-US" dirty="0" smtClean="0"/>
+              <a:t>something, </a:t>
+            </a:r>
+            <a:r>
+              <a:rPr lang="en-US" dirty="0"/>
+              <a:t>usually by testing users' response to variant A vs variant B, and concluding which of the two variants is more effective.</a:t>
             </a:r>
           </a:p>
         </p:txBody>
@@ -10989,6 +13182,1494 @@
     <p:extLst>
       <p:ext uri="{BB962C8B-B14F-4D97-AF65-F5344CB8AC3E}">
         <p14:creationId xmlns:p14="http://schemas.microsoft.com/office/powerpoint/2010/main" val="429404919"/>
+      </p:ext>
+    </p:extLst>
+  </p:cSld>
+  <p:clrMapOvr>
+    <a:masterClrMapping/>
+  </p:clrMapOvr>
+  <p:timing>
+    <p:tnLst>
+      <p:par>
+        <p:cTn id="1" dur="indefinite" restart="never" nodeType="tmRoot"/>
+      </p:par>
+    </p:tnLst>
+  </p:timing>
+</p:sld>
+</file>
+
+<file path=ppt/slides/slide20.xml><?xml version="1.0" encoding="utf-8"?>
+<p:sld xmlns:a="http://schemas.openxmlformats.org/drawingml/2006/main" xmlns:r="http://schemas.openxmlformats.org/officeDocument/2006/relationships" xmlns:p="http://schemas.openxmlformats.org/presentationml/2006/main">
+  <p:cSld>
+    <p:spTree>
+      <p:nvGrpSpPr>
+        <p:cNvPr id="1" name=""/>
+        <p:cNvGrpSpPr/>
+        <p:nvPr/>
+      </p:nvGrpSpPr>
+      <p:grpSpPr>
+        <a:xfrm>
+          <a:off x="0" y="0"/>
+          <a:ext cx="0" cy="0"/>
+          <a:chOff x="0" y="0"/>
+          <a:chExt cx="0" cy="0"/>
+        </a:xfrm>
+      </p:grpSpPr>
+      <p:pic>
+        <p:nvPicPr>
+          <p:cNvPr id="5" name="Picture 4" descr="White Background Images for Desktop or Mobile | Cool Backgrounds"/>
+          <p:cNvPicPr>
+            <a:picLocks noChangeAspect="1" noChangeArrowheads="1"/>
+          </p:cNvPicPr>
+          <p:nvPr/>
+        </p:nvPicPr>
+        <p:blipFill>
+          <a:blip r:embed="rId3">
+            <a:extLst>
+              <a:ext uri="{28A0092B-C50C-407E-A947-70E740481C1C}">
+                <a14:useLocalDpi xmlns:a14="http://schemas.microsoft.com/office/drawing/2010/main" val="0"/>
+              </a:ext>
+            </a:extLst>
+          </a:blip>
+          <a:srcRect/>
+          <a:stretch>
+            <a:fillRect/>
+          </a:stretch>
+        </p:blipFill>
+        <p:spPr bwMode="auto">
+          <a:xfrm>
+            <a:off x="0" y="0"/>
+            <a:ext cx="9220200" cy="5143500"/>
+          </a:xfrm>
+          <a:prstGeom prst="rect">
+            <a:avLst/>
+          </a:prstGeom>
+          <a:noFill/>
+          <a:extLst>
+            <a:ext uri="{909E8E84-426E-40DD-AFC4-6F175D3DCCD1}">
+              <a14:hiddenFill xmlns:a14="http://schemas.microsoft.com/office/drawing/2010/main">
+                <a:solidFill>
+                  <a:srgbClr val="FFFFFF"/>
+                </a:solidFill>
+              </a14:hiddenFill>
+            </a:ext>
+          </a:extLst>
+        </p:spPr>
+      </p:pic>
+      <p:sp>
+        <p:nvSpPr>
+          <p:cNvPr id="2" name="Title 1"/>
+          <p:cNvSpPr>
+            <a:spLocks noGrp="1"/>
+          </p:cNvSpPr>
+          <p:nvPr>
+            <p:ph type="title"/>
+          </p:nvPr>
+        </p:nvSpPr>
+        <p:spPr>
+          <a:xfrm>
+            <a:off x="1169987" y="195943"/>
+            <a:ext cx="7002463" cy="1066630"/>
+          </a:xfrm>
+        </p:spPr>
+        <p:txBody>
+          <a:bodyPr/>
+          <a:lstStyle/>
+          <a:p>
+            <a:r>
+              <a:rPr lang="en-US" b="0" dirty="0" smtClean="0"/>
+              <a:t>“Multivariate</a:t>
+            </a:r>
+            <a:r>
+              <a:rPr lang="en-US" b="0" dirty="0"/>
+              <a:t>” testing in the A/B testing </a:t>
+            </a:r>
+            <a:endParaRPr lang="en-US" dirty="0"/>
+          </a:p>
+        </p:txBody>
+      </p:sp>
+      <p:sp>
+        <p:nvSpPr>
+          <p:cNvPr id="3" name="Text Placeholder 2"/>
+          <p:cNvSpPr>
+            <a:spLocks noGrp="1"/>
+          </p:cNvSpPr>
+          <p:nvPr>
+            <p:ph type="body" sz="quarter" idx="14"/>
+          </p:nvPr>
+        </p:nvSpPr>
+        <p:spPr/>
+        <p:txBody>
+          <a:bodyPr/>
+          <a:lstStyle/>
+          <a:p>
+            <a:pPr marL="0" indent="0">
+              <a:buNone/>
+            </a:pPr>
+            <a:endParaRPr lang="ru-RU" dirty="0" smtClean="0"/>
+          </a:p>
+          <a:p>
+            <a:pPr marL="0" indent="0">
+              <a:buNone/>
+            </a:pPr>
+            <a:endParaRPr lang="ru-RU" dirty="0"/>
+          </a:p>
+          <a:p>
+            <a:pPr marL="0" indent="0" algn="ctr">
+              <a:buNone/>
+            </a:pPr>
+            <a:r>
+              <a:rPr lang="en-US" sz="4400" dirty="0">
+                <a:solidFill>
+                  <a:schemeClr val="accent2"/>
+                </a:solidFill>
+              </a:rPr>
+              <a:t>A/B/C/D test</a:t>
+            </a:r>
+            <a:endParaRPr lang="en-US" sz="4400" dirty="0">
+              <a:solidFill>
+                <a:schemeClr val="accent2"/>
+              </a:solidFill>
+            </a:endParaRPr>
+          </a:p>
+        </p:txBody>
+      </p:sp>
+      <p:sp>
+        <p:nvSpPr>
+          <p:cNvPr id="4" name="Slide Number Placeholder 3"/>
+          <p:cNvSpPr>
+            <a:spLocks noGrp="1"/>
+          </p:cNvSpPr>
+          <p:nvPr>
+            <p:ph type="sldNum" sz="quarter" idx="12"/>
+          </p:nvPr>
+        </p:nvSpPr>
+        <p:spPr/>
+        <p:txBody>
+          <a:bodyPr/>
+          <a:lstStyle/>
+          <a:p>
+            <a:fld id="{993221B0-C4CD-1546-9E62-A4249094014D}" type="slidenum">
+              <a:rPr lang="en-GB" smtClean="0"/>
+              <a:pPr/>
+              <a:t>20</a:t>
+            </a:fld>
+            <a:endParaRPr lang="en-GB" dirty="0"/>
+          </a:p>
+        </p:txBody>
+      </p:sp>
+      <p:pic>
+        <p:nvPicPr>
+          <p:cNvPr id="6" name="Picture 2" descr="Breda University of Applied Sciences"/>
+          <p:cNvPicPr>
+            <a:picLocks noChangeAspect="1" noChangeArrowheads="1"/>
+          </p:cNvPicPr>
+          <p:nvPr/>
+        </p:nvPicPr>
+        <p:blipFill>
+          <a:blip r:embed="rId4">
+            <a:extLst>
+              <a:ext uri="{28A0092B-C50C-407E-A947-70E740481C1C}">
+                <a14:useLocalDpi xmlns:a14="http://schemas.microsoft.com/office/drawing/2010/main" val="0"/>
+              </a:ext>
+            </a:extLst>
+          </a:blip>
+          <a:srcRect/>
+          <a:stretch>
+            <a:fillRect/>
+          </a:stretch>
+        </p:blipFill>
+        <p:spPr bwMode="auto">
+          <a:xfrm>
+            <a:off x="0" y="4537973"/>
+            <a:ext cx="1707722" cy="589899"/>
+          </a:xfrm>
+          <a:prstGeom prst="rect">
+            <a:avLst/>
+          </a:prstGeom>
+          <a:noFill/>
+          <a:extLst>
+            <a:ext uri="{909E8E84-426E-40DD-AFC4-6F175D3DCCD1}">
+              <a14:hiddenFill xmlns:a14="http://schemas.microsoft.com/office/drawing/2010/main">
+                <a:solidFill>
+                  <a:srgbClr val="FFFFFF"/>
+                </a:solidFill>
+              </a14:hiddenFill>
+            </a:ext>
+          </a:extLst>
+        </p:spPr>
+      </p:pic>
+    </p:spTree>
+    <p:extLst>
+      <p:ext uri="{BB962C8B-B14F-4D97-AF65-F5344CB8AC3E}">
+        <p14:creationId xmlns:p14="http://schemas.microsoft.com/office/powerpoint/2010/main" val="1522636225"/>
+      </p:ext>
+    </p:extLst>
+  </p:cSld>
+  <p:clrMapOvr>
+    <a:masterClrMapping/>
+  </p:clrMapOvr>
+  <p:timing>
+    <p:tnLst>
+      <p:par>
+        <p:cTn id="1" dur="indefinite" restart="never" nodeType="tmRoot"/>
+      </p:par>
+    </p:tnLst>
+  </p:timing>
+</p:sld>
+</file>
+
+<file path=ppt/slides/slide21.xml><?xml version="1.0" encoding="utf-8"?>
+<p:sld xmlns:a="http://schemas.openxmlformats.org/drawingml/2006/main" xmlns:r="http://schemas.openxmlformats.org/officeDocument/2006/relationships" xmlns:p="http://schemas.openxmlformats.org/presentationml/2006/main">
+  <p:cSld>
+    <p:spTree>
+      <p:nvGrpSpPr>
+        <p:cNvPr id="1" name=""/>
+        <p:cNvGrpSpPr/>
+        <p:nvPr/>
+      </p:nvGrpSpPr>
+      <p:grpSpPr>
+        <a:xfrm>
+          <a:off x="0" y="0"/>
+          <a:ext cx="0" cy="0"/>
+          <a:chOff x="0" y="0"/>
+          <a:chExt cx="0" cy="0"/>
+        </a:xfrm>
+      </p:grpSpPr>
+      <p:pic>
+        <p:nvPicPr>
+          <p:cNvPr id="5" name="Picture 4" descr="White Background Images for Desktop or Mobile | Cool Backgrounds"/>
+          <p:cNvPicPr>
+            <a:picLocks noChangeAspect="1" noChangeArrowheads="1"/>
+          </p:cNvPicPr>
+          <p:nvPr/>
+        </p:nvPicPr>
+        <p:blipFill>
+          <a:blip r:embed="rId3">
+            <a:extLst>
+              <a:ext uri="{28A0092B-C50C-407E-A947-70E740481C1C}">
+                <a14:useLocalDpi xmlns:a14="http://schemas.microsoft.com/office/drawing/2010/main" val="0"/>
+              </a:ext>
+            </a:extLst>
+          </a:blip>
+          <a:srcRect/>
+          <a:stretch>
+            <a:fillRect/>
+          </a:stretch>
+        </p:blipFill>
+        <p:spPr bwMode="auto">
+          <a:xfrm>
+            <a:off x="-76200" y="18199"/>
+            <a:ext cx="9220200" cy="5143500"/>
+          </a:xfrm>
+          <a:prstGeom prst="rect">
+            <a:avLst/>
+          </a:prstGeom>
+          <a:noFill/>
+          <a:extLst>
+            <a:ext uri="{909E8E84-426E-40DD-AFC4-6F175D3DCCD1}">
+              <a14:hiddenFill xmlns:a14="http://schemas.microsoft.com/office/drawing/2010/main">
+                <a:solidFill>
+                  <a:srgbClr val="FFFFFF"/>
+                </a:solidFill>
+              </a14:hiddenFill>
+            </a:ext>
+          </a:extLst>
+        </p:spPr>
+      </p:pic>
+      <p:sp>
+        <p:nvSpPr>
+          <p:cNvPr id="2" name="Title 1"/>
+          <p:cNvSpPr>
+            <a:spLocks noGrp="1"/>
+          </p:cNvSpPr>
+          <p:nvPr>
+            <p:ph type="title"/>
+          </p:nvPr>
+        </p:nvSpPr>
+        <p:spPr/>
+        <p:txBody>
+          <a:bodyPr/>
+          <a:lstStyle/>
+          <a:p>
+            <a:r>
+              <a:rPr lang="en-US" dirty="0"/>
+              <a:t>Analyzing A/B test results</a:t>
+            </a:r>
+            <a:endParaRPr lang="en-US" dirty="0"/>
+          </a:p>
+        </p:txBody>
+      </p:sp>
+      <p:sp>
+        <p:nvSpPr>
+          <p:cNvPr id="3" name="Text Placeholder 2"/>
+          <p:cNvSpPr>
+            <a:spLocks noGrp="1"/>
+          </p:cNvSpPr>
+          <p:nvPr>
+            <p:ph type="body" sz="quarter" idx="14"/>
+          </p:nvPr>
+        </p:nvSpPr>
+        <p:spPr/>
+        <p:txBody>
+          <a:bodyPr/>
+          <a:lstStyle/>
+          <a:p>
+            <a:r>
+              <a:rPr lang="en-US" b="1" dirty="0"/>
+              <a:t>One winning </a:t>
+            </a:r>
+            <a:r>
+              <a:rPr lang="en-US" b="1" dirty="0" smtClean="0"/>
+              <a:t>variation</a:t>
+            </a:r>
+          </a:p>
+          <a:p>
+            <a:pPr marL="0" indent="0">
+              <a:buNone/>
+            </a:pPr>
+            <a:r>
+              <a:rPr lang="en-US" dirty="0" smtClean="0"/>
+              <a:t>-Before </a:t>
+            </a:r>
+            <a:r>
+              <a:rPr lang="en-US" dirty="0"/>
+              <a:t>you ask your developer to implement the winning variations on the whole site, first determine whether the test results are valid</a:t>
+            </a:r>
+            <a:r>
+              <a:rPr lang="en-US" dirty="0" smtClean="0"/>
+              <a:t>.</a:t>
+            </a:r>
+          </a:p>
+          <a:p>
+            <a:pPr marL="0" indent="0">
+              <a:buNone/>
+            </a:pPr>
+            <a:endParaRPr lang="en-US" dirty="0"/>
+          </a:p>
+          <a:p>
+            <a:pPr marL="0" indent="0">
+              <a:buNone/>
+            </a:pPr>
+            <a:r>
+              <a:rPr lang="en-US" u="sng" dirty="0"/>
+              <a:t>allocate the 100% traffic to the winning variation.</a:t>
+            </a:r>
+            <a:endParaRPr lang="en-US" u="sng" dirty="0"/>
+          </a:p>
+        </p:txBody>
+      </p:sp>
+      <p:sp>
+        <p:nvSpPr>
+          <p:cNvPr id="4" name="Slide Number Placeholder 3"/>
+          <p:cNvSpPr>
+            <a:spLocks noGrp="1"/>
+          </p:cNvSpPr>
+          <p:nvPr>
+            <p:ph type="sldNum" sz="quarter" idx="12"/>
+          </p:nvPr>
+        </p:nvSpPr>
+        <p:spPr/>
+        <p:txBody>
+          <a:bodyPr/>
+          <a:lstStyle/>
+          <a:p>
+            <a:fld id="{993221B0-C4CD-1546-9E62-A4249094014D}" type="slidenum">
+              <a:rPr lang="en-GB" smtClean="0"/>
+              <a:pPr/>
+              <a:t>21</a:t>
+            </a:fld>
+            <a:endParaRPr lang="en-GB" dirty="0"/>
+          </a:p>
+        </p:txBody>
+      </p:sp>
+      <p:pic>
+        <p:nvPicPr>
+          <p:cNvPr id="6" name="Picture 2" descr="Breda University of Applied Sciences"/>
+          <p:cNvPicPr>
+            <a:picLocks noChangeAspect="1" noChangeArrowheads="1"/>
+          </p:cNvPicPr>
+          <p:nvPr/>
+        </p:nvPicPr>
+        <p:blipFill>
+          <a:blip r:embed="rId4">
+            <a:extLst>
+              <a:ext uri="{28A0092B-C50C-407E-A947-70E740481C1C}">
+                <a14:useLocalDpi xmlns:a14="http://schemas.microsoft.com/office/drawing/2010/main" val="0"/>
+              </a:ext>
+            </a:extLst>
+          </a:blip>
+          <a:srcRect/>
+          <a:stretch>
+            <a:fillRect/>
+          </a:stretch>
+        </p:blipFill>
+        <p:spPr bwMode="auto">
+          <a:xfrm>
+            <a:off x="0" y="4537973"/>
+            <a:ext cx="1707722" cy="589899"/>
+          </a:xfrm>
+          <a:prstGeom prst="rect">
+            <a:avLst/>
+          </a:prstGeom>
+          <a:noFill/>
+          <a:extLst>
+            <a:ext uri="{909E8E84-426E-40DD-AFC4-6F175D3DCCD1}">
+              <a14:hiddenFill xmlns:a14="http://schemas.microsoft.com/office/drawing/2010/main">
+                <a:solidFill>
+                  <a:srgbClr val="FFFFFF"/>
+                </a:solidFill>
+              </a14:hiddenFill>
+            </a:ext>
+          </a:extLst>
+        </p:spPr>
+      </p:pic>
+    </p:spTree>
+    <p:extLst>
+      <p:ext uri="{BB962C8B-B14F-4D97-AF65-F5344CB8AC3E}">
+        <p14:creationId xmlns:p14="http://schemas.microsoft.com/office/powerpoint/2010/main" val="1167168965"/>
+      </p:ext>
+    </p:extLst>
+  </p:cSld>
+  <p:clrMapOvr>
+    <a:masterClrMapping/>
+  </p:clrMapOvr>
+  <p:timing>
+    <p:tnLst>
+      <p:par>
+        <p:cTn id="1" dur="indefinite" restart="never" nodeType="tmRoot"/>
+      </p:par>
+    </p:tnLst>
+  </p:timing>
+</p:sld>
+</file>
+
+<file path=ppt/slides/slide22.xml><?xml version="1.0" encoding="utf-8"?>
+<p:sld xmlns:a="http://schemas.openxmlformats.org/drawingml/2006/main" xmlns:r="http://schemas.openxmlformats.org/officeDocument/2006/relationships" xmlns:p="http://schemas.openxmlformats.org/presentationml/2006/main">
+  <p:cSld>
+    <p:spTree>
+      <p:nvGrpSpPr>
+        <p:cNvPr id="1" name=""/>
+        <p:cNvGrpSpPr/>
+        <p:nvPr/>
+      </p:nvGrpSpPr>
+      <p:grpSpPr>
+        <a:xfrm>
+          <a:off x="0" y="0"/>
+          <a:ext cx="0" cy="0"/>
+          <a:chOff x="0" y="0"/>
+          <a:chExt cx="0" cy="0"/>
+        </a:xfrm>
+      </p:grpSpPr>
+      <p:pic>
+        <p:nvPicPr>
+          <p:cNvPr id="5" name="Picture 4" descr="White Background Images for Desktop or Mobile | Cool Backgrounds"/>
+          <p:cNvPicPr>
+            <a:picLocks noChangeAspect="1" noChangeArrowheads="1"/>
+          </p:cNvPicPr>
+          <p:nvPr/>
+        </p:nvPicPr>
+        <p:blipFill>
+          <a:blip r:embed="rId3">
+            <a:extLst>
+              <a:ext uri="{28A0092B-C50C-407E-A947-70E740481C1C}">
+                <a14:useLocalDpi xmlns:a14="http://schemas.microsoft.com/office/drawing/2010/main" val="0"/>
+              </a:ext>
+            </a:extLst>
+          </a:blip>
+          <a:srcRect/>
+          <a:stretch>
+            <a:fillRect/>
+          </a:stretch>
+        </p:blipFill>
+        <p:spPr bwMode="auto">
+          <a:xfrm>
+            <a:off x="-76200" y="18199"/>
+            <a:ext cx="9220200" cy="5143500"/>
+          </a:xfrm>
+          <a:prstGeom prst="rect">
+            <a:avLst/>
+          </a:prstGeom>
+          <a:noFill/>
+          <a:extLst>
+            <a:ext uri="{909E8E84-426E-40DD-AFC4-6F175D3DCCD1}">
+              <a14:hiddenFill xmlns:a14="http://schemas.microsoft.com/office/drawing/2010/main">
+                <a:solidFill>
+                  <a:srgbClr val="FFFFFF"/>
+                </a:solidFill>
+              </a14:hiddenFill>
+            </a:ext>
+          </a:extLst>
+        </p:spPr>
+      </p:pic>
+      <p:sp>
+        <p:nvSpPr>
+          <p:cNvPr id="2" name="Title 1"/>
+          <p:cNvSpPr>
+            <a:spLocks noGrp="1"/>
+          </p:cNvSpPr>
+          <p:nvPr>
+            <p:ph type="title"/>
+          </p:nvPr>
+        </p:nvSpPr>
+        <p:spPr/>
+        <p:txBody>
+          <a:bodyPr/>
+          <a:lstStyle/>
+          <a:p>
+            <a:r>
+              <a:rPr lang="en-US" dirty="0"/>
+              <a:t>Analyzing A/B test results</a:t>
+            </a:r>
+            <a:endParaRPr lang="en-US" dirty="0"/>
+          </a:p>
+        </p:txBody>
+      </p:sp>
+      <p:sp>
+        <p:nvSpPr>
+          <p:cNvPr id="3" name="Text Placeholder 2"/>
+          <p:cNvSpPr>
+            <a:spLocks noGrp="1"/>
+          </p:cNvSpPr>
+          <p:nvPr>
+            <p:ph type="body" sz="quarter" idx="14"/>
+          </p:nvPr>
+        </p:nvSpPr>
+        <p:spPr>
+          <a:xfrm>
+            <a:off x="1169988" y="1444324"/>
+            <a:ext cx="7002462" cy="2759468"/>
+          </a:xfrm>
+        </p:spPr>
+        <p:txBody>
+          <a:bodyPr/>
+          <a:lstStyle/>
+          <a:p>
+            <a:pPr marL="0" indent="0">
+              <a:buNone/>
+            </a:pPr>
+            <a:r>
+              <a:rPr lang="en-US" dirty="0"/>
+              <a:t>“The real interpretation is that if you ran your A/B test multiple times, 95% of the ranges will capture the true conversion rate — in other words, the conversion rate falls outside the margin of error 5% of the time (or whatever level of </a:t>
+            </a:r>
+            <a:r>
+              <a:rPr lang="en-US" dirty="0">
+                <a:hlinkClick r:id="rId4"/>
+              </a:rPr>
+              <a:t>statistical significance</a:t>
+            </a:r>
+            <a:r>
+              <a:rPr lang="en-US" dirty="0"/>
+              <a:t> you’ve set),”</a:t>
+            </a:r>
+            <a:endParaRPr lang="en-US" u="sng" dirty="0"/>
+          </a:p>
+        </p:txBody>
+      </p:sp>
+      <p:sp>
+        <p:nvSpPr>
+          <p:cNvPr id="4" name="Slide Number Placeholder 3"/>
+          <p:cNvSpPr>
+            <a:spLocks noGrp="1"/>
+          </p:cNvSpPr>
+          <p:nvPr>
+            <p:ph type="sldNum" sz="quarter" idx="12"/>
+          </p:nvPr>
+        </p:nvSpPr>
+        <p:spPr/>
+        <p:txBody>
+          <a:bodyPr/>
+          <a:lstStyle/>
+          <a:p>
+            <a:fld id="{993221B0-C4CD-1546-9E62-A4249094014D}" type="slidenum">
+              <a:rPr lang="en-GB" smtClean="0"/>
+              <a:pPr/>
+              <a:t>22</a:t>
+            </a:fld>
+            <a:endParaRPr lang="en-GB" dirty="0"/>
+          </a:p>
+        </p:txBody>
+      </p:sp>
+      <p:pic>
+        <p:nvPicPr>
+          <p:cNvPr id="6" name="Picture 2" descr="Breda University of Applied Sciences"/>
+          <p:cNvPicPr>
+            <a:picLocks noChangeAspect="1" noChangeArrowheads="1"/>
+          </p:cNvPicPr>
+          <p:nvPr/>
+        </p:nvPicPr>
+        <p:blipFill>
+          <a:blip r:embed="rId5">
+            <a:extLst>
+              <a:ext uri="{28A0092B-C50C-407E-A947-70E740481C1C}">
+                <a14:useLocalDpi xmlns:a14="http://schemas.microsoft.com/office/drawing/2010/main" val="0"/>
+              </a:ext>
+            </a:extLst>
+          </a:blip>
+          <a:srcRect/>
+          <a:stretch>
+            <a:fillRect/>
+          </a:stretch>
+        </p:blipFill>
+        <p:spPr bwMode="auto">
+          <a:xfrm>
+            <a:off x="0" y="4537973"/>
+            <a:ext cx="1707722" cy="589899"/>
+          </a:xfrm>
+          <a:prstGeom prst="rect">
+            <a:avLst/>
+          </a:prstGeom>
+          <a:noFill/>
+          <a:extLst>
+            <a:ext uri="{909E8E84-426E-40DD-AFC4-6F175D3DCCD1}">
+              <a14:hiddenFill xmlns:a14="http://schemas.microsoft.com/office/drawing/2010/main">
+                <a:solidFill>
+                  <a:srgbClr val="FFFFFF"/>
+                </a:solidFill>
+              </a14:hiddenFill>
+            </a:ext>
+          </a:extLst>
+        </p:spPr>
+      </p:pic>
+    </p:spTree>
+    <p:extLst>
+      <p:ext uri="{BB962C8B-B14F-4D97-AF65-F5344CB8AC3E}">
+        <p14:creationId xmlns:p14="http://schemas.microsoft.com/office/powerpoint/2010/main" val="1446319454"/>
+      </p:ext>
+    </p:extLst>
+  </p:cSld>
+  <p:clrMapOvr>
+    <a:masterClrMapping/>
+  </p:clrMapOvr>
+  <p:timing>
+    <p:tnLst>
+      <p:par>
+        <p:cTn id="1" dur="indefinite" restart="never" nodeType="tmRoot"/>
+      </p:par>
+    </p:tnLst>
+  </p:timing>
+</p:sld>
+</file>
+
+<file path=ppt/slides/slide23.xml><?xml version="1.0" encoding="utf-8"?>
+<p:sld xmlns:a="http://schemas.openxmlformats.org/drawingml/2006/main" xmlns:r="http://schemas.openxmlformats.org/officeDocument/2006/relationships" xmlns:p="http://schemas.openxmlformats.org/presentationml/2006/main">
+  <p:cSld>
+    <p:spTree>
+      <p:nvGrpSpPr>
+        <p:cNvPr id="1" name=""/>
+        <p:cNvGrpSpPr/>
+        <p:nvPr/>
+      </p:nvGrpSpPr>
+      <p:grpSpPr>
+        <a:xfrm>
+          <a:off x="0" y="0"/>
+          <a:ext cx="0" cy="0"/>
+          <a:chOff x="0" y="0"/>
+          <a:chExt cx="0" cy="0"/>
+        </a:xfrm>
+      </p:grpSpPr>
+      <p:pic>
+        <p:nvPicPr>
+          <p:cNvPr id="5" name="Picture 4" descr="White Background Images for Desktop or Mobile | Cool Backgrounds"/>
+          <p:cNvPicPr>
+            <a:picLocks noChangeAspect="1" noChangeArrowheads="1"/>
+          </p:cNvPicPr>
+          <p:nvPr/>
+        </p:nvPicPr>
+        <p:blipFill>
+          <a:blip r:embed="rId3">
+            <a:extLst>
+              <a:ext uri="{28A0092B-C50C-407E-A947-70E740481C1C}">
+                <a14:useLocalDpi xmlns:a14="http://schemas.microsoft.com/office/drawing/2010/main" val="0"/>
+              </a:ext>
+            </a:extLst>
+          </a:blip>
+          <a:srcRect/>
+          <a:stretch>
+            <a:fillRect/>
+          </a:stretch>
+        </p:blipFill>
+        <p:spPr bwMode="auto">
+          <a:xfrm>
+            <a:off x="-76200" y="18199"/>
+            <a:ext cx="9220200" cy="5143500"/>
+          </a:xfrm>
+          <a:prstGeom prst="rect">
+            <a:avLst/>
+          </a:prstGeom>
+          <a:noFill/>
+          <a:extLst>
+            <a:ext uri="{909E8E84-426E-40DD-AFC4-6F175D3DCCD1}">
+              <a14:hiddenFill xmlns:a14="http://schemas.microsoft.com/office/drawing/2010/main">
+                <a:solidFill>
+                  <a:srgbClr val="FFFFFF"/>
+                </a:solidFill>
+              </a14:hiddenFill>
+            </a:ext>
+          </a:extLst>
+        </p:spPr>
+      </p:pic>
+      <p:sp>
+        <p:nvSpPr>
+          <p:cNvPr id="2" name="Title 1"/>
+          <p:cNvSpPr>
+            <a:spLocks noGrp="1"/>
+          </p:cNvSpPr>
+          <p:nvPr>
+            <p:ph type="title"/>
+          </p:nvPr>
+        </p:nvSpPr>
+        <p:spPr/>
+        <p:txBody>
+          <a:bodyPr/>
+          <a:lstStyle/>
+          <a:p>
+            <a:r>
+              <a:rPr lang="en-US" dirty="0"/>
+              <a:t>Analyzing A/B test results</a:t>
+            </a:r>
+            <a:endParaRPr lang="en-US" dirty="0"/>
+          </a:p>
+        </p:txBody>
+      </p:sp>
+      <p:sp>
+        <p:nvSpPr>
+          <p:cNvPr id="3" name="Text Placeholder 2"/>
+          <p:cNvSpPr>
+            <a:spLocks noGrp="1"/>
+          </p:cNvSpPr>
+          <p:nvPr>
+            <p:ph type="body" sz="quarter" idx="14"/>
+          </p:nvPr>
+        </p:nvSpPr>
+        <p:spPr/>
+        <p:txBody>
+          <a:bodyPr/>
+          <a:lstStyle/>
+          <a:p>
+            <a:r>
+              <a:rPr lang="en-US" b="1" dirty="0"/>
+              <a:t>Multiple winning variations</a:t>
+            </a:r>
+          </a:p>
+          <a:p>
+            <a:pPr marL="0" indent="0">
+              <a:buNone/>
+            </a:pPr>
+            <a:r>
+              <a:rPr lang="en-US" dirty="0" smtClean="0"/>
+              <a:t>-</a:t>
+            </a:r>
+            <a:r>
+              <a:rPr lang="en-US" dirty="0"/>
+              <a:t>S</a:t>
+            </a:r>
+            <a:r>
+              <a:rPr lang="en-US" dirty="0" smtClean="0"/>
+              <a:t>egment test </a:t>
+            </a:r>
+            <a:r>
+              <a:rPr lang="en-US" dirty="0"/>
+              <a:t>results just to see how your most valuable customers respond to the changes</a:t>
+            </a:r>
+            <a:r>
+              <a:rPr lang="en-US" dirty="0" smtClean="0"/>
+              <a:t>.</a:t>
+            </a:r>
+          </a:p>
+          <a:p>
+            <a:pPr marL="0" indent="0">
+              <a:buNone/>
+            </a:pPr>
+            <a:endParaRPr lang="en-US" u="sng" dirty="0"/>
+          </a:p>
+          <a:p>
+            <a:pPr marL="0" indent="0">
+              <a:buNone/>
+            </a:pPr>
+            <a:r>
+              <a:rPr lang="en-US" dirty="0"/>
+              <a:t>Analyzing the behavior of your visitors under these segments can help you reveal new insights about their perspective.</a:t>
+            </a:r>
+            <a:endParaRPr lang="en-US" u="sng" dirty="0"/>
+          </a:p>
+        </p:txBody>
+      </p:sp>
+      <p:sp>
+        <p:nvSpPr>
+          <p:cNvPr id="4" name="Slide Number Placeholder 3"/>
+          <p:cNvSpPr>
+            <a:spLocks noGrp="1"/>
+          </p:cNvSpPr>
+          <p:nvPr>
+            <p:ph type="sldNum" sz="quarter" idx="12"/>
+          </p:nvPr>
+        </p:nvSpPr>
+        <p:spPr/>
+        <p:txBody>
+          <a:bodyPr/>
+          <a:lstStyle/>
+          <a:p>
+            <a:fld id="{993221B0-C4CD-1546-9E62-A4249094014D}" type="slidenum">
+              <a:rPr lang="en-GB" smtClean="0"/>
+              <a:pPr/>
+              <a:t>23</a:t>
+            </a:fld>
+            <a:endParaRPr lang="en-GB" dirty="0"/>
+          </a:p>
+        </p:txBody>
+      </p:sp>
+      <p:pic>
+        <p:nvPicPr>
+          <p:cNvPr id="6" name="Picture 2" descr="Breda University of Applied Sciences"/>
+          <p:cNvPicPr>
+            <a:picLocks noChangeAspect="1" noChangeArrowheads="1"/>
+          </p:cNvPicPr>
+          <p:nvPr/>
+        </p:nvPicPr>
+        <p:blipFill>
+          <a:blip r:embed="rId4">
+            <a:extLst>
+              <a:ext uri="{28A0092B-C50C-407E-A947-70E740481C1C}">
+                <a14:useLocalDpi xmlns:a14="http://schemas.microsoft.com/office/drawing/2010/main" val="0"/>
+              </a:ext>
+            </a:extLst>
+          </a:blip>
+          <a:srcRect/>
+          <a:stretch>
+            <a:fillRect/>
+          </a:stretch>
+        </p:blipFill>
+        <p:spPr bwMode="auto">
+          <a:xfrm>
+            <a:off x="0" y="4537973"/>
+            <a:ext cx="1707722" cy="589899"/>
+          </a:xfrm>
+          <a:prstGeom prst="rect">
+            <a:avLst/>
+          </a:prstGeom>
+          <a:noFill/>
+          <a:extLst>
+            <a:ext uri="{909E8E84-426E-40DD-AFC4-6F175D3DCCD1}">
+              <a14:hiddenFill xmlns:a14="http://schemas.microsoft.com/office/drawing/2010/main">
+                <a:solidFill>
+                  <a:srgbClr val="FFFFFF"/>
+                </a:solidFill>
+              </a14:hiddenFill>
+            </a:ext>
+          </a:extLst>
+        </p:spPr>
+      </p:pic>
+    </p:spTree>
+    <p:extLst>
+      <p:ext uri="{BB962C8B-B14F-4D97-AF65-F5344CB8AC3E}">
+        <p14:creationId xmlns:p14="http://schemas.microsoft.com/office/powerpoint/2010/main" val="3273467210"/>
+      </p:ext>
+    </p:extLst>
+  </p:cSld>
+  <p:clrMapOvr>
+    <a:masterClrMapping/>
+  </p:clrMapOvr>
+  <p:timing>
+    <p:tnLst>
+      <p:par>
+        <p:cTn id="1" dur="indefinite" restart="never" nodeType="tmRoot"/>
+      </p:par>
+    </p:tnLst>
+  </p:timing>
+</p:sld>
+</file>
+
+<file path=ppt/slides/slide24.xml><?xml version="1.0" encoding="utf-8"?>
+<p:sld xmlns:a="http://schemas.openxmlformats.org/drawingml/2006/main" xmlns:r="http://schemas.openxmlformats.org/officeDocument/2006/relationships" xmlns:p="http://schemas.openxmlformats.org/presentationml/2006/main">
+  <p:cSld>
+    <p:spTree>
+      <p:nvGrpSpPr>
+        <p:cNvPr id="1" name=""/>
+        <p:cNvGrpSpPr/>
+        <p:nvPr/>
+      </p:nvGrpSpPr>
+      <p:grpSpPr>
+        <a:xfrm>
+          <a:off x="0" y="0"/>
+          <a:ext cx="0" cy="0"/>
+          <a:chOff x="0" y="0"/>
+          <a:chExt cx="0" cy="0"/>
+        </a:xfrm>
+      </p:grpSpPr>
+      <p:pic>
+        <p:nvPicPr>
+          <p:cNvPr id="5" name="Picture 4" descr="White Background Images for Desktop or Mobile | Cool Backgrounds"/>
+          <p:cNvPicPr>
+            <a:picLocks noChangeAspect="1" noChangeArrowheads="1"/>
+          </p:cNvPicPr>
+          <p:nvPr/>
+        </p:nvPicPr>
+        <p:blipFill>
+          <a:blip r:embed="rId3">
+            <a:extLst>
+              <a:ext uri="{28A0092B-C50C-407E-A947-70E740481C1C}">
+                <a14:useLocalDpi xmlns:a14="http://schemas.microsoft.com/office/drawing/2010/main" val="0"/>
+              </a:ext>
+            </a:extLst>
+          </a:blip>
+          <a:srcRect/>
+          <a:stretch>
+            <a:fillRect/>
+          </a:stretch>
+        </p:blipFill>
+        <p:spPr bwMode="auto">
+          <a:xfrm>
+            <a:off x="-76200" y="18199"/>
+            <a:ext cx="9220200" cy="5143500"/>
+          </a:xfrm>
+          <a:prstGeom prst="rect">
+            <a:avLst/>
+          </a:prstGeom>
+          <a:noFill/>
+          <a:extLst>
+            <a:ext uri="{909E8E84-426E-40DD-AFC4-6F175D3DCCD1}">
+              <a14:hiddenFill xmlns:a14="http://schemas.microsoft.com/office/drawing/2010/main">
+                <a:solidFill>
+                  <a:srgbClr val="FFFFFF"/>
+                </a:solidFill>
+              </a14:hiddenFill>
+            </a:ext>
+          </a:extLst>
+        </p:spPr>
+      </p:pic>
+      <p:sp>
+        <p:nvSpPr>
+          <p:cNvPr id="3" name="Text Placeholder 2"/>
+          <p:cNvSpPr>
+            <a:spLocks noGrp="1"/>
+          </p:cNvSpPr>
+          <p:nvPr>
+            <p:ph type="body" sz="quarter" idx="14"/>
+          </p:nvPr>
+        </p:nvSpPr>
+        <p:spPr>
+          <a:xfrm>
+            <a:off x="1169988" y="126513"/>
+            <a:ext cx="7002462" cy="3437994"/>
+          </a:xfrm>
+        </p:spPr>
+        <p:txBody>
+          <a:bodyPr/>
+          <a:lstStyle/>
+          <a:p>
+            <a:pPr marL="0" indent="0" algn="ctr">
+              <a:buNone/>
+            </a:pPr>
+            <a:endParaRPr lang="en-US" sz="4000" b="1" dirty="0" smtClean="0">
+              <a:solidFill>
+                <a:schemeClr val="accent2"/>
+              </a:solidFill>
+            </a:endParaRPr>
+          </a:p>
+          <a:p>
+            <a:pPr marL="0" indent="0" algn="ctr">
+              <a:buNone/>
+            </a:pPr>
+            <a:r>
+              <a:rPr lang="en-US" sz="4000" b="1" dirty="0" smtClean="0">
+                <a:solidFill>
+                  <a:schemeClr val="accent2"/>
+                </a:solidFill>
+                <a:latin typeface="+mj-lt"/>
+              </a:rPr>
+              <a:t>Qualitative a/b testing</a:t>
+            </a:r>
+            <a:endParaRPr lang="en-US" sz="4000" b="1" dirty="0">
+              <a:solidFill>
+                <a:schemeClr val="accent2"/>
+              </a:solidFill>
+              <a:latin typeface="+mj-lt"/>
+            </a:endParaRPr>
+          </a:p>
+        </p:txBody>
+      </p:sp>
+      <p:sp>
+        <p:nvSpPr>
+          <p:cNvPr id="4" name="Slide Number Placeholder 3"/>
+          <p:cNvSpPr>
+            <a:spLocks noGrp="1"/>
+          </p:cNvSpPr>
+          <p:nvPr>
+            <p:ph type="sldNum" sz="quarter" idx="12"/>
+          </p:nvPr>
+        </p:nvSpPr>
+        <p:spPr/>
+        <p:txBody>
+          <a:bodyPr/>
+          <a:lstStyle/>
+          <a:p>
+            <a:fld id="{993221B0-C4CD-1546-9E62-A4249094014D}" type="slidenum">
+              <a:rPr lang="en-GB" smtClean="0"/>
+              <a:pPr/>
+              <a:t>24</a:t>
+            </a:fld>
+            <a:endParaRPr lang="en-GB" dirty="0"/>
+          </a:p>
+        </p:txBody>
+      </p:sp>
+      <p:pic>
+        <p:nvPicPr>
+          <p:cNvPr id="6" name="Picture 2" descr="Breda University of Applied Sciences"/>
+          <p:cNvPicPr>
+            <a:picLocks noChangeAspect="1" noChangeArrowheads="1"/>
+          </p:cNvPicPr>
+          <p:nvPr/>
+        </p:nvPicPr>
+        <p:blipFill>
+          <a:blip r:embed="rId4">
+            <a:extLst>
+              <a:ext uri="{28A0092B-C50C-407E-A947-70E740481C1C}">
+                <a14:useLocalDpi xmlns:a14="http://schemas.microsoft.com/office/drawing/2010/main" val="0"/>
+              </a:ext>
+            </a:extLst>
+          </a:blip>
+          <a:srcRect/>
+          <a:stretch>
+            <a:fillRect/>
+          </a:stretch>
+        </p:blipFill>
+        <p:spPr bwMode="auto">
+          <a:xfrm>
+            <a:off x="0" y="4537973"/>
+            <a:ext cx="1707722" cy="589899"/>
+          </a:xfrm>
+          <a:prstGeom prst="rect">
+            <a:avLst/>
+          </a:prstGeom>
+          <a:noFill/>
+          <a:extLst>
+            <a:ext uri="{909E8E84-426E-40DD-AFC4-6F175D3DCCD1}">
+              <a14:hiddenFill xmlns:a14="http://schemas.microsoft.com/office/drawing/2010/main">
+                <a:solidFill>
+                  <a:srgbClr val="FFFFFF"/>
+                </a:solidFill>
+              </a14:hiddenFill>
+            </a:ext>
+          </a:extLst>
+        </p:spPr>
+      </p:pic>
+      <p:pic>
+        <p:nvPicPr>
+          <p:cNvPr id="3074" name="Picture 2" descr="How to Do A/B Testing: 15 Steps for the Perfect Split Test"/>
+          <p:cNvPicPr>
+            <a:picLocks noChangeAspect="1" noChangeArrowheads="1"/>
+          </p:cNvPicPr>
+          <p:nvPr/>
+        </p:nvPicPr>
+        <p:blipFill>
+          <a:blip r:embed="rId5">
+            <a:extLst>
+              <a:ext uri="{28A0092B-C50C-407E-A947-70E740481C1C}">
+                <a14:useLocalDpi xmlns:a14="http://schemas.microsoft.com/office/drawing/2010/main" val="0"/>
+              </a:ext>
+            </a:extLst>
+          </a:blip>
+          <a:srcRect/>
+          <a:stretch>
+            <a:fillRect/>
+          </a:stretch>
+        </p:blipFill>
+        <p:spPr bwMode="auto">
+          <a:xfrm>
+            <a:off x="2051844" y="1281078"/>
+            <a:ext cx="5238750" cy="3657600"/>
+          </a:xfrm>
+          <a:prstGeom prst="rect">
+            <a:avLst/>
+          </a:prstGeom>
+          <a:noFill/>
+          <a:extLst>
+            <a:ext uri="{909E8E84-426E-40DD-AFC4-6F175D3DCCD1}">
+              <a14:hiddenFill xmlns:a14="http://schemas.microsoft.com/office/drawing/2010/main">
+                <a:solidFill>
+                  <a:srgbClr val="FFFFFF"/>
+                </a:solidFill>
+              </a14:hiddenFill>
+            </a:ext>
+          </a:extLst>
+        </p:spPr>
+      </p:pic>
+    </p:spTree>
+    <p:extLst>
+      <p:ext uri="{BB962C8B-B14F-4D97-AF65-F5344CB8AC3E}">
+        <p14:creationId xmlns:p14="http://schemas.microsoft.com/office/powerpoint/2010/main" val="929577429"/>
+      </p:ext>
+    </p:extLst>
+  </p:cSld>
+  <p:clrMapOvr>
+    <a:masterClrMapping/>
+  </p:clrMapOvr>
+  <p:timing>
+    <p:tnLst>
+      <p:par>
+        <p:cTn id="1" dur="indefinite" restart="never" nodeType="tmRoot"/>
+      </p:par>
+    </p:tnLst>
+  </p:timing>
+</p:sld>
+</file>
+
+<file path=ppt/slides/slide25.xml><?xml version="1.0" encoding="utf-8"?>
+<p:sld xmlns:a="http://schemas.openxmlformats.org/drawingml/2006/main" xmlns:r="http://schemas.openxmlformats.org/officeDocument/2006/relationships" xmlns:p="http://schemas.openxmlformats.org/presentationml/2006/main">
+  <p:cSld>
+    <p:spTree>
+      <p:nvGrpSpPr>
+        <p:cNvPr id="1" name=""/>
+        <p:cNvGrpSpPr/>
+        <p:nvPr/>
+      </p:nvGrpSpPr>
+      <p:grpSpPr>
+        <a:xfrm>
+          <a:off x="0" y="0"/>
+          <a:ext cx="0" cy="0"/>
+          <a:chOff x="0" y="0"/>
+          <a:chExt cx="0" cy="0"/>
+        </a:xfrm>
+      </p:grpSpPr>
+      <p:pic>
+        <p:nvPicPr>
+          <p:cNvPr id="5" name="Picture 4" descr="White Background Images for Desktop or Mobile | Cool Backgrounds"/>
+          <p:cNvPicPr>
+            <a:picLocks noChangeAspect="1" noChangeArrowheads="1"/>
+          </p:cNvPicPr>
+          <p:nvPr/>
+        </p:nvPicPr>
+        <p:blipFill>
+          <a:blip r:embed="rId3">
+            <a:extLst>
+              <a:ext uri="{28A0092B-C50C-407E-A947-70E740481C1C}">
+                <a14:useLocalDpi xmlns:a14="http://schemas.microsoft.com/office/drawing/2010/main" val="0"/>
+              </a:ext>
+            </a:extLst>
+          </a:blip>
+          <a:srcRect/>
+          <a:stretch>
+            <a:fillRect/>
+          </a:stretch>
+        </p:blipFill>
+        <p:spPr bwMode="auto">
+          <a:xfrm>
+            <a:off x="-76200" y="18199"/>
+            <a:ext cx="9220200" cy="5143500"/>
+          </a:xfrm>
+          <a:prstGeom prst="rect">
+            <a:avLst/>
+          </a:prstGeom>
+          <a:noFill/>
+          <a:extLst>
+            <a:ext uri="{909E8E84-426E-40DD-AFC4-6F175D3DCCD1}">
+              <a14:hiddenFill xmlns:a14="http://schemas.microsoft.com/office/drawing/2010/main">
+                <a:solidFill>
+                  <a:srgbClr val="FFFFFF"/>
+                </a:solidFill>
+              </a14:hiddenFill>
+            </a:ext>
+          </a:extLst>
+        </p:spPr>
+      </p:pic>
+      <p:sp>
+        <p:nvSpPr>
+          <p:cNvPr id="2" name="Title 1"/>
+          <p:cNvSpPr>
+            <a:spLocks noGrp="1"/>
+          </p:cNvSpPr>
+          <p:nvPr>
+            <p:ph type="title"/>
+          </p:nvPr>
+        </p:nvSpPr>
+        <p:spPr>
+          <a:xfrm>
+            <a:off x="1169987" y="400823"/>
+            <a:ext cx="7002463" cy="818910"/>
+          </a:xfrm>
+        </p:spPr>
+        <p:txBody>
+          <a:bodyPr/>
+          <a:lstStyle/>
+          <a:p>
+            <a:r>
+              <a:rPr lang="en-US" b="0" dirty="0"/>
+              <a:t>S</a:t>
+            </a:r>
+            <a:r>
+              <a:rPr lang="en-US" b="0" dirty="0" smtClean="0"/>
+              <a:t>teps </a:t>
+            </a:r>
+            <a:r>
+              <a:rPr lang="en-US" b="0" dirty="0"/>
+              <a:t>for gathering qualitative data for A/B tests</a:t>
+            </a:r>
+          </a:p>
+        </p:txBody>
+      </p:sp>
+      <p:sp>
+        <p:nvSpPr>
+          <p:cNvPr id="3" name="Text Placeholder 2"/>
+          <p:cNvSpPr>
+            <a:spLocks noGrp="1"/>
+          </p:cNvSpPr>
+          <p:nvPr>
+            <p:ph type="body" sz="quarter" idx="14"/>
+          </p:nvPr>
+        </p:nvSpPr>
+        <p:spPr>
+          <a:xfrm>
+            <a:off x="636814" y="1318382"/>
+            <a:ext cx="8164286" cy="3197357"/>
+          </a:xfrm>
+        </p:spPr>
+        <p:txBody>
+          <a:bodyPr/>
+          <a:lstStyle/>
+          <a:p>
+            <a:r>
+              <a:rPr lang="en-US" sz="2000" dirty="0" smtClean="0"/>
+              <a:t>Get </a:t>
+            </a:r>
+            <a:r>
+              <a:rPr lang="en-US" sz="2000" dirty="0"/>
+              <a:t>users to go through both variations of the design, with the same task and questions to avoid </a:t>
+            </a:r>
+            <a:r>
+              <a:rPr lang="en-US" sz="2000" dirty="0" smtClean="0"/>
+              <a:t>bias;</a:t>
+            </a:r>
+          </a:p>
+          <a:p>
+            <a:pPr marL="0" indent="0">
+              <a:buNone/>
+            </a:pPr>
+            <a:endParaRPr lang="en-US" sz="2000" dirty="0" smtClean="0"/>
+          </a:p>
+          <a:p>
+            <a:r>
+              <a:rPr lang="en-US" sz="2000" dirty="0"/>
+              <a:t>Ensure the order of presentation of the designs is </a:t>
+            </a:r>
+            <a:r>
+              <a:rPr lang="en-US" sz="2000" dirty="0" smtClean="0"/>
+              <a:t>counterbalanced;</a:t>
+            </a:r>
+          </a:p>
+          <a:p>
+            <a:endParaRPr lang="en-US" sz="2000" dirty="0" smtClean="0"/>
+          </a:p>
+          <a:p>
+            <a:r>
+              <a:rPr lang="en-US" sz="2000" dirty="0"/>
+              <a:t>Finally, compare the responses you received on variation A compared to the responses you received on variation B to see if there are any key themes, motivations, or barriers that stood out.</a:t>
+            </a:r>
+            <a:r>
+              <a:rPr lang="en-US" sz="2000" u="sng" dirty="0" smtClean="0"/>
+              <a:t> </a:t>
+            </a:r>
+            <a:endParaRPr lang="en-US" sz="2000" u="sng" dirty="0"/>
+          </a:p>
+        </p:txBody>
+      </p:sp>
+      <p:sp>
+        <p:nvSpPr>
+          <p:cNvPr id="4" name="Slide Number Placeholder 3"/>
+          <p:cNvSpPr>
+            <a:spLocks noGrp="1"/>
+          </p:cNvSpPr>
+          <p:nvPr>
+            <p:ph type="sldNum" sz="quarter" idx="12"/>
+          </p:nvPr>
+        </p:nvSpPr>
+        <p:spPr/>
+        <p:txBody>
+          <a:bodyPr/>
+          <a:lstStyle/>
+          <a:p>
+            <a:fld id="{993221B0-C4CD-1546-9E62-A4249094014D}" type="slidenum">
+              <a:rPr lang="en-GB" smtClean="0"/>
+              <a:pPr/>
+              <a:t>25</a:t>
+            </a:fld>
+            <a:endParaRPr lang="en-GB" dirty="0"/>
+          </a:p>
+        </p:txBody>
+      </p:sp>
+      <p:pic>
+        <p:nvPicPr>
+          <p:cNvPr id="6" name="Picture 2" descr="Breda University of Applied Sciences"/>
+          <p:cNvPicPr>
+            <a:picLocks noChangeAspect="1" noChangeArrowheads="1"/>
+          </p:cNvPicPr>
+          <p:nvPr/>
+        </p:nvPicPr>
+        <p:blipFill>
+          <a:blip r:embed="rId4">
+            <a:extLst>
+              <a:ext uri="{28A0092B-C50C-407E-A947-70E740481C1C}">
+                <a14:useLocalDpi xmlns:a14="http://schemas.microsoft.com/office/drawing/2010/main" val="0"/>
+              </a:ext>
+            </a:extLst>
+          </a:blip>
+          <a:srcRect/>
+          <a:stretch>
+            <a:fillRect/>
+          </a:stretch>
+        </p:blipFill>
+        <p:spPr bwMode="auto">
+          <a:xfrm>
+            <a:off x="0" y="4537973"/>
+            <a:ext cx="1707722" cy="589899"/>
+          </a:xfrm>
+          <a:prstGeom prst="rect">
+            <a:avLst/>
+          </a:prstGeom>
+          <a:noFill/>
+          <a:extLst>
+            <a:ext uri="{909E8E84-426E-40DD-AFC4-6F175D3DCCD1}">
+              <a14:hiddenFill xmlns:a14="http://schemas.microsoft.com/office/drawing/2010/main">
+                <a:solidFill>
+                  <a:srgbClr val="FFFFFF"/>
+                </a:solidFill>
+              </a14:hiddenFill>
+            </a:ext>
+          </a:extLst>
+        </p:spPr>
+      </p:pic>
+    </p:spTree>
+    <p:extLst>
+      <p:ext uri="{BB962C8B-B14F-4D97-AF65-F5344CB8AC3E}">
+        <p14:creationId xmlns:p14="http://schemas.microsoft.com/office/powerpoint/2010/main" val="3818919058"/>
+      </p:ext>
+    </p:extLst>
+  </p:cSld>
+  <p:clrMapOvr>
+    <a:masterClrMapping/>
+  </p:clrMapOvr>
+  <p:timing>
+    <p:tnLst>
+      <p:par>
+        <p:cTn id="1" dur="indefinite" restart="never" nodeType="tmRoot"/>
+      </p:par>
+    </p:tnLst>
+  </p:timing>
+</p:sld>
+</file>
+
+<file path=ppt/slides/slide26.xml><?xml version="1.0" encoding="utf-8"?>
+<p:sld xmlns:a="http://schemas.openxmlformats.org/drawingml/2006/main" xmlns:r="http://schemas.openxmlformats.org/officeDocument/2006/relationships" xmlns:p="http://schemas.openxmlformats.org/presentationml/2006/main">
+  <p:cSld>
+    <p:spTree>
+      <p:nvGrpSpPr>
+        <p:cNvPr id="1" name=""/>
+        <p:cNvGrpSpPr/>
+        <p:nvPr/>
+      </p:nvGrpSpPr>
+      <p:grpSpPr>
+        <a:xfrm>
+          <a:off x="0" y="0"/>
+          <a:ext cx="0" cy="0"/>
+          <a:chOff x="0" y="0"/>
+          <a:chExt cx="0" cy="0"/>
+        </a:xfrm>
+      </p:grpSpPr>
+      <p:sp>
+        <p:nvSpPr>
+          <p:cNvPr id="2" name="Title 1">
+            <a:extLst>
+              <a:ext uri="{FF2B5EF4-FFF2-40B4-BE49-F238E27FC236}">
+                <a16:creationId xmlns:a16="http://schemas.microsoft.com/office/drawing/2014/main" id="{0D7CA8DD-909E-6B48-85E9-7CFE5A74EE1D}"/>
+              </a:ext>
+            </a:extLst>
+          </p:cNvPr>
+          <p:cNvSpPr>
+            <a:spLocks noGrp="1"/>
+          </p:cNvSpPr>
+          <p:nvPr>
+            <p:ph type="title"/>
+          </p:nvPr>
+        </p:nvSpPr>
+        <p:spPr/>
+        <p:txBody>
+          <a:bodyPr/>
+          <a:lstStyle/>
+          <a:p>
+            <a:endParaRPr lang="nl-NL"/>
+          </a:p>
+        </p:txBody>
+      </p:sp>
+      <p:sp>
+        <p:nvSpPr>
+          <p:cNvPr id="3" name="Text Placeholder 2">
+            <a:extLst>
+              <a:ext uri="{FF2B5EF4-FFF2-40B4-BE49-F238E27FC236}">
+                <a16:creationId xmlns:a16="http://schemas.microsoft.com/office/drawing/2014/main" id="{1BA48E9E-D62A-CD4E-B2F3-22B1E85959B2}"/>
+              </a:ext>
+            </a:extLst>
+          </p:cNvPr>
+          <p:cNvSpPr>
+            <a:spLocks noGrp="1"/>
+          </p:cNvSpPr>
+          <p:nvPr>
+            <p:ph type="body" sz="quarter" idx="13"/>
+          </p:nvPr>
+        </p:nvSpPr>
+        <p:spPr/>
+        <p:txBody>
+          <a:bodyPr/>
+          <a:lstStyle/>
+          <a:p>
+            <a:endParaRPr lang="nl-NL"/>
+          </a:p>
+        </p:txBody>
+      </p:sp>
+      <p:pic>
+        <p:nvPicPr>
+          <p:cNvPr id="4" name="Picture 2" descr="ÐÐ°ÑÑÐ¸Ð½ÐºÐ¸ Ð¿Ð¾ Ð·Ð°Ð¿ÑÐ¾ÑÑ questions"/>
+          <p:cNvPicPr>
+            <a:picLocks noChangeAspect="1" noChangeArrowheads="1"/>
+          </p:cNvPicPr>
+          <p:nvPr/>
+        </p:nvPicPr>
+        <p:blipFill>
+          <a:blip r:embed="rId2">
+            <a:extLst>
+              <a:ext uri="{28A0092B-C50C-407E-A947-70E740481C1C}">
+                <a14:useLocalDpi xmlns:a14="http://schemas.microsoft.com/office/drawing/2010/main" val="0"/>
+              </a:ext>
+            </a:extLst>
+          </a:blip>
+          <a:srcRect/>
+          <a:stretch>
+            <a:fillRect/>
+          </a:stretch>
+        </p:blipFill>
+        <p:spPr bwMode="auto">
+          <a:xfrm>
+            <a:off x="34925" y="0"/>
+            <a:ext cx="9109075" cy="4523874"/>
+          </a:xfrm>
+          <a:prstGeom prst="rect">
+            <a:avLst/>
+          </a:prstGeom>
+          <a:noFill/>
+          <a:extLst>
+            <a:ext uri="{909E8E84-426E-40DD-AFC4-6F175D3DCCD1}">
+              <a14:hiddenFill xmlns:a14="http://schemas.microsoft.com/office/drawing/2010/main">
+                <a:solidFill>
+                  <a:srgbClr val="FFFFFF"/>
+                </a:solidFill>
+              </a14:hiddenFill>
+            </a:ext>
+          </a:extLst>
+        </p:spPr>
+      </p:pic>
+    </p:spTree>
+    <p:extLst>
+      <p:ext uri="{BB962C8B-B14F-4D97-AF65-F5344CB8AC3E}">
+        <p14:creationId xmlns:p14="http://schemas.microsoft.com/office/powerpoint/2010/main" val="3665680473"/>
       </p:ext>
     </p:extLst>
   </p:cSld>
@@ -11024,7 +14705,7 @@
       </p:grpSpPr>
       <p:pic>
         <p:nvPicPr>
-          <p:cNvPr id="9" name="Picture 4" descr="White Background Images for Desktop or Mobile | Cool Backgrounds"/>
+          <p:cNvPr id="6" name="Picture 4" descr="White Background Images for Desktop or Mobile | Cool Backgrounds"/>
           <p:cNvPicPr>
             <a:picLocks noChangeAspect="1" noChangeArrowheads="1"/>
           </p:cNvPicPr>
@@ -11045,7 +14726,7 @@
         </p:blipFill>
         <p:spPr bwMode="auto">
           <a:xfrm>
-            <a:off x="0" y="0"/>
+            <a:off x="0" y="-15628"/>
             <a:ext cx="9220200" cy="5143500"/>
           </a:xfrm>
           <a:prstGeom prst="rect">
@@ -11073,20 +14754,105 @@
             <p:ph type="title"/>
           </p:nvPr>
         </p:nvSpPr>
+        <p:spPr/>
+        <p:txBody>
+          <a:bodyPr/>
+          <a:lstStyle/>
+          <a:p>
+            <a:r>
+              <a:rPr lang="en-US" dirty="0" smtClean="0"/>
+              <a:t>A/B testing</a:t>
+            </a:r>
+            <a:endParaRPr lang="en-US" dirty="0"/>
+          </a:p>
+        </p:txBody>
+      </p:sp>
+      <p:sp>
+        <p:nvSpPr>
+          <p:cNvPr id="3" name="Text Placeholder 2"/>
+          <p:cNvSpPr>
+            <a:spLocks noGrp="1"/>
+          </p:cNvSpPr>
+          <p:nvPr>
+            <p:ph type="body" sz="quarter" idx="14"/>
+          </p:nvPr>
+        </p:nvSpPr>
         <p:spPr>
           <a:xfrm>
-            <a:off x="1169987" y="457319"/>
-            <a:ext cx="7745413" cy="781901"/>
+            <a:off x="395288" y="1470099"/>
+            <a:ext cx="6057900" cy="2103604"/>
           </a:xfrm>
         </p:spPr>
         <p:txBody>
           <a:bodyPr/>
           <a:lstStyle/>
           <a:p>
-            <a:r>
-              <a:rPr lang="en-US" dirty="0"/>
-              <a:t>Why should I conduct “ A/B testing?”</a:t>
-            </a:r>
+            <a:pPr marL="0" indent="0">
+              <a:buNone/>
+            </a:pPr>
+            <a:r>
+              <a:rPr lang="en-US" sz="2000" dirty="0" smtClean="0"/>
+              <a:t>The </a:t>
+            </a:r>
+            <a:r>
+              <a:rPr lang="en-US" sz="2000" dirty="0"/>
+              <a:t>A/B test can be considered the most basic kind of randomized controlled </a:t>
+            </a:r>
+            <a:r>
+              <a:rPr lang="en-US" sz="2000" dirty="0" smtClean="0"/>
+              <a:t>experiment</a:t>
+            </a:r>
+            <a:r>
+              <a:rPr lang="en-US" sz="2000" dirty="0" smtClean="0"/>
+              <a:t>.</a:t>
+            </a:r>
+          </a:p>
+          <a:p>
+            <a:pPr marL="0" indent="0">
+              <a:buNone/>
+            </a:pPr>
+            <a:r>
+              <a:rPr lang="en-US" sz="2000" dirty="0" smtClean="0"/>
+              <a:t>You </a:t>
+            </a:r>
+            <a:r>
+              <a:rPr lang="en-US" sz="2000" dirty="0"/>
+              <a:t>must estimate the sample size </a:t>
+            </a:r>
+            <a:r>
+              <a:rPr lang="en-US" sz="2000" dirty="0" smtClean="0"/>
+              <a:t>you need </a:t>
+            </a:r>
+            <a:r>
+              <a:rPr lang="en-US" sz="2000" dirty="0"/>
+              <a:t>to achieve a </a:t>
+            </a:r>
+            <a:r>
+              <a:rPr lang="en-US" sz="2000" dirty="0" smtClean="0">
+                <a:solidFill>
+                  <a:schemeClr val="accent1"/>
+                </a:solidFill>
+                <a:hlinkClick r:id="rId4"/>
+              </a:rPr>
+              <a:t>statistical significance</a:t>
+            </a:r>
+            <a:r>
+              <a:rPr lang="en-US" sz="2000" dirty="0">
+                <a:solidFill>
+                  <a:schemeClr val="accent1"/>
+                </a:solidFill>
+              </a:rPr>
+              <a:t>, </a:t>
+            </a:r>
+            <a:r>
+              <a:rPr lang="en-US" sz="2000" dirty="0"/>
+              <a:t>which will help you make sure the result you’re seeing “isn’t just because </a:t>
+            </a:r>
+            <a:r>
+              <a:rPr lang="en-US" sz="2000" dirty="0" smtClean="0"/>
+              <a:t>of background noise”.</a:t>
+            </a:r>
+            <a:endParaRPr lang="en-US" sz="2000" dirty="0"/>
           </a:p>
         </p:txBody>
       </p:sp>
@@ -11114,106 +14880,16 @@
           </a:p>
         </p:txBody>
       </p:sp>
-      <p:sp>
-        <p:nvSpPr>
-          <p:cNvPr id="5" name="Text Placeholder 4"/>
-          <p:cNvSpPr>
-            <a:spLocks noGrp="1"/>
-          </p:cNvSpPr>
-          <p:nvPr>
-            <p:ph type="body" sz="quarter" idx="14"/>
-          </p:nvPr>
-        </p:nvSpPr>
-        <p:spPr>
-          <a:xfrm>
-            <a:off x="801688" y="1598446"/>
-            <a:ext cx="4513262" cy="3102388"/>
-          </a:xfrm>
-          <a:prstGeom prst="rect">
-            <a:avLst/>
-          </a:prstGeom>
-        </p:spPr>
-        <p:txBody>
-          <a:bodyPr wrap="square">
-            <a:spAutoFit/>
-          </a:bodyPr>
-          <a:lstStyle/>
-          <a:p>
-            <a:r>
-              <a:rPr lang="en-US" dirty="0" smtClean="0"/>
-              <a:t>A/B </a:t>
-            </a:r>
-            <a:r>
-              <a:rPr lang="en-US" dirty="0"/>
-              <a:t>testing of landing pages can generate up to 30-40</a:t>
-            </a:r>
-            <a:r>
-              <a:rPr lang="en-US" dirty="0" smtClean="0"/>
-              <a:t>%</a:t>
-            </a:r>
-          </a:p>
-          <a:p>
-            <a:pPr marL="0" indent="0">
-              <a:buNone/>
-            </a:pPr>
-            <a:r>
-              <a:rPr lang="en-US" dirty="0" smtClean="0"/>
-              <a:t>more </a:t>
-            </a:r>
-            <a:r>
-              <a:rPr lang="en-US" dirty="0"/>
-              <a:t>leads for B2B </a:t>
-            </a:r>
-            <a:r>
-              <a:rPr lang="en-US" dirty="0" smtClean="0"/>
-              <a:t>sites;</a:t>
-            </a:r>
-          </a:p>
-          <a:p>
-            <a:r>
-              <a:rPr lang="en-US" dirty="0"/>
-              <a:t>20-25% more leads for </a:t>
-            </a:r>
-            <a:r>
-              <a:rPr lang="en-US" dirty="0" err="1"/>
-              <a:t>eCommerce</a:t>
-            </a:r>
-            <a:r>
-              <a:rPr lang="en-US" dirty="0"/>
-              <a:t> </a:t>
-            </a:r>
-            <a:r>
-              <a:rPr lang="en-US" dirty="0" smtClean="0"/>
-              <a:t>sites;</a:t>
-            </a:r>
-          </a:p>
-          <a:p>
-            <a:r>
-              <a:rPr lang="en-US" dirty="0" smtClean="0"/>
-              <a:t>Only </a:t>
-            </a:r>
-            <a:r>
-              <a:rPr lang="en-US" dirty="0"/>
-              <a:t>40% of marketers validate test </a:t>
-            </a:r>
-            <a:r>
-              <a:rPr lang="en-US" dirty="0" smtClean="0"/>
-              <a:t>results.</a:t>
-            </a:r>
-            <a:endParaRPr lang="en-US" dirty="0"/>
-          </a:p>
-        </p:txBody>
-      </p:sp>
       <p:pic>
         <p:nvPicPr>
-          <p:cNvPr id="11" name="Picture 2" descr="A/B-testen met WordPress | Verhoog je conversie door te exerimenteren!"/>
+          <p:cNvPr id="15362" name="Picture 2" descr="CMD Methods Pack - find a combination of research methods that suit your  needs"/>
           <p:cNvPicPr>
             <a:picLocks noChangeAspect="1" noChangeArrowheads="1"/>
           </p:cNvPicPr>
           <p:nvPr/>
         </p:nvPicPr>
         <p:blipFill>
-          <a:blip r:embed="rId4">
+          <a:blip r:embed="rId5">
             <a:extLst>
               <a:ext uri="{28A0092B-C50C-407E-A947-70E740481C1C}">
                 <a14:useLocalDpi xmlns:a14="http://schemas.microsoft.com/office/drawing/2010/main" val="0"/>
@@ -11227,8 +14903,8 @@
         </p:blipFill>
         <p:spPr bwMode="auto">
           <a:xfrm>
-            <a:off x="5085265" y="1910203"/>
-            <a:ext cx="3830135" cy="1854925"/>
+            <a:off x="5961756" y="837109"/>
+            <a:ext cx="3653732" cy="3267968"/>
           </a:xfrm>
           <a:prstGeom prst="rect">
             <a:avLst/>
@@ -11254,7 +14930,7 @@
           <p:nvPr/>
         </p:nvPicPr>
         <p:blipFill>
-          <a:blip r:embed="rId5">
+          <a:blip r:embed="rId6">
             <a:extLst>
               <a:ext uri="{28A0092B-C50C-407E-A947-70E740481C1C}">
                 <a14:useLocalDpi xmlns:a14="http://schemas.microsoft.com/office/drawing/2010/main" val="0"/>
@@ -11268,7 +14944,7 @@
         </p:blipFill>
         <p:spPr bwMode="auto">
           <a:xfrm>
-            <a:off x="7436278" y="4471849"/>
+            <a:off x="0" y="4537973"/>
             <a:ext cx="1707722" cy="589899"/>
           </a:xfrm>
           <a:prstGeom prst="rect">
@@ -11289,7 +14965,7 @@
     </p:spTree>
     <p:extLst>
       <p:ext uri="{BB962C8B-B14F-4D97-AF65-F5344CB8AC3E}">
-        <p14:creationId xmlns:p14="http://schemas.microsoft.com/office/powerpoint/2010/main" val="1754025983"/>
+        <p14:creationId xmlns:p14="http://schemas.microsoft.com/office/powerpoint/2010/main" val="1936811963"/>
       </p:ext>
     </p:extLst>
   </p:cSld>
@@ -11325,7 +15001,7 @@
       </p:grpSpPr>
       <p:pic>
         <p:nvPicPr>
-          <p:cNvPr id="6" name="Picture 4" descr="White Background Images for Desktop or Mobile | Cool Backgrounds"/>
+          <p:cNvPr id="5" name="Picture 4" descr="White Background Images for Desktop or Mobile | Cool Backgrounds"/>
           <p:cNvPicPr>
             <a:picLocks noChangeAspect="1" noChangeArrowheads="1"/>
           </p:cNvPicPr>
@@ -11346,7 +15022,7 @@
         </p:blipFill>
         <p:spPr bwMode="auto">
           <a:xfrm>
-            <a:off x="0" y="0"/>
+            <a:off x="0" y="-15628"/>
             <a:ext cx="9220200" cy="5143500"/>
           </a:xfrm>
           <a:prstGeom prst="rect">
@@ -11380,16 +15056,8 @@
           <a:lstStyle/>
           <a:p>
             <a:r>
-              <a:rPr lang="en-US" sz="2800" dirty="0"/>
-              <a:t> </a:t>
-            </a:r>
-            <a:r>
-              <a:rPr lang="en-US" sz="2800" dirty="0" smtClean="0"/>
-              <a:t>Guidelines </a:t>
-            </a:r>
-            <a:r>
-              <a:rPr lang="en-US" sz="2800" dirty="0"/>
-              <a:t>for effective A/B Testing</a:t>
+              <a:rPr lang="en-US" dirty="0"/>
+              <a:t>A/B testing</a:t>
             </a:r>
           </a:p>
         </p:txBody>
@@ -11406,80 +15074,57 @@
         </p:nvSpPr>
         <p:spPr>
           <a:xfrm>
-            <a:off x="1083926" y="1056076"/>
-            <a:ext cx="4418012" cy="3437994"/>
+            <a:off x="761774" y="1138410"/>
+            <a:ext cx="7002462" cy="3437994"/>
           </a:xfrm>
         </p:spPr>
         <p:txBody>
           <a:bodyPr/>
           <a:lstStyle/>
           <a:p>
-            <a:pPr marL="0" indent="0">
+            <a:r>
+              <a:rPr lang="en-US" dirty="0"/>
+              <a:t>T</a:t>
+            </a:r>
+            <a:r>
+              <a:rPr lang="en-US" dirty="0" smtClean="0"/>
+              <a:t>he </a:t>
+            </a:r>
+            <a:r>
+              <a:rPr lang="en-US" dirty="0"/>
+              <a:t>test analyst should first divide the users by mobile and desktop and then randomly assign them to each version. </a:t>
+            </a:r>
+            <a:endParaRPr lang="en-US" dirty="0" smtClean="0"/>
+          </a:p>
+          <a:p>
+            <a:endParaRPr lang="en-US" dirty="0"/>
+          </a:p>
+          <a:p>
+            <a:pPr marL="0" indent="0" algn="ctr">
               <a:buNone/>
             </a:pPr>
             <a:r>
               <a:rPr lang="en-US" dirty="0" smtClean="0"/>
-              <a:t>#1 Only conduct one test at a time</a:t>
-            </a:r>
-          </a:p>
-          <a:p>
-            <a:pPr marL="0" indent="0">
-              <a:buNone/>
-            </a:pPr>
-            <a:r>
-              <a:rPr lang="en-US" dirty="0" smtClean="0"/>
-              <a:t>#</a:t>
+              <a:t>This </a:t>
             </a:r>
             <a:r>
               <a:rPr lang="en-US" dirty="0"/>
-              <a:t>2 </a:t>
-            </a:r>
-            <a:r>
-              <a:rPr lang="en-US" dirty="0" smtClean="0"/>
-              <a:t>Test one variable at a time</a:t>
-            </a:r>
-          </a:p>
-          <a:p>
-            <a:pPr marL="0" indent="0">
-              <a:buNone/>
-            </a:pPr>
+              <a:t>is called </a:t>
+            </a:r>
+            <a:r>
+              <a:rPr lang="en-US" sz="2800" b="1" dirty="0">
+                <a:solidFill>
+                  <a:schemeClr val="accent1"/>
+                </a:solidFill>
+                <a:hlinkClick r:id="rId4"/>
+              </a:rPr>
+              <a:t>blocking</a:t>
+            </a:r>
             <a:r>
               <a:rPr lang="en-US" dirty="0"/>
-              <a:t>#3 </a:t>
-            </a:r>
-            <a:r>
-              <a:rPr lang="en-US" dirty="0" smtClean="0"/>
-              <a:t>Test </a:t>
-            </a:r>
-            <a:r>
-              <a:rPr lang="en-US" dirty="0"/>
-              <a:t>minor changes, </a:t>
-            </a:r>
-            <a:r>
-              <a:rPr lang="en-US" dirty="0" smtClean="0"/>
-              <a:t>too</a:t>
-            </a:r>
-          </a:p>
-          <a:p>
-            <a:pPr marL="0" indent="0">
-              <a:buNone/>
-            </a:pPr>
-            <a:r>
-              <a:rPr lang="en-US" dirty="0" smtClean="0"/>
-              <a:t>#</a:t>
-            </a:r>
-            <a:r>
-              <a:rPr lang="en-US" dirty="0"/>
-              <a:t>4 </a:t>
-            </a:r>
-            <a:r>
-              <a:rPr lang="en-US" dirty="0" smtClean="0"/>
-              <a:t>Measure </a:t>
-            </a:r>
-            <a:r>
-              <a:rPr lang="en-US" dirty="0"/>
-              <a:t>as far down the funnel as possible</a:t>
-            </a:r>
+              <a:t>.</a:t>
+            </a:r>
+            <a:endParaRPr lang="en-US" dirty="0"/>
           </a:p>
         </p:txBody>
       </p:sp>
@@ -11509,37 +15154,7 @@
       </p:sp>
       <p:pic>
         <p:nvPicPr>
-          <p:cNvPr id="5" name="Picture 4"/>
-          <p:cNvPicPr>
-            <a:picLocks noChangeAspect="1"/>
-          </p:cNvPicPr>
-          <p:nvPr/>
-        </p:nvPicPr>
-        <p:blipFill>
-          <a:blip r:embed="rId4">
-            <a:extLst>
-              <a:ext uri="{28A0092B-C50C-407E-A947-70E740481C1C}">
-                <a14:useLocalDpi xmlns:a14="http://schemas.microsoft.com/office/drawing/2010/main" val="0"/>
-              </a:ext>
-            </a:extLst>
-          </a:blip>
-          <a:stretch>
-            <a:fillRect/>
-          </a:stretch>
-        </p:blipFill>
-        <p:spPr>
-          <a:xfrm>
-            <a:off x="5301997" y="1122255"/>
-            <a:ext cx="3620005" cy="3305636"/>
-          </a:xfrm>
-          <a:prstGeom prst="rect">
-            <a:avLst/>
-          </a:prstGeom>
-        </p:spPr>
-      </p:pic>
-      <p:pic>
-        <p:nvPicPr>
-          <p:cNvPr id="7" name="Picture 2" descr="Breda University of Applied Sciences"/>
+          <p:cNvPr id="6" name="Picture 2" descr="CMD Methods Pack - find a combination of research methods that suit your  needs"/>
           <p:cNvPicPr>
             <a:picLocks noChangeAspect="1" noChangeArrowheads="1"/>
           </p:cNvPicPr>
@@ -11560,8 +15175,8 @@
         </p:blipFill>
         <p:spPr bwMode="auto">
           <a:xfrm>
-            <a:off x="0" y="4537973"/>
-            <a:ext cx="1707722" cy="589899"/>
+            <a:off x="5826042" y="1859904"/>
+            <a:ext cx="3653732" cy="3267968"/>
           </a:xfrm>
           <a:prstGeom prst="rect">
             <a:avLst/>
@@ -11581,7 +15196,7 @@
     </p:spTree>
     <p:extLst>
       <p:ext uri="{BB962C8B-B14F-4D97-AF65-F5344CB8AC3E}">
-        <p14:creationId xmlns:p14="http://schemas.microsoft.com/office/powerpoint/2010/main" val="3190038923"/>
+        <p14:creationId xmlns:p14="http://schemas.microsoft.com/office/powerpoint/2010/main" val="946725381"/>
       </p:ext>
     </p:extLst>
   </p:cSld>
@@ -11617,7 +15232,7 @@
       </p:grpSpPr>
       <p:pic>
         <p:nvPicPr>
-          <p:cNvPr id="5" name="Picture 4" descr="White Background Images for Desktop or Mobile | Cool Backgrounds"/>
+          <p:cNvPr id="9" name="Picture 4" descr="White Background Images for Desktop or Mobile | Cool Backgrounds"/>
           <p:cNvPicPr>
             <a:picLocks noChangeAspect="1" noChangeArrowheads="1"/>
           </p:cNvPicPr>
@@ -11668,8 +15283,8 @@
         </p:nvSpPr>
         <p:spPr>
           <a:xfrm>
-            <a:off x="1083926" y="-4146"/>
-            <a:ext cx="7974013" cy="818910"/>
+            <a:off x="1169987" y="457319"/>
+            <a:ext cx="7745413" cy="781901"/>
           </a:xfrm>
         </p:spPr>
         <p:txBody>
@@ -11677,93 +15292,8 @@
           <a:lstStyle/>
           <a:p>
             <a:r>
-              <a:rPr lang="en-US" sz="3200" dirty="0"/>
-              <a:t>G</a:t>
-            </a:r>
-            <a:r>
-              <a:rPr lang="en-US" sz="3200" dirty="0" smtClean="0"/>
-              <a:t>uidelines </a:t>
-            </a:r>
-            <a:r>
-              <a:rPr lang="en-US" sz="3200" dirty="0"/>
-              <a:t>for effective A/B Testing</a:t>
-            </a:r>
-          </a:p>
-        </p:txBody>
-      </p:sp>
-      <p:sp>
-        <p:nvSpPr>
-          <p:cNvPr id="3" name="Text Placeholder 2"/>
-          <p:cNvSpPr>
-            <a:spLocks noGrp="1"/>
-          </p:cNvSpPr>
-          <p:nvPr>
-            <p:ph type="body" sz="quarter" idx="14"/>
-          </p:nvPr>
-        </p:nvSpPr>
-        <p:spPr/>
-        <p:txBody>
-          <a:bodyPr/>
-          <a:lstStyle/>
-          <a:p>
-            <a:pPr marL="0" indent="0">
-              <a:buNone/>
-            </a:pPr>
-            <a:r>
-              <a:rPr lang="en-US" dirty="0" smtClean="0"/>
-              <a:t>#5 Set </a:t>
-            </a:r>
-            <a:r>
               <a:rPr lang="en-US" dirty="0"/>
-              <a:t>up control &amp; </a:t>
-            </a:r>
-            <a:r>
-              <a:rPr lang="en-US" dirty="0" smtClean="0"/>
-              <a:t>treatment</a:t>
-            </a:r>
-          </a:p>
-          <a:p>
-            <a:pPr marL="0" indent="0">
-              <a:buNone/>
-            </a:pPr>
-            <a:r>
-              <a:rPr lang="en-US" dirty="0"/>
-              <a:t>• Variation A</a:t>
-            </a:r>
-            <a:r>
-              <a:rPr lang="en-US" dirty="0" smtClean="0"/>
-              <a:t>:</a:t>
-            </a:r>
-          </a:p>
-          <a:p>
-            <a:pPr marL="0" indent="0">
-              <a:buNone/>
-            </a:pPr>
-            <a:r>
-              <a:rPr lang="en-US" dirty="0" smtClean="0"/>
-              <a:t> </a:t>
-            </a:r>
-            <a:r>
-              <a:rPr lang="en-US" dirty="0"/>
-              <a:t>Control (the unaltered, original version) </a:t>
-            </a:r>
-            <a:endParaRPr lang="en-US" dirty="0" smtClean="0"/>
-          </a:p>
-          <a:p>
-            <a:pPr marL="0" indent="0">
-              <a:buNone/>
-            </a:pPr>
-            <a:r>
-              <a:rPr lang="en-US" dirty="0" smtClean="0"/>
-              <a:t>• </a:t>
-            </a:r>
-            <a:r>
-              <a:rPr lang="en-US" dirty="0"/>
-              <a:t>Variation B: Treatment (the optimized version which you expect to perform </a:t>
-            </a:r>
-            <a:r>
-              <a:rPr lang="en-US" dirty="0" smtClean="0"/>
-              <a:t>better)</a:t>
+              <a:t>Why should I conduct “ A/B testing?”</a:t>
             </a:r>
           </a:p>
         </p:txBody>
@@ -11792,9 +15322,99 @@
           </a:p>
         </p:txBody>
       </p:sp>
+      <p:sp>
+        <p:nvSpPr>
+          <p:cNvPr id="5" name="Text Placeholder 4"/>
+          <p:cNvSpPr>
+            <a:spLocks noGrp="1"/>
+          </p:cNvSpPr>
+          <p:nvPr>
+            <p:ph type="body" sz="quarter" idx="14"/>
+          </p:nvPr>
+        </p:nvSpPr>
+        <p:spPr>
+          <a:xfrm>
+            <a:off x="272573" y="1424934"/>
+            <a:ext cx="4838270" cy="3102388"/>
+          </a:xfrm>
+          <a:prstGeom prst="rect">
+            <a:avLst/>
+          </a:prstGeom>
+        </p:spPr>
+        <p:txBody>
+          <a:bodyPr wrap="square">
+            <a:spAutoFit/>
+          </a:bodyPr>
+          <a:lstStyle/>
+          <a:p>
+            <a:r>
+              <a:rPr lang="en-US" dirty="0" smtClean="0"/>
+              <a:t>A/B </a:t>
+            </a:r>
+            <a:r>
+              <a:rPr lang="en-US" dirty="0"/>
+              <a:t>testing of landing pages can generate up to 30-40</a:t>
+            </a:r>
+            <a:r>
+              <a:rPr lang="en-US" dirty="0" smtClean="0"/>
+              <a:t>%</a:t>
+            </a:r>
+          </a:p>
+          <a:p>
+            <a:pPr marL="0" indent="0">
+              <a:buNone/>
+            </a:pPr>
+            <a:r>
+              <a:rPr lang="en-US" dirty="0" smtClean="0"/>
+              <a:t>more </a:t>
+            </a:r>
+            <a:r>
+              <a:rPr lang="en-US" dirty="0"/>
+              <a:t>leads for B2B </a:t>
+            </a:r>
+            <a:r>
+              <a:rPr lang="en-US" dirty="0" smtClean="0"/>
+              <a:t>sites;</a:t>
+            </a:r>
+          </a:p>
+          <a:p>
+            <a:r>
+              <a:rPr lang="en-US" dirty="0"/>
+              <a:t>20-25% more leads for </a:t>
+            </a:r>
+            <a:r>
+              <a:rPr lang="en-US" dirty="0" err="1"/>
+              <a:t>eCommerce</a:t>
+            </a:r>
+            <a:r>
+              <a:rPr lang="en-US" dirty="0"/>
+              <a:t> </a:t>
+            </a:r>
+            <a:r>
+              <a:rPr lang="en-US" dirty="0" smtClean="0"/>
+              <a:t>sites;</a:t>
+            </a:r>
+          </a:p>
+          <a:p>
+            <a:r>
+              <a:rPr lang="en-US" dirty="0" smtClean="0"/>
+              <a:t>Only </a:t>
+            </a:r>
+            <a:r>
+              <a:rPr lang="en-US" dirty="0"/>
+              <a:t>40% of marketers validate test </a:t>
+            </a:r>
+            <a:r>
+              <a:rPr lang="en-US" dirty="0" smtClean="0"/>
+              <a:t>results.</a:t>
+            </a:r>
+            <a:endParaRPr lang="en-US" dirty="0"/>
+          </a:p>
+        </p:txBody>
+      </p:sp>
       <p:pic>
         <p:nvPicPr>
-          <p:cNvPr id="4100" name="Picture 4" descr="What is A/B Testing: Best Practices, Examples, Tools 2020"/>
+          <p:cNvPr id="7" name="Picture 2" descr="Breda University of Applied Sciences"/>
           <p:cNvPicPr>
             <a:picLocks noChangeAspect="1" noChangeArrowheads="1"/>
           </p:cNvPicPr>
@@ -11815,8 +15435,8 @@
         </p:blipFill>
         <p:spPr bwMode="auto">
           <a:xfrm>
-            <a:off x="2421732" y="3273899"/>
-            <a:ext cx="4183062" cy="1869601"/>
+            <a:off x="7436278" y="4471849"/>
+            <a:ext cx="1707722" cy="589899"/>
           </a:xfrm>
           <a:prstGeom prst="rect">
             <a:avLst/>
@@ -11835,7 +15455,7 @@
       </p:pic>
       <p:pic>
         <p:nvPicPr>
-          <p:cNvPr id="7" name="Picture 2" descr="Breda University of Applied Sciences"/>
+          <p:cNvPr id="4098" name="Picture 2" descr="What Is A/B Testing? 6 Ways to Come Up with Testing Ideas | Hotjar"/>
           <p:cNvPicPr>
             <a:picLocks noChangeAspect="1" noChangeArrowheads="1"/>
           </p:cNvPicPr>
@@ -11856,8 +15476,8 @@
         </p:blipFill>
         <p:spPr bwMode="auto">
           <a:xfrm>
-            <a:off x="0" y="4537973"/>
-            <a:ext cx="1707722" cy="589899"/>
+            <a:off x="4801418" y="1906937"/>
+            <a:ext cx="4418782" cy="2209391"/>
           </a:xfrm>
           <a:prstGeom prst="rect">
             <a:avLst/>
@@ -11877,7 +15497,7 @@
     </p:spTree>
     <p:extLst>
       <p:ext uri="{BB962C8B-B14F-4D97-AF65-F5344CB8AC3E}">
-        <p14:creationId xmlns:p14="http://schemas.microsoft.com/office/powerpoint/2010/main" val="2904991225"/>
+        <p14:creationId xmlns:p14="http://schemas.microsoft.com/office/powerpoint/2010/main" val="1754025983"/>
       </p:ext>
     </p:extLst>
   </p:cSld>
@@ -11934,7 +15554,7 @@
         </p:blipFill>
         <p:spPr bwMode="auto">
           <a:xfrm>
-            <a:off x="0" y="0"/>
+            <a:off x="-76200" y="18199"/>
             <a:ext cx="9220200" cy="5143500"/>
           </a:xfrm>
           <a:prstGeom prst="rect">
@@ -11968,89 +15588,10 @@
           <a:lstStyle/>
           <a:p>
             <a:r>
-              <a:rPr lang="en-US" sz="2800" dirty="0"/>
-              <a:t>G</a:t>
-            </a:r>
-            <a:r>
-              <a:rPr lang="en-US" sz="2800" dirty="0" smtClean="0"/>
-              <a:t>uidelines </a:t>
-            </a:r>
-            <a:r>
-              <a:rPr lang="en-US" sz="2800" dirty="0"/>
-              <a:t>for effective A/B Testing</a:t>
-            </a:r>
-          </a:p>
-        </p:txBody>
-      </p:sp>
-      <p:sp>
-        <p:nvSpPr>
-          <p:cNvPr id="3" name="Text Placeholder 2"/>
-          <p:cNvSpPr>
-            <a:spLocks noGrp="1"/>
-          </p:cNvSpPr>
-          <p:nvPr>
-            <p:ph type="body" sz="quarter" idx="14"/>
-          </p:nvPr>
-        </p:nvSpPr>
-        <p:spPr>
-          <a:xfrm>
-            <a:off x="1083926" y="1070850"/>
-            <a:ext cx="7491412" cy="1919454"/>
-          </a:xfrm>
-        </p:spPr>
-        <p:txBody>
-          <a:bodyPr/>
-          <a:lstStyle/>
-          <a:p>
-            <a:pPr marL="0" indent="0">
-              <a:buNone/>
-            </a:pPr>
-            <a:r>
               <a:rPr lang="en-US" dirty="0" smtClean="0"/>
-              <a:t>#6 Decide </a:t>
-            </a:r>
-            <a:r>
-              <a:rPr lang="en-US" dirty="0"/>
-              <a:t>what you want to </a:t>
-            </a:r>
-            <a:r>
-              <a:rPr lang="en-US" dirty="0" smtClean="0"/>
-              <a:t>test</a:t>
-            </a:r>
-          </a:p>
-          <a:p>
-            <a:pPr marL="0" indent="0">
-              <a:buNone/>
-            </a:pPr>
-            <a:r>
-              <a:rPr lang="en-US" dirty="0" smtClean="0"/>
-              <a:t>#7 Split </a:t>
-            </a:r>
-            <a:r>
-              <a:rPr lang="en-US" dirty="0"/>
-              <a:t>your sample group </a:t>
-            </a:r>
-            <a:r>
-              <a:rPr lang="en-US" dirty="0" smtClean="0"/>
-              <a:t>randomly</a:t>
-            </a:r>
-          </a:p>
-          <a:p>
-            <a:pPr marL="0" indent="0">
-              <a:buNone/>
-            </a:pPr>
-            <a:r>
-              <a:rPr lang="en-US" dirty="0" smtClean="0"/>
-              <a:t>#8 Test </a:t>
-            </a:r>
-            <a:r>
-              <a:rPr lang="en-US" dirty="0"/>
-              <a:t>at the same </a:t>
-            </a:r>
-            <a:r>
-              <a:rPr lang="en-US" dirty="0" smtClean="0"/>
-              <a:t>time</a:t>
-            </a:r>
+              <a:t>BOOKING’S EXAMPLE</a:t>
+            </a:r>
+            <a:endParaRPr lang="en-US" dirty="0"/>
           </a:p>
         </p:txBody>
       </p:sp>
@@ -12080,7 +15621,7 @@
       </p:sp>
       <p:pic>
         <p:nvPicPr>
-          <p:cNvPr id="5122" name="Picture 2" descr="A/B Testing | The Invesp Blog"/>
+          <p:cNvPr id="6" name="Picture 2" descr="Breda University of Applied Sciences"/>
           <p:cNvPicPr>
             <a:picLocks noChangeAspect="1" noChangeArrowheads="1"/>
           </p:cNvPicPr>
@@ -12101,8 +15642,8 @@
         </p:blipFill>
         <p:spPr bwMode="auto">
           <a:xfrm>
-            <a:off x="938333" y="2960878"/>
-            <a:ext cx="2549794" cy="1933995"/>
+            <a:off x="0" y="4537973"/>
+            <a:ext cx="1707722" cy="589899"/>
           </a:xfrm>
           <a:prstGeom prst="rect">
             <a:avLst/>
@@ -12121,7 +15662,7 @@
       </p:pic>
       <p:pic>
         <p:nvPicPr>
-          <p:cNvPr id="5124" name="Picture 4" descr="How to Do A/B Testing: A Checklist You'll Want to Bookmark"/>
+          <p:cNvPr id="1026" name="Picture 2" descr="https://taplytics.com/wp-content/uploads/2019/01/48842-0lfi-1skwvnhnrx0n-2.png"/>
           <p:cNvPicPr>
             <a:picLocks noChangeAspect="1" noChangeArrowheads="1"/>
           </p:cNvPicPr>
@@ -12142,8 +15683,8 @@
         </p:blipFill>
         <p:spPr bwMode="auto">
           <a:xfrm>
-            <a:off x="3792927" y="3158703"/>
-            <a:ext cx="4093773" cy="1538343"/>
+            <a:off x="556173" y="1514840"/>
+            <a:ext cx="8044221" cy="2044789"/>
           </a:xfrm>
           <a:prstGeom prst="rect">
             <a:avLst/>
@@ -12162,7 +15703,7 @@
       </p:pic>
       <p:pic>
         <p:nvPicPr>
-          <p:cNvPr id="8" name="Picture 2" descr="Breda University of Applied Sciences"/>
+          <p:cNvPr id="1028" name="Picture 4" descr="Booking.com: Press"/>
           <p:cNvPicPr>
             <a:picLocks noChangeAspect="1" noChangeArrowheads="1"/>
           </p:cNvPicPr>
@@ -12183,8 +15724,8 @@
         </p:blipFill>
         <p:spPr bwMode="auto">
           <a:xfrm>
-            <a:off x="0" y="4537973"/>
-            <a:ext cx="1707722" cy="589899"/>
+            <a:off x="6800607" y="4229138"/>
+            <a:ext cx="2343393" cy="932561"/>
           </a:xfrm>
           <a:prstGeom prst="rect">
             <a:avLst/>
@@ -12204,7 +15745,7 @@
     </p:spTree>
     <p:extLst>
       <p:ext uri="{BB962C8B-B14F-4D97-AF65-F5344CB8AC3E}">
-        <p14:creationId xmlns:p14="http://schemas.microsoft.com/office/powerpoint/2010/main" val="845100138"/>
+        <p14:creationId xmlns:p14="http://schemas.microsoft.com/office/powerpoint/2010/main" val="1040917712"/>
       </p:ext>
     </p:extLst>
   </p:cSld>
@@ -12240,7 +15781,7 @@
       </p:grpSpPr>
       <p:pic>
         <p:nvPicPr>
-          <p:cNvPr id="5" name="Picture 4" descr="White Background Images for Desktop or Mobile | Cool Backgrounds"/>
+          <p:cNvPr id="6" name="Picture 4" descr="White Background Images for Desktop or Mobile | Cool Backgrounds"/>
           <p:cNvPicPr>
             <a:picLocks noChangeAspect="1" noChangeArrowheads="1"/>
           </p:cNvPicPr>
@@ -12295,10 +15836,17 @@
           <a:lstStyle/>
           <a:p>
             <a:r>
-              <a:rPr lang="en-US" sz="3600" dirty="0" smtClean="0"/>
-              <a:t>What Variables you should test</a:t>
-            </a:r>
-            <a:endParaRPr lang="en-US" sz="3600" dirty="0"/>
+              <a:rPr lang="en-US" sz="2800" dirty="0"/>
+              <a:t> </a:t>
+            </a:r>
+            <a:r>
+              <a:rPr lang="en-US" sz="2800" dirty="0" smtClean="0"/>
+              <a:t>Guidelines </a:t>
+            </a:r>
+            <a:r>
+              <a:rPr lang="en-US" sz="2800" dirty="0"/>
+              <a:t>for effective A/B Testing</a:t>
+            </a:r>
           </a:p>
         </p:txBody>
       </p:sp>
@@ -12312,7 +15860,12 @@
             <p:ph type="body" sz="quarter" idx="14"/>
           </p:nvPr>
         </p:nvSpPr>
-        <p:spPr/>
+        <p:spPr>
+          <a:xfrm>
+            <a:off x="1083926" y="1056076"/>
+            <a:ext cx="4418012" cy="3437994"/>
+          </a:xfrm>
+        </p:spPr>
         <p:txBody>
           <a:bodyPr/>
           <a:lstStyle/>
@@ -12321,8 +15874,8 @@
               <a:buNone/>
             </a:pPr>
             <a:r>
-              <a:rPr lang="en-US" b="1" dirty="0" smtClean="0"/>
-              <a:t>Landing pages:</a:t>
+              <a:rPr lang="en-US" dirty="0" smtClean="0"/>
+              <a:t>#1 Only conduct one test at a time</a:t>
             </a:r>
           </a:p>
           <a:p>
@@ -12331,7 +15884,15 @@
             </a:pPr>
             <a:r>
               <a:rPr lang="en-US" dirty="0" smtClean="0"/>
-              <a:t>OFFERS:</a:t>
+              <a:t>#</a:t>
+            </a:r>
+            <a:r>
+              <a:rPr lang="en-US" dirty="0"/>
+              <a:t>2 </a:t>
+            </a:r>
+            <a:r>
+              <a:rPr lang="en-US" dirty="0" smtClean="0"/>
+              <a:t>Test one variable at a time</a:t>
             </a:r>
           </a:p>
           <a:p>
@@ -12339,18 +15900,42 @@
               <a:buNone/>
             </a:pPr>
             <a:r>
+              <a:rPr lang="en-US" dirty="0"/>
+              <a:t>#3 </a:t>
+            </a:r>
+            <a:r>
               <a:rPr lang="en-US" dirty="0" smtClean="0"/>
-              <a:t>What </a:t>
+              <a:t>Test </a:t>
             </a:r>
             <a:r>
               <a:rPr lang="en-US" dirty="0"/>
-              <a:t>types of offers convert the most visitors into leads and which offers help you push leads down the sales </a:t>
+              <a:t>minor changes, </a:t>
             </a:r>
             <a:r>
               <a:rPr lang="en-US" dirty="0" smtClean="0"/>
-              <a:t>funnel?</a:t>
-            </a:r>
-            <a:endParaRPr lang="en-US" dirty="0"/>
+              <a:t>too</a:t>
+            </a:r>
+          </a:p>
+          <a:p>
+            <a:pPr marL="0" indent="0">
+              <a:buNone/>
+            </a:pPr>
+            <a:r>
+              <a:rPr lang="en-US" dirty="0" smtClean="0"/>
+              <a:t>#</a:t>
+            </a:r>
+            <a:r>
+              <a:rPr lang="en-US" dirty="0"/>
+              <a:t>4 </a:t>
+            </a:r>
+            <a:r>
+              <a:rPr lang="en-US" dirty="0" smtClean="0"/>
+              <a:t>Measure </a:t>
+            </a:r>
+            <a:r>
+              <a:rPr lang="en-US" dirty="0"/>
+              <a:t>as far down the funnel as possible</a:t>
+            </a:r>
           </a:p>
         </p:txBody>
       </p:sp>
@@ -12380,14 +15965,44 @@
       </p:sp>
       <p:pic>
         <p:nvPicPr>
-          <p:cNvPr id="6146" name="Picture 2" descr="A/B testing - Wikipedia"/>
+          <p:cNvPr id="5" name="Picture 4"/>
+          <p:cNvPicPr>
+            <a:picLocks noChangeAspect="1"/>
+          </p:cNvPicPr>
+          <p:nvPr/>
+        </p:nvPicPr>
+        <p:blipFill>
+          <a:blip r:embed="rId4">
+            <a:extLst>
+              <a:ext uri="{28A0092B-C50C-407E-A947-70E740481C1C}">
+                <a14:useLocalDpi xmlns:a14="http://schemas.microsoft.com/office/drawing/2010/main" val="0"/>
+              </a:ext>
+            </a:extLst>
+          </a:blip>
+          <a:stretch>
+            <a:fillRect/>
+          </a:stretch>
+        </p:blipFill>
+        <p:spPr>
+          <a:xfrm>
+            <a:off x="5301997" y="1122255"/>
+            <a:ext cx="3620005" cy="3305636"/>
+          </a:xfrm>
+          <a:prstGeom prst="rect">
+            <a:avLst/>
+          </a:prstGeom>
+        </p:spPr>
+      </p:pic>
+      <p:pic>
+        <p:nvPicPr>
+          <p:cNvPr id="7" name="Picture 2" descr="Breda University of Applied Sciences"/>
           <p:cNvPicPr>
             <a:picLocks noChangeAspect="1" noChangeArrowheads="1"/>
           </p:cNvPicPr>
           <p:nvPr/>
         </p:nvPicPr>
         <p:blipFill>
-          <a:blip r:embed="rId4">
+          <a:blip r:embed="rId5">
             <a:extLst>
               <a:ext uri="{28A0092B-C50C-407E-A947-70E740481C1C}">
                 <a14:useLocalDpi xmlns:a14="http://schemas.microsoft.com/office/drawing/2010/main" val="0"/>
@@ -12401,8 +16016,8 @@
         </p:blipFill>
         <p:spPr bwMode="auto">
           <a:xfrm>
-            <a:off x="3824288" y="2808287"/>
-            <a:ext cx="3687741" cy="2182951"/>
+            <a:off x="0" y="4537973"/>
+            <a:ext cx="1707722" cy="589899"/>
           </a:xfrm>
           <a:prstGeom prst="rect">
             <a:avLst/>
@@ -12419,51 +16034,10 @@
           </a:extLst>
         </p:spPr>
       </p:pic>
-      <p:pic>
-        <p:nvPicPr>
-          <p:cNvPr id="7" name="Picture 2" descr="Breda University of Applied Sciences"/>
-          <p:cNvPicPr>
-            <a:picLocks noChangeAspect="1" noChangeArrowheads="1"/>
-          </p:cNvPicPr>
-          <p:nvPr/>
-        </p:nvPicPr>
-        <p:blipFill>
-          <a:blip r:embed="rId5">
-            <a:extLst>
-              <a:ext uri="{28A0092B-C50C-407E-A947-70E740481C1C}">
-                <a14:useLocalDpi xmlns:a14="http://schemas.microsoft.com/office/drawing/2010/main" val="0"/>
-              </a:ext>
-            </a:extLst>
-          </a:blip>
-          <a:srcRect/>
-          <a:stretch>
-            <a:fillRect/>
-          </a:stretch>
-        </p:blipFill>
-        <p:spPr bwMode="auto">
-          <a:xfrm>
-            <a:off x="0" y="4537973"/>
-            <a:ext cx="1707722" cy="589899"/>
-          </a:xfrm>
-          <a:prstGeom prst="rect">
-            <a:avLst/>
-          </a:prstGeom>
-          <a:noFill/>
-          <a:extLst>
-            <a:ext uri="{909E8E84-426E-40DD-AFC4-6F175D3DCCD1}">
-              <a14:hiddenFill xmlns:a14="http://schemas.microsoft.com/office/drawing/2010/main">
-                <a:solidFill>
-                  <a:srgbClr val="FFFFFF"/>
-                </a:solidFill>
-              </a14:hiddenFill>
-            </a:ext>
-          </a:extLst>
-        </p:spPr>
-      </p:pic>
     </p:spTree>
     <p:extLst>
       <p:ext uri="{BB962C8B-B14F-4D97-AF65-F5344CB8AC3E}">
-        <p14:creationId xmlns:p14="http://schemas.microsoft.com/office/powerpoint/2010/main" val="197220036"/>
+        <p14:creationId xmlns:p14="http://schemas.microsoft.com/office/powerpoint/2010/main" val="3190038923"/>
       </p:ext>
     </p:extLst>
   </p:cSld>
@@ -12548,45 +16122,60 @@
             <p:ph type="title"/>
           </p:nvPr>
         </p:nvSpPr>
+        <p:spPr>
+          <a:xfrm>
+            <a:off x="1083926" y="-4146"/>
+            <a:ext cx="7974013" cy="818910"/>
+          </a:xfrm>
+        </p:spPr>
+        <p:txBody>
+          <a:bodyPr/>
+          <a:lstStyle/>
+          <a:p>
+            <a:r>
+              <a:rPr lang="en-US" sz="3200" dirty="0"/>
+              <a:t>G</a:t>
+            </a:r>
+            <a:r>
+              <a:rPr lang="en-US" sz="3200" dirty="0" smtClean="0"/>
+              <a:t>uidelines </a:t>
+            </a:r>
+            <a:r>
+              <a:rPr lang="en-US" sz="3200" dirty="0"/>
+              <a:t>for effective A/B Testing</a:t>
+            </a:r>
+          </a:p>
+        </p:txBody>
+      </p:sp>
+      <p:sp>
+        <p:nvSpPr>
+          <p:cNvPr id="3" name="Text Placeholder 2"/>
+          <p:cNvSpPr>
+            <a:spLocks noGrp="1"/>
+          </p:cNvSpPr>
+          <p:nvPr>
+            <p:ph type="body" sz="quarter" idx="14"/>
+          </p:nvPr>
+        </p:nvSpPr>
         <p:spPr/>
         <p:txBody>
           <a:bodyPr/>
           <a:lstStyle/>
           <a:p>
-            <a:r>
-              <a:rPr lang="en-US" sz="3600" dirty="0" smtClean="0"/>
-              <a:t>What Variables you should test</a:t>
-            </a:r>
-            <a:endParaRPr lang="en-US" sz="3600" dirty="0"/>
-          </a:p>
-        </p:txBody>
-      </p:sp>
-      <p:sp>
-        <p:nvSpPr>
-          <p:cNvPr id="3" name="Text Placeholder 2"/>
-          <p:cNvSpPr>
-            <a:spLocks noGrp="1"/>
-          </p:cNvSpPr>
-          <p:nvPr>
-            <p:ph type="body" sz="quarter" idx="14"/>
-          </p:nvPr>
-        </p:nvSpPr>
-        <p:spPr>
-          <a:xfrm>
-            <a:off x="1169988" y="1077746"/>
-            <a:ext cx="4354512" cy="3437994"/>
-          </a:xfrm>
-        </p:spPr>
-        <p:txBody>
-          <a:bodyPr/>
-          <a:lstStyle/>
-          <a:p>
             <a:pPr marL="0" indent="0">
               <a:buNone/>
             </a:pPr>
             <a:r>
-              <a:rPr lang="en-US" b="1" dirty="0" smtClean="0"/>
-              <a:t>Landing pages:</a:t>
+              <a:rPr lang="en-US" dirty="0" smtClean="0"/>
+              <a:t>#5 Set </a:t>
+            </a:r>
+            <a:r>
+              <a:rPr lang="en-US" dirty="0"/>
+              <a:t>up control &amp; </a:t>
+            </a:r>
+            <a:r>
+              <a:rPr lang="en-US" dirty="0" smtClean="0"/>
+              <a:t>treatment</a:t>
             </a:r>
           </a:p>
           <a:p>
@@ -12594,8 +16183,12 @@
               <a:buNone/>
             </a:pPr>
             <a:r>
+              <a:rPr lang="en-US" dirty="0"/>
+              <a:t>• Variation A</a:t>
+            </a:r>
+            <a:r>
               <a:rPr lang="en-US" dirty="0" smtClean="0"/>
-              <a:t>TOPICS/COPY:</a:t>
+              <a:t>:</a:t>
             </a:r>
           </a:p>
           <a:p>
@@ -12603,8 +16196,30 @@
               <a:buNone/>
             </a:pPr>
             <a:r>
+              <a:rPr lang="en-US" dirty="0" smtClean="0"/>
+              <a:t> </a:t>
+            </a:r>
+            <a:r>
               <a:rPr lang="en-US" dirty="0"/>
-              <a:t>How should you position your offer? What messaging will entice your reader? Should you add testimonials to strengthen the visitor’s incentive?</a:t>
+              <a:t>Control (the unaltered, original version) </a:t>
+            </a:r>
+            <a:endParaRPr lang="en-US" dirty="0" smtClean="0"/>
+          </a:p>
+          <a:p>
+            <a:pPr marL="0" indent="0">
+              <a:buNone/>
+            </a:pPr>
+            <a:r>
+              <a:rPr lang="en-US" dirty="0" smtClean="0"/>
+              <a:t>• </a:t>
+            </a:r>
+            <a:r>
+              <a:rPr lang="en-US" dirty="0"/>
+              <a:t>Variation B: Treatment (the optimized version which you expect to perform </a:t>
+            </a:r>
+            <a:r>
+              <a:rPr lang="en-US" dirty="0" smtClean="0"/>
+              <a:t>better)</a:t>
             </a:r>
           </a:p>
         </p:txBody>
@@ -12635,7 +16250,7 @@
       </p:sp>
       <p:pic>
         <p:nvPicPr>
-          <p:cNvPr id="7170" name="Picture 2" descr="A/B Testing with Firebase | Cardinal Path"/>
+          <p:cNvPr id="4100" name="Picture 4" descr="What is A/B Testing: Best Practices, Examples, Tools 2020"/>
           <p:cNvPicPr>
             <a:picLocks noChangeAspect="1" noChangeArrowheads="1"/>
           </p:cNvPicPr>
@@ -12656,8 +16271,8 @@
         </p:blipFill>
         <p:spPr bwMode="auto">
           <a:xfrm>
-            <a:off x="5562600" y="2025175"/>
-            <a:ext cx="3392801" cy="1930259"/>
+            <a:off x="2421732" y="3273899"/>
+            <a:ext cx="4183062" cy="1869601"/>
           </a:xfrm>
           <a:prstGeom prst="rect">
             <a:avLst/>
@@ -12718,7 +16333,7 @@
     </p:spTree>
     <p:extLst>
       <p:ext uri="{BB962C8B-B14F-4D97-AF65-F5344CB8AC3E}">
-        <p14:creationId xmlns:p14="http://schemas.microsoft.com/office/powerpoint/2010/main" val="4157633883"/>
+        <p14:creationId xmlns:p14="http://schemas.microsoft.com/office/powerpoint/2010/main" val="2904991225"/>
       </p:ext>
     </p:extLst>
   </p:cSld>
@@ -12809,10 +16424,17 @@
           <a:lstStyle/>
           <a:p>
             <a:r>
-              <a:rPr lang="en-US" sz="3600" dirty="0" smtClean="0"/>
-              <a:t>What Variables you should test</a:t>
-            </a:r>
-            <a:endParaRPr lang="en-US" sz="3600" dirty="0"/>
+              <a:rPr lang="en-US" sz="2800" dirty="0"/>
+              <a:t>G</a:t>
+            </a:r>
+            <a:r>
+              <a:rPr lang="en-US" sz="2800" dirty="0" smtClean="0"/>
+              <a:t>uidelines </a:t>
+            </a:r>
+            <a:r>
+              <a:rPr lang="en-US" sz="2800" dirty="0"/>
+              <a:t>for effective A/B Testing</a:t>
+            </a:r>
           </a:p>
         </p:txBody>
       </p:sp>
@@ -12826,7 +16448,12 @@
             <p:ph type="body" sz="quarter" idx="14"/>
           </p:nvPr>
         </p:nvSpPr>
-        <p:spPr/>
+        <p:spPr>
+          <a:xfrm>
+            <a:off x="1083926" y="1070850"/>
+            <a:ext cx="7491412" cy="1919454"/>
+          </a:xfrm>
+        </p:spPr>
         <p:txBody>
           <a:bodyPr/>
           <a:lstStyle/>
@@ -12835,8 +16462,16 @@
               <a:buNone/>
             </a:pPr>
             <a:r>
-              <a:rPr lang="en-US" b="1" dirty="0" smtClean="0"/>
-              <a:t>Landing pages:</a:t>
+              <a:rPr lang="en-US" dirty="0" smtClean="0"/>
+              <a:t>#6 Decide </a:t>
+            </a:r>
+            <a:r>
+              <a:rPr lang="en-US" dirty="0"/>
+              <a:t>what you want to </a:t>
+            </a:r>
+            <a:r>
+              <a:rPr lang="en-US" dirty="0" smtClean="0"/>
+              <a:t>test</a:t>
             </a:r>
           </a:p>
           <a:p>
@@ -12845,7 +16480,15 @@
             </a:pPr>
             <a:r>
               <a:rPr lang="en-US" dirty="0" smtClean="0"/>
-              <a:t>FORM FIELDS:</a:t>
+              <a:t>#7 Split </a:t>
+            </a:r>
+            <a:r>
+              <a:rPr lang="en-US" dirty="0"/>
+              <a:t>your sample group </a:t>
+            </a:r>
+            <a:r>
+              <a:rPr lang="en-US" dirty="0" smtClean="0"/>
+              <a:t>randomly</a:t>
             </a:r>
           </a:p>
           <a:p>
@@ -12853,28 +16496,17 @@
               <a:buNone/>
             </a:pPr>
             <a:r>
+              <a:rPr lang="en-US" dirty="0" smtClean="0"/>
+              <a:t>#8 Test </a:t>
+            </a:r>
+            <a:r>
               <a:rPr lang="en-US" dirty="0"/>
-              <a:t>Should your lead capture form only request an email address or should it ask for more </a:t>
+              <a:t>at the same </a:t>
             </a:r>
             <a:r>
               <a:rPr lang="en-US" dirty="0" smtClean="0"/>
-              <a:t>information?</a:t>
-            </a:r>
-          </a:p>
-          <a:p>
-            <a:pPr marL="0" indent="0">
-              <a:buNone/>
-            </a:pPr>
-            <a:r>
-              <a:rPr lang="en-US" dirty="0"/>
-              <a:t>WHOLE PAGE</a:t>
-            </a:r>
-          </a:p>
-          <a:p>
-            <a:pPr marL="0" indent="0">
-              <a:buNone/>
-            </a:pPr>
-            <a:endParaRPr lang="en-US" dirty="0"/>
+              <a:t>time</a:t>
+            </a:r>
           </a:p>
         </p:txBody>
       </p:sp>
@@ -12904,7 +16536,7 @@
       </p:sp>
       <p:pic>
         <p:nvPicPr>
-          <p:cNvPr id="8194" name="Picture 2" descr="A/B Testing"/>
+          <p:cNvPr id="5122" name="Picture 2" descr="A/B Testing | The Invesp Blog"/>
           <p:cNvPicPr>
             <a:picLocks noChangeAspect="1" noChangeArrowheads="1"/>
           </p:cNvPicPr>
@@ -12925,8 +16557,8 @@
         </p:blipFill>
         <p:spPr bwMode="auto">
           <a:xfrm>
-            <a:off x="4370880" y="3071814"/>
-            <a:ext cx="2410920" cy="2067456"/>
+            <a:off x="938333" y="2960878"/>
+            <a:ext cx="2549794" cy="1933995"/>
           </a:xfrm>
           <a:prstGeom prst="rect">
             <a:avLst/>
@@ -12945,7 +16577,7 @@
       </p:pic>
       <p:pic>
         <p:nvPicPr>
-          <p:cNvPr id="7" name="Picture 2" descr="Breda University of Applied Sciences"/>
+          <p:cNvPr id="5124" name="Picture 4" descr="How to Do A/B Testing: A Checklist You'll Want to Bookmark"/>
           <p:cNvPicPr>
             <a:picLocks noChangeAspect="1" noChangeArrowheads="1"/>
           </p:cNvPicPr>
@@ -12966,8 +16598,8 @@
         </p:blipFill>
         <p:spPr bwMode="auto">
           <a:xfrm>
-            <a:off x="0" y="4537973"/>
-            <a:ext cx="1707722" cy="589899"/>
+            <a:off x="3792927" y="3158703"/>
+            <a:ext cx="4093773" cy="1538343"/>
           </a:xfrm>
           <a:prstGeom prst="rect">
             <a:avLst/>
@@ -12984,10 +16616,51 @@
           </a:extLst>
         </p:spPr>
       </p:pic>
+      <p:pic>
+        <p:nvPicPr>
+          <p:cNvPr id="8" name="Picture 2" descr="Breda University of Applied Sciences"/>
+          <p:cNvPicPr>
+            <a:picLocks noChangeAspect="1" noChangeArrowheads="1"/>
+          </p:cNvPicPr>
+          <p:nvPr/>
+        </p:nvPicPr>
+        <p:blipFill>
+          <a:blip r:embed="rId6">
+            <a:extLst>
+              <a:ext uri="{28A0092B-C50C-407E-A947-70E740481C1C}">
+                <a14:useLocalDpi xmlns:a14="http://schemas.microsoft.com/office/drawing/2010/main" val="0"/>
+              </a:ext>
+            </a:extLst>
+          </a:blip>
+          <a:srcRect/>
+          <a:stretch>
+            <a:fillRect/>
+          </a:stretch>
+        </p:blipFill>
+        <p:spPr bwMode="auto">
+          <a:xfrm>
+            <a:off x="77665" y="4571800"/>
+            <a:ext cx="1707722" cy="589899"/>
+          </a:xfrm>
+          <a:prstGeom prst="rect">
+            <a:avLst/>
+          </a:prstGeom>
+          <a:noFill/>
+          <a:extLst>
+            <a:ext uri="{909E8E84-426E-40DD-AFC4-6F175D3DCCD1}">
+              <a14:hiddenFill xmlns:a14="http://schemas.microsoft.com/office/drawing/2010/main">
+                <a:solidFill>
+                  <a:srgbClr val="FFFFFF"/>
+                </a:solidFill>
+              </a14:hiddenFill>
+            </a:ext>
+          </a:extLst>
+        </p:spPr>
+      </p:pic>
     </p:spTree>
     <p:extLst>
       <p:ext uri="{BB962C8B-B14F-4D97-AF65-F5344CB8AC3E}">
-        <p14:creationId xmlns:p14="http://schemas.microsoft.com/office/powerpoint/2010/main" val="4060384533"/>
+        <p14:creationId xmlns:p14="http://schemas.microsoft.com/office/powerpoint/2010/main" val="845100138"/>
       </p:ext>
     </p:extLst>
   </p:cSld>

--- a/docs/Study Content/Human-Centered Artificial Intelligence/Assets/AB-Testing.pptx
+++ b/docs/Study Content/Human-Centered Artificial Intelligence/Assets/AB-Testing.pptx
@@ -5,35 +5,24 @@
     <p:sldMasterId id="2147483660" r:id="rId1"/>
   </p:sldMasterIdLst>
   <p:notesMasterIdLst>
-    <p:notesMasterId r:id="rId28"/>
+    <p:notesMasterId r:id="rId17"/>
   </p:notesMasterIdLst>
   <p:sldIdLst>
     <p:sldId id="259" r:id="rId2"/>
     <p:sldId id="300" r:id="rId3"/>
-    <p:sldId id="338" r:id="rId4"/>
-    <p:sldId id="339" r:id="rId5"/>
-    <p:sldId id="302" r:id="rId6"/>
-    <p:sldId id="343" r:id="rId7"/>
-    <p:sldId id="305" r:id="rId8"/>
-    <p:sldId id="306" r:id="rId9"/>
-    <p:sldId id="307" r:id="rId10"/>
-    <p:sldId id="310" r:id="rId11"/>
-    <p:sldId id="333" r:id="rId12"/>
-    <p:sldId id="334" r:id="rId13"/>
-    <p:sldId id="311" r:id="rId14"/>
-    <p:sldId id="312" r:id="rId15"/>
-    <p:sldId id="313" r:id="rId16"/>
-    <p:sldId id="314" r:id="rId17"/>
-    <p:sldId id="315" r:id="rId18"/>
-    <p:sldId id="346" r:id="rId19"/>
-    <p:sldId id="347" r:id="rId20"/>
-    <p:sldId id="340" r:id="rId21"/>
-    <p:sldId id="341" r:id="rId22"/>
-    <p:sldId id="345" r:id="rId23"/>
-    <p:sldId id="342" r:id="rId24"/>
-    <p:sldId id="349" r:id="rId25"/>
-    <p:sldId id="350" r:id="rId26"/>
-    <p:sldId id="277" r:id="rId27"/>
+    <p:sldId id="302" r:id="rId4"/>
+    <p:sldId id="305" r:id="rId5"/>
+    <p:sldId id="306" r:id="rId6"/>
+    <p:sldId id="307" r:id="rId7"/>
+    <p:sldId id="310" r:id="rId8"/>
+    <p:sldId id="333" r:id="rId9"/>
+    <p:sldId id="334" r:id="rId10"/>
+    <p:sldId id="311" r:id="rId11"/>
+    <p:sldId id="312" r:id="rId12"/>
+    <p:sldId id="313" r:id="rId13"/>
+    <p:sldId id="314" r:id="rId14"/>
+    <p:sldId id="315" r:id="rId15"/>
+    <p:sldId id="277" r:id="rId16"/>
   </p:sldIdLst>
   <p:sldSz cx="9144000" cy="5143500" type="screen16x9"/>
   <p:notesSz cx="6858000" cy="9144000"/>
@@ -233,7 +222,7 @@
           <a:p>
             <a:fld id="{1CFFBDD7-A652-3445-A411-AC6297B6EDB0}" type="datetimeFigureOut">
               <a:rPr lang="en-US"/>
-              <a:t>3/31/2022</a:t>
+              <a:t>12/2/2021</a:t>
             </a:fld>
             <a:endParaRPr lang="nl-NL"/>
           </a:p>
@@ -659,7 +648,7 @@
     </p:spTree>
     <p:extLst>
       <p:ext uri="{BB962C8B-B14F-4D97-AF65-F5344CB8AC3E}">
-        <p14:creationId xmlns:p14="http://schemas.microsoft.com/office/powerpoint/2010/main" val="41402473"/>
+        <p14:creationId xmlns:p14="http://schemas.microsoft.com/office/powerpoint/2010/main" val="3208679011"/>
       </p:ext>
     </p:extLst>
   </p:cSld>
@@ -713,7 +702,7 @@
           <a:bodyPr/>
           <a:lstStyle/>
           <a:p>
-            <a:endParaRPr lang="en-US" dirty="0" smtClean="0"/>
+            <a:endParaRPr lang="en-US" dirty="0"/>
           </a:p>
         </p:txBody>
       </p:sp>
@@ -743,7 +732,7 @@
     </p:spTree>
     <p:extLst>
       <p:ext uri="{BB962C8B-B14F-4D97-AF65-F5344CB8AC3E}">
-        <p14:creationId xmlns:p14="http://schemas.microsoft.com/office/powerpoint/2010/main" val="3222361176"/>
+        <p14:creationId xmlns:p14="http://schemas.microsoft.com/office/powerpoint/2010/main" val="3990072130"/>
       </p:ext>
     </p:extLst>
   </p:cSld>
@@ -827,7 +816,7 @@
     </p:spTree>
     <p:extLst>
       <p:ext uri="{BB962C8B-B14F-4D97-AF65-F5344CB8AC3E}">
-        <p14:creationId xmlns:p14="http://schemas.microsoft.com/office/powerpoint/2010/main" val="2102902033"/>
+        <p14:creationId xmlns:p14="http://schemas.microsoft.com/office/powerpoint/2010/main" val="1344411940"/>
       </p:ext>
     </p:extLst>
   </p:cSld>
@@ -881,6 +870,12 @@
           <a:bodyPr/>
           <a:lstStyle/>
           <a:p>
+            <a:endParaRPr lang="en-US" dirty="0" smtClean="0"/>
+          </a:p>
+          <a:p>
+            <a:endParaRPr lang="en-US" dirty="0" smtClean="0"/>
+          </a:p>
+          <a:p>
             <a:endParaRPr lang="en-US" dirty="0"/>
           </a:p>
         </p:txBody>
@@ -911,517 +906,7 @@
     </p:spTree>
     <p:extLst>
       <p:ext uri="{BB962C8B-B14F-4D97-AF65-F5344CB8AC3E}">
-        <p14:creationId xmlns:p14="http://schemas.microsoft.com/office/powerpoint/2010/main" val="3208679011"/>
-      </p:ext>
-    </p:extLst>
-  </p:cSld>
-  <p:clrMapOvr>
-    <a:masterClrMapping/>
-  </p:clrMapOvr>
-</p:notes>
-</file>
-
-<file path=ppt/notesSlides/notesSlide14.xml><?xml version="1.0" encoding="utf-8"?>
-<p:notes xmlns:a="http://schemas.openxmlformats.org/drawingml/2006/main" xmlns:r="http://schemas.openxmlformats.org/officeDocument/2006/relationships" xmlns:p="http://schemas.openxmlformats.org/presentationml/2006/main">
-  <p:cSld>
-    <p:spTree>
-      <p:nvGrpSpPr>
-        <p:cNvPr id="1" name=""/>
-        <p:cNvGrpSpPr/>
-        <p:nvPr/>
-      </p:nvGrpSpPr>
-      <p:grpSpPr>
-        <a:xfrm>
-          <a:off x="0" y="0"/>
-          <a:ext cx="0" cy="0"/>
-          <a:chOff x="0" y="0"/>
-          <a:chExt cx="0" cy="0"/>
-        </a:xfrm>
-      </p:grpSpPr>
-      <p:sp>
-        <p:nvSpPr>
-          <p:cNvPr id="2" name="Slide Image Placeholder 1"/>
-          <p:cNvSpPr>
-            <a:spLocks noGrp="1" noRot="1" noChangeAspect="1"/>
-          </p:cNvSpPr>
-          <p:nvPr>
-            <p:ph type="sldImg"/>
-          </p:nvPr>
-        </p:nvSpPr>
-        <p:spPr/>
-      </p:sp>
-      <p:sp>
-        <p:nvSpPr>
-          <p:cNvPr id="3" name="Notes Placeholder 2"/>
-          <p:cNvSpPr>
-            <a:spLocks noGrp="1"/>
-          </p:cNvSpPr>
-          <p:nvPr>
-            <p:ph type="body" idx="1"/>
-          </p:nvPr>
-        </p:nvSpPr>
-        <p:spPr/>
-        <p:txBody>
-          <a:bodyPr/>
-          <a:lstStyle/>
-          <a:p>
-            <a:endParaRPr lang="en-US" dirty="0"/>
-          </a:p>
-        </p:txBody>
-      </p:sp>
-      <p:sp>
-        <p:nvSpPr>
-          <p:cNvPr id="4" name="Slide Number Placeholder 3"/>
-          <p:cNvSpPr>
-            <a:spLocks noGrp="1"/>
-          </p:cNvSpPr>
-          <p:nvPr>
-            <p:ph type="sldNum" sz="quarter" idx="10"/>
-          </p:nvPr>
-        </p:nvSpPr>
-        <p:spPr/>
-        <p:txBody>
-          <a:bodyPr/>
-          <a:lstStyle/>
-          <a:p>
-            <a:fld id="{51AE5163-76D6-0846-B4A7-CD6FB6DB9683}" type="slidenum">
-              <a:rPr lang="en-US" smtClean="0"/>
-              <a:t>15</a:t>
-            </a:fld>
-            <a:endParaRPr lang="en-US"/>
-          </a:p>
-        </p:txBody>
-      </p:sp>
-    </p:spTree>
-    <p:extLst>
-      <p:ext uri="{BB962C8B-B14F-4D97-AF65-F5344CB8AC3E}">
-        <p14:creationId xmlns:p14="http://schemas.microsoft.com/office/powerpoint/2010/main" val="3990072130"/>
-      </p:ext>
-    </p:extLst>
-  </p:cSld>
-  <p:clrMapOvr>
-    <a:masterClrMapping/>
-  </p:clrMapOvr>
-</p:notes>
-</file>
-
-<file path=ppt/notesSlides/notesSlide15.xml><?xml version="1.0" encoding="utf-8"?>
-<p:notes xmlns:a="http://schemas.openxmlformats.org/drawingml/2006/main" xmlns:r="http://schemas.openxmlformats.org/officeDocument/2006/relationships" xmlns:p="http://schemas.openxmlformats.org/presentationml/2006/main">
-  <p:cSld>
-    <p:spTree>
-      <p:nvGrpSpPr>
-        <p:cNvPr id="1" name=""/>
-        <p:cNvGrpSpPr/>
-        <p:nvPr/>
-      </p:nvGrpSpPr>
-      <p:grpSpPr>
-        <a:xfrm>
-          <a:off x="0" y="0"/>
-          <a:ext cx="0" cy="0"/>
-          <a:chOff x="0" y="0"/>
-          <a:chExt cx="0" cy="0"/>
-        </a:xfrm>
-      </p:grpSpPr>
-      <p:sp>
-        <p:nvSpPr>
-          <p:cNvPr id="2" name="Slide Image Placeholder 1"/>
-          <p:cNvSpPr>
-            <a:spLocks noGrp="1" noRot="1" noChangeAspect="1"/>
-          </p:cNvSpPr>
-          <p:nvPr>
-            <p:ph type="sldImg"/>
-          </p:nvPr>
-        </p:nvSpPr>
-        <p:spPr/>
-      </p:sp>
-      <p:sp>
-        <p:nvSpPr>
-          <p:cNvPr id="3" name="Notes Placeholder 2"/>
-          <p:cNvSpPr>
-            <a:spLocks noGrp="1"/>
-          </p:cNvSpPr>
-          <p:nvPr>
-            <p:ph type="body" idx="1"/>
-          </p:nvPr>
-        </p:nvSpPr>
-        <p:spPr/>
-        <p:txBody>
-          <a:bodyPr/>
-          <a:lstStyle/>
-          <a:p>
-            <a:endParaRPr lang="en-US" dirty="0"/>
-          </a:p>
-        </p:txBody>
-      </p:sp>
-      <p:sp>
-        <p:nvSpPr>
-          <p:cNvPr id="4" name="Slide Number Placeholder 3"/>
-          <p:cNvSpPr>
-            <a:spLocks noGrp="1"/>
-          </p:cNvSpPr>
-          <p:nvPr>
-            <p:ph type="sldNum" sz="quarter" idx="10"/>
-          </p:nvPr>
-        </p:nvSpPr>
-        <p:spPr/>
-        <p:txBody>
-          <a:bodyPr/>
-          <a:lstStyle/>
-          <a:p>
-            <a:fld id="{51AE5163-76D6-0846-B4A7-CD6FB6DB9683}" type="slidenum">
-              <a:rPr lang="en-US" smtClean="0"/>
-              <a:t>16</a:t>
-            </a:fld>
-            <a:endParaRPr lang="en-US"/>
-          </a:p>
-        </p:txBody>
-      </p:sp>
-    </p:spTree>
-    <p:extLst>
-      <p:ext uri="{BB962C8B-B14F-4D97-AF65-F5344CB8AC3E}">
-        <p14:creationId xmlns:p14="http://schemas.microsoft.com/office/powerpoint/2010/main" val="1344411940"/>
-      </p:ext>
-    </p:extLst>
-  </p:cSld>
-  <p:clrMapOvr>
-    <a:masterClrMapping/>
-  </p:clrMapOvr>
-</p:notes>
-</file>
-
-<file path=ppt/notesSlides/notesSlide16.xml><?xml version="1.0" encoding="utf-8"?>
-<p:notes xmlns:a="http://schemas.openxmlformats.org/drawingml/2006/main" xmlns:r="http://schemas.openxmlformats.org/officeDocument/2006/relationships" xmlns:p="http://schemas.openxmlformats.org/presentationml/2006/main">
-  <p:cSld>
-    <p:spTree>
-      <p:nvGrpSpPr>
-        <p:cNvPr id="1" name=""/>
-        <p:cNvGrpSpPr/>
-        <p:nvPr/>
-      </p:nvGrpSpPr>
-      <p:grpSpPr>
-        <a:xfrm>
-          <a:off x="0" y="0"/>
-          <a:ext cx="0" cy="0"/>
-          <a:chOff x="0" y="0"/>
-          <a:chExt cx="0" cy="0"/>
-        </a:xfrm>
-      </p:grpSpPr>
-      <p:sp>
-        <p:nvSpPr>
-          <p:cNvPr id="2" name="Slide Image Placeholder 1"/>
-          <p:cNvSpPr>
-            <a:spLocks noGrp="1" noRot="1" noChangeAspect="1"/>
-          </p:cNvSpPr>
-          <p:nvPr>
-            <p:ph type="sldImg"/>
-          </p:nvPr>
-        </p:nvSpPr>
-        <p:spPr/>
-      </p:sp>
-      <p:sp>
-        <p:nvSpPr>
-          <p:cNvPr id="3" name="Notes Placeholder 2"/>
-          <p:cNvSpPr>
-            <a:spLocks noGrp="1"/>
-          </p:cNvSpPr>
-          <p:nvPr>
-            <p:ph type="body" idx="1"/>
-          </p:nvPr>
-        </p:nvSpPr>
-        <p:spPr/>
-        <p:txBody>
-          <a:bodyPr/>
-          <a:lstStyle/>
-          <a:p>
-            <a:endParaRPr lang="en-US" dirty="0" smtClean="0"/>
-          </a:p>
-          <a:p>
-            <a:endParaRPr lang="en-US" dirty="0" smtClean="0"/>
-          </a:p>
-          <a:p>
-            <a:endParaRPr lang="en-US" dirty="0"/>
-          </a:p>
-        </p:txBody>
-      </p:sp>
-      <p:sp>
-        <p:nvSpPr>
-          <p:cNvPr id="4" name="Slide Number Placeholder 3"/>
-          <p:cNvSpPr>
-            <a:spLocks noGrp="1"/>
-          </p:cNvSpPr>
-          <p:nvPr>
-            <p:ph type="sldNum" sz="quarter" idx="10"/>
-          </p:nvPr>
-        </p:nvSpPr>
-        <p:spPr/>
-        <p:txBody>
-          <a:bodyPr/>
-          <a:lstStyle/>
-          <a:p>
-            <a:fld id="{51AE5163-76D6-0846-B4A7-CD6FB6DB9683}" type="slidenum">
-              <a:rPr lang="en-US" smtClean="0"/>
-              <a:t>17</a:t>
-            </a:fld>
-            <a:endParaRPr lang="en-US"/>
-          </a:p>
-        </p:txBody>
-      </p:sp>
-    </p:spTree>
-    <p:extLst>
-      <p:ext uri="{BB962C8B-B14F-4D97-AF65-F5344CB8AC3E}">
         <p14:creationId xmlns:p14="http://schemas.microsoft.com/office/powerpoint/2010/main" val="373727308"/>
-      </p:ext>
-    </p:extLst>
-  </p:cSld>
-  <p:clrMapOvr>
-    <a:masterClrMapping/>
-  </p:clrMapOvr>
-</p:notes>
-</file>
-
-<file path=ppt/notesSlides/notesSlide17.xml><?xml version="1.0" encoding="utf-8"?>
-<p:notes xmlns:a="http://schemas.openxmlformats.org/drawingml/2006/main" xmlns:r="http://schemas.openxmlformats.org/officeDocument/2006/relationships" xmlns:p="http://schemas.openxmlformats.org/presentationml/2006/main">
-  <p:cSld>
-    <p:spTree>
-      <p:nvGrpSpPr>
-        <p:cNvPr id="1" name=""/>
-        <p:cNvGrpSpPr/>
-        <p:nvPr/>
-      </p:nvGrpSpPr>
-      <p:grpSpPr>
-        <a:xfrm>
-          <a:off x="0" y="0"/>
-          <a:ext cx="0" cy="0"/>
-          <a:chOff x="0" y="0"/>
-          <a:chExt cx="0" cy="0"/>
-        </a:xfrm>
-      </p:grpSpPr>
-      <p:sp>
-        <p:nvSpPr>
-          <p:cNvPr id="2" name="Slide Image Placeholder 1"/>
-          <p:cNvSpPr>
-            <a:spLocks noGrp="1" noRot="1" noChangeAspect="1"/>
-          </p:cNvSpPr>
-          <p:nvPr>
-            <p:ph type="sldImg"/>
-          </p:nvPr>
-        </p:nvSpPr>
-        <p:spPr/>
-      </p:sp>
-      <p:sp>
-        <p:nvSpPr>
-          <p:cNvPr id="3" name="Notes Placeholder 2"/>
-          <p:cNvSpPr>
-            <a:spLocks noGrp="1"/>
-          </p:cNvSpPr>
-          <p:nvPr>
-            <p:ph type="body" idx="1"/>
-          </p:nvPr>
-        </p:nvSpPr>
-        <p:spPr/>
-        <p:txBody>
-          <a:bodyPr/>
-          <a:lstStyle/>
-          <a:p>
-            <a:endParaRPr lang="en-US" dirty="0" smtClean="0"/>
-          </a:p>
-        </p:txBody>
-      </p:sp>
-      <p:sp>
-        <p:nvSpPr>
-          <p:cNvPr id="4" name="Slide Number Placeholder 3"/>
-          <p:cNvSpPr>
-            <a:spLocks noGrp="1"/>
-          </p:cNvSpPr>
-          <p:nvPr>
-            <p:ph type="sldNum" sz="quarter" idx="10"/>
-          </p:nvPr>
-        </p:nvSpPr>
-        <p:spPr/>
-        <p:txBody>
-          <a:bodyPr/>
-          <a:lstStyle/>
-          <a:p>
-            <a:fld id="{51AE5163-76D6-0846-B4A7-CD6FB6DB9683}" type="slidenum">
-              <a:rPr lang="en-US" smtClean="0"/>
-              <a:t>18</a:t>
-            </a:fld>
-            <a:endParaRPr lang="en-US"/>
-          </a:p>
-        </p:txBody>
-      </p:sp>
-    </p:spTree>
-    <p:extLst>
-      <p:ext uri="{BB962C8B-B14F-4D97-AF65-F5344CB8AC3E}">
-        <p14:creationId xmlns:p14="http://schemas.microsoft.com/office/powerpoint/2010/main" val="4191114907"/>
-      </p:ext>
-    </p:extLst>
-  </p:cSld>
-  <p:clrMapOvr>
-    <a:masterClrMapping/>
-  </p:clrMapOvr>
-</p:notes>
-</file>
-
-<file path=ppt/notesSlides/notesSlide18.xml><?xml version="1.0" encoding="utf-8"?>
-<p:notes xmlns:a="http://schemas.openxmlformats.org/drawingml/2006/main" xmlns:r="http://schemas.openxmlformats.org/officeDocument/2006/relationships" xmlns:p="http://schemas.openxmlformats.org/presentationml/2006/main">
-  <p:cSld>
-    <p:spTree>
-      <p:nvGrpSpPr>
-        <p:cNvPr id="1" name=""/>
-        <p:cNvGrpSpPr/>
-        <p:nvPr/>
-      </p:nvGrpSpPr>
-      <p:grpSpPr>
-        <a:xfrm>
-          <a:off x="0" y="0"/>
-          <a:ext cx="0" cy="0"/>
-          <a:chOff x="0" y="0"/>
-          <a:chExt cx="0" cy="0"/>
-        </a:xfrm>
-      </p:grpSpPr>
-      <p:sp>
-        <p:nvSpPr>
-          <p:cNvPr id="2" name="Slide Image Placeholder 1"/>
-          <p:cNvSpPr>
-            <a:spLocks noGrp="1" noRot="1" noChangeAspect="1"/>
-          </p:cNvSpPr>
-          <p:nvPr>
-            <p:ph type="sldImg"/>
-          </p:nvPr>
-        </p:nvSpPr>
-        <p:spPr/>
-      </p:sp>
-      <p:sp>
-        <p:nvSpPr>
-          <p:cNvPr id="3" name="Notes Placeholder 2"/>
-          <p:cNvSpPr>
-            <a:spLocks noGrp="1"/>
-          </p:cNvSpPr>
-          <p:nvPr>
-            <p:ph type="body" idx="1"/>
-          </p:nvPr>
-        </p:nvSpPr>
-        <p:spPr/>
-        <p:txBody>
-          <a:bodyPr/>
-          <a:lstStyle/>
-          <a:p>
-            <a:endParaRPr lang="en-US" dirty="0"/>
-          </a:p>
-        </p:txBody>
-      </p:sp>
-      <p:sp>
-        <p:nvSpPr>
-          <p:cNvPr id="4" name="Slide Number Placeholder 3"/>
-          <p:cNvSpPr>
-            <a:spLocks noGrp="1"/>
-          </p:cNvSpPr>
-          <p:nvPr>
-            <p:ph type="sldNum" sz="quarter" idx="10"/>
-          </p:nvPr>
-        </p:nvSpPr>
-        <p:spPr/>
-        <p:txBody>
-          <a:bodyPr/>
-          <a:lstStyle/>
-          <a:p>
-            <a:fld id="{51AE5163-76D6-0846-B4A7-CD6FB6DB9683}" type="slidenum">
-              <a:rPr lang="en-US" smtClean="0"/>
-              <a:t>19</a:t>
-            </a:fld>
-            <a:endParaRPr lang="en-US"/>
-          </a:p>
-        </p:txBody>
-      </p:sp>
-    </p:spTree>
-    <p:extLst>
-      <p:ext uri="{BB962C8B-B14F-4D97-AF65-F5344CB8AC3E}">
-        <p14:creationId xmlns:p14="http://schemas.microsoft.com/office/powerpoint/2010/main" val="3164265011"/>
-      </p:ext>
-    </p:extLst>
-  </p:cSld>
-  <p:clrMapOvr>
-    <a:masterClrMapping/>
-  </p:clrMapOvr>
-</p:notes>
-</file>
-
-<file path=ppt/notesSlides/notesSlide19.xml><?xml version="1.0" encoding="utf-8"?>
-<p:notes xmlns:a="http://schemas.openxmlformats.org/drawingml/2006/main" xmlns:r="http://schemas.openxmlformats.org/officeDocument/2006/relationships" xmlns:p="http://schemas.openxmlformats.org/presentationml/2006/main">
-  <p:cSld>
-    <p:spTree>
-      <p:nvGrpSpPr>
-        <p:cNvPr id="1" name=""/>
-        <p:cNvGrpSpPr/>
-        <p:nvPr/>
-      </p:nvGrpSpPr>
-      <p:grpSpPr>
-        <a:xfrm>
-          <a:off x="0" y="0"/>
-          <a:ext cx="0" cy="0"/>
-          <a:chOff x="0" y="0"/>
-          <a:chExt cx="0" cy="0"/>
-        </a:xfrm>
-      </p:grpSpPr>
-      <p:sp>
-        <p:nvSpPr>
-          <p:cNvPr id="2" name="Slide Image Placeholder 1"/>
-          <p:cNvSpPr>
-            <a:spLocks noGrp="1" noRot="1" noChangeAspect="1"/>
-          </p:cNvSpPr>
-          <p:nvPr>
-            <p:ph type="sldImg"/>
-          </p:nvPr>
-        </p:nvSpPr>
-        <p:spPr/>
-      </p:sp>
-      <p:sp>
-        <p:nvSpPr>
-          <p:cNvPr id="3" name="Notes Placeholder 2"/>
-          <p:cNvSpPr>
-            <a:spLocks noGrp="1"/>
-          </p:cNvSpPr>
-          <p:nvPr>
-            <p:ph type="body" idx="1"/>
-          </p:nvPr>
-        </p:nvSpPr>
-        <p:spPr/>
-        <p:txBody>
-          <a:bodyPr/>
-          <a:lstStyle/>
-          <a:p>
-            <a:endParaRPr lang="en-US" dirty="0"/>
-          </a:p>
-        </p:txBody>
-      </p:sp>
-      <p:sp>
-        <p:nvSpPr>
-          <p:cNvPr id="4" name="Slide Number Placeholder 3"/>
-          <p:cNvSpPr>
-            <a:spLocks noGrp="1"/>
-          </p:cNvSpPr>
-          <p:nvPr>
-            <p:ph type="sldNum" sz="quarter" idx="10"/>
-          </p:nvPr>
-        </p:nvSpPr>
-        <p:spPr/>
-        <p:txBody>
-          <a:bodyPr/>
-          <a:lstStyle/>
-          <a:p>
-            <a:fld id="{51AE5163-76D6-0846-B4A7-CD6FB6DB9683}" type="slidenum">
-              <a:rPr lang="en-US" smtClean="0"/>
-              <a:t>20</a:t>
-            </a:fld>
-            <a:endParaRPr lang="en-US"/>
-          </a:p>
-        </p:txBody>
-      </p:sp>
-    </p:spTree>
-    <p:extLst>
-      <p:ext uri="{BB962C8B-B14F-4D97-AF65-F5344CB8AC3E}">
-        <p14:creationId xmlns:p14="http://schemas.microsoft.com/office/powerpoint/2010/main" val="3021305156"/>
       </p:ext>
     </p:extLst>
   </p:cSld>
@@ -1475,17 +960,6 @@
           <a:bodyPr/>
           <a:lstStyle/>
           <a:p>
-            <a:endParaRPr lang="en-US" sz="900" b="0" i="0" kern="1200" dirty="0" smtClean="0">
-              <a:solidFill>
-                <a:schemeClr val="tx1"/>
-              </a:solidFill>
-              <a:effectLst/>
-              <a:latin typeface="+mn-lt"/>
-              <a:ea typeface="+mn-ea"/>
-              <a:cs typeface="+mn-cs"/>
-            </a:endParaRPr>
-          </a:p>
-          <a:p>
             <a:endParaRPr lang="en-US" dirty="0"/>
           </a:p>
         </p:txBody>
@@ -1516,427 +990,7 @@
     </p:spTree>
     <p:extLst>
       <p:ext uri="{BB962C8B-B14F-4D97-AF65-F5344CB8AC3E}">
-        <p14:creationId xmlns:p14="http://schemas.microsoft.com/office/powerpoint/2010/main" val="3456143343"/>
-      </p:ext>
-    </p:extLst>
-  </p:cSld>
-  <p:clrMapOvr>
-    <a:masterClrMapping/>
-  </p:clrMapOvr>
-</p:notes>
-</file>
-
-<file path=ppt/notesSlides/notesSlide20.xml><?xml version="1.0" encoding="utf-8"?>
-<p:notes xmlns:a="http://schemas.openxmlformats.org/drawingml/2006/main" xmlns:r="http://schemas.openxmlformats.org/officeDocument/2006/relationships" xmlns:p="http://schemas.openxmlformats.org/presentationml/2006/main">
-  <p:cSld>
-    <p:spTree>
-      <p:nvGrpSpPr>
-        <p:cNvPr id="1" name=""/>
-        <p:cNvGrpSpPr/>
-        <p:nvPr/>
-      </p:nvGrpSpPr>
-      <p:grpSpPr>
-        <a:xfrm>
-          <a:off x="0" y="0"/>
-          <a:ext cx="0" cy="0"/>
-          <a:chOff x="0" y="0"/>
-          <a:chExt cx="0" cy="0"/>
-        </a:xfrm>
-      </p:grpSpPr>
-      <p:sp>
-        <p:nvSpPr>
-          <p:cNvPr id="2" name="Slide Image Placeholder 1"/>
-          <p:cNvSpPr>
-            <a:spLocks noGrp="1" noRot="1" noChangeAspect="1"/>
-          </p:cNvSpPr>
-          <p:nvPr>
-            <p:ph type="sldImg"/>
-          </p:nvPr>
-        </p:nvSpPr>
-        <p:spPr/>
-      </p:sp>
-      <p:sp>
-        <p:nvSpPr>
-          <p:cNvPr id="3" name="Notes Placeholder 2"/>
-          <p:cNvSpPr>
-            <a:spLocks noGrp="1"/>
-          </p:cNvSpPr>
-          <p:nvPr>
-            <p:ph type="body" idx="1"/>
-          </p:nvPr>
-        </p:nvSpPr>
-        <p:spPr/>
-        <p:txBody>
-          <a:bodyPr/>
-          <a:lstStyle/>
-          <a:p>
-            <a:endParaRPr lang="en-US" dirty="0"/>
-          </a:p>
-        </p:txBody>
-      </p:sp>
-      <p:sp>
-        <p:nvSpPr>
-          <p:cNvPr id="4" name="Slide Number Placeholder 3"/>
-          <p:cNvSpPr>
-            <a:spLocks noGrp="1"/>
-          </p:cNvSpPr>
-          <p:nvPr>
-            <p:ph type="sldNum" sz="quarter" idx="10"/>
-          </p:nvPr>
-        </p:nvSpPr>
-        <p:spPr/>
-        <p:txBody>
-          <a:bodyPr/>
-          <a:lstStyle/>
-          <a:p>
-            <a:fld id="{51AE5163-76D6-0846-B4A7-CD6FB6DB9683}" type="slidenum">
-              <a:rPr lang="en-US" smtClean="0"/>
-              <a:t>21</a:t>
-            </a:fld>
-            <a:endParaRPr lang="en-US"/>
-          </a:p>
-        </p:txBody>
-      </p:sp>
-    </p:spTree>
-    <p:extLst>
-      <p:ext uri="{BB962C8B-B14F-4D97-AF65-F5344CB8AC3E}">
-        <p14:creationId xmlns:p14="http://schemas.microsoft.com/office/powerpoint/2010/main" val="119569866"/>
-      </p:ext>
-    </p:extLst>
-  </p:cSld>
-  <p:clrMapOvr>
-    <a:masterClrMapping/>
-  </p:clrMapOvr>
-</p:notes>
-</file>
-
-<file path=ppt/notesSlides/notesSlide21.xml><?xml version="1.0" encoding="utf-8"?>
-<p:notes xmlns:a="http://schemas.openxmlformats.org/drawingml/2006/main" xmlns:r="http://schemas.openxmlformats.org/officeDocument/2006/relationships" xmlns:p="http://schemas.openxmlformats.org/presentationml/2006/main">
-  <p:cSld>
-    <p:spTree>
-      <p:nvGrpSpPr>
-        <p:cNvPr id="1" name=""/>
-        <p:cNvGrpSpPr/>
-        <p:nvPr/>
-      </p:nvGrpSpPr>
-      <p:grpSpPr>
-        <a:xfrm>
-          <a:off x="0" y="0"/>
-          <a:ext cx="0" cy="0"/>
-          <a:chOff x="0" y="0"/>
-          <a:chExt cx="0" cy="0"/>
-        </a:xfrm>
-      </p:grpSpPr>
-      <p:sp>
-        <p:nvSpPr>
-          <p:cNvPr id="2" name="Slide Image Placeholder 1"/>
-          <p:cNvSpPr>
-            <a:spLocks noGrp="1" noRot="1" noChangeAspect="1"/>
-          </p:cNvSpPr>
-          <p:nvPr>
-            <p:ph type="sldImg"/>
-          </p:nvPr>
-        </p:nvSpPr>
-        <p:spPr/>
-      </p:sp>
-      <p:sp>
-        <p:nvSpPr>
-          <p:cNvPr id="3" name="Notes Placeholder 2"/>
-          <p:cNvSpPr>
-            <a:spLocks noGrp="1"/>
-          </p:cNvSpPr>
-          <p:nvPr>
-            <p:ph type="body" idx="1"/>
-          </p:nvPr>
-        </p:nvSpPr>
-        <p:spPr/>
-        <p:txBody>
-          <a:bodyPr/>
-          <a:lstStyle/>
-          <a:p>
-            <a:endParaRPr lang="en-US" dirty="0"/>
-          </a:p>
-        </p:txBody>
-      </p:sp>
-      <p:sp>
-        <p:nvSpPr>
-          <p:cNvPr id="4" name="Slide Number Placeholder 3"/>
-          <p:cNvSpPr>
-            <a:spLocks noGrp="1"/>
-          </p:cNvSpPr>
-          <p:nvPr>
-            <p:ph type="sldNum" sz="quarter" idx="10"/>
-          </p:nvPr>
-        </p:nvSpPr>
-        <p:spPr/>
-        <p:txBody>
-          <a:bodyPr/>
-          <a:lstStyle/>
-          <a:p>
-            <a:fld id="{51AE5163-76D6-0846-B4A7-CD6FB6DB9683}" type="slidenum">
-              <a:rPr lang="en-US" smtClean="0"/>
-              <a:t>22</a:t>
-            </a:fld>
-            <a:endParaRPr lang="en-US"/>
-          </a:p>
-        </p:txBody>
-      </p:sp>
-    </p:spTree>
-    <p:extLst>
-      <p:ext uri="{BB962C8B-B14F-4D97-AF65-F5344CB8AC3E}">
-        <p14:creationId xmlns:p14="http://schemas.microsoft.com/office/powerpoint/2010/main" val="3713594452"/>
-      </p:ext>
-    </p:extLst>
-  </p:cSld>
-  <p:clrMapOvr>
-    <a:masterClrMapping/>
-  </p:clrMapOvr>
-</p:notes>
-</file>
-
-<file path=ppt/notesSlides/notesSlide22.xml><?xml version="1.0" encoding="utf-8"?>
-<p:notes xmlns:a="http://schemas.openxmlformats.org/drawingml/2006/main" xmlns:r="http://schemas.openxmlformats.org/officeDocument/2006/relationships" xmlns:p="http://schemas.openxmlformats.org/presentationml/2006/main">
-  <p:cSld>
-    <p:spTree>
-      <p:nvGrpSpPr>
-        <p:cNvPr id="1" name=""/>
-        <p:cNvGrpSpPr/>
-        <p:nvPr/>
-      </p:nvGrpSpPr>
-      <p:grpSpPr>
-        <a:xfrm>
-          <a:off x="0" y="0"/>
-          <a:ext cx="0" cy="0"/>
-          <a:chOff x="0" y="0"/>
-          <a:chExt cx="0" cy="0"/>
-        </a:xfrm>
-      </p:grpSpPr>
-      <p:sp>
-        <p:nvSpPr>
-          <p:cNvPr id="2" name="Slide Image Placeholder 1"/>
-          <p:cNvSpPr>
-            <a:spLocks noGrp="1" noRot="1" noChangeAspect="1"/>
-          </p:cNvSpPr>
-          <p:nvPr>
-            <p:ph type="sldImg"/>
-          </p:nvPr>
-        </p:nvSpPr>
-        <p:spPr/>
-      </p:sp>
-      <p:sp>
-        <p:nvSpPr>
-          <p:cNvPr id="3" name="Notes Placeholder 2"/>
-          <p:cNvSpPr>
-            <a:spLocks noGrp="1"/>
-          </p:cNvSpPr>
-          <p:nvPr>
-            <p:ph type="body" idx="1"/>
-          </p:nvPr>
-        </p:nvSpPr>
-        <p:spPr/>
-        <p:txBody>
-          <a:bodyPr/>
-          <a:lstStyle/>
-          <a:p>
-            <a:endParaRPr lang="en-US" dirty="0"/>
-          </a:p>
-        </p:txBody>
-      </p:sp>
-      <p:sp>
-        <p:nvSpPr>
-          <p:cNvPr id="4" name="Slide Number Placeholder 3"/>
-          <p:cNvSpPr>
-            <a:spLocks noGrp="1"/>
-          </p:cNvSpPr>
-          <p:nvPr>
-            <p:ph type="sldNum" sz="quarter" idx="10"/>
-          </p:nvPr>
-        </p:nvSpPr>
-        <p:spPr/>
-        <p:txBody>
-          <a:bodyPr/>
-          <a:lstStyle/>
-          <a:p>
-            <a:fld id="{51AE5163-76D6-0846-B4A7-CD6FB6DB9683}" type="slidenum">
-              <a:rPr lang="en-US" smtClean="0"/>
-              <a:t>23</a:t>
-            </a:fld>
-            <a:endParaRPr lang="en-US"/>
-          </a:p>
-        </p:txBody>
-      </p:sp>
-    </p:spTree>
-    <p:extLst>
-      <p:ext uri="{BB962C8B-B14F-4D97-AF65-F5344CB8AC3E}">
-        <p14:creationId xmlns:p14="http://schemas.microsoft.com/office/powerpoint/2010/main" val="3444991073"/>
-      </p:ext>
-    </p:extLst>
-  </p:cSld>
-  <p:clrMapOvr>
-    <a:masterClrMapping/>
-  </p:clrMapOvr>
-</p:notes>
-</file>
-
-<file path=ppt/notesSlides/notesSlide23.xml><?xml version="1.0" encoding="utf-8"?>
-<p:notes xmlns:a="http://schemas.openxmlformats.org/drawingml/2006/main" xmlns:r="http://schemas.openxmlformats.org/officeDocument/2006/relationships" xmlns:p="http://schemas.openxmlformats.org/presentationml/2006/main">
-  <p:cSld>
-    <p:spTree>
-      <p:nvGrpSpPr>
-        <p:cNvPr id="1" name=""/>
-        <p:cNvGrpSpPr/>
-        <p:nvPr/>
-      </p:nvGrpSpPr>
-      <p:grpSpPr>
-        <a:xfrm>
-          <a:off x="0" y="0"/>
-          <a:ext cx="0" cy="0"/>
-          <a:chOff x="0" y="0"/>
-          <a:chExt cx="0" cy="0"/>
-        </a:xfrm>
-      </p:grpSpPr>
-      <p:sp>
-        <p:nvSpPr>
-          <p:cNvPr id="2" name="Slide Image Placeholder 1"/>
-          <p:cNvSpPr>
-            <a:spLocks noGrp="1" noRot="1" noChangeAspect="1"/>
-          </p:cNvSpPr>
-          <p:nvPr>
-            <p:ph type="sldImg"/>
-          </p:nvPr>
-        </p:nvSpPr>
-        <p:spPr/>
-      </p:sp>
-      <p:sp>
-        <p:nvSpPr>
-          <p:cNvPr id="3" name="Notes Placeholder 2"/>
-          <p:cNvSpPr>
-            <a:spLocks noGrp="1"/>
-          </p:cNvSpPr>
-          <p:nvPr>
-            <p:ph type="body" idx="1"/>
-          </p:nvPr>
-        </p:nvSpPr>
-        <p:spPr/>
-        <p:txBody>
-          <a:bodyPr/>
-          <a:lstStyle/>
-          <a:p>
-            <a:endParaRPr lang="en-US" dirty="0"/>
-          </a:p>
-        </p:txBody>
-      </p:sp>
-      <p:sp>
-        <p:nvSpPr>
-          <p:cNvPr id="4" name="Slide Number Placeholder 3"/>
-          <p:cNvSpPr>
-            <a:spLocks noGrp="1"/>
-          </p:cNvSpPr>
-          <p:nvPr>
-            <p:ph type="sldNum" sz="quarter" idx="10"/>
-          </p:nvPr>
-        </p:nvSpPr>
-        <p:spPr/>
-        <p:txBody>
-          <a:bodyPr/>
-          <a:lstStyle/>
-          <a:p>
-            <a:fld id="{51AE5163-76D6-0846-B4A7-CD6FB6DB9683}" type="slidenum">
-              <a:rPr lang="en-US" smtClean="0"/>
-              <a:t>24</a:t>
-            </a:fld>
-            <a:endParaRPr lang="en-US"/>
-          </a:p>
-        </p:txBody>
-      </p:sp>
-    </p:spTree>
-    <p:extLst>
-      <p:ext uri="{BB962C8B-B14F-4D97-AF65-F5344CB8AC3E}">
-        <p14:creationId xmlns:p14="http://schemas.microsoft.com/office/powerpoint/2010/main" val="456389721"/>
-      </p:ext>
-    </p:extLst>
-  </p:cSld>
-  <p:clrMapOvr>
-    <a:masterClrMapping/>
-  </p:clrMapOvr>
-</p:notes>
-</file>
-
-<file path=ppt/notesSlides/notesSlide24.xml><?xml version="1.0" encoding="utf-8"?>
-<p:notes xmlns:a="http://schemas.openxmlformats.org/drawingml/2006/main" xmlns:r="http://schemas.openxmlformats.org/officeDocument/2006/relationships" xmlns:p="http://schemas.openxmlformats.org/presentationml/2006/main">
-  <p:cSld>
-    <p:spTree>
-      <p:nvGrpSpPr>
-        <p:cNvPr id="1" name=""/>
-        <p:cNvGrpSpPr/>
-        <p:nvPr/>
-      </p:nvGrpSpPr>
-      <p:grpSpPr>
-        <a:xfrm>
-          <a:off x="0" y="0"/>
-          <a:ext cx="0" cy="0"/>
-          <a:chOff x="0" y="0"/>
-          <a:chExt cx="0" cy="0"/>
-        </a:xfrm>
-      </p:grpSpPr>
-      <p:sp>
-        <p:nvSpPr>
-          <p:cNvPr id="2" name="Slide Image Placeholder 1"/>
-          <p:cNvSpPr>
-            <a:spLocks noGrp="1" noRot="1" noChangeAspect="1"/>
-          </p:cNvSpPr>
-          <p:nvPr>
-            <p:ph type="sldImg"/>
-          </p:nvPr>
-        </p:nvSpPr>
-        <p:spPr/>
-      </p:sp>
-      <p:sp>
-        <p:nvSpPr>
-          <p:cNvPr id="3" name="Notes Placeholder 2"/>
-          <p:cNvSpPr>
-            <a:spLocks noGrp="1"/>
-          </p:cNvSpPr>
-          <p:nvPr>
-            <p:ph type="body" idx="1"/>
-          </p:nvPr>
-        </p:nvSpPr>
-        <p:spPr/>
-        <p:txBody>
-          <a:bodyPr/>
-          <a:lstStyle/>
-          <a:p>
-            <a:endParaRPr lang="en-US" dirty="0"/>
-          </a:p>
-        </p:txBody>
-      </p:sp>
-      <p:sp>
-        <p:nvSpPr>
-          <p:cNvPr id="4" name="Slide Number Placeholder 3"/>
-          <p:cNvSpPr>
-            <a:spLocks noGrp="1"/>
-          </p:cNvSpPr>
-          <p:nvPr>
-            <p:ph type="sldNum" sz="quarter" idx="10"/>
-          </p:nvPr>
-        </p:nvSpPr>
-        <p:spPr/>
-        <p:txBody>
-          <a:bodyPr/>
-          <a:lstStyle/>
-          <a:p>
-            <a:fld id="{51AE5163-76D6-0846-B4A7-CD6FB6DB9683}" type="slidenum">
-              <a:rPr lang="en-US" smtClean="0"/>
-              <a:t>25</a:t>
-            </a:fld>
-            <a:endParaRPr lang="en-US"/>
-          </a:p>
-        </p:txBody>
-      </p:sp>
-    </p:spTree>
-    <p:extLst>
-      <p:ext uri="{BB962C8B-B14F-4D97-AF65-F5344CB8AC3E}">
-        <p14:creationId xmlns:p14="http://schemas.microsoft.com/office/powerpoint/2010/main" val="1015451270"/>
+        <p14:creationId xmlns:p14="http://schemas.microsoft.com/office/powerpoint/2010/main" val="1783179728"/>
       </p:ext>
     </p:extLst>
   </p:cSld>
@@ -2020,7 +1074,7 @@
     </p:spTree>
     <p:extLst>
       <p:ext uri="{BB962C8B-B14F-4D97-AF65-F5344CB8AC3E}">
-        <p14:creationId xmlns:p14="http://schemas.microsoft.com/office/powerpoint/2010/main" val="444349096"/>
+        <p14:creationId xmlns:p14="http://schemas.microsoft.com/office/powerpoint/2010/main" val="782460616"/>
       </p:ext>
     </p:extLst>
   </p:cSld>
@@ -2104,7 +1158,7 @@
     </p:spTree>
     <p:extLst>
       <p:ext uri="{BB962C8B-B14F-4D97-AF65-F5344CB8AC3E}">
-        <p14:creationId xmlns:p14="http://schemas.microsoft.com/office/powerpoint/2010/main" val="1783179728"/>
+        <p14:creationId xmlns:p14="http://schemas.microsoft.com/office/powerpoint/2010/main" val="3253704318"/>
       </p:ext>
     </p:extLst>
   </p:cSld>
@@ -2158,6 +1212,9 @@
           <a:bodyPr/>
           <a:lstStyle/>
           <a:p>
+            <a:endParaRPr lang="en-US" dirty="0" smtClean="0"/>
+          </a:p>
+          <a:p>
             <a:endParaRPr lang="en-US" dirty="0"/>
           </a:p>
         </p:txBody>
@@ -2188,7 +1245,7 @@
     </p:spTree>
     <p:extLst>
       <p:ext uri="{BB962C8B-B14F-4D97-AF65-F5344CB8AC3E}">
-        <p14:creationId xmlns:p14="http://schemas.microsoft.com/office/powerpoint/2010/main" val="243590597"/>
+        <p14:creationId xmlns:p14="http://schemas.microsoft.com/office/powerpoint/2010/main" val="3117092865"/>
       </p:ext>
     </p:extLst>
   </p:cSld>
@@ -2272,7 +1329,7 @@
     </p:spTree>
     <p:extLst>
       <p:ext uri="{BB962C8B-B14F-4D97-AF65-F5344CB8AC3E}">
-        <p14:creationId xmlns:p14="http://schemas.microsoft.com/office/powerpoint/2010/main" val="782460616"/>
+        <p14:creationId xmlns:p14="http://schemas.microsoft.com/office/powerpoint/2010/main" val="4286944276"/>
       </p:ext>
     </p:extLst>
   </p:cSld>
@@ -2356,7 +1413,7 @@
     </p:spTree>
     <p:extLst>
       <p:ext uri="{BB962C8B-B14F-4D97-AF65-F5344CB8AC3E}">
-        <p14:creationId xmlns:p14="http://schemas.microsoft.com/office/powerpoint/2010/main" val="3253704318"/>
+        <p14:creationId xmlns:p14="http://schemas.microsoft.com/office/powerpoint/2010/main" val="41402473"/>
       </p:ext>
     </p:extLst>
   </p:cSld>
@@ -2412,9 +1469,6 @@
           <a:p>
             <a:endParaRPr lang="en-US" dirty="0" smtClean="0"/>
           </a:p>
-          <a:p>
-            <a:endParaRPr lang="en-US" dirty="0"/>
-          </a:p>
         </p:txBody>
       </p:sp>
       <p:sp>
@@ -2443,7 +1497,7 @@
     </p:spTree>
     <p:extLst>
       <p:ext uri="{BB962C8B-B14F-4D97-AF65-F5344CB8AC3E}">
-        <p14:creationId xmlns:p14="http://schemas.microsoft.com/office/powerpoint/2010/main" val="3117092865"/>
+        <p14:creationId xmlns:p14="http://schemas.microsoft.com/office/powerpoint/2010/main" val="3222361176"/>
       </p:ext>
     </p:extLst>
   </p:cSld>
@@ -2527,7 +1581,7 @@
     </p:spTree>
     <p:extLst>
       <p:ext uri="{BB962C8B-B14F-4D97-AF65-F5344CB8AC3E}">
-        <p14:creationId xmlns:p14="http://schemas.microsoft.com/office/powerpoint/2010/main" val="4286944276"/>
+        <p14:creationId xmlns:p14="http://schemas.microsoft.com/office/powerpoint/2010/main" val="2102902033"/>
       </p:ext>
     </p:extLst>
   </p:cSld>
@@ -3075,7 +2129,7 @@
           <a:blip r:embed="rId4">
             <a:extLst>
               <a:ext uri="{96DAC541-7B7A-43D3-8B79-37D633B846F1}">
-                <asvg:svgBlip xmlns:asvg="http://schemas.microsoft.com/office/drawing/2016/SVG/main" xmlns="" r:embed="rId5"/>
+                <asvg:svgBlip xmlns="" xmlns:asvg="http://schemas.microsoft.com/office/drawing/2016/SVG/main" r:embed="rId5"/>
               </a:ext>
             </a:extLst>
           </a:blip>
@@ -3111,7 +2165,7 @@
           <a:blip r:embed="rId6">
             <a:extLst>
               <a:ext uri="{96DAC541-7B7A-43D3-8B79-37D633B846F1}">
-                <asvg:svgBlip xmlns:asvg="http://schemas.microsoft.com/office/drawing/2016/SVG/main" xmlns="" r:embed="rId7"/>
+                <asvg:svgBlip xmlns="" xmlns:asvg="http://schemas.microsoft.com/office/drawing/2016/SVG/main" r:embed="rId7"/>
               </a:ext>
             </a:extLst>
           </a:blip>
@@ -3518,7 +2572,7 @@
           <a:blip r:embed="rId3">
             <a:extLst>
               <a:ext uri="{96DAC541-7B7A-43D3-8B79-37D633B846F1}">
-                <asvg:svgBlip xmlns:asvg="http://schemas.microsoft.com/office/drawing/2016/SVG/main" xmlns="" r:embed="rId4"/>
+                <asvg:svgBlip xmlns="" xmlns:asvg="http://schemas.microsoft.com/office/drawing/2016/SVG/main" r:embed="rId4"/>
               </a:ext>
             </a:extLst>
           </a:blip>
@@ -3882,7 +2936,7 @@
           <a:blip r:embed="rId3">
             <a:extLst>
               <a:ext uri="{96DAC541-7B7A-43D3-8B79-37D633B846F1}">
-                <asvg:svgBlip xmlns:asvg="http://schemas.microsoft.com/office/drawing/2016/SVG/main" xmlns="" r:embed="rId4"/>
+                <asvg:svgBlip xmlns="" xmlns:asvg="http://schemas.microsoft.com/office/drawing/2016/SVG/main" r:embed="rId4"/>
               </a:ext>
             </a:extLst>
           </a:blip>
@@ -4413,7 +3467,7 @@
           <a:blip r:embed="rId3">
             <a:extLst>
               <a:ext uri="{96DAC541-7B7A-43D3-8B79-37D633B846F1}">
-                <asvg:svgBlip xmlns:asvg="http://schemas.microsoft.com/office/drawing/2016/SVG/main" xmlns="" r:embed="rId4"/>
+                <asvg:svgBlip xmlns="" xmlns:asvg="http://schemas.microsoft.com/office/drawing/2016/SVG/main" r:embed="rId4"/>
               </a:ext>
             </a:extLst>
           </a:blip>
@@ -4653,7 +3707,7 @@
           <a:blip r:embed="rId4">
             <a:extLst>
               <a:ext uri="{96DAC541-7B7A-43D3-8B79-37D633B846F1}">
-                <asvg:svgBlip xmlns:asvg="http://schemas.microsoft.com/office/drawing/2016/SVG/main" xmlns="" r:embed="rId5"/>
+                <asvg:svgBlip xmlns="" xmlns:asvg="http://schemas.microsoft.com/office/drawing/2016/SVG/main" r:embed="rId5"/>
               </a:ext>
             </a:extLst>
           </a:blip>
@@ -4733,7 +3787,7 @@
           <a:blip r:embed="rId3">
             <a:extLst>
               <a:ext uri="{96DAC541-7B7A-43D3-8B79-37D633B846F1}">
-                <asvg:svgBlip xmlns:asvg="http://schemas.microsoft.com/office/drawing/2016/SVG/main" xmlns="" r:embed="rId4"/>
+                <asvg:svgBlip xmlns="" xmlns:asvg="http://schemas.microsoft.com/office/drawing/2016/SVG/main" r:embed="rId4"/>
               </a:ext>
             </a:extLst>
           </a:blip>
@@ -4769,7 +3823,7 @@
           <a:blip r:embed="rId5">
             <a:extLst>
               <a:ext uri="{96DAC541-7B7A-43D3-8B79-37D633B846F1}">
-                <asvg:svgBlip xmlns:asvg="http://schemas.microsoft.com/office/drawing/2016/SVG/main" xmlns="" r:embed="rId6"/>
+                <asvg:svgBlip xmlns="" xmlns:asvg="http://schemas.microsoft.com/office/drawing/2016/SVG/main" r:embed="rId6"/>
               </a:ext>
             </a:extLst>
           </a:blip>
@@ -4849,7 +3903,7 @@
           <a:blip r:embed="rId3">
             <a:extLst>
               <a:ext uri="{96DAC541-7B7A-43D3-8B79-37D633B846F1}">
-                <asvg:svgBlip xmlns:asvg="http://schemas.microsoft.com/office/drawing/2016/SVG/main" xmlns="" r:embed="rId4"/>
+                <asvg:svgBlip xmlns="" xmlns:asvg="http://schemas.microsoft.com/office/drawing/2016/SVG/main" r:embed="rId4"/>
               </a:ext>
             </a:extLst>
           </a:blip>
@@ -4885,7 +3939,7 @@
           <a:blip r:embed="rId5">
             <a:extLst>
               <a:ext uri="{96DAC541-7B7A-43D3-8B79-37D633B846F1}">
-                <asvg:svgBlip xmlns:asvg="http://schemas.microsoft.com/office/drawing/2016/SVG/main" xmlns="" r:embed="rId6"/>
+                <asvg:svgBlip xmlns="" xmlns:asvg="http://schemas.microsoft.com/office/drawing/2016/SVG/main" r:embed="rId6"/>
               </a:ext>
             </a:extLst>
           </a:blip>
@@ -4965,7 +4019,7 @@
           <a:blip r:embed="rId3">
             <a:extLst>
               <a:ext uri="{96DAC541-7B7A-43D3-8B79-37D633B846F1}">
-                <asvg:svgBlip xmlns:asvg="http://schemas.microsoft.com/office/drawing/2016/SVG/main" xmlns="" r:embed="rId4"/>
+                <asvg:svgBlip xmlns="" xmlns:asvg="http://schemas.microsoft.com/office/drawing/2016/SVG/main" r:embed="rId4"/>
               </a:ext>
             </a:extLst>
           </a:blip>
@@ -5001,7 +4055,7 @@
           <a:blip r:embed="rId5">
             <a:extLst>
               <a:ext uri="{96DAC541-7B7A-43D3-8B79-37D633B846F1}">
-                <asvg:svgBlip xmlns:asvg="http://schemas.microsoft.com/office/drawing/2016/SVG/main" xmlns="" r:embed="rId6"/>
+                <asvg:svgBlip xmlns="" xmlns:asvg="http://schemas.microsoft.com/office/drawing/2016/SVG/main" r:embed="rId6"/>
               </a:ext>
             </a:extLst>
           </a:blip>
@@ -5081,7 +4135,7 @@
           <a:blip r:embed="rId3">
             <a:extLst>
               <a:ext uri="{96DAC541-7B7A-43D3-8B79-37D633B846F1}">
-                <asvg:svgBlip xmlns:asvg="http://schemas.microsoft.com/office/drawing/2016/SVG/main" xmlns="" r:embed="rId4"/>
+                <asvg:svgBlip xmlns="" xmlns:asvg="http://schemas.microsoft.com/office/drawing/2016/SVG/main" r:embed="rId4"/>
               </a:ext>
             </a:extLst>
           </a:blip>
@@ -5117,7 +4171,7 @@
           <a:blip r:embed="rId5">
             <a:extLst>
               <a:ext uri="{96DAC541-7B7A-43D3-8B79-37D633B846F1}">
-                <asvg:svgBlip xmlns:asvg="http://schemas.microsoft.com/office/drawing/2016/SVG/main" xmlns="" r:embed="rId6"/>
+                <asvg:svgBlip xmlns="" xmlns:asvg="http://schemas.microsoft.com/office/drawing/2016/SVG/main" r:embed="rId6"/>
               </a:ext>
             </a:extLst>
           </a:blip>
@@ -5197,7 +4251,7 @@
           <a:blip r:embed="rId3">
             <a:extLst>
               <a:ext uri="{96DAC541-7B7A-43D3-8B79-37D633B846F1}">
-                <asvg:svgBlip xmlns:asvg="http://schemas.microsoft.com/office/drawing/2016/SVG/main" xmlns="" r:embed="rId4"/>
+                <asvg:svgBlip xmlns="" xmlns:asvg="http://schemas.microsoft.com/office/drawing/2016/SVG/main" r:embed="rId4"/>
               </a:ext>
             </a:extLst>
           </a:blip>
@@ -5233,7 +4287,7 @@
           <a:blip r:embed="rId5">
             <a:extLst>
               <a:ext uri="{96DAC541-7B7A-43D3-8B79-37D633B846F1}">
-                <asvg:svgBlip xmlns:asvg="http://schemas.microsoft.com/office/drawing/2016/SVG/main" xmlns="" r:embed="rId6"/>
+                <asvg:svgBlip xmlns="" xmlns:asvg="http://schemas.microsoft.com/office/drawing/2016/SVG/main" r:embed="rId6"/>
               </a:ext>
             </a:extLst>
           </a:blip>
@@ -5313,7 +4367,7 @@
           <a:blip r:embed="rId3">
             <a:extLst>
               <a:ext uri="{96DAC541-7B7A-43D3-8B79-37D633B846F1}">
-                <asvg:svgBlip xmlns:asvg="http://schemas.microsoft.com/office/drawing/2016/SVG/main" xmlns="" r:embed="rId4"/>
+                <asvg:svgBlip xmlns="" xmlns:asvg="http://schemas.microsoft.com/office/drawing/2016/SVG/main" r:embed="rId4"/>
               </a:ext>
             </a:extLst>
           </a:blip>
@@ -5349,7 +4403,7 @@
           <a:blip r:embed="rId5">
             <a:extLst>
               <a:ext uri="{96DAC541-7B7A-43D3-8B79-37D633B846F1}">
-                <asvg:svgBlip xmlns:asvg="http://schemas.microsoft.com/office/drawing/2016/SVG/main" xmlns="" r:embed="rId6"/>
+                <asvg:svgBlip xmlns="" xmlns:asvg="http://schemas.microsoft.com/office/drawing/2016/SVG/main" r:embed="rId6"/>
               </a:ext>
             </a:extLst>
           </a:blip>
@@ -5918,7 +4972,7 @@
           <a:blip r:embed="rId4">
             <a:extLst>
               <a:ext uri="{96DAC541-7B7A-43D3-8B79-37D633B846F1}">
-                <asvg:svgBlip xmlns:asvg="http://schemas.microsoft.com/office/drawing/2016/SVG/main" xmlns="" r:embed="rId5"/>
+                <asvg:svgBlip xmlns="" xmlns:asvg="http://schemas.microsoft.com/office/drawing/2016/SVG/main" r:embed="rId5"/>
               </a:ext>
             </a:extLst>
           </a:blip>
@@ -5954,7 +5008,7 @@
           <a:blip r:embed="rId6">
             <a:extLst>
               <a:ext uri="{96DAC541-7B7A-43D3-8B79-37D633B846F1}">
-                <asvg:svgBlip xmlns:asvg="http://schemas.microsoft.com/office/drawing/2016/SVG/main" xmlns="" r:embed="rId7"/>
+                <asvg:svgBlip xmlns="" xmlns:asvg="http://schemas.microsoft.com/office/drawing/2016/SVG/main" r:embed="rId7"/>
               </a:ext>
             </a:extLst>
           </a:blip>
@@ -6034,7 +5088,7 @@
           <a:blip r:embed="rId3">
             <a:extLst>
               <a:ext uri="{96DAC541-7B7A-43D3-8B79-37D633B846F1}">
-                <asvg:svgBlip xmlns:asvg="http://schemas.microsoft.com/office/drawing/2016/SVG/main" xmlns="" r:embed="rId4"/>
+                <asvg:svgBlip xmlns="" xmlns:asvg="http://schemas.microsoft.com/office/drawing/2016/SVG/main" r:embed="rId4"/>
               </a:ext>
             </a:extLst>
           </a:blip>
@@ -6070,7 +5124,7 @@
           <a:blip r:embed="rId5">
             <a:extLst>
               <a:ext uri="{96DAC541-7B7A-43D3-8B79-37D633B846F1}">
-                <asvg:svgBlip xmlns:asvg="http://schemas.microsoft.com/office/drawing/2016/SVG/main" xmlns="" r:embed="rId6"/>
+                <asvg:svgBlip xmlns="" xmlns:asvg="http://schemas.microsoft.com/office/drawing/2016/SVG/main" r:embed="rId6"/>
               </a:ext>
             </a:extLst>
           </a:blip>
@@ -6150,7 +5204,7 @@
           <a:blip r:embed="rId3">
             <a:extLst>
               <a:ext uri="{96DAC541-7B7A-43D3-8B79-37D633B846F1}">
-                <asvg:svgBlip xmlns:asvg="http://schemas.microsoft.com/office/drawing/2016/SVG/main" xmlns="" r:embed="rId4"/>
+                <asvg:svgBlip xmlns="" xmlns:asvg="http://schemas.microsoft.com/office/drawing/2016/SVG/main" r:embed="rId4"/>
               </a:ext>
             </a:extLst>
           </a:blip>
@@ -6186,7 +5240,7 @@
           <a:blip r:embed="rId5">
             <a:extLst>
               <a:ext uri="{96DAC541-7B7A-43D3-8B79-37D633B846F1}">
-                <asvg:svgBlip xmlns:asvg="http://schemas.microsoft.com/office/drawing/2016/SVG/main" xmlns="" r:embed="rId6"/>
+                <asvg:svgBlip xmlns="" xmlns:asvg="http://schemas.microsoft.com/office/drawing/2016/SVG/main" r:embed="rId6"/>
               </a:ext>
             </a:extLst>
           </a:blip>
@@ -6579,7 +5633,7 @@
           <a:blip r:embed="rId3">
             <a:extLst>
               <a:ext uri="{96DAC541-7B7A-43D3-8B79-37D633B846F1}">
-                <asvg:svgBlip xmlns:asvg="http://schemas.microsoft.com/office/drawing/2016/SVG/main" xmlns="" r:embed="rId4"/>
+                <asvg:svgBlip xmlns="" xmlns:asvg="http://schemas.microsoft.com/office/drawing/2016/SVG/main" r:embed="rId4"/>
               </a:ext>
             </a:extLst>
           </a:blip>
@@ -7118,7 +6172,7 @@
           <a:blip r:embed="rId3">
             <a:extLst>
               <a:ext uri="{96DAC541-7B7A-43D3-8B79-37D633B846F1}">
-                <asvg:svgBlip xmlns:asvg="http://schemas.microsoft.com/office/drawing/2016/SVG/main" xmlns="" r:embed="rId4"/>
+                <asvg:svgBlip xmlns="" xmlns:asvg="http://schemas.microsoft.com/office/drawing/2016/SVG/main" r:embed="rId4"/>
               </a:ext>
             </a:extLst>
           </a:blip>
@@ -7154,7 +6208,7 @@
           <a:blip r:embed="rId5">
             <a:extLst>
               <a:ext uri="{96DAC541-7B7A-43D3-8B79-37D633B846F1}">
-                <asvg:svgBlip xmlns:asvg="http://schemas.microsoft.com/office/drawing/2016/SVG/main" xmlns="" r:embed="rId6"/>
+                <asvg:svgBlip xmlns="" xmlns:asvg="http://schemas.microsoft.com/office/drawing/2016/SVG/main" r:embed="rId6"/>
               </a:ext>
             </a:extLst>
           </a:blip>
@@ -7693,7 +6747,7 @@
           <a:blip r:embed="rId3">
             <a:extLst>
               <a:ext uri="{96DAC541-7B7A-43D3-8B79-37D633B846F1}">
-                <asvg:svgBlip xmlns:asvg="http://schemas.microsoft.com/office/drawing/2016/SVG/main" xmlns="" r:embed="rId4"/>
+                <asvg:svgBlip xmlns="" xmlns:asvg="http://schemas.microsoft.com/office/drawing/2016/SVG/main" r:embed="rId4"/>
               </a:ext>
             </a:extLst>
           </a:blip>
@@ -7729,7 +6783,7 @@
           <a:blip r:embed="rId5">
             <a:extLst>
               <a:ext uri="{96DAC541-7B7A-43D3-8B79-37D633B846F1}">
-                <asvg:svgBlip xmlns:asvg="http://schemas.microsoft.com/office/drawing/2016/SVG/main" xmlns="" r:embed="rId6"/>
+                <asvg:svgBlip xmlns="" xmlns:asvg="http://schemas.microsoft.com/office/drawing/2016/SVG/main" r:embed="rId6"/>
               </a:ext>
             </a:extLst>
           </a:blip>
@@ -8268,7 +7322,7 @@
           <a:blip r:embed="rId3">
             <a:extLst>
               <a:ext uri="{96DAC541-7B7A-43D3-8B79-37D633B846F1}">
-                <asvg:svgBlip xmlns:asvg="http://schemas.microsoft.com/office/drawing/2016/SVG/main" xmlns="" r:embed="rId4"/>
+                <asvg:svgBlip xmlns="" xmlns:asvg="http://schemas.microsoft.com/office/drawing/2016/SVG/main" r:embed="rId4"/>
               </a:ext>
             </a:extLst>
           </a:blip>
@@ -8304,7 +7358,7 @@
           <a:blip r:embed="rId5">
             <a:extLst>
               <a:ext uri="{96DAC541-7B7A-43D3-8B79-37D633B846F1}">
-                <asvg:svgBlip xmlns:asvg="http://schemas.microsoft.com/office/drawing/2016/SVG/main" xmlns="" r:embed="rId6"/>
+                <asvg:svgBlip xmlns="" xmlns:asvg="http://schemas.microsoft.com/office/drawing/2016/SVG/main" r:embed="rId6"/>
               </a:ext>
             </a:extLst>
           </a:blip>
@@ -8544,7 +7598,7 @@
           <a:blip r:embed="rId3">
             <a:extLst>
               <a:ext uri="{96DAC541-7B7A-43D3-8B79-37D633B846F1}">
-                <asvg:svgBlip xmlns:asvg="http://schemas.microsoft.com/office/drawing/2016/SVG/main" xmlns="" r:embed="rId4"/>
+                <asvg:svgBlip xmlns="" xmlns:asvg="http://schemas.microsoft.com/office/drawing/2016/SVG/main" r:embed="rId4"/>
               </a:ext>
             </a:extLst>
           </a:blip>
@@ -8846,7 +7900,7 @@
           <a:blip r:embed="rId3">
             <a:extLst>
               <a:ext uri="{96DAC541-7B7A-43D3-8B79-37D633B846F1}">
-                <asvg:svgBlip xmlns:asvg="http://schemas.microsoft.com/office/drawing/2016/SVG/main" xmlns="" r:embed="rId4"/>
+                <asvg:svgBlip xmlns="" xmlns:asvg="http://schemas.microsoft.com/office/drawing/2016/SVG/main" r:embed="rId4"/>
               </a:ext>
             </a:extLst>
           </a:blip>
@@ -9223,7 +8277,7 @@
           <a:blip r:embed="rId3">
             <a:extLst>
               <a:ext uri="{96DAC541-7B7A-43D3-8B79-37D633B846F1}">
-                <asvg:svgBlip xmlns:asvg="http://schemas.microsoft.com/office/drawing/2016/SVG/main" xmlns="" r:embed="rId4"/>
+                <asvg:svgBlip xmlns="" xmlns:asvg="http://schemas.microsoft.com/office/drawing/2016/SVG/main" r:embed="rId4"/>
               </a:ext>
             </a:extLst>
           </a:blip>
@@ -9525,7 +8579,7 @@
           <a:blip r:embed="rId3">
             <a:extLst>
               <a:ext uri="{96DAC541-7B7A-43D3-8B79-37D633B846F1}">
-                <asvg:svgBlip xmlns:asvg="http://schemas.microsoft.com/office/drawing/2016/SVG/main" xmlns="" r:embed="rId4"/>
+                <asvg:svgBlip xmlns="" xmlns:asvg="http://schemas.microsoft.com/office/drawing/2016/SVG/main" r:embed="rId4"/>
               </a:ext>
             </a:extLst>
           </a:blip>
@@ -10345,10 +9399,13 @@
           <a:lstStyle/>
           <a:p>
             <a:r>
-              <a:rPr lang="en-US" sz="3600" dirty="0" smtClean="0"/>
-              <a:t>What Variables you should test</a:t>
-            </a:r>
-            <a:endParaRPr lang="en-US" sz="3600" dirty="0"/>
+              <a:rPr lang="en-US" sz="3600" dirty="0"/>
+              <a:t>What Variables you should </a:t>
+            </a:r>
+            <a:r>
+              <a:rPr lang="en-US" sz="3200" dirty="0"/>
+              <a:t>test</a:t>
+            </a:r>
           </a:p>
         </p:txBody>
       </p:sp>
@@ -10362,7 +9419,12 @@
             <p:ph type="body" sz="quarter" idx="14"/>
           </p:nvPr>
         </p:nvSpPr>
-        <p:spPr/>
+        <p:spPr>
+          <a:xfrm>
+            <a:off x="484188" y="1077746"/>
+            <a:ext cx="7002462" cy="3437994"/>
+          </a:xfrm>
+        </p:spPr>
         <p:txBody>
           <a:bodyPr/>
           <a:lstStyle/>
@@ -10372,7 +9434,7 @@
             </a:pPr>
             <a:r>
               <a:rPr lang="en-US" b="1" dirty="0" smtClean="0"/>
-              <a:t>Landing pages:</a:t>
+              <a:t>Call to action</a:t>
             </a:r>
           </a:p>
           <a:p>
@@ -10381,7 +9443,7 @@
             </a:pPr>
             <a:r>
               <a:rPr lang="en-US" dirty="0" smtClean="0"/>
-              <a:t>OFFERS:</a:t>
+              <a:t>PLACEMENT</a:t>
             </a:r>
           </a:p>
           <a:p>
@@ -10389,18 +9451,58 @@
               <a:buNone/>
             </a:pPr>
             <a:r>
-              <a:rPr lang="en-US" dirty="0" smtClean="0"/>
-              <a:t>What </a:t>
-            </a:r>
-            <a:r>
-              <a:rPr lang="en-US" dirty="0"/>
-              <a:t>types of offers convert the most visitors into leads and which offers help you push leads down the sales </a:t>
-            </a:r>
-            <a:r>
-              <a:rPr lang="en-US" dirty="0" smtClean="0"/>
-              <a:t>funnel?</a:t>
-            </a:r>
-            <a:endParaRPr lang="en-US" dirty="0"/>
+              <a:rPr lang="en-US" sz="2000" dirty="0"/>
+              <a:t>A</a:t>
+            </a:r>
+            <a:r>
+              <a:rPr lang="en-US" sz="2000" dirty="0" smtClean="0"/>
+              <a:t>ccording </a:t>
+            </a:r>
+            <a:r>
+              <a:rPr lang="en-US" sz="2000" dirty="0"/>
+              <a:t>to an </a:t>
+            </a:r>
+            <a:r>
+              <a:rPr lang="en-US" sz="2000" dirty="0" err="1"/>
+              <a:t>Eyetrack</a:t>
+            </a:r>
+            <a:r>
+              <a:rPr lang="en-US" sz="2000" dirty="0"/>
+              <a:t> III study, the best placement of online ads is in the top and left position</a:t>
+            </a:r>
+            <a:r>
+              <a:rPr lang="en-US" sz="2000" dirty="0" smtClean="0"/>
+              <a:t>.</a:t>
+            </a:r>
+          </a:p>
+          <a:p>
+            <a:pPr marL="0" indent="0">
+              <a:buNone/>
+            </a:pPr>
+            <a:r>
+              <a:rPr lang="en-US" sz="2000" dirty="0"/>
+              <a:t>C</a:t>
+            </a:r>
+            <a:r>
+              <a:rPr lang="en-US" sz="2000" dirty="0" smtClean="0"/>
+              <a:t>opywriter </a:t>
+            </a:r>
+            <a:r>
+              <a:rPr lang="en-US" sz="2000" dirty="0"/>
+              <a:t>Dean </a:t>
+            </a:r>
+            <a:r>
+              <a:rPr lang="en-US" sz="2000" dirty="0" err="1"/>
+              <a:t>Rieck</a:t>
+            </a:r>
+            <a:r>
+              <a:rPr lang="en-US" sz="2000" dirty="0"/>
+              <a:t> suggests that once your readers get used to a particular placement, they might start ignoring the call-to-action or </a:t>
+            </a:r>
+            <a:r>
+              <a:rPr lang="en-US" sz="2000" dirty="0" smtClean="0"/>
+              <a:t>ad.</a:t>
+            </a:r>
           </a:p>
         </p:txBody>
       </p:sp>
@@ -10430,7 +9532,7 @@
       </p:sp>
       <p:pic>
         <p:nvPicPr>
-          <p:cNvPr id="6146" name="Picture 2" descr="A/B testing - Wikipedia"/>
+          <p:cNvPr id="10242" name="Picture 2" descr="Call-to-Action buttons – the ultimate guide for high-converting CTAs"/>
           <p:cNvPicPr>
             <a:picLocks noChangeAspect="1" noChangeArrowheads="1"/>
           </p:cNvPicPr>
@@ -10451,8 +9553,8 @@
         </p:blipFill>
         <p:spPr bwMode="auto">
           <a:xfrm>
-            <a:off x="3824288" y="2808287"/>
-            <a:ext cx="3687741" cy="2182951"/>
+            <a:off x="3985419" y="3464787"/>
+            <a:ext cx="3870325" cy="1658711"/>
           </a:xfrm>
           <a:prstGeom prst="rect">
             <a:avLst/>
@@ -10513,7 +9615,7 @@
     </p:spTree>
     <p:extLst>
       <p:ext uri="{BB962C8B-B14F-4D97-AF65-F5344CB8AC3E}">
-        <p14:creationId xmlns:p14="http://schemas.microsoft.com/office/powerpoint/2010/main" val="197220036"/>
+        <p14:creationId xmlns:p14="http://schemas.microsoft.com/office/powerpoint/2010/main" val="1354788257"/>
       </p:ext>
     </p:extLst>
   </p:cSld>
@@ -10549,7 +9651,7 @@
       </p:grpSpPr>
       <p:pic>
         <p:nvPicPr>
-          <p:cNvPr id="5" name="Picture 4" descr="White Background Images for Desktop or Mobile | Cool Backgrounds"/>
+          <p:cNvPr id="6" name="Picture 4" descr="White Background Images for Desktop or Mobile | Cool Backgrounds"/>
           <p:cNvPicPr>
             <a:picLocks noChangeAspect="1" noChangeArrowheads="1"/>
           </p:cNvPicPr>
@@ -10604,8 +9706,12 @@
           <a:lstStyle/>
           <a:p>
             <a:r>
+              <a:rPr lang="en-US" sz="3600" dirty="0"/>
+              <a:t>What Variables you should </a:t>
+            </a:r>
+            <a:r>
               <a:rPr lang="en-US" sz="3600" dirty="0" smtClean="0"/>
-              <a:t>What Variables you should test</a:t>
+              <a:t>test</a:t>
             </a:r>
             <a:endParaRPr lang="en-US" sz="3600" dirty="0"/>
           </a:p>
@@ -10624,7 +9730,7 @@
         <p:spPr>
           <a:xfrm>
             <a:off x="1169988" y="1077746"/>
-            <a:ext cx="4354512" cy="3437994"/>
+            <a:ext cx="4303712" cy="3437994"/>
           </a:xfrm>
         </p:spPr>
         <p:txBody>
@@ -10635,8 +9741,12 @@
               <a:buNone/>
             </a:pPr>
             <a:r>
+              <a:rPr lang="en-US" b="1" dirty="0"/>
+              <a:t>Call to </a:t>
+            </a:r>
+            <a:r>
               <a:rPr lang="en-US" b="1" dirty="0" smtClean="0"/>
-              <a:t>Landing pages:</a:t>
+              <a:t>action</a:t>
             </a:r>
           </a:p>
           <a:p>
@@ -10644,8 +9754,33 @@
               <a:buNone/>
             </a:pPr>
             <a:r>
+              <a:rPr lang="en-US" i="1" dirty="0" smtClean="0"/>
+              <a:t>SIZE</a:t>
+            </a:r>
+          </a:p>
+          <a:p>
+            <a:pPr marL="0" indent="0">
+              <a:buNone/>
+            </a:pPr>
+            <a:r>
               <a:rPr lang="en-US" dirty="0" smtClean="0"/>
-              <a:t>TOPICS/COPY:</a:t>
+              <a:t>Create </a:t>
+            </a:r>
+            <a:r>
+              <a:rPr lang="en-US" dirty="0"/>
+              <a:t>an A/B test to see if a big </a:t>
+            </a:r>
+            <a:r>
+              <a:rPr lang="en-US" dirty="0" smtClean="0"/>
+              <a:t>call to-action </a:t>
+            </a:r>
+            <a:r>
+              <a:rPr lang="en-US" dirty="0"/>
+              <a:t>that adds value to the </a:t>
+            </a:r>
+            <a:r>
+              <a:rPr lang="en-US" dirty="0" smtClean="0"/>
+              <a:t>message. </a:t>
             </a:r>
           </a:p>
           <a:p>
@@ -10653,9 +9788,28 @@
               <a:buNone/>
             </a:pPr>
             <a:r>
-              <a:rPr lang="en-US" dirty="0"/>
-              <a:t>How should you position your offer? What messaging will entice your reader? Should you add testimonials to strengthen the visitor’s incentive?</a:t>
-            </a:r>
+              <a:rPr lang="en-US" i="1" dirty="0" smtClean="0"/>
+              <a:t>COLOR</a:t>
+            </a:r>
+          </a:p>
+          <a:p>
+            <a:pPr marL="0" indent="0">
+              <a:buNone/>
+            </a:pPr>
+            <a:r>
+              <a:rPr lang="en-US" i="1" dirty="0" smtClean="0"/>
+              <a:t>COPY</a:t>
+            </a:r>
+          </a:p>
+          <a:p>
+            <a:pPr marL="0" indent="0">
+              <a:buNone/>
+            </a:pPr>
+            <a:r>
+              <a:rPr lang="en-US" i="1" dirty="0" smtClean="0"/>
+              <a:t>GRAPHIC</a:t>
+            </a:r>
+            <a:endParaRPr lang="en-US" i="1" dirty="0"/>
           </a:p>
         </p:txBody>
       </p:sp>
@@ -10685,9 +9839,9 @@
       </p:sp>
       <p:pic>
         <p:nvPicPr>
-          <p:cNvPr id="7170" name="Picture 2" descr="A/B Testing with Firebase | Cardinal Path"/>
+          <p:cNvPr id="5" name="Picture 4"/>
           <p:cNvPicPr>
-            <a:picLocks noChangeAspect="1" noChangeArrowheads="1"/>
+            <a:picLocks noChangeAspect="1"/>
           </p:cNvPicPr>
           <p:nvPr/>
         </p:nvPicPr>
@@ -10699,29 +9853,18 @@
               </a:ext>
             </a:extLst>
           </a:blip>
-          <a:srcRect/>
           <a:stretch>
             <a:fillRect/>
           </a:stretch>
         </p:blipFill>
-        <p:spPr bwMode="auto">
-          <a:xfrm>
-            <a:off x="5562600" y="2025175"/>
-            <a:ext cx="3392801" cy="1930259"/>
+        <p:spPr>
+          <a:xfrm>
+            <a:off x="5473700" y="924819"/>
+            <a:ext cx="3572374" cy="3743847"/>
           </a:xfrm>
           <a:prstGeom prst="rect">
             <a:avLst/>
           </a:prstGeom>
-          <a:noFill/>
-          <a:extLst>
-            <a:ext uri="{909E8E84-426E-40DD-AFC4-6F175D3DCCD1}">
-              <a14:hiddenFill xmlns:a14="http://schemas.microsoft.com/office/drawing/2010/main">
-                <a:solidFill>
-                  <a:srgbClr val="FFFFFF"/>
-                </a:solidFill>
-              </a14:hiddenFill>
-            </a:ext>
-          </a:extLst>
         </p:spPr>
       </p:pic>
       <p:pic>
@@ -10768,7 +9911,7 @@
     </p:spTree>
     <p:extLst>
       <p:ext uri="{BB962C8B-B14F-4D97-AF65-F5344CB8AC3E}">
-        <p14:creationId xmlns:p14="http://schemas.microsoft.com/office/powerpoint/2010/main" val="4157633883"/>
+        <p14:creationId xmlns:p14="http://schemas.microsoft.com/office/powerpoint/2010/main" val="848405415"/>
       </p:ext>
     </p:extLst>
   </p:cSld>
@@ -10859,10 +10002,17 @@
           <a:lstStyle/>
           <a:p>
             <a:r>
-              <a:rPr lang="en-US" sz="3600" dirty="0" smtClean="0"/>
-              <a:t>What Variables you should test</a:t>
-            </a:r>
-            <a:endParaRPr lang="en-US" sz="3600" dirty="0"/>
+              <a:rPr lang="en-US" sz="2800" dirty="0"/>
+              <a:t>E</a:t>
+            </a:r>
+            <a:r>
+              <a:rPr lang="en-US" sz="2800" dirty="0" smtClean="0"/>
+              <a:t>lements </a:t>
+            </a:r>
+            <a:r>
+              <a:rPr lang="en-US" sz="2800" dirty="0"/>
+              <a:t>that you can optimize in your email:</a:t>
+            </a:r>
           </a:p>
         </p:txBody>
       </p:sp>
@@ -10881,50 +10031,48 @@
           <a:bodyPr/>
           <a:lstStyle/>
           <a:p>
-            <a:pPr marL="0" indent="0">
-              <a:buNone/>
+            <a:pPr>
+              <a:lnSpc>
+                <a:spcPct val="150000"/>
+              </a:lnSpc>
             </a:pPr>
             <a:r>
               <a:rPr lang="en-US" b="1" dirty="0" smtClean="0"/>
-              <a:t>Landing pages:</a:t>
-            </a:r>
-          </a:p>
-          <a:p>
-            <a:pPr marL="0" indent="0">
-              <a:buNone/>
+              <a:t>FORMAT</a:t>
+            </a:r>
+          </a:p>
+          <a:p>
+            <a:pPr>
+              <a:lnSpc>
+                <a:spcPct val="150000"/>
+              </a:lnSpc>
             </a:pPr>
             <a:r>
-              <a:rPr lang="en-US" dirty="0" smtClean="0"/>
-              <a:t>FORM FIELDS:</a:t>
-            </a:r>
-          </a:p>
-          <a:p>
-            <a:pPr marL="0" indent="0">
-              <a:buNone/>
+              <a:rPr lang="en-US" b="1" dirty="0" smtClean="0"/>
+              <a:t>LAYOUT</a:t>
+            </a:r>
+          </a:p>
+          <a:p>
+            <a:pPr>
+              <a:lnSpc>
+                <a:spcPct val="150000"/>
+              </a:lnSpc>
             </a:pPr>
             <a:r>
-              <a:rPr lang="en-US" dirty="0"/>
-              <a:t>Should your lead capture form only request an email address or should it ask for more </a:t>
-            </a:r>
-            <a:r>
-              <a:rPr lang="en-US" dirty="0" smtClean="0"/>
-              <a:t>information?</a:t>
-            </a:r>
-          </a:p>
-          <a:p>
-            <a:pPr marL="0" indent="0">
-              <a:buNone/>
+              <a:rPr lang="en-US" b="1" dirty="0" smtClean="0"/>
+              <a:t>SENDER</a:t>
+            </a:r>
+          </a:p>
+          <a:p>
+            <a:pPr>
+              <a:lnSpc>
+                <a:spcPct val="150000"/>
+              </a:lnSpc>
             </a:pPr>
             <a:r>
-              <a:rPr lang="en-US" dirty="0"/>
-              <a:t>WHOLE PAGE</a:t>
-            </a:r>
-          </a:p>
-          <a:p>
-            <a:pPr marL="0" indent="0">
-              <a:buNone/>
-            </a:pPr>
-            <a:endParaRPr lang="en-US" dirty="0"/>
+              <a:rPr lang="en-US" b="1" dirty="0" smtClean="0"/>
+              <a:t>SUBJECT LINE</a:t>
+            </a:r>
           </a:p>
         </p:txBody>
       </p:sp>
@@ -10954,7 +10102,7 @@
       </p:sp>
       <p:pic>
         <p:nvPicPr>
-          <p:cNvPr id="8194" name="Picture 2" descr="A/B Testing"/>
+          <p:cNvPr id="7" name="Picture 2" descr="Really Good Emails"/>
           <p:cNvPicPr>
             <a:picLocks noChangeAspect="1" noChangeArrowheads="1"/>
           </p:cNvPicPr>
@@ -10975,8 +10123,8 @@
         </p:blipFill>
         <p:spPr bwMode="auto">
           <a:xfrm>
-            <a:off x="4370880" y="3071814"/>
-            <a:ext cx="2410920" cy="2067456"/>
+            <a:off x="4684708" y="2895600"/>
+            <a:ext cx="4383092" cy="2247900"/>
           </a:xfrm>
           <a:prstGeom prst="rect">
             <a:avLst/>
@@ -10995,7 +10143,7 @@
       </p:pic>
       <p:pic>
         <p:nvPicPr>
-          <p:cNvPr id="7" name="Picture 2" descr="Breda University of Applied Sciences"/>
+          <p:cNvPr id="8" name="Picture 2" descr="Breda University of Applied Sciences"/>
           <p:cNvPicPr>
             <a:picLocks noChangeAspect="1" noChangeArrowheads="1"/>
           </p:cNvPicPr>
@@ -11037,7 +10185,7 @@
     </p:spTree>
     <p:extLst>
       <p:ext uri="{BB962C8B-B14F-4D97-AF65-F5344CB8AC3E}">
-        <p14:creationId xmlns:p14="http://schemas.microsoft.com/office/powerpoint/2010/main" val="4060384533"/>
+        <p14:creationId xmlns:p14="http://schemas.microsoft.com/office/powerpoint/2010/main" val="1331018415"/>
       </p:ext>
     </p:extLst>
   </p:cSld>
@@ -11073,7 +10221,7 @@
       </p:grpSpPr>
       <p:pic>
         <p:nvPicPr>
-          <p:cNvPr id="5" name="Picture 4" descr="White Background Images for Desktop or Mobile | Cool Backgrounds"/>
+          <p:cNvPr id="6" name="Picture 4" descr="White Background Images for Desktop or Mobile | Cool Backgrounds"/>
           <p:cNvPicPr>
             <a:picLocks noChangeAspect="1" noChangeArrowheads="1"/>
           </p:cNvPicPr>
@@ -11129,11 +10277,7 @@
           <a:p>
             <a:r>
               <a:rPr lang="en-US" sz="3600" dirty="0"/>
-              <a:t>What Variables you should </a:t>
-            </a:r>
-            <a:r>
-              <a:rPr lang="en-US" sz="3200" dirty="0"/>
-              <a:t>test</a:t>
+              <a:t>What Variables you should test</a:t>
             </a:r>
           </a:p>
         </p:txBody>
@@ -11148,12 +10292,7 @@
             <p:ph type="body" sz="quarter" idx="14"/>
           </p:nvPr>
         </p:nvSpPr>
-        <p:spPr>
-          <a:xfrm>
-            <a:off x="484188" y="1077746"/>
-            <a:ext cx="7002462" cy="3437994"/>
-          </a:xfrm>
-        </p:spPr>
+        <p:spPr/>
         <p:txBody>
           <a:bodyPr/>
           <a:lstStyle/>
@@ -11162,76 +10301,15 @@
               <a:buNone/>
             </a:pPr>
             <a:r>
-              <a:rPr lang="en-US" b="1" dirty="0" smtClean="0"/>
-              <a:t>Call to action</a:t>
+              <a:rPr lang="en-US" b="1" dirty="0"/>
+              <a:t>TIMING</a:t>
             </a:r>
           </a:p>
           <a:p>
             <a:pPr marL="0" indent="0">
               <a:buNone/>
             </a:pPr>
-            <a:r>
-              <a:rPr lang="en-US" dirty="0" smtClean="0"/>
-              <a:t>PLACEMENT</a:t>
-            </a:r>
-          </a:p>
-          <a:p>
-            <a:pPr marL="0" indent="0">
-              <a:buNone/>
-            </a:pPr>
-            <a:r>
-              <a:rPr lang="en-US" sz="2000" dirty="0"/>
-              <a:t>A</a:t>
-            </a:r>
-            <a:r>
-              <a:rPr lang="en-US" sz="2000" dirty="0" smtClean="0"/>
-              <a:t>ccording </a:t>
-            </a:r>
-            <a:r>
-              <a:rPr lang="en-US" sz="2000" dirty="0"/>
-              <a:t>to an </a:t>
-            </a:r>
-            <a:r>
-              <a:rPr lang="en-US" sz="2000" dirty="0" err="1"/>
-              <a:t>Eyetrack</a:t>
-            </a:r>
-            <a:r>
-              <a:rPr lang="en-US" sz="2000" dirty="0"/>
-              <a:t> III study, the best placement of online ads is in the top and left position</a:t>
-            </a:r>
-            <a:r>
-              <a:rPr lang="en-US" sz="2000" dirty="0" smtClean="0"/>
-              <a:t>.</a:t>
-            </a:r>
-          </a:p>
-          <a:p>
-            <a:pPr marL="0" indent="0">
-              <a:buNone/>
-            </a:pPr>
-            <a:r>
-              <a:rPr lang="en-US" sz="2000" dirty="0"/>
-              <a:t>C</a:t>
-            </a:r>
-            <a:r>
-              <a:rPr lang="en-US" sz="2000" dirty="0" smtClean="0"/>
-              <a:t>opywriter </a:t>
-            </a:r>
-            <a:r>
-              <a:rPr lang="en-US" sz="2000" dirty="0"/>
-              <a:t>Dean </a:t>
-            </a:r>
-            <a:r>
-              <a:rPr lang="en-US" sz="2000" dirty="0" err="1"/>
-              <a:t>Rieck</a:t>
-            </a:r>
-            <a:r>
-              <a:rPr lang="en-US" sz="2000" dirty="0"/>
-              <a:t> suggests that once your readers get used to a particular placement, they might start ignoring the call-to-action or </a:t>
-            </a:r>
-            <a:r>
-              <a:rPr lang="en-US" sz="2000" dirty="0" smtClean="0"/>
-              <a:t>ad.</a:t>
-            </a:r>
+            <a:endParaRPr lang="en-US" dirty="0"/>
           </a:p>
         </p:txBody>
       </p:sp>
@@ -11261,9 +10339,9 @@
       </p:sp>
       <p:pic>
         <p:nvPicPr>
-          <p:cNvPr id="10242" name="Picture 2" descr="Call-to-Action buttons – the ultimate guide for high-converting CTAs"/>
+          <p:cNvPr id="5" name="Picture 4"/>
           <p:cNvPicPr>
-            <a:picLocks noChangeAspect="1" noChangeArrowheads="1"/>
+            <a:picLocks noChangeAspect="1"/>
           </p:cNvPicPr>
           <p:nvPr/>
         </p:nvPicPr>
@@ -11275,29 +10353,18 @@
               </a:ext>
             </a:extLst>
           </a:blip>
-          <a:srcRect/>
           <a:stretch>
             <a:fillRect/>
           </a:stretch>
         </p:blipFill>
-        <p:spPr bwMode="auto">
-          <a:xfrm>
-            <a:off x="3985419" y="3464787"/>
-            <a:ext cx="3870325" cy="1658711"/>
+        <p:spPr>
+          <a:xfrm>
+            <a:off x="1748292" y="1498009"/>
+            <a:ext cx="5646562" cy="3215027"/>
           </a:xfrm>
           <a:prstGeom prst="rect">
             <a:avLst/>
           </a:prstGeom>
-          <a:noFill/>
-          <a:extLst>
-            <a:ext uri="{909E8E84-426E-40DD-AFC4-6F175D3DCCD1}">
-              <a14:hiddenFill xmlns:a14="http://schemas.microsoft.com/office/drawing/2010/main">
-                <a:solidFill>
-                  <a:srgbClr val="FFFFFF"/>
-                </a:solidFill>
-              </a14:hiddenFill>
-            </a:ext>
-          </a:extLst>
         </p:spPr>
       </p:pic>
       <p:pic>
@@ -11344,7 +10411,7 @@
     </p:spTree>
     <p:extLst>
       <p:ext uri="{BB962C8B-B14F-4D97-AF65-F5344CB8AC3E}">
-        <p14:creationId xmlns:p14="http://schemas.microsoft.com/office/powerpoint/2010/main" val="1354788257"/>
+        <p14:creationId xmlns:p14="http://schemas.microsoft.com/office/powerpoint/2010/main" val="2302306785"/>
       </p:ext>
     </p:extLst>
   </p:cSld>
@@ -11380,7 +10447,7 @@
       </p:grpSpPr>
       <p:pic>
         <p:nvPicPr>
-          <p:cNvPr id="6" name="Picture 4" descr="White Background Images for Desktop or Mobile | Cool Backgrounds"/>
+          <p:cNvPr id="5" name="Picture 4" descr="White Background Images for Desktop or Mobile | Cool Backgrounds"/>
           <p:cNvPicPr>
             <a:picLocks noChangeAspect="1" noChangeArrowheads="1"/>
           </p:cNvPicPr>
@@ -11435,14 +10502,17 @@
           <a:lstStyle/>
           <a:p>
             <a:r>
-              <a:rPr lang="en-US" sz="3600" dirty="0"/>
-              <a:t>What Variables you should </a:t>
-            </a:r>
-            <a:r>
-              <a:rPr lang="en-US" sz="3600" dirty="0" smtClean="0"/>
-              <a:t>test</a:t>
-            </a:r>
-            <a:endParaRPr lang="en-US" sz="3600" dirty="0"/>
+              <a:rPr lang="en-US" sz="2800" dirty="0" smtClean="0"/>
+              <a:t>Elements </a:t>
+            </a:r>
+            <a:r>
+              <a:rPr lang="en-US" sz="2800" dirty="0"/>
+              <a:t>you shouldn’t bother testing</a:t>
+            </a:r>
+            <a:r>
+              <a:rPr lang="en-US" dirty="0"/>
+              <a:t>:</a:t>
+            </a:r>
           </a:p>
         </p:txBody>
       </p:sp>
@@ -11458,87 +10528,30 @@
         </p:nvSpPr>
         <p:spPr>
           <a:xfrm>
-            <a:off x="1169988" y="1077746"/>
-            <a:ext cx="4303712" cy="3437994"/>
+            <a:off x="369888" y="1683528"/>
+            <a:ext cx="7002462" cy="1068554"/>
           </a:xfrm>
         </p:spPr>
         <p:txBody>
           <a:bodyPr/>
           <a:lstStyle/>
           <a:p>
-            <a:pPr marL="0" indent="0">
-              <a:buNone/>
-            </a:pPr>
-            <a:r>
-              <a:rPr lang="en-US" b="1" dirty="0"/>
-              <a:t>Call to </a:t>
-            </a:r>
-            <a:r>
-              <a:rPr lang="en-US" b="1" dirty="0" smtClean="0"/>
-              <a:t>action</a:t>
-            </a:r>
-          </a:p>
-          <a:p>
-            <a:pPr marL="0" indent="0">
-              <a:buNone/>
-            </a:pPr>
-            <a:r>
-              <a:rPr lang="en-US" i="1" dirty="0" smtClean="0"/>
-              <a:t>SIZE</a:t>
-            </a:r>
-          </a:p>
-          <a:p>
-            <a:pPr marL="0" indent="0">
-              <a:buNone/>
-            </a:pPr>
+            <a:r>
+              <a:rPr lang="en-US" dirty="0"/>
+              <a:t>Minor Text Changes </a:t>
+            </a:r>
+            <a:endParaRPr lang="en-US" dirty="0" smtClean="0"/>
+          </a:p>
+          <a:p>
+            <a:r>
+              <a:rPr lang="en-US" dirty="0"/>
+              <a:t>G</a:t>
+            </a:r>
             <a:r>
               <a:rPr lang="en-US" dirty="0" smtClean="0"/>
-              <a:t>Create </a:t>
-            </a:r>
-            <a:r>
-              <a:rPr lang="en-US" dirty="0"/>
-              <a:t>an A/B test to see if a big </a:t>
-            </a:r>
-            <a:r>
-              <a:rPr lang="en-US" dirty="0" smtClean="0"/>
-              <a:t>call to-action </a:t>
-            </a:r>
-            <a:r>
-              <a:rPr lang="en-US" dirty="0"/>
-              <a:t>that adds value to the </a:t>
-            </a:r>
-            <a:r>
-              <a:rPr lang="en-US" dirty="0" smtClean="0"/>
-              <a:t>message. </a:t>
-            </a:r>
-          </a:p>
-          <a:p>
-            <a:pPr marL="0" indent="0">
-              <a:buNone/>
-            </a:pPr>
-            <a:r>
-              <a:rPr lang="en-US" i="1" dirty="0" smtClean="0"/>
-              <a:t>COLOR</a:t>
-            </a:r>
-          </a:p>
-          <a:p>
-            <a:pPr marL="0" indent="0">
-              <a:buNone/>
-            </a:pPr>
-            <a:r>
-              <a:rPr lang="en-US" i="1" dirty="0" smtClean="0"/>
-              <a:t>COPY</a:t>
-            </a:r>
-          </a:p>
-          <a:p>
-            <a:pPr marL="0" indent="0">
-              <a:buNone/>
-            </a:pPr>
-            <a:r>
-              <a:rPr lang="en-US" i="1" dirty="0" smtClean="0"/>
-              <a:t>GRAPHIC</a:t>
-            </a:r>
-            <a:endParaRPr lang="en-US" i="1" dirty="0"/>
+              <a:t>eneral Improvements</a:t>
+            </a:r>
+            <a:endParaRPr lang="en-US" dirty="0"/>
           </a:p>
         </p:txBody>
       </p:sp>
@@ -11568,9 +10581,9 @@
       </p:sp>
       <p:pic>
         <p:nvPicPr>
-          <p:cNvPr id="5" name="Picture 4"/>
+          <p:cNvPr id="6" name="Picture 2" descr="blog.travelpayouts.com/wp-content/uploads/2018/..."/>
           <p:cNvPicPr>
-            <a:picLocks noChangeAspect="1"/>
+            <a:picLocks noChangeAspect="1" noChangeArrowheads="1"/>
           </p:cNvPicPr>
           <p:nvPr/>
         </p:nvPicPr>
@@ -11582,18 +10595,29 @@
               </a:ext>
             </a:extLst>
           </a:blip>
+          <a:srcRect/>
           <a:stretch>
             <a:fillRect/>
           </a:stretch>
         </p:blipFill>
-        <p:spPr>
-          <a:xfrm>
-            <a:off x="5473700" y="924819"/>
-            <a:ext cx="3572374" cy="3743847"/>
+        <p:spPr bwMode="auto">
+          <a:xfrm>
+            <a:off x="3741367" y="2265236"/>
+            <a:ext cx="5478833" cy="2878264"/>
           </a:xfrm>
           <a:prstGeom prst="rect">
             <a:avLst/>
           </a:prstGeom>
+          <a:noFill/>
+          <a:extLst>
+            <a:ext uri="{909E8E84-426E-40DD-AFC4-6F175D3DCCD1}">
+              <a14:hiddenFill xmlns:a14="http://schemas.microsoft.com/office/drawing/2010/main">
+                <a:solidFill>
+                  <a:srgbClr val="FFFFFF"/>
+                </a:solidFill>
+              </a14:hiddenFill>
+            </a:ext>
+          </a:extLst>
         </p:spPr>
       </p:pic>
       <p:pic>
@@ -11640,7 +10664,7 @@
     </p:spTree>
     <p:extLst>
       <p:ext uri="{BB962C8B-B14F-4D97-AF65-F5344CB8AC3E}">
-        <p14:creationId xmlns:p14="http://schemas.microsoft.com/office/powerpoint/2010/main" val="848405415"/>
+        <p14:creationId xmlns:p14="http://schemas.microsoft.com/office/powerpoint/2010/main" val="3988350121"/>
       </p:ext>
     </p:extLst>
   </p:cSld>
@@ -11674,50 +10698,15 @@
           <a:chExt cx="0" cy="0"/>
         </a:xfrm>
       </p:grpSpPr>
-      <p:pic>
-        <p:nvPicPr>
-          <p:cNvPr id="5" name="Picture 4" descr="White Background Images for Desktop or Mobile | Cool Backgrounds"/>
-          <p:cNvPicPr>
-            <a:picLocks noChangeAspect="1" noChangeArrowheads="1"/>
-          </p:cNvPicPr>
-          <p:nvPr/>
-        </p:nvPicPr>
-        <p:blipFill>
-          <a:blip r:embed="rId3">
-            <a:extLst>
-              <a:ext uri="{28A0092B-C50C-407E-A947-70E740481C1C}">
-                <a14:useLocalDpi xmlns:a14="http://schemas.microsoft.com/office/drawing/2010/main" val="0"/>
-              </a:ext>
-            </a:extLst>
-          </a:blip>
-          <a:srcRect/>
-          <a:stretch>
-            <a:fillRect/>
-          </a:stretch>
-        </p:blipFill>
-        <p:spPr bwMode="auto">
-          <a:xfrm>
-            <a:off x="0" y="0"/>
-            <a:ext cx="9220200" cy="5143500"/>
-          </a:xfrm>
-          <a:prstGeom prst="rect">
-            <a:avLst/>
-          </a:prstGeom>
-          <a:noFill/>
-          <a:extLst>
-            <a:ext uri="{909E8E84-426E-40DD-AFC4-6F175D3DCCD1}">
-              <a14:hiddenFill xmlns:a14="http://schemas.microsoft.com/office/drawing/2010/main">
-                <a:solidFill>
-                  <a:srgbClr val="FFFFFF"/>
-                </a:solidFill>
-              </a14:hiddenFill>
-            </a:ext>
-          </a:extLst>
-        </p:spPr>
-      </p:pic>
-      <p:sp>
-        <p:nvSpPr>
-          <p:cNvPr id="2" name="Title 1"/>
+      <p:sp>
+        <p:nvSpPr>
+          <p:cNvPr id="2" name="Title 1">
+            <a:extLst>
+              <a:ext uri="{FF2B5EF4-FFF2-40B4-BE49-F238E27FC236}">
+                <a16:creationId xmlns:a16="http://schemas.microsoft.com/office/drawing/2014/main" id="{0D7CA8DD-909E-6B48-85E9-7CFE5A74EE1D}"/>
+              </a:ext>
+            </a:extLst>
+          </p:cNvPr>
           <p:cNvSpPr>
             <a:spLocks noGrp="1"/>
           </p:cNvSpPr>
@@ -11730,29 +10719,24 @@
           <a:bodyPr/>
           <a:lstStyle/>
           <a:p>
-            <a:r>
-              <a:rPr lang="en-US" sz="2800" dirty="0"/>
-              <a:t>E</a:t>
-            </a:r>
-            <a:r>
-              <a:rPr lang="en-US" sz="2800" dirty="0" smtClean="0"/>
-              <a:t>lements </a:t>
-            </a:r>
-            <a:r>
-              <a:rPr lang="en-US" sz="2800" dirty="0"/>
-              <a:t>that you can optimize in your email:</a:t>
-            </a:r>
-          </a:p>
-        </p:txBody>
-      </p:sp>
-      <p:sp>
-        <p:nvSpPr>
-          <p:cNvPr id="3" name="Text Placeholder 2"/>
+            <a:endParaRPr lang="nl-NL"/>
+          </a:p>
+        </p:txBody>
+      </p:sp>
+      <p:sp>
+        <p:nvSpPr>
+          <p:cNvPr id="3" name="Text Placeholder 2">
+            <a:extLst>
+              <a:ext uri="{FF2B5EF4-FFF2-40B4-BE49-F238E27FC236}">
+                <a16:creationId xmlns:a16="http://schemas.microsoft.com/office/drawing/2014/main" id="{1BA48E9E-D62A-CD4E-B2F3-22B1E85959B2}"/>
+              </a:ext>
+            </a:extLst>
+          </p:cNvPr>
           <p:cNvSpPr>
             <a:spLocks noGrp="1"/>
           </p:cNvSpPr>
           <p:nvPr>
-            <p:ph type="body" sz="quarter" idx="14"/>
+            <p:ph type="body" sz="quarter" idx="13"/>
           </p:nvPr>
         </p:nvSpPr>
         <p:spPr/>
@@ -11760,1183 +10744,14 @@
           <a:bodyPr/>
           <a:lstStyle/>
           <a:p>
-            <a:pPr>
-              <a:lnSpc>
-                <a:spcPct val="150000"/>
-              </a:lnSpc>
-            </a:pPr>
-            <a:r>
-              <a:rPr lang="en-US" b="1" dirty="0" smtClean="0"/>
-              <a:t>FORMAT</a:t>
-            </a:r>
-          </a:p>
-          <a:p>
-            <a:pPr>
-              <a:lnSpc>
-                <a:spcPct val="150000"/>
-              </a:lnSpc>
-            </a:pPr>
-            <a:r>
-              <a:rPr lang="en-US" b="1" dirty="0" smtClean="0"/>
-              <a:t>LAYOUT</a:t>
-            </a:r>
-          </a:p>
-          <a:p>
-            <a:pPr>
-              <a:lnSpc>
-                <a:spcPct val="150000"/>
-              </a:lnSpc>
-            </a:pPr>
-            <a:r>
-              <a:rPr lang="en-US" b="1" dirty="0" smtClean="0"/>
-              <a:t>SENDER</a:t>
-            </a:r>
-          </a:p>
-          <a:p>
-            <a:pPr>
-              <a:lnSpc>
-                <a:spcPct val="150000"/>
-              </a:lnSpc>
-            </a:pPr>
-            <a:r>
-              <a:rPr lang="en-US" b="1" dirty="0" smtClean="0"/>
-              <a:t>SUBJECT LINE</a:t>
-            </a:r>
-          </a:p>
-        </p:txBody>
-      </p:sp>
-      <p:sp>
-        <p:nvSpPr>
-          <p:cNvPr id="4" name="Slide Number Placeholder 3"/>
-          <p:cNvSpPr>
-            <a:spLocks noGrp="1"/>
-          </p:cNvSpPr>
-          <p:nvPr>
-            <p:ph type="sldNum" sz="quarter" idx="12"/>
-          </p:nvPr>
-        </p:nvSpPr>
-        <p:spPr/>
-        <p:txBody>
-          <a:bodyPr/>
-          <a:lstStyle/>
-          <a:p>
-            <a:fld id="{993221B0-C4CD-1546-9E62-A4249094014D}" type="slidenum">
-              <a:rPr lang="en-GB" smtClean="0"/>
-              <a:pPr/>
-              <a:t>15</a:t>
-            </a:fld>
-            <a:endParaRPr lang="en-GB" dirty="0"/>
-          </a:p>
-        </p:txBody>
-      </p:sp>
-      <p:pic>
-        <p:nvPicPr>
-          <p:cNvPr id="7" name="Picture 2" descr="Really Good Emails"/>
-          <p:cNvPicPr>
-            <a:picLocks noChangeAspect="1" noChangeArrowheads="1"/>
-          </p:cNvPicPr>
-          <p:nvPr/>
-        </p:nvPicPr>
-        <p:blipFill>
-          <a:blip r:embed="rId4">
-            <a:extLst>
-              <a:ext uri="{28A0092B-C50C-407E-A947-70E740481C1C}">
-                <a14:useLocalDpi xmlns:a14="http://schemas.microsoft.com/office/drawing/2010/main" val="0"/>
-              </a:ext>
-            </a:extLst>
-          </a:blip>
-          <a:srcRect/>
-          <a:stretch>
-            <a:fillRect/>
-          </a:stretch>
-        </p:blipFill>
-        <p:spPr bwMode="auto">
-          <a:xfrm>
-            <a:off x="4684708" y="2895600"/>
-            <a:ext cx="4383092" cy="2247900"/>
-          </a:xfrm>
-          <a:prstGeom prst="rect">
-            <a:avLst/>
-          </a:prstGeom>
-          <a:noFill/>
-          <a:extLst>
-            <a:ext uri="{909E8E84-426E-40DD-AFC4-6F175D3DCCD1}">
-              <a14:hiddenFill xmlns:a14="http://schemas.microsoft.com/office/drawing/2010/main">
-                <a:solidFill>
-                  <a:srgbClr val="FFFFFF"/>
-                </a:solidFill>
-              </a14:hiddenFill>
-            </a:ext>
-          </a:extLst>
-        </p:spPr>
-      </p:pic>
-      <p:pic>
-        <p:nvPicPr>
-          <p:cNvPr id="8" name="Picture 2" descr="Breda University of Applied Sciences"/>
-          <p:cNvPicPr>
-            <a:picLocks noChangeAspect="1" noChangeArrowheads="1"/>
-          </p:cNvPicPr>
-          <p:nvPr/>
-        </p:nvPicPr>
-        <p:blipFill>
-          <a:blip r:embed="rId5">
-            <a:extLst>
-              <a:ext uri="{28A0092B-C50C-407E-A947-70E740481C1C}">
-                <a14:useLocalDpi xmlns:a14="http://schemas.microsoft.com/office/drawing/2010/main" val="0"/>
-              </a:ext>
-            </a:extLst>
-          </a:blip>
-          <a:srcRect/>
-          <a:stretch>
-            <a:fillRect/>
-          </a:stretch>
-        </p:blipFill>
-        <p:spPr bwMode="auto">
-          <a:xfrm>
-            <a:off x="0" y="4537973"/>
-            <a:ext cx="1707722" cy="589899"/>
-          </a:xfrm>
-          <a:prstGeom prst="rect">
-            <a:avLst/>
-          </a:prstGeom>
-          <a:noFill/>
-          <a:extLst>
-            <a:ext uri="{909E8E84-426E-40DD-AFC4-6F175D3DCCD1}">
-              <a14:hiddenFill xmlns:a14="http://schemas.microsoft.com/office/drawing/2010/main">
-                <a:solidFill>
-                  <a:srgbClr val="FFFFFF"/>
-                </a:solidFill>
-              </a14:hiddenFill>
-            </a:ext>
-          </a:extLst>
-        </p:spPr>
-      </p:pic>
+            <a:endParaRPr lang="nl-NL"/>
+          </a:p>
+        </p:txBody>
+      </p:sp>
     </p:spTree>
     <p:extLst>
       <p:ext uri="{BB962C8B-B14F-4D97-AF65-F5344CB8AC3E}">
-        <p14:creationId xmlns:p14="http://schemas.microsoft.com/office/powerpoint/2010/main" val="1331018415"/>
-      </p:ext>
-    </p:extLst>
-  </p:cSld>
-  <p:clrMapOvr>
-    <a:masterClrMapping/>
-  </p:clrMapOvr>
-  <p:timing>
-    <p:tnLst>
-      <p:par>
-        <p:cTn id="1" dur="indefinite" restart="never" nodeType="tmRoot"/>
-      </p:par>
-    </p:tnLst>
-  </p:timing>
-</p:sld>
-</file>
-
-<file path=ppt/slides/slide16.xml><?xml version="1.0" encoding="utf-8"?>
-<p:sld xmlns:a="http://schemas.openxmlformats.org/drawingml/2006/main" xmlns:r="http://schemas.openxmlformats.org/officeDocument/2006/relationships" xmlns:p="http://schemas.openxmlformats.org/presentationml/2006/main">
-  <p:cSld>
-    <p:spTree>
-      <p:nvGrpSpPr>
-        <p:cNvPr id="1" name=""/>
-        <p:cNvGrpSpPr/>
-        <p:nvPr/>
-      </p:nvGrpSpPr>
-      <p:grpSpPr>
-        <a:xfrm>
-          <a:off x="0" y="0"/>
-          <a:ext cx="0" cy="0"/>
-          <a:chOff x="0" y="0"/>
-          <a:chExt cx="0" cy="0"/>
-        </a:xfrm>
-      </p:grpSpPr>
-      <p:pic>
-        <p:nvPicPr>
-          <p:cNvPr id="6" name="Picture 4" descr="White Background Images for Desktop or Mobile | Cool Backgrounds"/>
-          <p:cNvPicPr>
-            <a:picLocks noChangeAspect="1" noChangeArrowheads="1"/>
-          </p:cNvPicPr>
-          <p:nvPr/>
-        </p:nvPicPr>
-        <p:blipFill>
-          <a:blip r:embed="rId3">
-            <a:extLst>
-              <a:ext uri="{28A0092B-C50C-407E-A947-70E740481C1C}">
-                <a14:useLocalDpi xmlns:a14="http://schemas.microsoft.com/office/drawing/2010/main" val="0"/>
-              </a:ext>
-            </a:extLst>
-          </a:blip>
-          <a:srcRect/>
-          <a:stretch>
-            <a:fillRect/>
-          </a:stretch>
-        </p:blipFill>
-        <p:spPr bwMode="auto">
-          <a:xfrm>
-            <a:off x="0" y="0"/>
-            <a:ext cx="9220200" cy="5143500"/>
-          </a:xfrm>
-          <a:prstGeom prst="rect">
-            <a:avLst/>
-          </a:prstGeom>
-          <a:noFill/>
-          <a:extLst>
-            <a:ext uri="{909E8E84-426E-40DD-AFC4-6F175D3DCCD1}">
-              <a14:hiddenFill xmlns:a14="http://schemas.microsoft.com/office/drawing/2010/main">
-                <a:solidFill>
-                  <a:srgbClr val="FFFFFF"/>
-                </a:solidFill>
-              </a14:hiddenFill>
-            </a:ext>
-          </a:extLst>
-        </p:spPr>
-      </p:pic>
-      <p:sp>
-        <p:nvSpPr>
-          <p:cNvPr id="2" name="Title 1"/>
-          <p:cNvSpPr>
-            <a:spLocks noGrp="1"/>
-          </p:cNvSpPr>
-          <p:nvPr>
-            <p:ph type="title"/>
-          </p:nvPr>
-        </p:nvSpPr>
-        <p:spPr/>
-        <p:txBody>
-          <a:bodyPr/>
-          <a:lstStyle/>
-          <a:p>
-            <a:r>
-              <a:rPr lang="en-US" sz="3600" dirty="0"/>
-              <a:t>What Variables you should test</a:t>
-            </a:r>
-          </a:p>
-        </p:txBody>
-      </p:sp>
-      <p:sp>
-        <p:nvSpPr>
-          <p:cNvPr id="3" name="Text Placeholder 2"/>
-          <p:cNvSpPr>
-            <a:spLocks noGrp="1"/>
-          </p:cNvSpPr>
-          <p:nvPr>
-            <p:ph type="body" sz="quarter" idx="14"/>
-          </p:nvPr>
-        </p:nvSpPr>
-        <p:spPr/>
-        <p:txBody>
-          <a:bodyPr/>
-          <a:lstStyle/>
-          <a:p>
-            <a:pPr marL="0" indent="0">
-              <a:buNone/>
-            </a:pPr>
-            <a:r>
-              <a:rPr lang="en-US" b="1" dirty="0"/>
-              <a:t>TIMING</a:t>
-            </a:r>
-          </a:p>
-          <a:p>
-            <a:pPr marL="0" indent="0">
-              <a:buNone/>
-            </a:pPr>
-            <a:endParaRPr lang="en-US" dirty="0"/>
-          </a:p>
-        </p:txBody>
-      </p:sp>
-      <p:sp>
-        <p:nvSpPr>
-          <p:cNvPr id="4" name="Slide Number Placeholder 3"/>
-          <p:cNvSpPr>
-            <a:spLocks noGrp="1"/>
-          </p:cNvSpPr>
-          <p:nvPr>
-            <p:ph type="sldNum" sz="quarter" idx="12"/>
-          </p:nvPr>
-        </p:nvSpPr>
-        <p:spPr/>
-        <p:txBody>
-          <a:bodyPr/>
-          <a:lstStyle/>
-          <a:p>
-            <a:fld id="{993221B0-C4CD-1546-9E62-A4249094014D}" type="slidenum">
-              <a:rPr lang="en-GB" smtClean="0"/>
-              <a:pPr/>
-              <a:t>16</a:t>
-            </a:fld>
-            <a:endParaRPr lang="en-GB" dirty="0"/>
-          </a:p>
-        </p:txBody>
-      </p:sp>
-      <p:pic>
-        <p:nvPicPr>
-          <p:cNvPr id="5" name="Picture 4"/>
-          <p:cNvPicPr>
-            <a:picLocks noChangeAspect="1"/>
-          </p:cNvPicPr>
-          <p:nvPr/>
-        </p:nvPicPr>
-        <p:blipFill>
-          <a:blip r:embed="rId4">
-            <a:extLst>
-              <a:ext uri="{28A0092B-C50C-407E-A947-70E740481C1C}">
-                <a14:useLocalDpi xmlns:a14="http://schemas.microsoft.com/office/drawing/2010/main" val="0"/>
-              </a:ext>
-            </a:extLst>
-          </a:blip>
-          <a:stretch>
-            <a:fillRect/>
-          </a:stretch>
-        </p:blipFill>
-        <p:spPr>
-          <a:xfrm>
-            <a:off x="1748292" y="1498009"/>
-            <a:ext cx="5646562" cy="3215027"/>
-          </a:xfrm>
-          <a:prstGeom prst="rect">
-            <a:avLst/>
-          </a:prstGeom>
-        </p:spPr>
-      </p:pic>
-      <p:pic>
-        <p:nvPicPr>
-          <p:cNvPr id="7" name="Picture 2" descr="Breda University of Applied Sciences"/>
-          <p:cNvPicPr>
-            <a:picLocks noChangeAspect="1" noChangeArrowheads="1"/>
-          </p:cNvPicPr>
-          <p:nvPr/>
-        </p:nvPicPr>
-        <p:blipFill>
-          <a:blip r:embed="rId5">
-            <a:extLst>
-              <a:ext uri="{28A0092B-C50C-407E-A947-70E740481C1C}">
-                <a14:useLocalDpi xmlns:a14="http://schemas.microsoft.com/office/drawing/2010/main" val="0"/>
-              </a:ext>
-            </a:extLst>
-          </a:blip>
-          <a:srcRect/>
-          <a:stretch>
-            <a:fillRect/>
-          </a:stretch>
-        </p:blipFill>
-        <p:spPr bwMode="auto">
-          <a:xfrm>
-            <a:off x="0" y="4537973"/>
-            <a:ext cx="1707722" cy="589899"/>
-          </a:xfrm>
-          <a:prstGeom prst="rect">
-            <a:avLst/>
-          </a:prstGeom>
-          <a:noFill/>
-          <a:extLst>
-            <a:ext uri="{909E8E84-426E-40DD-AFC4-6F175D3DCCD1}">
-              <a14:hiddenFill xmlns:a14="http://schemas.microsoft.com/office/drawing/2010/main">
-                <a:solidFill>
-                  <a:srgbClr val="FFFFFF"/>
-                </a:solidFill>
-              </a14:hiddenFill>
-            </a:ext>
-          </a:extLst>
-        </p:spPr>
-      </p:pic>
-    </p:spTree>
-    <p:extLst>
-      <p:ext uri="{BB962C8B-B14F-4D97-AF65-F5344CB8AC3E}">
-        <p14:creationId xmlns:p14="http://schemas.microsoft.com/office/powerpoint/2010/main" val="2302306785"/>
-      </p:ext>
-    </p:extLst>
-  </p:cSld>
-  <p:clrMapOvr>
-    <a:masterClrMapping/>
-  </p:clrMapOvr>
-  <p:timing>
-    <p:tnLst>
-      <p:par>
-        <p:cTn id="1" dur="indefinite" restart="never" nodeType="tmRoot"/>
-      </p:par>
-    </p:tnLst>
-  </p:timing>
-</p:sld>
-</file>
-
-<file path=ppt/slides/slide17.xml><?xml version="1.0" encoding="utf-8"?>
-<p:sld xmlns:a="http://schemas.openxmlformats.org/drawingml/2006/main" xmlns:r="http://schemas.openxmlformats.org/officeDocument/2006/relationships" xmlns:p="http://schemas.openxmlformats.org/presentationml/2006/main">
-  <p:cSld>
-    <p:spTree>
-      <p:nvGrpSpPr>
-        <p:cNvPr id="1" name=""/>
-        <p:cNvGrpSpPr/>
-        <p:nvPr/>
-      </p:nvGrpSpPr>
-      <p:grpSpPr>
-        <a:xfrm>
-          <a:off x="0" y="0"/>
-          <a:ext cx="0" cy="0"/>
-          <a:chOff x="0" y="0"/>
-          <a:chExt cx="0" cy="0"/>
-        </a:xfrm>
-      </p:grpSpPr>
-      <p:pic>
-        <p:nvPicPr>
-          <p:cNvPr id="5" name="Picture 4" descr="White Background Images for Desktop or Mobile | Cool Backgrounds"/>
-          <p:cNvPicPr>
-            <a:picLocks noChangeAspect="1" noChangeArrowheads="1"/>
-          </p:cNvPicPr>
-          <p:nvPr/>
-        </p:nvPicPr>
-        <p:blipFill>
-          <a:blip r:embed="rId3">
-            <a:extLst>
-              <a:ext uri="{28A0092B-C50C-407E-A947-70E740481C1C}">
-                <a14:useLocalDpi xmlns:a14="http://schemas.microsoft.com/office/drawing/2010/main" val="0"/>
-              </a:ext>
-            </a:extLst>
-          </a:blip>
-          <a:srcRect/>
-          <a:stretch>
-            <a:fillRect/>
-          </a:stretch>
-        </p:blipFill>
-        <p:spPr bwMode="auto">
-          <a:xfrm>
-            <a:off x="0" y="0"/>
-            <a:ext cx="9220200" cy="5143500"/>
-          </a:xfrm>
-          <a:prstGeom prst="rect">
-            <a:avLst/>
-          </a:prstGeom>
-          <a:noFill/>
-          <a:extLst>
-            <a:ext uri="{909E8E84-426E-40DD-AFC4-6F175D3DCCD1}">
-              <a14:hiddenFill xmlns:a14="http://schemas.microsoft.com/office/drawing/2010/main">
-                <a:solidFill>
-                  <a:srgbClr val="FFFFFF"/>
-                </a:solidFill>
-              </a14:hiddenFill>
-            </a:ext>
-          </a:extLst>
-        </p:spPr>
-      </p:pic>
-      <p:sp>
-        <p:nvSpPr>
-          <p:cNvPr id="2" name="Title 1"/>
-          <p:cNvSpPr>
-            <a:spLocks noGrp="1"/>
-          </p:cNvSpPr>
-          <p:nvPr>
-            <p:ph type="title"/>
-          </p:nvPr>
-        </p:nvSpPr>
-        <p:spPr/>
-        <p:txBody>
-          <a:bodyPr/>
-          <a:lstStyle/>
-          <a:p>
-            <a:r>
-              <a:rPr lang="en-US" sz="2800" dirty="0" smtClean="0"/>
-              <a:t>Elements </a:t>
-            </a:r>
-            <a:r>
-              <a:rPr lang="en-US" sz="2800" dirty="0"/>
-              <a:t>you shouldn’t bother testing</a:t>
-            </a:r>
-            <a:r>
-              <a:rPr lang="en-US" dirty="0"/>
-              <a:t>:</a:t>
-            </a:r>
-          </a:p>
-        </p:txBody>
-      </p:sp>
-      <p:sp>
-        <p:nvSpPr>
-          <p:cNvPr id="3" name="Text Placeholder 2"/>
-          <p:cNvSpPr>
-            <a:spLocks noGrp="1"/>
-          </p:cNvSpPr>
-          <p:nvPr>
-            <p:ph type="body" sz="quarter" idx="14"/>
-          </p:nvPr>
-        </p:nvSpPr>
-        <p:spPr>
-          <a:xfrm>
-            <a:off x="369888" y="1683528"/>
-            <a:ext cx="7002462" cy="1068554"/>
-          </a:xfrm>
-        </p:spPr>
-        <p:txBody>
-          <a:bodyPr/>
-          <a:lstStyle/>
-          <a:p>
-            <a:r>
-              <a:rPr lang="en-US" dirty="0"/>
-              <a:t>Minor Text Changes </a:t>
-            </a:r>
-            <a:endParaRPr lang="en-US" dirty="0" smtClean="0"/>
-          </a:p>
-          <a:p>
-            <a:r>
-              <a:rPr lang="en-US" dirty="0"/>
-              <a:t>G</a:t>
-            </a:r>
-            <a:r>
-              <a:rPr lang="en-US" dirty="0" smtClean="0"/>
-              <a:t>eneral Improvements</a:t>
-            </a:r>
-            <a:endParaRPr lang="en-US" dirty="0"/>
-          </a:p>
-        </p:txBody>
-      </p:sp>
-      <p:sp>
-        <p:nvSpPr>
-          <p:cNvPr id="4" name="Slide Number Placeholder 3"/>
-          <p:cNvSpPr>
-            <a:spLocks noGrp="1"/>
-          </p:cNvSpPr>
-          <p:nvPr>
-            <p:ph type="sldNum" sz="quarter" idx="12"/>
-          </p:nvPr>
-        </p:nvSpPr>
-        <p:spPr/>
-        <p:txBody>
-          <a:bodyPr/>
-          <a:lstStyle/>
-          <a:p>
-            <a:fld id="{993221B0-C4CD-1546-9E62-A4249094014D}" type="slidenum">
-              <a:rPr lang="en-GB" smtClean="0"/>
-              <a:pPr/>
-              <a:t>17</a:t>
-            </a:fld>
-            <a:endParaRPr lang="en-GB" dirty="0"/>
-          </a:p>
-        </p:txBody>
-      </p:sp>
-      <p:pic>
-        <p:nvPicPr>
-          <p:cNvPr id="6" name="Picture 2" descr="blog.travelpayouts.com/wp-content/uploads/2018/..."/>
-          <p:cNvPicPr>
-            <a:picLocks noChangeAspect="1" noChangeArrowheads="1"/>
-          </p:cNvPicPr>
-          <p:nvPr/>
-        </p:nvPicPr>
-        <p:blipFill>
-          <a:blip r:embed="rId4">
-            <a:extLst>
-              <a:ext uri="{28A0092B-C50C-407E-A947-70E740481C1C}">
-                <a14:useLocalDpi xmlns:a14="http://schemas.microsoft.com/office/drawing/2010/main" val="0"/>
-              </a:ext>
-            </a:extLst>
-          </a:blip>
-          <a:srcRect/>
-          <a:stretch>
-            <a:fillRect/>
-          </a:stretch>
-        </p:blipFill>
-        <p:spPr bwMode="auto">
-          <a:xfrm>
-            <a:off x="3741367" y="2265236"/>
-            <a:ext cx="5478833" cy="2878264"/>
-          </a:xfrm>
-          <a:prstGeom prst="rect">
-            <a:avLst/>
-          </a:prstGeom>
-          <a:noFill/>
-          <a:extLst>
-            <a:ext uri="{909E8E84-426E-40DD-AFC4-6F175D3DCCD1}">
-              <a14:hiddenFill xmlns:a14="http://schemas.microsoft.com/office/drawing/2010/main">
-                <a:solidFill>
-                  <a:srgbClr val="FFFFFF"/>
-                </a:solidFill>
-              </a14:hiddenFill>
-            </a:ext>
-          </a:extLst>
-        </p:spPr>
-      </p:pic>
-      <p:pic>
-        <p:nvPicPr>
-          <p:cNvPr id="7" name="Picture 2" descr="Breda University of Applied Sciences"/>
-          <p:cNvPicPr>
-            <a:picLocks noChangeAspect="1" noChangeArrowheads="1"/>
-          </p:cNvPicPr>
-          <p:nvPr/>
-        </p:nvPicPr>
-        <p:blipFill>
-          <a:blip r:embed="rId5">
-            <a:extLst>
-              <a:ext uri="{28A0092B-C50C-407E-A947-70E740481C1C}">
-                <a14:useLocalDpi xmlns:a14="http://schemas.microsoft.com/office/drawing/2010/main" val="0"/>
-              </a:ext>
-            </a:extLst>
-          </a:blip>
-          <a:srcRect/>
-          <a:stretch>
-            <a:fillRect/>
-          </a:stretch>
-        </p:blipFill>
-        <p:spPr bwMode="auto">
-          <a:xfrm>
-            <a:off x="0" y="4537973"/>
-            <a:ext cx="1707722" cy="589899"/>
-          </a:xfrm>
-          <a:prstGeom prst="rect">
-            <a:avLst/>
-          </a:prstGeom>
-          <a:noFill/>
-          <a:extLst>
-            <a:ext uri="{909E8E84-426E-40DD-AFC4-6F175D3DCCD1}">
-              <a14:hiddenFill xmlns:a14="http://schemas.microsoft.com/office/drawing/2010/main">
-                <a:solidFill>
-                  <a:srgbClr val="FFFFFF"/>
-                </a:solidFill>
-              </a14:hiddenFill>
-            </a:ext>
-          </a:extLst>
-        </p:spPr>
-      </p:pic>
-    </p:spTree>
-    <p:extLst>
-      <p:ext uri="{BB962C8B-B14F-4D97-AF65-F5344CB8AC3E}">
-        <p14:creationId xmlns:p14="http://schemas.microsoft.com/office/powerpoint/2010/main" val="3988350121"/>
-      </p:ext>
-    </p:extLst>
-  </p:cSld>
-  <p:clrMapOvr>
-    <a:masterClrMapping/>
-  </p:clrMapOvr>
-  <p:timing>
-    <p:tnLst>
-      <p:par>
-        <p:cTn id="1" dur="indefinite" restart="never" nodeType="tmRoot"/>
-      </p:par>
-    </p:tnLst>
-  </p:timing>
-</p:sld>
-</file>
-
-<file path=ppt/slides/slide18.xml><?xml version="1.0" encoding="utf-8"?>
-<p:sld xmlns:a="http://schemas.openxmlformats.org/drawingml/2006/main" xmlns:r="http://schemas.openxmlformats.org/officeDocument/2006/relationships" xmlns:p="http://schemas.openxmlformats.org/presentationml/2006/main">
-  <p:cSld>
-    <p:spTree>
-      <p:nvGrpSpPr>
-        <p:cNvPr id="1" name=""/>
-        <p:cNvGrpSpPr/>
-        <p:nvPr/>
-      </p:nvGrpSpPr>
-      <p:grpSpPr>
-        <a:xfrm>
-          <a:off x="0" y="0"/>
-          <a:ext cx="0" cy="0"/>
-          <a:chOff x="0" y="0"/>
-          <a:chExt cx="0" cy="0"/>
-        </a:xfrm>
-      </p:grpSpPr>
-      <p:pic>
-        <p:nvPicPr>
-          <p:cNvPr id="5" name="Picture 4" descr="White Background Images for Desktop or Mobile | Cool Backgrounds"/>
-          <p:cNvPicPr>
-            <a:picLocks noChangeAspect="1" noChangeArrowheads="1"/>
-          </p:cNvPicPr>
-          <p:nvPr/>
-        </p:nvPicPr>
-        <p:blipFill>
-          <a:blip r:embed="rId3">
-            <a:extLst>
-              <a:ext uri="{28A0092B-C50C-407E-A947-70E740481C1C}">
-                <a14:useLocalDpi xmlns:a14="http://schemas.microsoft.com/office/drawing/2010/main" val="0"/>
-              </a:ext>
-            </a:extLst>
-          </a:blip>
-          <a:srcRect/>
-          <a:stretch>
-            <a:fillRect/>
-          </a:stretch>
-        </p:blipFill>
-        <p:spPr bwMode="auto">
-          <a:xfrm>
-            <a:off x="0" y="0"/>
-            <a:ext cx="9220200" cy="5143500"/>
-          </a:xfrm>
-          <a:prstGeom prst="rect">
-            <a:avLst/>
-          </a:prstGeom>
-          <a:noFill/>
-          <a:extLst>
-            <a:ext uri="{909E8E84-426E-40DD-AFC4-6F175D3DCCD1}">
-              <a14:hiddenFill xmlns:a14="http://schemas.microsoft.com/office/drawing/2010/main">
-                <a:solidFill>
-                  <a:srgbClr val="FFFFFF"/>
-                </a:solidFill>
-              </a14:hiddenFill>
-            </a:ext>
-          </a:extLst>
-        </p:spPr>
-      </p:pic>
-      <p:sp>
-        <p:nvSpPr>
-          <p:cNvPr id="2" name="Title 1"/>
-          <p:cNvSpPr>
-            <a:spLocks noGrp="1"/>
-          </p:cNvSpPr>
-          <p:nvPr>
-            <p:ph type="title"/>
-          </p:nvPr>
-        </p:nvSpPr>
-        <p:spPr>
-          <a:xfrm>
-            <a:off x="1083926" y="1419575"/>
-            <a:ext cx="7002463" cy="818910"/>
-          </a:xfrm>
-        </p:spPr>
-        <p:txBody>
-          <a:bodyPr/>
-          <a:lstStyle/>
-          <a:p>
-            <a:pPr fontAlgn="base"/>
-            <a:r>
-              <a:rPr lang="en-US" dirty="0"/>
-              <a:t>T</a:t>
-            </a:r>
-            <a:r>
-              <a:rPr lang="en-US" dirty="0" smtClean="0"/>
-              <a:t>ypes </a:t>
-            </a:r>
-            <a:r>
-              <a:rPr lang="en-US" dirty="0"/>
-              <a:t>of A/B testing for mobile apps</a:t>
-            </a:r>
-            <a:br>
-              <a:rPr lang="en-US" dirty="0"/>
-            </a:br>
-            <a:r>
-              <a:rPr lang="en-US" sz="2800" dirty="0">
-                <a:solidFill>
-                  <a:schemeClr val="accent2"/>
-                </a:solidFill>
-              </a:rPr>
-              <a:t/>
-            </a:r>
-            <a:br>
-              <a:rPr lang="en-US" sz="2800" dirty="0">
-                <a:solidFill>
-                  <a:schemeClr val="accent2"/>
-                </a:solidFill>
-              </a:rPr>
-            </a:br>
-            <a:endParaRPr lang="en-US" dirty="0">
-              <a:solidFill>
-                <a:schemeClr val="accent2"/>
-              </a:solidFill>
-            </a:endParaRPr>
-          </a:p>
-        </p:txBody>
-      </p:sp>
-      <p:sp>
-        <p:nvSpPr>
-          <p:cNvPr id="3" name="Text Placeholder 2"/>
-          <p:cNvSpPr>
-            <a:spLocks noGrp="1"/>
-          </p:cNvSpPr>
-          <p:nvPr>
-            <p:ph type="body" sz="quarter" idx="14"/>
-          </p:nvPr>
-        </p:nvSpPr>
-        <p:spPr>
-          <a:xfrm>
-            <a:off x="1083927" y="2037473"/>
-            <a:ext cx="3629588" cy="1068554"/>
-          </a:xfrm>
-        </p:spPr>
-        <p:txBody>
-          <a:bodyPr/>
-          <a:lstStyle/>
-          <a:p>
-            <a:pPr fontAlgn="base"/>
-            <a:r>
-              <a:rPr lang="en-US" dirty="0"/>
-              <a:t>In-app A/B testing</a:t>
-            </a:r>
-          </a:p>
-          <a:p>
-            <a:pPr fontAlgn="base"/>
-            <a:r>
-              <a:rPr lang="en-US" dirty="0"/>
-              <a:t>A/B testing for marketing campaigns</a:t>
-            </a:r>
-          </a:p>
-          <a:p>
-            <a:pPr marL="0" indent="0">
-              <a:buNone/>
-            </a:pPr>
-            <a:endParaRPr lang="en-US" dirty="0"/>
-          </a:p>
-        </p:txBody>
-      </p:sp>
-      <p:sp>
-        <p:nvSpPr>
-          <p:cNvPr id="4" name="Slide Number Placeholder 3"/>
-          <p:cNvSpPr>
-            <a:spLocks noGrp="1"/>
-          </p:cNvSpPr>
-          <p:nvPr>
-            <p:ph type="sldNum" sz="quarter" idx="12"/>
-          </p:nvPr>
-        </p:nvSpPr>
-        <p:spPr/>
-        <p:txBody>
-          <a:bodyPr/>
-          <a:lstStyle/>
-          <a:p>
-            <a:fld id="{993221B0-C4CD-1546-9E62-A4249094014D}" type="slidenum">
-              <a:rPr lang="en-GB" smtClean="0"/>
-              <a:pPr/>
-              <a:t>18</a:t>
-            </a:fld>
-            <a:endParaRPr lang="en-GB" dirty="0"/>
-          </a:p>
-        </p:txBody>
-      </p:sp>
-      <p:pic>
-        <p:nvPicPr>
-          <p:cNvPr id="7" name="Picture 2" descr="Breda University of Applied Sciences"/>
-          <p:cNvPicPr>
-            <a:picLocks noChangeAspect="1" noChangeArrowheads="1"/>
-          </p:cNvPicPr>
-          <p:nvPr/>
-        </p:nvPicPr>
-        <p:blipFill>
-          <a:blip r:embed="rId4">
-            <a:extLst>
-              <a:ext uri="{28A0092B-C50C-407E-A947-70E740481C1C}">
-                <a14:useLocalDpi xmlns:a14="http://schemas.microsoft.com/office/drawing/2010/main" val="0"/>
-              </a:ext>
-            </a:extLst>
-          </a:blip>
-          <a:srcRect/>
-          <a:stretch>
-            <a:fillRect/>
-          </a:stretch>
-        </p:blipFill>
-        <p:spPr bwMode="auto">
-          <a:xfrm>
-            <a:off x="0" y="4537973"/>
-            <a:ext cx="1707722" cy="589899"/>
-          </a:xfrm>
-          <a:prstGeom prst="rect">
-            <a:avLst/>
-          </a:prstGeom>
-          <a:noFill/>
-          <a:extLst>
-            <a:ext uri="{909E8E84-426E-40DD-AFC4-6F175D3DCCD1}">
-              <a14:hiddenFill xmlns:a14="http://schemas.microsoft.com/office/drawing/2010/main">
-                <a:solidFill>
-                  <a:srgbClr val="FFFFFF"/>
-                </a:solidFill>
-              </a14:hiddenFill>
-            </a:ext>
-          </a:extLst>
-        </p:spPr>
-      </p:pic>
-      <p:pic>
-        <p:nvPicPr>
-          <p:cNvPr id="2050" name="Picture 2" descr="https://lh4.googleusercontent.com/fSg766SNJUh-8Tio6LINXhY25-RZtUbtN7TtZJKKS7P-Ne8fKUhBCH-zDr-GF05lB7hDYlsG_KfQ9WyVg7ckl8MygLX0SzLpmlzZhDrLz6EAZC0MGacPrI4JMb0unHTsYA55FD-A"/>
-          <p:cNvPicPr>
-            <a:picLocks noChangeAspect="1" noChangeArrowheads="1"/>
-          </p:cNvPicPr>
-          <p:nvPr/>
-        </p:nvPicPr>
-        <p:blipFill>
-          <a:blip r:embed="rId5">
-            <a:extLst>
-              <a:ext uri="{28A0092B-C50C-407E-A947-70E740481C1C}">
-                <a14:useLocalDpi xmlns:a14="http://schemas.microsoft.com/office/drawing/2010/main" val="0"/>
-              </a:ext>
-            </a:extLst>
-          </a:blip>
-          <a:srcRect/>
-          <a:stretch>
-            <a:fillRect/>
-          </a:stretch>
-        </p:blipFill>
-        <p:spPr bwMode="auto">
-          <a:xfrm>
-            <a:off x="4944135" y="1678694"/>
-            <a:ext cx="4045444" cy="2022722"/>
-          </a:xfrm>
-          <a:prstGeom prst="rect">
-            <a:avLst/>
-          </a:prstGeom>
-          <a:noFill/>
-          <a:extLst>
-            <a:ext uri="{909E8E84-426E-40DD-AFC4-6F175D3DCCD1}">
-              <a14:hiddenFill xmlns:a14="http://schemas.microsoft.com/office/drawing/2010/main">
-                <a:solidFill>
-                  <a:srgbClr val="FFFFFF"/>
-                </a:solidFill>
-              </a14:hiddenFill>
-            </a:ext>
-          </a:extLst>
-        </p:spPr>
-      </p:pic>
-    </p:spTree>
-    <p:extLst>
-      <p:ext uri="{BB962C8B-B14F-4D97-AF65-F5344CB8AC3E}">
-        <p14:creationId xmlns:p14="http://schemas.microsoft.com/office/powerpoint/2010/main" val="2434649309"/>
-      </p:ext>
-    </p:extLst>
-  </p:cSld>
-  <p:clrMapOvr>
-    <a:masterClrMapping/>
-  </p:clrMapOvr>
-  <p:timing>
-    <p:tnLst>
-      <p:par>
-        <p:cTn id="1" dur="indefinite" restart="never" nodeType="tmRoot"/>
-      </p:par>
-    </p:tnLst>
-  </p:timing>
-</p:sld>
-</file>
-
-<file path=ppt/slides/slide19.xml><?xml version="1.0" encoding="utf-8"?>
-<p:sld xmlns:a="http://schemas.openxmlformats.org/drawingml/2006/main" xmlns:r="http://schemas.openxmlformats.org/officeDocument/2006/relationships" xmlns:p="http://schemas.openxmlformats.org/presentationml/2006/main">
-  <p:cSld>
-    <p:spTree>
-      <p:nvGrpSpPr>
-        <p:cNvPr id="1" name=""/>
-        <p:cNvGrpSpPr/>
-        <p:nvPr/>
-      </p:nvGrpSpPr>
-      <p:grpSpPr>
-        <a:xfrm>
-          <a:off x="0" y="0"/>
-          <a:ext cx="0" cy="0"/>
-          <a:chOff x="0" y="0"/>
-          <a:chExt cx="0" cy="0"/>
-        </a:xfrm>
-      </p:grpSpPr>
-      <p:pic>
-        <p:nvPicPr>
-          <p:cNvPr id="5" name="Picture 4" descr="White Background Images for Desktop or Mobile | Cool Backgrounds"/>
-          <p:cNvPicPr>
-            <a:picLocks noChangeAspect="1" noChangeArrowheads="1"/>
-          </p:cNvPicPr>
-          <p:nvPr/>
-        </p:nvPicPr>
-        <p:blipFill>
-          <a:blip r:embed="rId3">
-            <a:extLst>
-              <a:ext uri="{28A0092B-C50C-407E-A947-70E740481C1C}">
-                <a14:useLocalDpi xmlns:a14="http://schemas.microsoft.com/office/drawing/2010/main" val="0"/>
-              </a:ext>
-            </a:extLst>
-          </a:blip>
-          <a:srcRect/>
-          <a:stretch>
-            <a:fillRect/>
-          </a:stretch>
-        </p:blipFill>
-        <p:spPr bwMode="auto">
-          <a:xfrm>
-            <a:off x="0" y="0"/>
-            <a:ext cx="9220200" cy="5143500"/>
-          </a:xfrm>
-          <a:prstGeom prst="rect">
-            <a:avLst/>
-          </a:prstGeom>
-          <a:noFill/>
-          <a:extLst>
-            <a:ext uri="{909E8E84-426E-40DD-AFC4-6F175D3DCCD1}">
-              <a14:hiddenFill xmlns:a14="http://schemas.microsoft.com/office/drawing/2010/main">
-                <a:solidFill>
-                  <a:srgbClr val="FFFFFF"/>
-                </a:solidFill>
-              </a14:hiddenFill>
-            </a:ext>
-          </a:extLst>
-        </p:spPr>
-      </p:pic>
-      <p:sp>
-        <p:nvSpPr>
-          <p:cNvPr id="2" name="Title 1"/>
-          <p:cNvSpPr>
-            <a:spLocks noGrp="1"/>
-          </p:cNvSpPr>
-          <p:nvPr>
-            <p:ph type="title"/>
-          </p:nvPr>
-        </p:nvSpPr>
-        <p:spPr>
-          <a:xfrm>
-            <a:off x="1169987" y="286356"/>
-            <a:ext cx="7002463" cy="818910"/>
-          </a:xfrm>
-        </p:spPr>
-        <p:txBody>
-          <a:bodyPr/>
-          <a:lstStyle/>
-          <a:p>
-            <a:r>
-              <a:rPr lang="en-US" sz="3200" dirty="0"/>
-              <a:t>Why is A/B Testing Important in UX</a:t>
-            </a:r>
-            <a:r>
-              <a:rPr lang="en-US" sz="3200" b="0" dirty="0" smtClean="0"/>
-              <a:t>?</a:t>
-            </a:r>
-            <a:endParaRPr lang="en-US" sz="3200" dirty="0"/>
-          </a:p>
-        </p:txBody>
-      </p:sp>
-      <p:sp>
-        <p:nvSpPr>
-          <p:cNvPr id="3" name="Text Placeholder 2"/>
-          <p:cNvSpPr>
-            <a:spLocks noGrp="1"/>
-          </p:cNvSpPr>
-          <p:nvPr>
-            <p:ph type="body" sz="quarter" idx="14"/>
-          </p:nvPr>
-        </p:nvSpPr>
-        <p:spPr>
-          <a:xfrm>
-            <a:off x="1169988" y="1327540"/>
-            <a:ext cx="7002462" cy="3069711"/>
-          </a:xfrm>
-        </p:spPr>
-        <p:txBody>
-          <a:bodyPr/>
-          <a:lstStyle/>
-          <a:p>
-            <a:r>
-              <a:rPr lang="en-US" sz="2000" dirty="0"/>
-              <a:t>help you learn how small changes influence user </a:t>
-            </a:r>
-            <a:r>
-              <a:rPr lang="en-US" sz="2000" dirty="0" smtClean="0"/>
-              <a:t>behavior;</a:t>
-            </a:r>
-          </a:p>
-          <a:p>
-            <a:r>
-              <a:rPr lang="en-US" sz="2000" dirty="0" smtClean="0"/>
-              <a:t> </a:t>
-            </a:r>
-            <a:r>
-              <a:rPr lang="en-US" sz="2000" dirty="0"/>
-              <a:t>decide which approach towards design to </a:t>
-            </a:r>
-            <a:r>
-              <a:rPr lang="en-US" sz="2000" dirty="0" smtClean="0"/>
-              <a:t>implement;</a:t>
-            </a:r>
-          </a:p>
-          <a:p>
-            <a:r>
-              <a:rPr lang="en-US" sz="2000" dirty="0" smtClean="0"/>
-              <a:t> </a:t>
-            </a:r>
-            <a:r>
-              <a:rPr lang="en-US" sz="2000" dirty="0"/>
-              <a:t>confirms that a new design is going in the right direction. </a:t>
-            </a:r>
-            <a:endParaRPr lang="en-US" sz="2000" dirty="0" smtClean="0"/>
-          </a:p>
-          <a:p>
-            <a:pPr marL="0" indent="0">
-              <a:buNone/>
-            </a:pPr>
-            <a:endParaRPr lang="en-US" u="sng" dirty="0"/>
-          </a:p>
-          <a:p>
-            <a:pPr marL="0" indent="0" algn="ctr">
-              <a:buNone/>
-            </a:pPr>
-            <a:r>
-              <a:rPr lang="en-US" b="1" u="sng" dirty="0"/>
-              <a:t>G</a:t>
-            </a:r>
-            <a:r>
-              <a:rPr lang="en-US" b="1" u="sng" dirty="0" smtClean="0"/>
-              <a:t>ood </a:t>
-            </a:r>
-            <a:r>
-              <a:rPr lang="en-US" b="1" u="sng" dirty="0"/>
-              <a:t>UX will make users stay on a website or in the app – or will make them visit it again – while bad UX will do the </a:t>
-            </a:r>
-            <a:r>
-              <a:rPr lang="en-US" b="1" u="sng" dirty="0" smtClean="0"/>
-              <a:t>opposite.</a:t>
-            </a:r>
-            <a:endParaRPr lang="en-US" b="1" u="sng" dirty="0"/>
-          </a:p>
-        </p:txBody>
-      </p:sp>
-      <p:sp>
-        <p:nvSpPr>
-          <p:cNvPr id="4" name="Slide Number Placeholder 3"/>
-          <p:cNvSpPr>
-            <a:spLocks noGrp="1"/>
-          </p:cNvSpPr>
-          <p:nvPr>
-            <p:ph type="sldNum" sz="quarter" idx="12"/>
-          </p:nvPr>
-        </p:nvSpPr>
-        <p:spPr/>
-        <p:txBody>
-          <a:bodyPr/>
-          <a:lstStyle/>
-          <a:p>
-            <a:fld id="{993221B0-C4CD-1546-9E62-A4249094014D}" type="slidenum">
-              <a:rPr lang="en-GB" smtClean="0"/>
-              <a:pPr/>
-              <a:t>19</a:t>
-            </a:fld>
-            <a:endParaRPr lang="en-GB" dirty="0"/>
-          </a:p>
-        </p:txBody>
-      </p:sp>
-      <p:pic>
-        <p:nvPicPr>
-          <p:cNvPr id="6" name="Picture 2" descr="Breda University of Applied Sciences"/>
-          <p:cNvPicPr>
-            <a:picLocks noChangeAspect="1" noChangeArrowheads="1"/>
-          </p:cNvPicPr>
-          <p:nvPr/>
-        </p:nvPicPr>
-        <p:blipFill>
-          <a:blip r:embed="rId4">
-            <a:extLst>
-              <a:ext uri="{28A0092B-C50C-407E-A947-70E740481C1C}">
-                <a14:useLocalDpi xmlns:a14="http://schemas.microsoft.com/office/drawing/2010/main" val="0"/>
-              </a:ext>
-            </a:extLst>
-          </a:blip>
-          <a:srcRect/>
-          <a:stretch>
-            <a:fillRect/>
-          </a:stretch>
-        </p:blipFill>
-        <p:spPr bwMode="auto">
-          <a:xfrm>
-            <a:off x="0" y="4537973"/>
-            <a:ext cx="1707722" cy="589899"/>
-          </a:xfrm>
-          <a:prstGeom prst="rect">
-            <a:avLst/>
-          </a:prstGeom>
-          <a:noFill/>
-          <a:extLst>
-            <a:ext uri="{909E8E84-426E-40DD-AFC4-6F175D3DCCD1}">
-              <a14:hiddenFill xmlns:a14="http://schemas.microsoft.com/office/drawing/2010/main">
-                <a:solidFill>
-                  <a:srgbClr val="FFFFFF"/>
-                </a:solidFill>
-              </a14:hiddenFill>
-            </a:ext>
-          </a:extLst>
-        </p:spPr>
-      </p:pic>
-    </p:spTree>
-    <p:extLst>
-      <p:ext uri="{BB962C8B-B14F-4D97-AF65-F5344CB8AC3E}">
-        <p14:creationId xmlns:p14="http://schemas.microsoft.com/office/powerpoint/2010/main" val="2450743631"/>
+        <p14:creationId xmlns:p14="http://schemas.microsoft.com/office/powerpoint/2010/main" val="3665680473"/>
       </p:ext>
     </p:extLst>
   </p:cSld>
@@ -13054,20 +10869,12 @@
           <a:bodyPr/>
           <a:lstStyle/>
           <a:p>
-            <a:pPr marL="0" indent="0" algn="just">
+            <a:pPr marL="0" indent="0">
               <a:buNone/>
             </a:pPr>
             <a:r>
               <a:rPr lang="en-US" dirty="0"/>
-              <a:t>A/B testing is the process of comparing two variations of </a:t>
-            </a:r>
-            <a:r>
-              <a:rPr lang="en-US" dirty="0" smtClean="0"/>
-              <a:t>something, </a:t>
-            </a:r>
-            <a:r>
-              <a:rPr lang="en-US" dirty="0"/>
-              <a:t>usually by testing users' response to variant A vs variant B, and concluding which of the two variants is more effective.</a:t>
+              <a:t>A/B testing is the process of comparing two variations of a page element, usually by testing users' response to variant A vs variant B, and concluding which of the two variants is more effective.</a:t>
             </a:r>
           </a:p>
         </p:txBody>
@@ -13182,1494 +10989,6 @@
     <p:extLst>
       <p:ext uri="{BB962C8B-B14F-4D97-AF65-F5344CB8AC3E}">
         <p14:creationId xmlns:p14="http://schemas.microsoft.com/office/powerpoint/2010/main" val="429404919"/>
-      </p:ext>
-    </p:extLst>
-  </p:cSld>
-  <p:clrMapOvr>
-    <a:masterClrMapping/>
-  </p:clrMapOvr>
-  <p:timing>
-    <p:tnLst>
-      <p:par>
-        <p:cTn id="1" dur="indefinite" restart="never" nodeType="tmRoot"/>
-      </p:par>
-    </p:tnLst>
-  </p:timing>
-</p:sld>
-</file>
-
-<file path=ppt/slides/slide20.xml><?xml version="1.0" encoding="utf-8"?>
-<p:sld xmlns:a="http://schemas.openxmlformats.org/drawingml/2006/main" xmlns:r="http://schemas.openxmlformats.org/officeDocument/2006/relationships" xmlns:p="http://schemas.openxmlformats.org/presentationml/2006/main">
-  <p:cSld>
-    <p:spTree>
-      <p:nvGrpSpPr>
-        <p:cNvPr id="1" name=""/>
-        <p:cNvGrpSpPr/>
-        <p:nvPr/>
-      </p:nvGrpSpPr>
-      <p:grpSpPr>
-        <a:xfrm>
-          <a:off x="0" y="0"/>
-          <a:ext cx="0" cy="0"/>
-          <a:chOff x="0" y="0"/>
-          <a:chExt cx="0" cy="0"/>
-        </a:xfrm>
-      </p:grpSpPr>
-      <p:pic>
-        <p:nvPicPr>
-          <p:cNvPr id="5" name="Picture 4" descr="White Background Images for Desktop or Mobile | Cool Backgrounds"/>
-          <p:cNvPicPr>
-            <a:picLocks noChangeAspect="1" noChangeArrowheads="1"/>
-          </p:cNvPicPr>
-          <p:nvPr/>
-        </p:nvPicPr>
-        <p:blipFill>
-          <a:blip r:embed="rId3">
-            <a:extLst>
-              <a:ext uri="{28A0092B-C50C-407E-A947-70E740481C1C}">
-                <a14:useLocalDpi xmlns:a14="http://schemas.microsoft.com/office/drawing/2010/main" val="0"/>
-              </a:ext>
-            </a:extLst>
-          </a:blip>
-          <a:srcRect/>
-          <a:stretch>
-            <a:fillRect/>
-          </a:stretch>
-        </p:blipFill>
-        <p:spPr bwMode="auto">
-          <a:xfrm>
-            <a:off x="0" y="0"/>
-            <a:ext cx="9220200" cy="5143500"/>
-          </a:xfrm>
-          <a:prstGeom prst="rect">
-            <a:avLst/>
-          </a:prstGeom>
-          <a:noFill/>
-          <a:extLst>
-            <a:ext uri="{909E8E84-426E-40DD-AFC4-6F175D3DCCD1}">
-              <a14:hiddenFill xmlns:a14="http://schemas.microsoft.com/office/drawing/2010/main">
-                <a:solidFill>
-                  <a:srgbClr val="FFFFFF"/>
-                </a:solidFill>
-              </a14:hiddenFill>
-            </a:ext>
-          </a:extLst>
-        </p:spPr>
-      </p:pic>
-      <p:sp>
-        <p:nvSpPr>
-          <p:cNvPr id="2" name="Title 1"/>
-          <p:cNvSpPr>
-            <a:spLocks noGrp="1"/>
-          </p:cNvSpPr>
-          <p:nvPr>
-            <p:ph type="title"/>
-          </p:nvPr>
-        </p:nvSpPr>
-        <p:spPr>
-          <a:xfrm>
-            <a:off x="1169987" y="195943"/>
-            <a:ext cx="7002463" cy="1066630"/>
-          </a:xfrm>
-        </p:spPr>
-        <p:txBody>
-          <a:bodyPr/>
-          <a:lstStyle/>
-          <a:p>
-            <a:r>
-              <a:rPr lang="en-US" b="0" dirty="0" smtClean="0"/>
-              <a:t>“Multivariate</a:t>
-            </a:r>
-            <a:r>
-              <a:rPr lang="en-US" b="0" dirty="0"/>
-              <a:t>” testing in the A/B testing </a:t>
-            </a:r>
-            <a:endParaRPr lang="en-US" dirty="0"/>
-          </a:p>
-        </p:txBody>
-      </p:sp>
-      <p:sp>
-        <p:nvSpPr>
-          <p:cNvPr id="3" name="Text Placeholder 2"/>
-          <p:cNvSpPr>
-            <a:spLocks noGrp="1"/>
-          </p:cNvSpPr>
-          <p:nvPr>
-            <p:ph type="body" sz="quarter" idx="14"/>
-          </p:nvPr>
-        </p:nvSpPr>
-        <p:spPr/>
-        <p:txBody>
-          <a:bodyPr/>
-          <a:lstStyle/>
-          <a:p>
-            <a:pPr marL="0" indent="0">
-              <a:buNone/>
-            </a:pPr>
-            <a:endParaRPr lang="ru-RU" dirty="0" smtClean="0"/>
-          </a:p>
-          <a:p>
-            <a:pPr marL="0" indent="0">
-              <a:buNone/>
-            </a:pPr>
-            <a:endParaRPr lang="ru-RU" dirty="0"/>
-          </a:p>
-          <a:p>
-            <a:pPr marL="0" indent="0" algn="ctr">
-              <a:buNone/>
-            </a:pPr>
-            <a:r>
-              <a:rPr lang="en-US" sz="4400" dirty="0">
-                <a:solidFill>
-                  <a:schemeClr val="accent2"/>
-                </a:solidFill>
-              </a:rPr>
-              <a:t>A/B/C/D test</a:t>
-            </a:r>
-            <a:endParaRPr lang="en-US" sz="4400" dirty="0">
-              <a:solidFill>
-                <a:schemeClr val="accent2"/>
-              </a:solidFill>
-            </a:endParaRPr>
-          </a:p>
-        </p:txBody>
-      </p:sp>
-      <p:sp>
-        <p:nvSpPr>
-          <p:cNvPr id="4" name="Slide Number Placeholder 3"/>
-          <p:cNvSpPr>
-            <a:spLocks noGrp="1"/>
-          </p:cNvSpPr>
-          <p:nvPr>
-            <p:ph type="sldNum" sz="quarter" idx="12"/>
-          </p:nvPr>
-        </p:nvSpPr>
-        <p:spPr/>
-        <p:txBody>
-          <a:bodyPr/>
-          <a:lstStyle/>
-          <a:p>
-            <a:fld id="{993221B0-C4CD-1546-9E62-A4249094014D}" type="slidenum">
-              <a:rPr lang="en-GB" smtClean="0"/>
-              <a:pPr/>
-              <a:t>20</a:t>
-            </a:fld>
-            <a:endParaRPr lang="en-GB" dirty="0"/>
-          </a:p>
-        </p:txBody>
-      </p:sp>
-      <p:pic>
-        <p:nvPicPr>
-          <p:cNvPr id="6" name="Picture 2" descr="Breda University of Applied Sciences"/>
-          <p:cNvPicPr>
-            <a:picLocks noChangeAspect="1" noChangeArrowheads="1"/>
-          </p:cNvPicPr>
-          <p:nvPr/>
-        </p:nvPicPr>
-        <p:blipFill>
-          <a:blip r:embed="rId4">
-            <a:extLst>
-              <a:ext uri="{28A0092B-C50C-407E-A947-70E740481C1C}">
-                <a14:useLocalDpi xmlns:a14="http://schemas.microsoft.com/office/drawing/2010/main" val="0"/>
-              </a:ext>
-            </a:extLst>
-          </a:blip>
-          <a:srcRect/>
-          <a:stretch>
-            <a:fillRect/>
-          </a:stretch>
-        </p:blipFill>
-        <p:spPr bwMode="auto">
-          <a:xfrm>
-            <a:off x="0" y="4537973"/>
-            <a:ext cx="1707722" cy="589899"/>
-          </a:xfrm>
-          <a:prstGeom prst="rect">
-            <a:avLst/>
-          </a:prstGeom>
-          <a:noFill/>
-          <a:extLst>
-            <a:ext uri="{909E8E84-426E-40DD-AFC4-6F175D3DCCD1}">
-              <a14:hiddenFill xmlns:a14="http://schemas.microsoft.com/office/drawing/2010/main">
-                <a:solidFill>
-                  <a:srgbClr val="FFFFFF"/>
-                </a:solidFill>
-              </a14:hiddenFill>
-            </a:ext>
-          </a:extLst>
-        </p:spPr>
-      </p:pic>
-    </p:spTree>
-    <p:extLst>
-      <p:ext uri="{BB962C8B-B14F-4D97-AF65-F5344CB8AC3E}">
-        <p14:creationId xmlns:p14="http://schemas.microsoft.com/office/powerpoint/2010/main" val="1522636225"/>
-      </p:ext>
-    </p:extLst>
-  </p:cSld>
-  <p:clrMapOvr>
-    <a:masterClrMapping/>
-  </p:clrMapOvr>
-  <p:timing>
-    <p:tnLst>
-      <p:par>
-        <p:cTn id="1" dur="indefinite" restart="never" nodeType="tmRoot"/>
-      </p:par>
-    </p:tnLst>
-  </p:timing>
-</p:sld>
-</file>
-
-<file path=ppt/slides/slide21.xml><?xml version="1.0" encoding="utf-8"?>
-<p:sld xmlns:a="http://schemas.openxmlformats.org/drawingml/2006/main" xmlns:r="http://schemas.openxmlformats.org/officeDocument/2006/relationships" xmlns:p="http://schemas.openxmlformats.org/presentationml/2006/main">
-  <p:cSld>
-    <p:spTree>
-      <p:nvGrpSpPr>
-        <p:cNvPr id="1" name=""/>
-        <p:cNvGrpSpPr/>
-        <p:nvPr/>
-      </p:nvGrpSpPr>
-      <p:grpSpPr>
-        <a:xfrm>
-          <a:off x="0" y="0"/>
-          <a:ext cx="0" cy="0"/>
-          <a:chOff x="0" y="0"/>
-          <a:chExt cx="0" cy="0"/>
-        </a:xfrm>
-      </p:grpSpPr>
-      <p:pic>
-        <p:nvPicPr>
-          <p:cNvPr id="5" name="Picture 4" descr="White Background Images for Desktop or Mobile | Cool Backgrounds"/>
-          <p:cNvPicPr>
-            <a:picLocks noChangeAspect="1" noChangeArrowheads="1"/>
-          </p:cNvPicPr>
-          <p:nvPr/>
-        </p:nvPicPr>
-        <p:blipFill>
-          <a:blip r:embed="rId3">
-            <a:extLst>
-              <a:ext uri="{28A0092B-C50C-407E-A947-70E740481C1C}">
-                <a14:useLocalDpi xmlns:a14="http://schemas.microsoft.com/office/drawing/2010/main" val="0"/>
-              </a:ext>
-            </a:extLst>
-          </a:blip>
-          <a:srcRect/>
-          <a:stretch>
-            <a:fillRect/>
-          </a:stretch>
-        </p:blipFill>
-        <p:spPr bwMode="auto">
-          <a:xfrm>
-            <a:off x="-76200" y="18199"/>
-            <a:ext cx="9220200" cy="5143500"/>
-          </a:xfrm>
-          <a:prstGeom prst="rect">
-            <a:avLst/>
-          </a:prstGeom>
-          <a:noFill/>
-          <a:extLst>
-            <a:ext uri="{909E8E84-426E-40DD-AFC4-6F175D3DCCD1}">
-              <a14:hiddenFill xmlns:a14="http://schemas.microsoft.com/office/drawing/2010/main">
-                <a:solidFill>
-                  <a:srgbClr val="FFFFFF"/>
-                </a:solidFill>
-              </a14:hiddenFill>
-            </a:ext>
-          </a:extLst>
-        </p:spPr>
-      </p:pic>
-      <p:sp>
-        <p:nvSpPr>
-          <p:cNvPr id="2" name="Title 1"/>
-          <p:cNvSpPr>
-            <a:spLocks noGrp="1"/>
-          </p:cNvSpPr>
-          <p:nvPr>
-            <p:ph type="title"/>
-          </p:nvPr>
-        </p:nvSpPr>
-        <p:spPr/>
-        <p:txBody>
-          <a:bodyPr/>
-          <a:lstStyle/>
-          <a:p>
-            <a:r>
-              <a:rPr lang="en-US" dirty="0"/>
-              <a:t>Analyzing A/B test results</a:t>
-            </a:r>
-            <a:endParaRPr lang="en-US" dirty="0"/>
-          </a:p>
-        </p:txBody>
-      </p:sp>
-      <p:sp>
-        <p:nvSpPr>
-          <p:cNvPr id="3" name="Text Placeholder 2"/>
-          <p:cNvSpPr>
-            <a:spLocks noGrp="1"/>
-          </p:cNvSpPr>
-          <p:nvPr>
-            <p:ph type="body" sz="quarter" idx="14"/>
-          </p:nvPr>
-        </p:nvSpPr>
-        <p:spPr/>
-        <p:txBody>
-          <a:bodyPr/>
-          <a:lstStyle/>
-          <a:p>
-            <a:r>
-              <a:rPr lang="en-US" b="1" dirty="0"/>
-              <a:t>One winning </a:t>
-            </a:r>
-            <a:r>
-              <a:rPr lang="en-US" b="1" dirty="0" smtClean="0"/>
-              <a:t>variation</a:t>
-            </a:r>
-          </a:p>
-          <a:p>
-            <a:pPr marL="0" indent="0">
-              <a:buNone/>
-            </a:pPr>
-            <a:r>
-              <a:rPr lang="en-US" dirty="0" smtClean="0"/>
-              <a:t>-Before </a:t>
-            </a:r>
-            <a:r>
-              <a:rPr lang="en-US" dirty="0"/>
-              <a:t>you ask your developer to implement the winning variations on the whole site, first determine whether the test results are valid</a:t>
-            </a:r>
-            <a:r>
-              <a:rPr lang="en-US" dirty="0" smtClean="0"/>
-              <a:t>.</a:t>
-            </a:r>
-          </a:p>
-          <a:p>
-            <a:pPr marL="0" indent="0">
-              <a:buNone/>
-            </a:pPr>
-            <a:endParaRPr lang="en-US" dirty="0"/>
-          </a:p>
-          <a:p>
-            <a:pPr marL="0" indent="0">
-              <a:buNone/>
-            </a:pPr>
-            <a:r>
-              <a:rPr lang="en-US" u="sng" dirty="0"/>
-              <a:t>allocate the 100% traffic to the winning variation.</a:t>
-            </a:r>
-            <a:endParaRPr lang="en-US" u="sng" dirty="0"/>
-          </a:p>
-        </p:txBody>
-      </p:sp>
-      <p:sp>
-        <p:nvSpPr>
-          <p:cNvPr id="4" name="Slide Number Placeholder 3"/>
-          <p:cNvSpPr>
-            <a:spLocks noGrp="1"/>
-          </p:cNvSpPr>
-          <p:nvPr>
-            <p:ph type="sldNum" sz="quarter" idx="12"/>
-          </p:nvPr>
-        </p:nvSpPr>
-        <p:spPr/>
-        <p:txBody>
-          <a:bodyPr/>
-          <a:lstStyle/>
-          <a:p>
-            <a:fld id="{993221B0-C4CD-1546-9E62-A4249094014D}" type="slidenum">
-              <a:rPr lang="en-GB" smtClean="0"/>
-              <a:pPr/>
-              <a:t>21</a:t>
-            </a:fld>
-            <a:endParaRPr lang="en-GB" dirty="0"/>
-          </a:p>
-        </p:txBody>
-      </p:sp>
-      <p:pic>
-        <p:nvPicPr>
-          <p:cNvPr id="6" name="Picture 2" descr="Breda University of Applied Sciences"/>
-          <p:cNvPicPr>
-            <a:picLocks noChangeAspect="1" noChangeArrowheads="1"/>
-          </p:cNvPicPr>
-          <p:nvPr/>
-        </p:nvPicPr>
-        <p:blipFill>
-          <a:blip r:embed="rId4">
-            <a:extLst>
-              <a:ext uri="{28A0092B-C50C-407E-A947-70E740481C1C}">
-                <a14:useLocalDpi xmlns:a14="http://schemas.microsoft.com/office/drawing/2010/main" val="0"/>
-              </a:ext>
-            </a:extLst>
-          </a:blip>
-          <a:srcRect/>
-          <a:stretch>
-            <a:fillRect/>
-          </a:stretch>
-        </p:blipFill>
-        <p:spPr bwMode="auto">
-          <a:xfrm>
-            <a:off x="0" y="4537973"/>
-            <a:ext cx="1707722" cy="589899"/>
-          </a:xfrm>
-          <a:prstGeom prst="rect">
-            <a:avLst/>
-          </a:prstGeom>
-          <a:noFill/>
-          <a:extLst>
-            <a:ext uri="{909E8E84-426E-40DD-AFC4-6F175D3DCCD1}">
-              <a14:hiddenFill xmlns:a14="http://schemas.microsoft.com/office/drawing/2010/main">
-                <a:solidFill>
-                  <a:srgbClr val="FFFFFF"/>
-                </a:solidFill>
-              </a14:hiddenFill>
-            </a:ext>
-          </a:extLst>
-        </p:spPr>
-      </p:pic>
-    </p:spTree>
-    <p:extLst>
-      <p:ext uri="{BB962C8B-B14F-4D97-AF65-F5344CB8AC3E}">
-        <p14:creationId xmlns:p14="http://schemas.microsoft.com/office/powerpoint/2010/main" val="1167168965"/>
-      </p:ext>
-    </p:extLst>
-  </p:cSld>
-  <p:clrMapOvr>
-    <a:masterClrMapping/>
-  </p:clrMapOvr>
-  <p:timing>
-    <p:tnLst>
-      <p:par>
-        <p:cTn id="1" dur="indefinite" restart="never" nodeType="tmRoot"/>
-      </p:par>
-    </p:tnLst>
-  </p:timing>
-</p:sld>
-</file>
-
-<file path=ppt/slides/slide22.xml><?xml version="1.0" encoding="utf-8"?>
-<p:sld xmlns:a="http://schemas.openxmlformats.org/drawingml/2006/main" xmlns:r="http://schemas.openxmlformats.org/officeDocument/2006/relationships" xmlns:p="http://schemas.openxmlformats.org/presentationml/2006/main">
-  <p:cSld>
-    <p:spTree>
-      <p:nvGrpSpPr>
-        <p:cNvPr id="1" name=""/>
-        <p:cNvGrpSpPr/>
-        <p:nvPr/>
-      </p:nvGrpSpPr>
-      <p:grpSpPr>
-        <a:xfrm>
-          <a:off x="0" y="0"/>
-          <a:ext cx="0" cy="0"/>
-          <a:chOff x="0" y="0"/>
-          <a:chExt cx="0" cy="0"/>
-        </a:xfrm>
-      </p:grpSpPr>
-      <p:pic>
-        <p:nvPicPr>
-          <p:cNvPr id="5" name="Picture 4" descr="White Background Images for Desktop or Mobile | Cool Backgrounds"/>
-          <p:cNvPicPr>
-            <a:picLocks noChangeAspect="1" noChangeArrowheads="1"/>
-          </p:cNvPicPr>
-          <p:nvPr/>
-        </p:nvPicPr>
-        <p:blipFill>
-          <a:blip r:embed="rId3">
-            <a:extLst>
-              <a:ext uri="{28A0092B-C50C-407E-A947-70E740481C1C}">
-                <a14:useLocalDpi xmlns:a14="http://schemas.microsoft.com/office/drawing/2010/main" val="0"/>
-              </a:ext>
-            </a:extLst>
-          </a:blip>
-          <a:srcRect/>
-          <a:stretch>
-            <a:fillRect/>
-          </a:stretch>
-        </p:blipFill>
-        <p:spPr bwMode="auto">
-          <a:xfrm>
-            <a:off x="-76200" y="18199"/>
-            <a:ext cx="9220200" cy="5143500"/>
-          </a:xfrm>
-          <a:prstGeom prst="rect">
-            <a:avLst/>
-          </a:prstGeom>
-          <a:noFill/>
-          <a:extLst>
-            <a:ext uri="{909E8E84-426E-40DD-AFC4-6F175D3DCCD1}">
-              <a14:hiddenFill xmlns:a14="http://schemas.microsoft.com/office/drawing/2010/main">
-                <a:solidFill>
-                  <a:srgbClr val="FFFFFF"/>
-                </a:solidFill>
-              </a14:hiddenFill>
-            </a:ext>
-          </a:extLst>
-        </p:spPr>
-      </p:pic>
-      <p:sp>
-        <p:nvSpPr>
-          <p:cNvPr id="2" name="Title 1"/>
-          <p:cNvSpPr>
-            <a:spLocks noGrp="1"/>
-          </p:cNvSpPr>
-          <p:nvPr>
-            <p:ph type="title"/>
-          </p:nvPr>
-        </p:nvSpPr>
-        <p:spPr/>
-        <p:txBody>
-          <a:bodyPr/>
-          <a:lstStyle/>
-          <a:p>
-            <a:r>
-              <a:rPr lang="en-US" dirty="0"/>
-              <a:t>Analyzing A/B test results</a:t>
-            </a:r>
-            <a:endParaRPr lang="en-US" dirty="0"/>
-          </a:p>
-        </p:txBody>
-      </p:sp>
-      <p:sp>
-        <p:nvSpPr>
-          <p:cNvPr id="3" name="Text Placeholder 2"/>
-          <p:cNvSpPr>
-            <a:spLocks noGrp="1"/>
-          </p:cNvSpPr>
-          <p:nvPr>
-            <p:ph type="body" sz="quarter" idx="14"/>
-          </p:nvPr>
-        </p:nvSpPr>
-        <p:spPr>
-          <a:xfrm>
-            <a:off x="1169988" y="1444324"/>
-            <a:ext cx="7002462" cy="2759468"/>
-          </a:xfrm>
-        </p:spPr>
-        <p:txBody>
-          <a:bodyPr/>
-          <a:lstStyle/>
-          <a:p>
-            <a:pPr marL="0" indent="0">
-              <a:buNone/>
-            </a:pPr>
-            <a:r>
-              <a:rPr lang="en-US" dirty="0"/>
-              <a:t>“The real interpretation is that if you ran your A/B test multiple times, 95% of the ranges will capture the true conversion rate — in other words, the conversion rate falls outside the margin of error 5% of the time (or whatever level of </a:t>
-            </a:r>
-            <a:r>
-              <a:rPr lang="en-US" dirty="0">
-                <a:hlinkClick r:id="rId4"/>
-              </a:rPr>
-              <a:t>statistical significance</a:t>
-            </a:r>
-            <a:r>
-              <a:rPr lang="en-US" dirty="0"/>
-              <a:t> you’ve set),”</a:t>
-            </a:r>
-            <a:endParaRPr lang="en-US" u="sng" dirty="0"/>
-          </a:p>
-        </p:txBody>
-      </p:sp>
-      <p:sp>
-        <p:nvSpPr>
-          <p:cNvPr id="4" name="Slide Number Placeholder 3"/>
-          <p:cNvSpPr>
-            <a:spLocks noGrp="1"/>
-          </p:cNvSpPr>
-          <p:nvPr>
-            <p:ph type="sldNum" sz="quarter" idx="12"/>
-          </p:nvPr>
-        </p:nvSpPr>
-        <p:spPr/>
-        <p:txBody>
-          <a:bodyPr/>
-          <a:lstStyle/>
-          <a:p>
-            <a:fld id="{993221B0-C4CD-1546-9E62-A4249094014D}" type="slidenum">
-              <a:rPr lang="en-GB" smtClean="0"/>
-              <a:pPr/>
-              <a:t>22</a:t>
-            </a:fld>
-            <a:endParaRPr lang="en-GB" dirty="0"/>
-          </a:p>
-        </p:txBody>
-      </p:sp>
-      <p:pic>
-        <p:nvPicPr>
-          <p:cNvPr id="6" name="Picture 2" descr="Breda University of Applied Sciences"/>
-          <p:cNvPicPr>
-            <a:picLocks noChangeAspect="1" noChangeArrowheads="1"/>
-          </p:cNvPicPr>
-          <p:nvPr/>
-        </p:nvPicPr>
-        <p:blipFill>
-          <a:blip r:embed="rId5">
-            <a:extLst>
-              <a:ext uri="{28A0092B-C50C-407E-A947-70E740481C1C}">
-                <a14:useLocalDpi xmlns:a14="http://schemas.microsoft.com/office/drawing/2010/main" val="0"/>
-              </a:ext>
-            </a:extLst>
-          </a:blip>
-          <a:srcRect/>
-          <a:stretch>
-            <a:fillRect/>
-          </a:stretch>
-        </p:blipFill>
-        <p:spPr bwMode="auto">
-          <a:xfrm>
-            <a:off x="0" y="4537973"/>
-            <a:ext cx="1707722" cy="589899"/>
-          </a:xfrm>
-          <a:prstGeom prst="rect">
-            <a:avLst/>
-          </a:prstGeom>
-          <a:noFill/>
-          <a:extLst>
-            <a:ext uri="{909E8E84-426E-40DD-AFC4-6F175D3DCCD1}">
-              <a14:hiddenFill xmlns:a14="http://schemas.microsoft.com/office/drawing/2010/main">
-                <a:solidFill>
-                  <a:srgbClr val="FFFFFF"/>
-                </a:solidFill>
-              </a14:hiddenFill>
-            </a:ext>
-          </a:extLst>
-        </p:spPr>
-      </p:pic>
-    </p:spTree>
-    <p:extLst>
-      <p:ext uri="{BB962C8B-B14F-4D97-AF65-F5344CB8AC3E}">
-        <p14:creationId xmlns:p14="http://schemas.microsoft.com/office/powerpoint/2010/main" val="1446319454"/>
-      </p:ext>
-    </p:extLst>
-  </p:cSld>
-  <p:clrMapOvr>
-    <a:masterClrMapping/>
-  </p:clrMapOvr>
-  <p:timing>
-    <p:tnLst>
-      <p:par>
-        <p:cTn id="1" dur="indefinite" restart="never" nodeType="tmRoot"/>
-      </p:par>
-    </p:tnLst>
-  </p:timing>
-</p:sld>
-</file>
-
-<file path=ppt/slides/slide23.xml><?xml version="1.0" encoding="utf-8"?>
-<p:sld xmlns:a="http://schemas.openxmlformats.org/drawingml/2006/main" xmlns:r="http://schemas.openxmlformats.org/officeDocument/2006/relationships" xmlns:p="http://schemas.openxmlformats.org/presentationml/2006/main">
-  <p:cSld>
-    <p:spTree>
-      <p:nvGrpSpPr>
-        <p:cNvPr id="1" name=""/>
-        <p:cNvGrpSpPr/>
-        <p:nvPr/>
-      </p:nvGrpSpPr>
-      <p:grpSpPr>
-        <a:xfrm>
-          <a:off x="0" y="0"/>
-          <a:ext cx="0" cy="0"/>
-          <a:chOff x="0" y="0"/>
-          <a:chExt cx="0" cy="0"/>
-        </a:xfrm>
-      </p:grpSpPr>
-      <p:pic>
-        <p:nvPicPr>
-          <p:cNvPr id="5" name="Picture 4" descr="White Background Images for Desktop or Mobile | Cool Backgrounds"/>
-          <p:cNvPicPr>
-            <a:picLocks noChangeAspect="1" noChangeArrowheads="1"/>
-          </p:cNvPicPr>
-          <p:nvPr/>
-        </p:nvPicPr>
-        <p:blipFill>
-          <a:blip r:embed="rId3">
-            <a:extLst>
-              <a:ext uri="{28A0092B-C50C-407E-A947-70E740481C1C}">
-                <a14:useLocalDpi xmlns:a14="http://schemas.microsoft.com/office/drawing/2010/main" val="0"/>
-              </a:ext>
-            </a:extLst>
-          </a:blip>
-          <a:srcRect/>
-          <a:stretch>
-            <a:fillRect/>
-          </a:stretch>
-        </p:blipFill>
-        <p:spPr bwMode="auto">
-          <a:xfrm>
-            <a:off x="-76200" y="18199"/>
-            <a:ext cx="9220200" cy="5143500"/>
-          </a:xfrm>
-          <a:prstGeom prst="rect">
-            <a:avLst/>
-          </a:prstGeom>
-          <a:noFill/>
-          <a:extLst>
-            <a:ext uri="{909E8E84-426E-40DD-AFC4-6F175D3DCCD1}">
-              <a14:hiddenFill xmlns:a14="http://schemas.microsoft.com/office/drawing/2010/main">
-                <a:solidFill>
-                  <a:srgbClr val="FFFFFF"/>
-                </a:solidFill>
-              </a14:hiddenFill>
-            </a:ext>
-          </a:extLst>
-        </p:spPr>
-      </p:pic>
-      <p:sp>
-        <p:nvSpPr>
-          <p:cNvPr id="2" name="Title 1"/>
-          <p:cNvSpPr>
-            <a:spLocks noGrp="1"/>
-          </p:cNvSpPr>
-          <p:nvPr>
-            <p:ph type="title"/>
-          </p:nvPr>
-        </p:nvSpPr>
-        <p:spPr/>
-        <p:txBody>
-          <a:bodyPr/>
-          <a:lstStyle/>
-          <a:p>
-            <a:r>
-              <a:rPr lang="en-US" dirty="0"/>
-              <a:t>Analyzing A/B test results</a:t>
-            </a:r>
-            <a:endParaRPr lang="en-US" dirty="0"/>
-          </a:p>
-        </p:txBody>
-      </p:sp>
-      <p:sp>
-        <p:nvSpPr>
-          <p:cNvPr id="3" name="Text Placeholder 2"/>
-          <p:cNvSpPr>
-            <a:spLocks noGrp="1"/>
-          </p:cNvSpPr>
-          <p:nvPr>
-            <p:ph type="body" sz="quarter" idx="14"/>
-          </p:nvPr>
-        </p:nvSpPr>
-        <p:spPr/>
-        <p:txBody>
-          <a:bodyPr/>
-          <a:lstStyle/>
-          <a:p>
-            <a:r>
-              <a:rPr lang="en-US" b="1" dirty="0"/>
-              <a:t>Multiple winning variations</a:t>
-            </a:r>
-          </a:p>
-          <a:p>
-            <a:pPr marL="0" indent="0">
-              <a:buNone/>
-            </a:pPr>
-            <a:r>
-              <a:rPr lang="en-US" dirty="0" smtClean="0"/>
-              <a:t>-</a:t>
-            </a:r>
-            <a:r>
-              <a:rPr lang="en-US" dirty="0"/>
-              <a:t>S</a:t>
-            </a:r>
-            <a:r>
-              <a:rPr lang="en-US" dirty="0" smtClean="0"/>
-              <a:t>egment test </a:t>
-            </a:r>
-            <a:r>
-              <a:rPr lang="en-US" dirty="0"/>
-              <a:t>results just to see how your most valuable customers respond to the changes</a:t>
-            </a:r>
-            <a:r>
-              <a:rPr lang="en-US" dirty="0" smtClean="0"/>
-              <a:t>.</a:t>
-            </a:r>
-          </a:p>
-          <a:p>
-            <a:pPr marL="0" indent="0">
-              <a:buNone/>
-            </a:pPr>
-            <a:endParaRPr lang="en-US" u="sng" dirty="0"/>
-          </a:p>
-          <a:p>
-            <a:pPr marL="0" indent="0">
-              <a:buNone/>
-            </a:pPr>
-            <a:r>
-              <a:rPr lang="en-US" dirty="0"/>
-              <a:t>Analyzing the behavior of your visitors under these segments can help you reveal new insights about their perspective.</a:t>
-            </a:r>
-            <a:endParaRPr lang="en-US" u="sng" dirty="0"/>
-          </a:p>
-        </p:txBody>
-      </p:sp>
-      <p:sp>
-        <p:nvSpPr>
-          <p:cNvPr id="4" name="Slide Number Placeholder 3"/>
-          <p:cNvSpPr>
-            <a:spLocks noGrp="1"/>
-          </p:cNvSpPr>
-          <p:nvPr>
-            <p:ph type="sldNum" sz="quarter" idx="12"/>
-          </p:nvPr>
-        </p:nvSpPr>
-        <p:spPr/>
-        <p:txBody>
-          <a:bodyPr/>
-          <a:lstStyle/>
-          <a:p>
-            <a:fld id="{993221B0-C4CD-1546-9E62-A4249094014D}" type="slidenum">
-              <a:rPr lang="en-GB" smtClean="0"/>
-              <a:pPr/>
-              <a:t>23</a:t>
-            </a:fld>
-            <a:endParaRPr lang="en-GB" dirty="0"/>
-          </a:p>
-        </p:txBody>
-      </p:sp>
-      <p:pic>
-        <p:nvPicPr>
-          <p:cNvPr id="6" name="Picture 2" descr="Breda University of Applied Sciences"/>
-          <p:cNvPicPr>
-            <a:picLocks noChangeAspect="1" noChangeArrowheads="1"/>
-          </p:cNvPicPr>
-          <p:nvPr/>
-        </p:nvPicPr>
-        <p:blipFill>
-          <a:blip r:embed="rId4">
-            <a:extLst>
-              <a:ext uri="{28A0092B-C50C-407E-A947-70E740481C1C}">
-                <a14:useLocalDpi xmlns:a14="http://schemas.microsoft.com/office/drawing/2010/main" val="0"/>
-              </a:ext>
-            </a:extLst>
-          </a:blip>
-          <a:srcRect/>
-          <a:stretch>
-            <a:fillRect/>
-          </a:stretch>
-        </p:blipFill>
-        <p:spPr bwMode="auto">
-          <a:xfrm>
-            <a:off x="0" y="4537973"/>
-            <a:ext cx="1707722" cy="589899"/>
-          </a:xfrm>
-          <a:prstGeom prst="rect">
-            <a:avLst/>
-          </a:prstGeom>
-          <a:noFill/>
-          <a:extLst>
-            <a:ext uri="{909E8E84-426E-40DD-AFC4-6F175D3DCCD1}">
-              <a14:hiddenFill xmlns:a14="http://schemas.microsoft.com/office/drawing/2010/main">
-                <a:solidFill>
-                  <a:srgbClr val="FFFFFF"/>
-                </a:solidFill>
-              </a14:hiddenFill>
-            </a:ext>
-          </a:extLst>
-        </p:spPr>
-      </p:pic>
-    </p:spTree>
-    <p:extLst>
-      <p:ext uri="{BB962C8B-B14F-4D97-AF65-F5344CB8AC3E}">
-        <p14:creationId xmlns:p14="http://schemas.microsoft.com/office/powerpoint/2010/main" val="3273467210"/>
-      </p:ext>
-    </p:extLst>
-  </p:cSld>
-  <p:clrMapOvr>
-    <a:masterClrMapping/>
-  </p:clrMapOvr>
-  <p:timing>
-    <p:tnLst>
-      <p:par>
-        <p:cTn id="1" dur="indefinite" restart="never" nodeType="tmRoot"/>
-      </p:par>
-    </p:tnLst>
-  </p:timing>
-</p:sld>
-</file>
-
-<file path=ppt/slides/slide24.xml><?xml version="1.0" encoding="utf-8"?>
-<p:sld xmlns:a="http://schemas.openxmlformats.org/drawingml/2006/main" xmlns:r="http://schemas.openxmlformats.org/officeDocument/2006/relationships" xmlns:p="http://schemas.openxmlformats.org/presentationml/2006/main">
-  <p:cSld>
-    <p:spTree>
-      <p:nvGrpSpPr>
-        <p:cNvPr id="1" name=""/>
-        <p:cNvGrpSpPr/>
-        <p:nvPr/>
-      </p:nvGrpSpPr>
-      <p:grpSpPr>
-        <a:xfrm>
-          <a:off x="0" y="0"/>
-          <a:ext cx="0" cy="0"/>
-          <a:chOff x="0" y="0"/>
-          <a:chExt cx="0" cy="0"/>
-        </a:xfrm>
-      </p:grpSpPr>
-      <p:pic>
-        <p:nvPicPr>
-          <p:cNvPr id="5" name="Picture 4" descr="White Background Images for Desktop or Mobile | Cool Backgrounds"/>
-          <p:cNvPicPr>
-            <a:picLocks noChangeAspect="1" noChangeArrowheads="1"/>
-          </p:cNvPicPr>
-          <p:nvPr/>
-        </p:nvPicPr>
-        <p:blipFill>
-          <a:blip r:embed="rId3">
-            <a:extLst>
-              <a:ext uri="{28A0092B-C50C-407E-A947-70E740481C1C}">
-                <a14:useLocalDpi xmlns:a14="http://schemas.microsoft.com/office/drawing/2010/main" val="0"/>
-              </a:ext>
-            </a:extLst>
-          </a:blip>
-          <a:srcRect/>
-          <a:stretch>
-            <a:fillRect/>
-          </a:stretch>
-        </p:blipFill>
-        <p:spPr bwMode="auto">
-          <a:xfrm>
-            <a:off x="-76200" y="18199"/>
-            <a:ext cx="9220200" cy="5143500"/>
-          </a:xfrm>
-          <a:prstGeom prst="rect">
-            <a:avLst/>
-          </a:prstGeom>
-          <a:noFill/>
-          <a:extLst>
-            <a:ext uri="{909E8E84-426E-40DD-AFC4-6F175D3DCCD1}">
-              <a14:hiddenFill xmlns:a14="http://schemas.microsoft.com/office/drawing/2010/main">
-                <a:solidFill>
-                  <a:srgbClr val="FFFFFF"/>
-                </a:solidFill>
-              </a14:hiddenFill>
-            </a:ext>
-          </a:extLst>
-        </p:spPr>
-      </p:pic>
-      <p:sp>
-        <p:nvSpPr>
-          <p:cNvPr id="3" name="Text Placeholder 2"/>
-          <p:cNvSpPr>
-            <a:spLocks noGrp="1"/>
-          </p:cNvSpPr>
-          <p:nvPr>
-            <p:ph type="body" sz="quarter" idx="14"/>
-          </p:nvPr>
-        </p:nvSpPr>
-        <p:spPr>
-          <a:xfrm>
-            <a:off x="1169988" y="126513"/>
-            <a:ext cx="7002462" cy="3437994"/>
-          </a:xfrm>
-        </p:spPr>
-        <p:txBody>
-          <a:bodyPr/>
-          <a:lstStyle/>
-          <a:p>
-            <a:pPr marL="0" indent="0" algn="ctr">
-              <a:buNone/>
-            </a:pPr>
-            <a:endParaRPr lang="en-US" sz="4000" b="1" dirty="0" smtClean="0">
-              <a:solidFill>
-                <a:schemeClr val="accent2"/>
-              </a:solidFill>
-            </a:endParaRPr>
-          </a:p>
-          <a:p>
-            <a:pPr marL="0" indent="0" algn="ctr">
-              <a:buNone/>
-            </a:pPr>
-            <a:r>
-              <a:rPr lang="en-US" sz="4000" b="1" dirty="0" smtClean="0">
-                <a:solidFill>
-                  <a:schemeClr val="accent2"/>
-                </a:solidFill>
-                <a:latin typeface="+mj-lt"/>
-              </a:rPr>
-              <a:t>Qualitative a/b testing</a:t>
-            </a:r>
-            <a:endParaRPr lang="en-US" sz="4000" b="1" dirty="0">
-              <a:solidFill>
-                <a:schemeClr val="accent2"/>
-              </a:solidFill>
-              <a:latin typeface="+mj-lt"/>
-            </a:endParaRPr>
-          </a:p>
-        </p:txBody>
-      </p:sp>
-      <p:sp>
-        <p:nvSpPr>
-          <p:cNvPr id="4" name="Slide Number Placeholder 3"/>
-          <p:cNvSpPr>
-            <a:spLocks noGrp="1"/>
-          </p:cNvSpPr>
-          <p:nvPr>
-            <p:ph type="sldNum" sz="quarter" idx="12"/>
-          </p:nvPr>
-        </p:nvSpPr>
-        <p:spPr/>
-        <p:txBody>
-          <a:bodyPr/>
-          <a:lstStyle/>
-          <a:p>
-            <a:fld id="{993221B0-C4CD-1546-9E62-A4249094014D}" type="slidenum">
-              <a:rPr lang="en-GB" smtClean="0"/>
-              <a:pPr/>
-              <a:t>24</a:t>
-            </a:fld>
-            <a:endParaRPr lang="en-GB" dirty="0"/>
-          </a:p>
-        </p:txBody>
-      </p:sp>
-      <p:pic>
-        <p:nvPicPr>
-          <p:cNvPr id="6" name="Picture 2" descr="Breda University of Applied Sciences"/>
-          <p:cNvPicPr>
-            <a:picLocks noChangeAspect="1" noChangeArrowheads="1"/>
-          </p:cNvPicPr>
-          <p:nvPr/>
-        </p:nvPicPr>
-        <p:blipFill>
-          <a:blip r:embed="rId4">
-            <a:extLst>
-              <a:ext uri="{28A0092B-C50C-407E-A947-70E740481C1C}">
-                <a14:useLocalDpi xmlns:a14="http://schemas.microsoft.com/office/drawing/2010/main" val="0"/>
-              </a:ext>
-            </a:extLst>
-          </a:blip>
-          <a:srcRect/>
-          <a:stretch>
-            <a:fillRect/>
-          </a:stretch>
-        </p:blipFill>
-        <p:spPr bwMode="auto">
-          <a:xfrm>
-            <a:off x="0" y="4537973"/>
-            <a:ext cx="1707722" cy="589899"/>
-          </a:xfrm>
-          <a:prstGeom prst="rect">
-            <a:avLst/>
-          </a:prstGeom>
-          <a:noFill/>
-          <a:extLst>
-            <a:ext uri="{909E8E84-426E-40DD-AFC4-6F175D3DCCD1}">
-              <a14:hiddenFill xmlns:a14="http://schemas.microsoft.com/office/drawing/2010/main">
-                <a:solidFill>
-                  <a:srgbClr val="FFFFFF"/>
-                </a:solidFill>
-              </a14:hiddenFill>
-            </a:ext>
-          </a:extLst>
-        </p:spPr>
-      </p:pic>
-      <p:pic>
-        <p:nvPicPr>
-          <p:cNvPr id="3074" name="Picture 2" descr="How to Do A/B Testing: 15 Steps for the Perfect Split Test"/>
-          <p:cNvPicPr>
-            <a:picLocks noChangeAspect="1" noChangeArrowheads="1"/>
-          </p:cNvPicPr>
-          <p:nvPr/>
-        </p:nvPicPr>
-        <p:blipFill>
-          <a:blip r:embed="rId5">
-            <a:extLst>
-              <a:ext uri="{28A0092B-C50C-407E-A947-70E740481C1C}">
-                <a14:useLocalDpi xmlns:a14="http://schemas.microsoft.com/office/drawing/2010/main" val="0"/>
-              </a:ext>
-            </a:extLst>
-          </a:blip>
-          <a:srcRect/>
-          <a:stretch>
-            <a:fillRect/>
-          </a:stretch>
-        </p:blipFill>
-        <p:spPr bwMode="auto">
-          <a:xfrm>
-            <a:off x="2051844" y="1281078"/>
-            <a:ext cx="5238750" cy="3657600"/>
-          </a:xfrm>
-          <a:prstGeom prst="rect">
-            <a:avLst/>
-          </a:prstGeom>
-          <a:noFill/>
-          <a:extLst>
-            <a:ext uri="{909E8E84-426E-40DD-AFC4-6F175D3DCCD1}">
-              <a14:hiddenFill xmlns:a14="http://schemas.microsoft.com/office/drawing/2010/main">
-                <a:solidFill>
-                  <a:srgbClr val="FFFFFF"/>
-                </a:solidFill>
-              </a14:hiddenFill>
-            </a:ext>
-          </a:extLst>
-        </p:spPr>
-      </p:pic>
-    </p:spTree>
-    <p:extLst>
-      <p:ext uri="{BB962C8B-B14F-4D97-AF65-F5344CB8AC3E}">
-        <p14:creationId xmlns:p14="http://schemas.microsoft.com/office/powerpoint/2010/main" val="929577429"/>
-      </p:ext>
-    </p:extLst>
-  </p:cSld>
-  <p:clrMapOvr>
-    <a:masterClrMapping/>
-  </p:clrMapOvr>
-  <p:timing>
-    <p:tnLst>
-      <p:par>
-        <p:cTn id="1" dur="indefinite" restart="never" nodeType="tmRoot"/>
-      </p:par>
-    </p:tnLst>
-  </p:timing>
-</p:sld>
-</file>
-
-<file path=ppt/slides/slide25.xml><?xml version="1.0" encoding="utf-8"?>
-<p:sld xmlns:a="http://schemas.openxmlformats.org/drawingml/2006/main" xmlns:r="http://schemas.openxmlformats.org/officeDocument/2006/relationships" xmlns:p="http://schemas.openxmlformats.org/presentationml/2006/main">
-  <p:cSld>
-    <p:spTree>
-      <p:nvGrpSpPr>
-        <p:cNvPr id="1" name=""/>
-        <p:cNvGrpSpPr/>
-        <p:nvPr/>
-      </p:nvGrpSpPr>
-      <p:grpSpPr>
-        <a:xfrm>
-          <a:off x="0" y="0"/>
-          <a:ext cx="0" cy="0"/>
-          <a:chOff x="0" y="0"/>
-          <a:chExt cx="0" cy="0"/>
-        </a:xfrm>
-      </p:grpSpPr>
-      <p:pic>
-        <p:nvPicPr>
-          <p:cNvPr id="5" name="Picture 4" descr="White Background Images for Desktop or Mobile | Cool Backgrounds"/>
-          <p:cNvPicPr>
-            <a:picLocks noChangeAspect="1" noChangeArrowheads="1"/>
-          </p:cNvPicPr>
-          <p:nvPr/>
-        </p:nvPicPr>
-        <p:blipFill>
-          <a:blip r:embed="rId3">
-            <a:extLst>
-              <a:ext uri="{28A0092B-C50C-407E-A947-70E740481C1C}">
-                <a14:useLocalDpi xmlns:a14="http://schemas.microsoft.com/office/drawing/2010/main" val="0"/>
-              </a:ext>
-            </a:extLst>
-          </a:blip>
-          <a:srcRect/>
-          <a:stretch>
-            <a:fillRect/>
-          </a:stretch>
-        </p:blipFill>
-        <p:spPr bwMode="auto">
-          <a:xfrm>
-            <a:off x="-76200" y="18199"/>
-            <a:ext cx="9220200" cy="5143500"/>
-          </a:xfrm>
-          <a:prstGeom prst="rect">
-            <a:avLst/>
-          </a:prstGeom>
-          <a:noFill/>
-          <a:extLst>
-            <a:ext uri="{909E8E84-426E-40DD-AFC4-6F175D3DCCD1}">
-              <a14:hiddenFill xmlns:a14="http://schemas.microsoft.com/office/drawing/2010/main">
-                <a:solidFill>
-                  <a:srgbClr val="FFFFFF"/>
-                </a:solidFill>
-              </a14:hiddenFill>
-            </a:ext>
-          </a:extLst>
-        </p:spPr>
-      </p:pic>
-      <p:sp>
-        <p:nvSpPr>
-          <p:cNvPr id="2" name="Title 1"/>
-          <p:cNvSpPr>
-            <a:spLocks noGrp="1"/>
-          </p:cNvSpPr>
-          <p:nvPr>
-            <p:ph type="title"/>
-          </p:nvPr>
-        </p:nvSpPr>
-        <p:spPr>
-          <a:xfrm>
-            <a:off x="1169987" y="400823"/>
-            <a:ext cx="7002463" cy="818910"/>
-          </a:xfrm>
-        </p:spPr>
-        <p:txBody>
-          <a:bodyPr/>
-          <a:lstStyle/>
-          <a:p>
-            <a:r>
-              <a:rPr lang="en-US" b="0" dirty="0"/>
-              <a:t>S</a:t>
-            </a:r>
-            <a:r>
-              <a:rPr lang="en-US" b="0" dirty="0" smtClean="0"/>
-              <a:t>teps </a:t>
-            </a:r>
-            <a:r>
-              <a:rPr lang="en-US" b="0" dirty="0"/>
-              <a:t>for gathering qualitative data for A/B tests</a:t>
-            </a:r>
-          </a:p>
-        </p:txBody>
-      </p:sp>
-      <p:sp>
-        <p:nvSpPr>
-          <p:cNvPr id="3" name="Text Placeholder 2"/>
-          <p:cNvSpPr>
-            <a:spLocks noGrp="1"/>
-          </p:cNvSpPr>
-          <p:nvPr>
-            <p:ph type="body" sz="quarter" idx="14"/>
-          </p:nvPr>
-        </p:nvSpPr>
-        <p:spPr>
-          <a:xfrm>
-            <a:off x="636814" y="1318382"/>
-            <a:ext cx="8164286" cy="3197357"/>
-          </a:xfrm>
-        </p:spPr>
-        <p:txBody>
-          <a:bodyPr/>
-          <a:lstStyle/>
-          <a:p>
-            <a:r>
-              <a:rPr lang="en-US" sz="2000" dirty="0" smtClean="0"/>
-              <a:t>Get </a:t>
-            </a:r>
-            <a:r>
-              <a:rPr lang="en-US" sz="2000" dirty="0"/>
-              <a:t>users to go through both variations of the design, with the same task and questions to avoid </a:t>
-            </a:r>
-            <a:r>
-              <a:rPr lang="en-US" sz="2000" dirty="0" smtClean="0"/>
-              <a:t>bias;</a:t>
-            </a:r>
-          </a:p>
-          <a:p>
-            <a:pPr marL="0" indent="0">
-              <a:buNone/>
-            </a:pPr>
-            <a:endParaRPr lang="en-US" sz="2000" dirty="0" smtClean="0"/>
-          </a:p>
-          <a:p>
-            <a:r>
-              <a:rPr lang="en-US" sz="2000" dirty="0"/>
-              <a:t>Ensure the order of presentation of the designs is </a:t>
-            </a:r>
-            <a:r>
-              <a:rPr lang="en-US" sz="2000" dirty="0" smtClean="0"/>
-              <a:t>counterbalanced;</a:t>
-            </a:r>
-          </a:p>
-          <a:p>
-            <a:endParaRPr lang="en-US" sz="2000" dirty="0" smtClean="0"/>
-          </a:p>
-          <a:p>
-            <a:r>
-              <a:rPr lang="en-US" sz="2000" dirty="0"/>
-              <a:t>Finally, compare the responses you received on variation A compared to the responses you received on variation B to see if there are any key themes, motivations, or barriers that stood out.</a:t>
-            </a:r>
-            <a:r>
-              <a:rPr lang="en-US" sz="2000" u="sng" dirty="0" smtClean="0"/>
-              <a:t> </a:t>
-            </a:r>
-            <a:endParaRPr lang="en-US" sz="2000" u="sng" dirty="0"/>
-          </a:p>
-        </p:txBody>
-      </p:sp>
-      <p:sp>
-        <p:nvSpPr>
-          <p:cNvPr id="4" name="Slide Number Placeholder 3"/>
-          <p:cNvSpPr>
-            <a:spLocks noGrp="1"/>
-          </p:cNvSpPr>
-          <p:nvPr>
-            <p:ph type="sldNum" sz="quarter" idx="12"/>
-          </p:nvPr>
-        </p:nvSpPr>
-        <p:spPr/>
-        <p:txBody>
-          <a:bodyPr/>
-          <a:lstStyle/>
-          <a:p>
-            <a:fld id="{993221B0-C4CD-1546-9E62-A4249094014D}" type="slidenum">
-              <a:rPr lang="en-GB" smtClean="0"/>
-              <a:pPr/>
-              <a:t>25</a:t>
-            </a:fld>
-            <a:endParaRPr lang="en-GB" dirty="0"/>
-          </a:p>
-        </p:txBody>
-      </p:sp>
-      <p:pic>
-        <p:nvPicPr>
-          <p:cNvPr id="6" name="Picture 2" descr="Breda University of Applied Sciences"/>
-          <p:cNvPicPr>
-            <a:picLocks noChangeAspect="1" noChangeArrowheads="1"/>
-          </p:cNvPicPr>
-          <p:nvPr/>
-        </p:nvPicPr>
-        <p:blipFill>
-          <a:blip r:embed="rId4">
-            <a:extLst>
-              <a:ext uri="{28A0092B-C50C-407E-A947-70E740481C1C}">
-                <a14:useLocalDpi xmlns:a14="http://schemas.microsoft.com/office/drawing/2010/main" val="0"/>
-              </a:ext>
-            </a:extLst>
-          </a:blip>
-          <a:srcRect/>
-          <a:stretch>
-            <a:fillRect/>
-          </a:stretch>
-        </p:blipFill>
-        <p:spPr bwMode="auto">
-          <a:xfrm>
-            <a:off x="0" y="4537973"/>
-            <a:ext cx="1707722" cy="589899"/>
-          </a:xfrm>
-          <a:prstGeom prst="rect">
-            <a:avLst/>
-          </a:prstGeom>
-          <a:noFill/>
-          <a:extLst>
-            <a:ext uri="{909E8E84-426E-40DD-AFC4-6F175D3DCCD1}">
-              <a14:hiddenFill xmlns:a14="http://schemas.microsoft.com/office/drawing/2010/main">
-                <a:solidFill>
-                  <a:srgbClr val="FFFFFF"/>
-                </a:solidFill>
-              </a14:hiddenFill>
-            </a:ext>
-          </a:extLst>
-        </p:spPr>
-      </p:pic>
-    </p:spTree>
-    <p:extLst>
-      <p:ext uri="{BB962C8B-B14F-4D97-AF65-F5344CB8AC3E}">
-        <p14:creationId xmlns:p14="http://schemas.microsoft.com/office/powerpoint/2010/main" val="3818919058"/>
-      </p:ext>
-    </p:extLst>
-  </p:cSld>
-  <p:clrMapOvr>
-    <a:masterClrMapping/>
-  </p:clrMapOvr>
-  <p:timing>
-    <p:tnLst>
-      <p:par>
-        <p:cTn id="1" dur="indefinite" restart="never" nodeType="tmRoot"/>
-      </p:par>
-    </p:tnLst>
-  </p:timing>
-</p:sld>
-</file>
-
-<file path=ppt/slides/slide26.xml><?xml version="1.0" encoding="utf-8"?>
-<p:sld xmlns:a="http://schemas.openxmlformats.org/drawingml/2006/main" xmlns:r="http://schemas.openxmlformats.org/officeDocument/2006/relationships" xmlns:p="http://schemas.openxmlformats.org/presentationml/2006/main">
-  <p:cSld>
-    <p:spTree>
-      <p:nvGrpSpPr>
-        <p:cNvPr id="1" name=""/>
-        <p:cNvGrpSpPr/>
-        <p:nvPr/>
-      </p:nvGrpSpPr>
-      <p:grpSpPr>
-        <a:xfrm>
-          <a:off x="0" y="0"/>
-          <a:ext cx="0" cy="0"/>
-          <a:chOff x="0" y="0"/>
-          <a:chExt cx="0" cy="0"/>
-        </a:xfrm>
-      </p:grpSpPr>
-      <p:sp>
-        <p:nvSpPr>
-          <p:cNvPr id="2" name="Title 1">
-            <a:extLst>
-              <a:ext uri="{FF2B5EF4-FFF2-40B4-BE49-F238E27FC236}">
-                <a16:creationId xmlns:a16="http://schemas.microsoft.com/office/drawing/2014/main" id="{0D7CA8DD-909E-6B48-85E9-7CFE5A74EE1D}"/>
-              </a:ext>
-            </a:extLst>
-          </p:cNvPr>
-          <p:cNvSpPr>
-            <a:spLocks noGrp="1"/>
-          </p:cNvSpPr>
-          <p:nvPr>
-            <p:ph type="title"/>
-          </p:nvPr>
-        </p:nvSpPr>
-        <p:spPr/>
-        <p:txBody>
-          <a:bodyPr/>
-          <a:lstStyle/>
-          <a:p>
-            <a:endParaRPr lang="nl-NL"/>
-          </a:p>
-        </p:txBody>
-      </p:sp>
-      <p:sp>
-        <p:nvSpPr>
-          <p:cNvPr id="3" name="Text Placeholder 2">
-            <a:extLst>
-              <a:ext uri="{FF2B5EF4-FFF2-40B4-BE49-F238E27FC236}">
-                <a16:creationId xmlns:a16="http://schemas.microsoft.com/office/drawing/2014/main" id="{1BA48E9E-D62A-CD4E-B2F3-22B1E85959B2}"/>
-              </a:ext>
-            </a:extLst>
-          </p:cNvPr>
-          <p:cNvSpPr>
-            <a:spLocks noGrp="1"/>
-          </p:cNvSpPr>
-          <p:nvPr>
-            <p:ph type="body" sz="quarter" idx="13"/>
-          </p:nvPr>
-        </p:nvSpPr>
-        <p:spPr/>
-        <p:txBody>
-          <a:bodyPr/>
-          <a:lstStyle/>
-          <a:p>
-            <a:endParaRPr lang="nl-NL"/>
-          </a:p>
-        </p:txBody>
-      </p:sp>
-      <p:pic>
-        <p:nvPicPr>
-          <p:cNvPr id="4" name="Picture 2" descr="ÐÐ°ÑÑÐ¸Ð½ÐºÐ¸ Ð¿Ð¾ Ð·Ð°Ð¿ÑÐ¾ÑÑ questions"/>
-          <p:cNvPicPr>
-            <a:picLocks noChangeAspect="1" noChangeArrowheads="1"/>
-          </p:cNvPicPr>
-          <p:nvPr/>
-        </p:nvPicPr>
-        <p:blipFill>
-          <a:blip r:embed="rId2">
-            <a:extLst>
-              <a:ext uri="{28A0092B-C50C-407E-A947-70E740481C1C}">
-                <a14:useLocalDpi xmlns:a14="http://schemas.microsoft.com/office/drawing/2010/main" val="0"/>
-              </a:ext>
-            </a:extLst>
-          </a:blip>
-          <a:srcRect/>
-          <a:stretch>
-            <a:fillRect/>
-          </a:stretch>
-        </p:blipFill>
-        <p:spPr bwMode="auto">
-          <a:xfrm>
-            <a:off x="34925" y="0"/>
-            <a:ext cx="9109075" cy="4523874"/>
-          </a:xfrm>
-          <a:prstGeom prst="rect">
-            <a:avLst/>
-          </a:prstGeom>
-          <a:noFill/>
-          <a:extLst>
-            <a:ext uri="{909E8E84-426E-40DD-AFC4-6F175D3DCCD1}">
-              <a14:hiddenFill xmlns:a14="http://schemas.microsoft.com/office/drawing/2010/main">
-                <a:solidFill>
-                  <a:srgbClr val="FFFFFF"/>
-                </a:solidFill>
-              </a14:hiddenFill>
-            </a:ext>
-          </a:extLst>
-        </p:spPr>
-      </p:pic>
-    </p:spTree>
-    <p:extLst>
-      <p:ext uri="{BB962C8B-B14F-4D97-AF65-F5344CB8AC3E}">
-        <p14:creationId xmlns:p14="http://schemas.microsoft.com/office/powerpoint/2010/main" val="3665680473"/>
       </p:ext>
     </p:extLst>
   </p:cSld>
@@ -14705,7 +11024,7 @@
       </p:grpSpPr>
       <p:pic>
         <p:nvPicPr>
-          <p:cNvPr id="6" name="Picture 4" descr="White Background Images for Desktop or Mobile | Cool Backgrounds"/>
+          <p:cNvPr id="9" name="Picture 4" descr="White Background Images for Desktop or Mobile | Cool Backgrounds"/>
           <p:cNvPicPr>
             <a:picLocks noChangeAspect="1" noChangeArrowheads="1"/>
           </p:cNvPicPr>
@@ -14726,7 +11045,7 @@
         </p:blipFill>
         <p:spPr bwMode="auto">
           <a:xfrm>
-            <a:off x="0" y="-15628"/>
+            <a:off x="0" y="0"/>
             <a:ext cx="9220200" cy="5143500"/>
           </a:xfrm>
           <a:prstGeom prst="rect">
@@ -14754,105 +11073,20 @@
             <p:ph type="title"/>
           </p:nvPr>
         </p:nvSpPr>
-        <p:spPr/>
+        <p:spPr>
+          <a:xfrm>
+            <a:off x="1169987" y="457319"/>
+            <a:ext cx="7745413" cy="781901"/>
+          </a:xfrm>
+        </p:spPr>
         <p:txBody>
           <a:bodyPr/>
           <a:lstStyle/>
           <a:p>
             <a:r>
-              <a:rPr lang="en-US" dirty="0" smtClean="0"/>
-              <a:t>A/B testing</a:t>
-            </a:r>
-            <a:endParaRPr lang="en-US" dirty="0"/>
-          </a:p>
-        </p:txBody>
-      </p:sp>
-      <p:sp>
-        <p:nvSpPr>
-          <p:cNvPr id="3" name="Text Placeholder 2"/>
-          <p:cNvSpPr>
-            <a:spLocks noGrp="1"/>
-          </p:cNvSpPr>
-          <p:nvPr>
-            <p:ph type="body" sz="quarter" idx="14"/>
-          </p:nvPr>
-        </p:nvSpPr>
-        <p:spPr>
-          <a:xfrm>
-            <a:off x="395288" y="1470099"/>
-            <a:ext cx="6057900" cy="2103604"/>
-          </a:xfrm>
-        </p:spPr>
-        <p:txBody>
-          <a:bodyPr/>
-          <a:lstStyle/>
-          <a:p>
-            <a:pPr marL="0" indent="0">
-              <a:buNone/>
-            </a:pPr>
-            <a:r>
-              <a:rPr lang="en-US" sz="2000" dirty="0" smtClean="0"/>
-              <a:t>The </a:t>
-            </a:r>
-            <a:r>
-              <a:rPr lang="en-US" sz="2000" dirty="0"/>
-              <a:t>A/B test can be considered the most basic kind of randomized controlled </a:t>
-            </a:r>
-            <a:r>
-              <a:rPr lang="en-US" sz="2000" dirty="0" smtClean="0"/>
-              <a:t>experiment</a:t>
-            </a:r>
-            <a:r>
-              <a:rPr lang="en-US" sz="2000" dirty="0" smtClean="0"/>
-              <a:t>.</a:t>
-            </a:r>
-          </a:p>
-          <a:p>
-            <a:pPr marL="0" indent="0">
-              <a:buNone/>
-            </a:pPr>
-            <a:r>
-              <a:rPr lang="en-US" sz="2000" dirty="0" smtClean="0"/>
-              <a:t>You </a:t>
-            </a:r>
-            <a:r>
-              <a:rPr lang="en-US" sz="2000" dirty="0"/>
-              <a:t>must estimate the sample size </a:t>
-            </a:r>
-            <a:r>
-              <a:rPr lang="en-US" sz="2000" dirty="0" smtClean="0"/>
-              <a:t>you need </a:t>
-            </a:r>
-            <a:r>
-              <a:rPr lang="en-US" sz="2000" dirty="0"/>
-              <a:t>to achieve a </a:t>
-            </a:r>
-            <a:r>
-              <a:rPr lang="en-US" sz="2000" dirty="0" smtClean="0">
-                <a:solidFill>
-                  <a:schemeClr val="accent1"/>
-                </a:solidFill>
-                <a:hlinkClick r:id="rId4"/>
-              </a:rPr>
-              <a:t>statistical significance</a:t>
-            </a:r>
-            <a:r>
-              <a:rPr lang="en-US" sz="2000" dirty="0">
-                <a:solidFill>
-                  <a:schemeClr val="accent1"/>
-                </a:solidFill>
-              </a:rPr>
-              <a:t>, </a:t>
-            </a:r>
-            <a:r>
-              <a:rPr lang="en-US" sz="2000" dirty="0"/>
-              <a:t>which will help you make sure the result you’re seeing “isn’t just because </a:t>
-            </a:r>
-            <a:r>
-              <a:rPr lang="en-US" sz="2000" dirty="0" smtClean="0"/>
-              <a:t>of background noise”.</a:t>
-            </a:r>
-            <a:endParaRPr lang="en-US" sz="2000" dirty="0"/>
+              <a:rPr lang="en-US" dirty="0"/>
+              <a:t>Why should I conduct “ A/B testing?”</a:t>
+            </a:r>
           </a:p>
         </p:txBody>
       </p:sp>
@@ -14880,16 +11114,106 @@
           </a:p>
         </p:txBody>
       </p:sp>
+      <p:sp>
+        <p:nvSpPr>
+          <p:cNvPr id="5" name="Text Placeholder 4"/>
+          <p:cNvSpPr>
+            <a:spLocks noGrp="1"/>
+          </p:cNvSpPr>
+          <p:nvPr>
+            <p:ph type="body" sz="quarter" idx="14"/>
+          </p:nvPr>
+        </p:nvSpPr>
+        <p:spPr>
+          <a:xfrm>
+            <a:off x="801688" y="1598446"/>
+            <a:ext cx="4513262" cy="3102388"/>
+          </a:xfrm>
+          <a:prstGeom prst="rect">
+            <a:avLst/>
+          </a:prstGeom>
+        </p:spPr>
+        <p:txBody>
+          <a:bodyPr wrap="square">
+            <a:spAutoFit/>
+          </a:bodyPr>
+          <a:lstStyle/>
+          <a:p>
+            <a:r>
+              <a:rPr lang="en-US" dirty="0" smtClean="0"/>
+              <a:t>A/B </a:t>
+            </a:r>
+            <a:r>
+              <a:rPr lang="en-US" dirty="0"/>
+              <a:t>testing of landing pages can generate up to 30-40</a:t>
+            </a:r>
+            <a:r>
+              <a:rPr lang="en-US" dirty="0" smtClean="0"/>
+              <a:t>%</a:t>
+            </a:r>
+          </a:p>
+          <a:p>
+            <a:pPr marL="0" indent="0">
+              <a:buNone/>
+            </a:pPr>
+            <a:r>
+              <a:rPr lang="en-US" dirty="0" smtClean="0"/>
+              <a:t>more </a:t>
+            </a:r>
+            <a:r>
+              <a:rPr lang="en-US" dirty="0"/>
+              <a:t>leads for B2B </a:t>
+            </a:r>
+            <a:r>
+              <a:rPr lang="en-US" dirty="0" smtClean="0"/>
+              <a:t>sites;</a:t>
+            </a:r>
+          </a:p>
+          <a:p>
+            <a:r>
+              <a:rPr lang="en-US" dirty="0"/>
+              <a:t>20-25% more leads for </a:t>
+            </a:r>
+            <a:r>
+              <a:rPr lang="en-US" dirty="0" err="1"/>
+              <a:t>eCommerce</a:t>
+            </a:r>
+            <a:r>
+              <a:rPr lang="en-US" dirty="0"/>
+              <a:t> </a:t>
+            </a:r>
+            <a:r>
+              <a:rPr lang="en-US" dirty="0" smtClean="0"/>
+              <a:t>sites;</a:t>
+            </a:r>
+          </a:p>
+          <a:p>
+            <a:r>
+              <a:rPr lang="en-US" dirty="0" smtClean="0"/>
+              <a:t>Only </a:t>
+            </a:r>
+            <a:r>
+              <a:rPr lang="en-US" dirty="0"/>
+              <a:t>40% of marketers validate test </a:t>
+            </a:r>
+            <a:r>
+              <a:rPr lang="en-US" dirty="0" smtClean="0"/>
+              <a:t>results.</a:t>
+            </a:r>
+            <a:endParaRPr lang="en-US" dirty="0"/>
+          </a:p>
+        </p:txBody>
+      </p:sp>
       <p:pic>
         <p:nvPicPr>
-          <p:cNvPr id="15362" name="Picture 2" descr="CMD Methods Pack - find a combination of research methods that suit your  needs"/>
+          <p:cNvPr id="11" name="Picture 2" descr="A/B-testen met WordPress | Verhoog je conversie door te exerimenteren!"/>
           <p:cNvPicPr>
             <a:picLocks noChangeAspect="1" noChangeArrowheads="1"/>
           </p:cNvPicPr>
           <p:nvPr/>
         </p:nvPicPr>
         <p:blipFill>
-          <a:blip r:embed="rId5">
+          <a:blip r:embed="rId4">
             <a:extLst>
               <a:ext uri="{28A0092B-C50C-407E-A947-70E740481C1C}">
                 <a14:useLocalDpi xmlns:a14="http://schemas.microsoft.com/office/drawing/2010/main" val="0"/>
@@ -14903,8 +11227,8 @@
         </p:blipFill>
         <p:spPr bwMode="auto">
           <a:xfrm>
-            <a:off x="5961756" y="837109"/>
-            <a:ext cx="3653732" cy="3267968"/>
+            <a:off x="5085265" y="1910203"/>
+            <a:ext cx="3830135" cy="1854925"/>
           </a:xfrm>
           <a:prstGeom prst="rect">
             <a:avLst/>
@@ -14930,7 +11254,7 @@
           <p:nvPr/>
         </p:nvPicPr>
         <p:blipFill>
-          <a:blip r:embed="rId6">
+          <a:blip r:embed="rId5">
             <a:extLst>
               <a:ext uri="{28A0092B-C50C-407E-A947-70E740481C1C}">
                 <a14:useLocalDpi xmlns:a14="http://schemas.microsoft.com/office/drawing/2010/main" val="0"/>
@@ -14944,7 +11268,7 @@
         </p:blipFill>
         <p:spPr bwMode="auto">
           <a:xfrm>
-            <a:off x="0" y="4537973"/>
+            <a:off x="7436278" y="4471849"/>
             <a:ext cx="1707722" cy="589899"/>
           </a:xfrm>
           <a:prstGeom prst="rect">
@@ -14965,7 +11289,7 @@
     </p:spTree>
     <p:extLst>
       <p:ext uri="{BB962C8B-B14F-4D97-AF65-F5344CB8AC3E}">
-        <p14:creationId xmlns:p14="http://schemas.microsoft.com/office/powerpoint/2010/main" val="1936811963"/>
+        <p14:creationId xmlns:p14="http://schemas.microsoft.com/office/powerpoint/2010/main" val="1754025983"/>
       </p:ext>
     </p:extLst>
   </p:cSld>
@@ -15001,7 +11325,7 @@
       </p:grpSpPr>
       <p:pic>
         <p:nvPicPr>
-          <p:cNvPr id="5" name="Picture 4" descr="White Background Images for Desktop or Mobile | Cool Backgrounds"/>
+          <p:cNvPr id="6" name="Picture 4" descr="White Background Images for Desktop or Mobile | Cool Backgrounds"/>
           <p:cNvPicPr>
             <a:picLocks noChangeAspect="1" noChangeArrowheads="1"/>
           </p:cNvPicPr>
@@ -15022,7 +11346,7 @@
         </p:blipFill>
         <p:spPr bwMode="auto">
           <a:xfrm>
-            <a:off x="0" y="-15628"/>
+            <a:off x="0" y="0"/>
             <a:ext cx="9220200" cy="5143500"/>
           </a:xfrm>
           <a:prstGeom prst="rect">
@@ -15056,8 +11380,16 @@
           <a:lstStyle/>
           <a:p>
             <a:r>
-              <a:rPr lang="en-US" dirty="0"/>
-              <a:t>A/B testing</a:t>
+              <a:rPr lang="en-US" sz="2800" dirty="0"/>
+              <a:t> </a:t>
+            </a:r>
+            <a:r>
+              <a:rPr lang="en-US" sz="2800" dirty="0" smtClean="0"/>
+              <a:t>Guidelines </a:t>
+            </a:r>
+            <a:r>
+              <a:rPr lang="en-US" sz="2800" dirty="0"/>
+              <a:t>for effective A/B Testing</a:t>
             </a:r>
           </a:p>
         </p:txBody>
@@ -15074,57 +11406,80 @@
         </p:nvSpPr>
         <p:spPr>
           <a:xfrm>
-            <a:off x="761774" y="1138410"/>
-            <a:ext cx="7002462" cy="3437994"/>
+            <a:off x="1083926" y="1056076"/>
+            <a:ext cx="4418012" cy="3437994"/>
           </a:xfrm>
         </p:spPr>
         <p:txBody>
           <a:bodyPr/>
           <a:lstStyle/>
           <a:p>
+            <a:pPr marL="0" indent="0">
+              <a:buNone/>
+            </a:pPr>
+            <a:r>
+              <a:rPr lang="en-US" dirty="0" smtClean="0"/>
+              <a:t>#1 Only conduct one test at a time</a:t>
+            </a:r>
+          </a:p>
+          <a:p>
+            <a:pPr marL="0" indent="0">
+              <a:buNone/>
+            </a:pPr>
+            <a:r>
+              <a:rPr lang="en-US" dirty="0" smtClean="0"/>
+              <a:t>#</a:t>
+            </a:r>
             <a:r>
               <a:rPr lang="en-US" dirty="0"/>
-              <a:t>T</a:t>
+              <a:t>2 </a:t>
             </a:r>
             <a:r>
               <a:rPr lang="en-US" dirty="0" smtClean="0"/>
-              <a:t>he </a:t>
-            </a:r>
+              <a:t>Test one variable at a time</a:t>
+            </a:r>
+          </a:p>
+          <a:p>
+            <a:pPr marL="0" indent="0">
+              <a:buNone/>
+            </a:pPr>
             <a:r>
               <a:rPr lang="en-US" dirty="0"/>
-              <a:t>test analyst should first divide the users by mobile and desktop and then randomly assign them to each version. </a:t>
-            </a:r>
-            <a:endParaRPr lang="en-US" dirty="0" smtClean="0"/>
-          </a:p>
-          <a:p>
-            <a:endParaRPr lang="en-US" dirty="0"/>
-          </a:p>
-          <a:p>
-            <a:pPr marL="0" indent="0" algn="ctr">
+              <a:t>#3 </a:t>
+            </a:r>
+            <a:r>
+              <a:rPr lang="en-US" dirty="0" smtClean="0"/>
+              <a:t>Test </a:t>
+            </a:r>
+            <a:r>
+              <a:rPr lang="en-US" dirty="0"/>
+              <a:t>minor changes, </a:t>
+            </a:r>
+            <a:r>
+              <a:rPr lang="en-US" dirty="0" smtClean="0"/>
+              <a:t>too</a:t>
+            </a:r>
+          </a:p>
+          <a:p>
+            <a:pPr marL="0" indent="0">
               <a:buNone/>
             </a:pPr>
             <a:r>
               <a:rPr lang="en-US" dirty="0" smtClean="0"/>
-              <a:t>This </a:t>
+              <a:t>#</a:t>
             </a:r>
             <a:r>
               <a:rPr lang="en-US" dirty="0"/>
-              <a:t>is called </a:t>
-            </a:r>
-            <a:r>
-              <a:rPr lang="en-US" sz="2800" b="1" dirty="0">
-                <a:solidFill>
-                  <a:schemeClr val="accent1"/>
-                </a:solidFill>
-                <a:hlinkClick r:id="rId4"/>
-              </a:rPr>
-              <a:t>blocking</a:t>
+              <a:t>4 </a:t>
+            </a:r>
+            <a:r>
+              <a:rPr lang="en-US" dirty="0" smtClean="0"/>
+              <a:t>Measure </a:t>
             </a:r>
             <a:r>
               <a:rPr lang="en-US" dirty="0"/>
-              <a:t>.</a:t>
-            </a:r>
-            <a:endParaRPr lang="en-US" dirty="0"/>
+              <a:t>as far down the funnel as possible</a:t>
+            </a:r>
           </a:p>
         </p:txBody>
       </p:sp>
@@ -15154,7 +11509,37 @@
       </p:sp>
       <p:pic>
         <p:nvPicPr>
-          <p:cNvPr id="6" name="Picture 2" descr="CMD Methods Pack - find a combination of research methods that suit your  needs"/>
+          <p:cNvPr id="5" name="Picture 4"/>
+          <p:cNvPicPr>
+            <a:picLocks noChangeAspect="1"/>
+          </p:cNvPicPr>
+          <p:nvPr/>
+        </p:nvPicPr>
+        <p:blipFill>
+          <a:blip r:embed="rId4">
+            <a:extLst>
+              <a:ext uri="{28A0092B-C50C-407E-A947-70E740481C1C}">
+                <a14:useLocalDpi xmlns:a14="http://schemas.microsoft.com/office/drawing/2010/main" val="0"/>
+              </a:ext>
+            </a:extLst>
+          </a:blip>
+          <a:stretch>
+            <a:fillRect/>
+          </a:stretch>
+        </p:blipFill>
+        <p:spPr>
+          <a:xfrm>
+            <a:off x="5301997" y="1122255"/>
+            <a:ext cx="3620005" cy="3305636"/>
+          </a:xfrm>
+          <a:prstGeom prst="rect">
+            <a:avLst/>
+          </a:prstGeom>
+        </p:spPr>
+      </p:pic>
+      <p:pic>
+        <p:nvPicPr>
+          <p:cNvPr id="7" name="Picture 2" descr="Breda University of Applied Sciences"/>
           <p:cNvPicPr>
             <a:picLocks noChangeAspect="1" noChangeArrowheads="1"/>
           </p:cNvPicPr>
@@ -15175,8 +11560,8 @@
         </p:blipFill>
         <p:spPr bwMode="auto">
           <a:xfrm>
-            <a:off x="5826042" y="1859904"/>
-            <a:ext cx="3653732" cy="3267968"/>
+            <a:off x="0" y="4537973"/>
+            <a:ext cx="1707722" cy="589899"/>
           </a:xfrm>
           <a:prstGeom prst="rect">
             <a:avLst/>
@@ -15196,7 +11581,7 @@
     </p:spTree>
     <p:extLst>
       <p:ext uri="{BB962C8B-B14F-4D97-AF65-F5344CB8AC3E}">
-        <p14:creationId xmlns:p14="http://schemas.microsoft.com/office/powerpoint/2010/main" val="946725381"/>
+        <p14:creationId xmlns:p14="http://schemas.microsoft.com/office/powerpoint/2010/main" val="3190038923"/>
       </p:ext>
     </p:extLst>
   </p:cSld>
@@ -15232,7 +11617,7 @@
       </p:grpSpPr>
       <p:pic>
         <p:nvPicPr>
-          <p:cNvPr id="9" name="Picture 4" descr="White Background Images for Desktop or Mobile | Cool Backgrounds"/>
+          <p:cNvPr id="5" name="Picture 4" descr="White Background Images for Desktop or Mobile | Cool Backgrounds"/>
           <p:cNvPicPr>
             <a:picLocks noChangeAspect="1" noChangeArrowheads="1"/>
           </p:cNvPicPr>
@@ -15283,8 +11668,8 @@
         </p:nvSpPr>
         <p:spPr>
           <a:xfrm>
-            <a:off x="1169987" y="457319"/>
-            <a:ext cx="7745413" cy="781901"/>
+            <a:off x="1083926" y="-4146"/>
+            <a:ext cx="7974013" cy="818910"/>
           </a:xfrm>
         </p:spPr>
         <p:txBody>
@@ -15292,8 +11677,93 @@
           <a:lstStyle/>
           <a:p>
             <a:r>
+              <a:rPr lang="en-US" sz="3200" dirty="0"/>
+              <a:t>G</a:t>
+            </a:r>
+            <a:r>
+              <a:rPr lang="en-US" sz="3200" dirty="0" smtClean="0"/>
+              <a:t>uidelines </a:t>
+            </a:r>
+            <a:r>
+              <a:rPr lang="en-US" sz="3200" dirty="0"/>
+              <a:t>for effective A/B Testing</a:t>
+            </a:r>
+          </a:p>
+        </p:txBody>
+      </p:sp>
+      <p:sp>
+        <p:nvSpPr>
+          <p:cNvPr id="3" name="Text Placeholder 2"/>
+          <p:cNvSpPr>
+            <a:spLocks noGrp="1"/>
+          </p:cNvSpPr>
+          <p:nvPr>
+            <p:ph type="body" sz="quarter" idx="14"/>
+          </p:nvPr>
+        </p:nvSpPr>
+        <p:spPr/>
+        <p:txBody>
+          <a:bodyPr/>
+          <a:lstStyle/>
+          <a:p>
+            <a:pPr marL="0" indent="0">
+              <a:buNone/>
+            </a:pPr>
+            <a:r>
+              <a:rPr lang="en-US" dirty="0" smtClean="0"/>
+              <a:t>#5 Set </a:t>
+            </a:r>
+            <a:r>
               <a:rPr lang="en-US" dirty="0"/>
-              <a:t>Why should I conduct “ A/B testing?”</a:t>
+              <a:t>up control &amp; </a:t>
+            </a:r>
+            <a:r>
+              <a:rPr lang="en-US" dirty="0" smtClean="0"/>
+              <a:t>treatment</a:t>
+            </a:r>
+          </a:p>
+          <a:p>
+            <a:pPr marL="0" indent="0">
+              <a:buNone/>
+            </a:pPr>
+            <a:r>
+              <a:rPr lang="en-US" dirty="0"/>
+              <a:t>• Variation A</a:t>
+            </a:r>
+            <a:r>
+              <a:rPr lang="en-US" dirty="0" smtClean="0"/>
+              <a:t>:</a:t>
+            </a:r>
+          </a:p>
+          <a:p>
+            <a:pPr marL="0" indent="0">
+              <a:buNone/>
+            </a:pPr>
+            <a:r>
+              <a:rPr lang="en-US" dirty="0" smtClean="0"/>
+              <a:t> </a:t>
+            </a:r>
+            <a:r>
+              <a:rPr lang="en-US" dirty="0"/>
+              <a:t>Control (the unaltered, original version) </a:t>
+            </a:r>
+            <a:endParaRPr lang="en-US" dirty="0" smtClean="0"/>
+          </a:p>
+          <a:p>
+            <a:pPr marL="0" indent="0">
+              <a:buNone/>
+            </a:pPr>
+            <a:r>
+              <a:rPr lang="en-US" dirty="0" smtClean="0"/>
+              <a:t>• </a:t>
+            </a:r>
+            <a:r>
+              <a:rPr lang="en-US" dirty="0"/>
+              <a:t>Variation B: Treatment (the optimized version which you expect to perform </a:t>
+            </a:r>
+            <a:r>
+              <a:rPr lang="en-US" dirty="0" smtClean="0"/>
+              <a:t>better)</a:t>
             </a:r>
           </a:p>
         </p:txBody>
@@ -15322,99 +11792,9 @@
           </a:p>
         </p:txBody>
       </p:sp>
-      <p:sp>
-        <p:nvSpPr>
-          <p:cNvPr id="5" name="Text Placeholder 4"/>
-          <p:cNvSpPr>
-            <a:spLocks noGrp="1"/>
-          </p:cNvSpPr>
-          <p:nvPr>
-            <p:ph type="body" sz="quarter" idx="14"/>
-          </p:nvPr>
-        </p:nvSpPr>
-        <p:spPr>
-          <a:xfrm>
-            <a:off x="272573" y="1424934"/>
-            <a:ext cx="4838270" cy="3102388"/>
-          </a:xfrm>
-          <a:prstGeom prst="rect">
-            <a:avLst/>
-          </a:prstGeom>
-        </p:spPr>
-        <p:txBody>
-          <a:bodyPr wrap="square">
-            <a:spAutoFit/>
-          </a:bodyPr>
-          <a:lstStyle/>
-          <a:p>
-            <a:r>
-              <a:rPr lang="en-US" dirty="0" smtClean="0"/>
-              <a:t>A/B </a:t>
-            </a:r>
-            <a:r>
-              <a:rPr lang="en-US" dirty="0"/>
-              <a:t>testing of landing pages can generate up to 30-40</a:t>
-            </a:r>
-            <a:r>
-              <a:rPr lang="en-US" dirty="0" smtClean="0"/>
-              <a:t>%</a:t>
-            </a:r>
-          </a:p>
-          <a:p>
-            <a:pPr marL="0" indent="0">
-              <a:buNone/>
-            </a:pPr>
-            <a:r>
-              <a:rPr lang="en-US" dirty="0" smtClean="0"/>
-              <a:t>more </a:t>
-            </a:r>
-            <a:r>
-              <a:rPr lang="en-US" dirty="0"/>
-              <a:t>leads for B2B </a:t>
-            </a:r>
-            <a:r>
-              <a:rPr lang="en-US" dirty="0" smtClean="0"/>
-              <a:t>sites;</a:t>
-            </a:r>
-          </a:p>
-          <a:p>
-            <a:r>
-              <a:rPr lang="en-US" dirty="0"/>
-              <a:t>20-25% more leads for </a:t>
-            </a:r>
-            <a:r>
-              <a:rPr lang="en-US" dirty="0" err="1"/>
-              <a:t>eCommerce</a:t>
-            </a:r>
-            <a:r>
-              <a:rPr lang="en-US" dirty="0"/>
-              <a:t> </a:t>
-            </a:r>
-            <a:r>
-              <a:rPr lang="en-US" dirty="0" smtClean="0"/>
-              <a:t>sites;</a:t>
-            </a:r>
-          </a:p>
-          <a:p>
-            <a:r>
-              <a:rPr lang="en-US" dirty="0" smtClean="0"/>
-              <a:t>Only </a:t>
-            </a:r>
-            <a:r>
-              <a:rPr lang="en-US" dirty="0"/>
-              <a:t>40% of marketers validate test </a:t>
-            </a:r>
-            <a:r>
-              <a:rPr lang="en-US" dirty="0" smtClean="0"/>
-              <a:t>results.</a:t>
-            </a:r>
-            <a:endParaRPr lang="en-US" dirty="0"/>
-          </a:p>
-        </p:txBody>
-      </p:sp>
       <p:pic>
         <p:nvPicPr>
-          <p:cNvPr id="7" name="Picture 2" descr="Breda University of Applied Sciences"/>
+          <p:cNvPr id="4100" name="Picture 4" descr="What is A/B Testing: Best Practices, Examples, Tools 2020"/>
           <p:cNvPicPr>
             <a:picLocks noChangeAspect="1" noChangeArrowheads="1"/>
           </p:cNvPicPr>
@@ -15435,8 +11815,8 @@
         </p:blipFill>
         <p:spPr bwMode="auto">
           <a:xfrm>
-            <a:off x="7436278" y="4471849"/>
-            <a:ext cx="1707722" cy="589899"/>
+            <a:off x="2421732" y="3273899"/>
+            <a:ext cx="4183062" cy="1869601"/>
           </a:xfrm>
           <a:prstGeom prst="rect">
             <a:avLst/>
@@ -15455,7 +11835,7 @@
       </p:pic>
       <p:pic>
         <p:nvPicPr>
-          <p:cNvPr id="4098" name="Picture 2" descr="What Is A/B Testing? 6 Ways to Come Up with Testing Ideas | Hotjar"/>
+          <p:cNvPr id="7" name="Picture 2" descr="Breda University of Applied Sciences"/>
           <p:cNvPicPr>
             <a:picLocks noChangeAspect="1" noChangeArrowheads="1"/>
           </p:cNvPicPr>
@@ -15476,8 +11856,8 @@
         </p:blipFill>
         <p:spPr bwMode="auto">
           <a:xfrm>
-            <a:off x="4801418" y="1906937"/>
-            <a:ext cx="4418782" cy="2209391"/>
+            <a:off x="0" y="4537973"/>
+            <a:ext cx="1707722" cy="589899"/>
           </a:xfrm>
           <a:prstGeom prst="rect">
             <a:avLst/>
@@ -15497,7 +11877,7 @@
     </p:spTree>
     <p:extLst>
       <p:ext uri="{BB962C8B-B14F-4D97-AF65-F5344CB8AC3E}">
-        <p14:creationId xmlns:p14="http://schemas.microsoft.com/office/powerpoint/2010/main" val="1754025983"/>
+        <p14:creationId xmlns:p14="http://schemas.microsoft.com/office/powerpoint/2010/main" val="2904991225"/>
       </p:ext>
     </p:extLst>
   </p:cSld>
@@ -15554,7 +11934,7 @@
         </p:blipFill>
         <p:spPr bwMode="auto">
           <a:xfrm>
-            <a:off x="-76200" y="18199"/>
+            <a:off x="0" y="0"/>
             <a:ext cx="9220200" cy="5143500"/>
           </a:xfrm>
           <a:prstGeom prst="rect">
@@ -15588,10 +11968,89 @@
           <a:lstStyle/>
           <a:p>
             <a:r>
+              <a:rPr lang="en-US" sz="2800" dirty="0"/>
+              <a:t>G</a:t>
+            </a:r>
+            <a:r>
+              <a:rPr lang="en-US" sz="2800" dirty="0" smtClean="0"/>
+              <a:t>uidelines </a:t>
+            </a:r>
+            <a:r>
+              <a:rPr lang="en-US" sz="2800" dirty="0"/>
+              <a:t>for effective A/B Testing</a:t>
+            </a:r>
+          </a:p>
+        </p:txBody>
+      </p:sp>
+      <p:sp>
+        <p:nvSpPr>
+          <p:cNvPr id="3" name="Text Placeholder 2"/>
+          <p:cNvSpPr>
+            <a:spLocks noGrp="1"/>
+          </p:cNvSpPr>
+          <p:nvPr>
+            <p:ph type="body" sz="quarter" idx="14"/>
+          </p:nvPr>
+        </p:nvSpPr>
+        <p:spPr>
+          <a:xfrm>
+            <a:off x="1083926" y="1070850"/>
+            <a:ext cx="7491412" cy="1919454"/>
+          </a:xfrm>
+        </p:spPr>
+        <p:txBody>
+          <a:bodyPr/>
+          <a:lstStyle/>
+          <a:p>
+            <a:pPr marL="0" indent="0">
+              <a:buNone/>
+            </a:pPr>
+            <a:r>
               <a:rPr lang="en-US" dirty="0" smtClean="0"/>
-              <a:t>BOOKING’S EXAMPLE</a:t>
-            </a:r>
-            <a:endParaRPr lang="en-US" dirty="0"/>
+              <a:t>#6 Decide </a:t>
+            </a:r>
+            <a:r>
+              <a:rPr lang="en-US" dirty="0"/>
+              <a:t>what you want to </a:t>
+            </a:r>
+            <a:r>
+              <a:rPr lang="en-US" dirty="0" smtClean="0"/>
+              <a:t>test</a:t>
+            </a:r>
+          </a:p>
+          <a:p>
+            <a:pPr marL="0" indent="0">
+              <a:buNone/>
+            </a:pPr>
+            <a:r>
+              <a:rPr lang="en-US" dirty="0" smtClean="0"/>
+              <a:t>#7 Split </a:t>
+            </a:r>
+            <a:r>
+              <a:rPr lang="en-US" dirty="0"/>
+              <a:t>your sample group </a:t>
+            </a:r>
+            <a:r>
+              <a:rPr lang="en-US" dirty="0" smtClean="0"/>
+              <a:t>randomly</a:t>
+            </a:r>
+          </a:p>
+          <a:p>
+            <a:pPr marL="0" indent="0">
+              <a:buNone/>
+            </a:pPr>
+            <a:r>
+              <a:rPr lang="en-US" dirty="0" smtClean="0"/>
+              <a:t>#8 Test </a:t>
+            </a:r>
+            <a:r>
+              <a:rPr lang="en-US" dirty="0"/>
+              <a:t>at the same </a:t>
+            </a:r>
+            <a:r>
+              <a:rPr lang="en-US" dirty="0" smtClean="0"/>
+              <a:t>time</a:t>
+            </a:r>
           </a:p>
         </p:txBody>
       </p:sp>
@@ -15621,7 +12080,7 @@
       </p:sp>
       <p:pic>
         <p:nvPicPr>
-          <p:cNvPr id="6" name="Picture 2" descr="Breda University of Applied Sciences"/>
+          <p:cNvPr id="5122" name="Picture 2" descr="A/B Testing | The Invesp Blog"/>
           <p:cNvPicPr>
             <a:picLocks noChangeAspect="1" noChangeArrowheads="1"/>
           </p:cNvPicPr>
@@ -15642,8 +12101,8 @@
         </p:blipFill>
         <p:spPr bwMode="auto">
           <a:xfrm>
-            <a:off x="0" y="4537973"/>
-            <a:ext cx="1707722" cy="589899"/>
+            <a:off x="938333" y="2960878"/>
+            <a:ext cx="2549794" cy="1933995"/>
           </a:xfrm>
           <a:prstGeom prst="rect">
             <a:avLst/>
@@ -15662,7 +12121,7 @@
       </p:pic>
       <p:pic>
         <p:nvPicPr>
-          <p:cNvPr id="1026" name="Picture 2" descr="https://taplytics.com/wp-content/uploads/2019/01/48842-0lfi-1skwvnhnrx0n-2.png"/>
+          <p:cNvPr id="5124" name="Picture 4" descr="How to Do A/B Testing: A Checklist You'll Want to Bookmark"/>
           <p:cNvPicPr>
             <a:picLocks noChangeAspect="1" noChangeArrowheads="1"/>
           </p:cNvPicPr>
@@ -15683,8 +12142,8 @@
         </p:blipFill>
         <p:spPr bwMode="auto">
           <a:xfrm>
-            <a:off x="556173" y="1514840"/>
-            <a:ext cx="8044221" cy="2044789"/>
+            <a:off x="3792927" y="3158703"/>
+            <a:ext cx="4093773" cy="1538343"/>
           </a:xfrm>
           <a:prstGeom prst="rect">
             <a:avLst/>
@@ -15703,7 +12162,7 @@
       </p:pic>
       <p:pic>
         <p:nvPicPr>
-          <p:cNvPr id="1028" name="Picture 4" descr="Booking.com: Press"/>
+          <p:cNvPr id="8" name="Picture 2" descr="Breda University of Applied Sciences"/>
           <p:cNvPicPr>
             <a:picLocks noChangeAspect="1" noChangeArrowheads="1"/>
           </p:cNvPicPr>
@@ -15724,8 +12183,8 @@
         </p:blipFill>
         <p:spPr bwMode="auto">
           <a:xfrm>
-            <a:off x="6800607" y="4229138"/>
-            <a:ext cx="2343393" cy="932561"/>
+            <a:off x="0" y="4537973"/>
+            <a:ext cx="1707722" cy="589899"/>
           </a:xfrm>
           <a:prstGeom prst="rect">
             <a:avLst/>
@@ -15745,7 +12204,7 @@
     </p:spTree>
     <p:extLst>
       <p:ext uri="{BB962C8B-B14F-4D97-AF65-F5344CB8AC3E}">
-        <p14:creationId xmlns:p14="http://schemas.microsoft.com/office/powerpoint/2010/main" val="1040917712"/>
+        <p14:creationId xmlns:p14="http://schemas.microsoft.com/office/powerpoint/2010/main" val="845100138"/>
       </p:ext>
     </p:extLst>
   </p:cSld>
@@ -15781,7 +12240,7 @@
       </p:grpSpPr>
       <p:pic>
         <p:nvPicPr>
-          <p:cNvPr id="6" name="Picture 4" descr="White Background Images for Desktop or Mobile | Cool Backgrounds"/>
+          <p:cNvPr id="5" name="Picture 4" descr="White Background Images for Desktop or Mobile | Cool Backgrounds"/>
           <p:cNvPicPr>
             <a:picLocks noChangeAspect="1" noChangeArrowheads="1"/>
           </p:cNvPicPr>
@@ -15836,17 +12295,10 @@
           <a:lstStyle/>
           <a:p>
             <a:r>
-              <a:rPr lang="en-US" sz="2800" dirty="0"/>
-              <a:t> </a:t>
-            </a:r>
-            <a:r>
-              <a:rPr lang="en-US" sz="2800" dirty="0" smtClean="0"/>
-              <a:t>Guidelines </a:t>
-            </a:r>
-            <a:r>
-              <a:rPr lang="en-US" sz="2800" dirty="0"/>
-              <a:t>for effective A/B Testing</a:t>
-            </a:r>
+              <a:rPr lang="en-US" sz="3600" dirty="0" smtClean="0"/>
+              <a:t>What Variables you should test</a:t>
+            </a:r>
+            <a:endParaRPr lang="en-US" sz="3600" dirty="0"/>
           </a:p>
         </p:txBody>
       </p:sp>
@@ -15860,12 +12312,7 @@
             <p:ph type="body" sz="quarter" idx="14"/>
           </p:nvPr>
         </p:nvSpPr>
-        <p:spPr>
-          <a:xfrm>
-            <a:off x="1083926" y="1056076"/>
-            <a:ext cx="4418012" cy="3437994"/>
-          </a:xfrm>
-        </p:spPr>
+        <p:spPr/>
         <p:txBody>
           <a:bodyPr/>
           <a:lstStyle/>
@@ -15874,8 +12321,17 @@
               <a:buNone/>
             </a:pPr>
             <a:r>
+              <a:rPr lang="en-US" b="1" dirty="0" smtClean="0"/>
+              <a:t>Landing pages:</a:t>
+            </a:r>
+          </a:p>
+          <a:p>
+            <a:pPr marL="0" indent="0">
+              <a:buNone/>
+            </a:pPr>
+            <a:r>
               <a:rPr lang="en-US" dirty="0" smtClean="0"/>
-              <a:t>#1 Only conduct one test at a time</a:t>
+              <a:t>OFFERS:</a:t>
             </a:r>
           </a:p>
           <a:p>
@@ -15884,58 +12340,17 @@
             </a:pPr>
             <a:r>
               <a:rPr lang="en-US" dirty="0" smtClean="0"/>
-              <a:t>#</a:t>
+              <a:t>What </a:t>
             </a:r>
             <a:r>
               <a:rPr lang="en-US" dirty="0"/>
-              <a:t>2 </a:t>
+              <a:t>types of offers convert the most visitors into leads and which offers help you push leads down the sales </a:t>
             </a:r>
             <a:r>
               <a:rPr lang="en-US" dirty="0" smtClean="0"/>
-              <a:t>Test one variable at a time</a:t>
-            </a:r>
-          </a:p>
-          <a:p>
-            <a:pPr marL="0" indent="0">
-              <a:buNone/>
-            </a:pPr>
-            <a:r>
-              <a:rPr lang="en-US" dirty="0"/>
-              <a:t>#3 </a:t>
-            </a:r>
-            <a:r>
-              <a:rPr lang="en-US" dirty="0" smtClean="0"/>
-              <a:t>Test </a:t>
-            </a:r>
-            <a:r>
-              <a:rPr lang="en-US" dirty="0"/>
-              <a:t>minor changes, </a:t>
-            </a:r>
-            <a:r>
-              <a:rPr lang="en-US" dirty="0" smtClean="0"/>
-              <a:t>too</a:t>
-            </a:r>
-          </a:p>
-          <a:p>
-            <a:pPr marL="0" indent="0">
-              <a:buNone/>
-            </a:pPr>
-            <a:r>
-              <a:rPr lang="en-US" dirty="0" smtClean="0"/>
-              <a:t>#</a:t>
-            </a:r>
-            <a:r>
-              <a:rPr lang="en-US" dirty="0"/>
-              <a:t>4 </a:t>
-            </a:r>
-            <a:r>
-              <a:rPr lang="en-US" dirty="0" smtClean="0"/>
-              <a:t>Measure </a:t>
-            </a:r>
-            <a:r>
-              <a:rPr lang="en-US" dirty="0"/>
-              <a:t>as far down the funnel as possible</a:t>
-            </a:r>
+              <a:t>funnel?</a:t>
+            </a:r>
+            <a:endParaRPr lang="en-US" dirty="0"/>
           </a:p>
         </p:txBody>
       </p:sp>
@@ -15965,9 +12380,9 @@
       </p:sp>
       <p:pic>
         <p:nvPicPr>
-          <p:cNvPr id="5" name="Picture 4"/>
+          <p:cNvPr id="6146" name="Picture 2" descr="A/B testing - Wikipedia"/>
           <p:cNvPicPr>
-            <a:picLocks noChangeAspect="1"/>
+            <a:picLocks noChangeAspect="1" noChangeArrowheads="1"/>
           </p:cNvPicPr>
           <p:nvPr/>
         </p:nvPicPr>
@@ -15979,18 +12394,29 @@
               </a:ext>
             </a:extLst>
           </a:blip>
+          <a:srcRect/>
           <a:stretch>
             <a:fillRect/>
           </a:stretch>
         </p:blipFill>
-        <p:spPr>
-          <a:xfrm>
-            <a:off x="5301997" y="1122255"/>
-            <a:ext cx="3620005" cy="3305636"/>
+        <p:spPr bwMode="auto">
+          <a:xfrm>
+            <a:off x="3824288" y="2808287"/>
+            <a:ext cx="3687741" cy="2182951"/>
           </a:xfrm>
           <a:prstGeom prst="rect">
             <a:avLst/>
           </a:prstGeom>
+          <a:noFill/>
+          <a:extLst>
+            <a:ext uri="{909E8E84-426E-40DD-AFC4-6F175D3DCCD1}">
+              <a14:hiddenFill xmlns:a14="http://schemas.microsoft.com/office/drawing/2010/main">
+                <a:solidFill>
+                  <a:srgbClr val="FFFFFF"/>
+                </a:solidFill>
+              </a14:hiddenFill>
+            </a:ext>
+          </a:extLst>
         </p:spPr>
       </p:pic>
       <p:pic>
@@ -16037,7 +12463,7 @@
     </p:spTree>
     <p:extLst>
       <p:ext uri="{BB962C8B-B14F-4D97-AF65-F5344CB8AC3E}">
-        <p14:creationId xmlns:p14="http://schemas.microsoft.com/office/powerpoint/2010/main" val="3190038923"/>
+        <p14:creationId xmlns:p14="http://schemas.microsoft.com/office/powerpoint/2010/main" val="197220036"/>
       </p:ext>
     </p:extLst>
   </p:cSld>
@@ -16122,28 +12548,16 @@
             <p:ph type="title"/>
           </p:nvPr>
         </p:nvSpPr>
-        <p:spPr>
-          <a:xfrm>
-            <a:off x="1083926" y="-4146"/>
-            <a:ext cx="7974013" cy="818910"/>
-          </a:xfrm>
-        </p:spPr>
+        <p:spPr/>
         <p:txBody>
           <a:bodyPr/>
           <a:lstStyle/>
           <a:p>
             <a:r>
-              <a:rPr lang="en-US" sz="3200" dirty="0"/>
-              <a:t>G</a:t>
-            </a:r>
-            <a:r>
-              <a:rPr lang="en-US" sz="3200" dirty="0" smtClean="0"/>
-              <a:t>uidelines </a:t>
-            </a:r>
-            <a:r>
-              <a:rPr lang="en-US" sz="3200" dirty="0"/>
-              <a:t>for effective A/B Testing</a:t>
-            </a:r>
+              <a:rPr lang="en-US" sz="3600" dirty="0" smtClean="0"/>
+              <a:t>What Variables you should test</a:t>
+            </a:r>
+            <a:endParaRPr lang="en-US" sz="3600" dirty="0"/>
           </a:p>
         </p:txBody>
       </p:sp>
@@ -16157,7 +12571,12 @@
             <p:ph type="body" sz="quarter" idx="14"/>
           </p:nvPr>
         </p:nvSpPr>
-        <p:spPr/>
+        <p:spPr>
+          <a:xfrm>
+            <a:off x="1169988" y="1077746"/>
+            <a:ext cx="4354512" cy="3437994"/>
+          </a:xfrm>
+        </p:spPr>
         <p:txBody>
           <a:bodyPr/>
           <a:lstStyle/>
@@ -16166,60 +12585,26 @@
               <a:buNone/>
             </a:pPr>
             <a:r>
+              <a:rPr lang="en-US" b="1" dirty="0" smtClean="0"/>
+              <a:t>Landing pages:</a:t>
+            </a:r>
+          </a:p>
+          <a:p>
+            <a:pPr marL="0" indent="0">
+              <a:buNone/>
+            </a:pPr>
+            <a:r>
               <a:rPr lang="en-US" dirty="0" smtClean="0"/>
-              <a:t>#5 Set </a:t>
-            </a:r>
+              <a:t>TOPICS/COPY:</a:t>
+            </a:r>
+          </a:p>
+          <a:p>
+            <a:pPr marL="0" indent="0">
+              <a:buNone/>
+            </a:pPr>
             <a:r>
               <a:rPr lang="en-US" dirty="0"/>
-              <a:t>up control &amp; </a:t>
-            </a:r>
-            <a:r>
-              <a:rPr lang="en-US" dirty="0" smtClean="0"/>
-              <a:t>treatment</a:t>
-            </a:r>
-          </a:p>
-          <a:p>
-            <a:pPr marL="0" indent="0">
-              <a:buNone/>
-            </a:pPr>
-            <a:r>
-              <a:rPr lang="en-US" dirty="0"/>
-              <a:t>• Variation A</a:t>
-            </a:r>
-            <a:r>
-              <a:rPr lang="en-US" dirty="0" smtClean="0"/>
-              <a:t>:</a:t>
-            </a:r>
-          </a:p>
-          <a:p>
-            <a:pPr marL="0" indent="0">
-              <a:buNone/>
-            </a:pPr>
-            <a:r>
-              <a:rPr lang="en-US" dirty="0" smtClean="0"/>
-              <a:t> </a:t>
-            </a:r>
-            <a:r>
-              <a:rPr lang="en-US" dirty="0"/>
-              <a:t>Control (the unaltered, original version) </a:t>
-            </a:r>
-            <a:endParaRPr lang="en-US" dirty="0" smtClean="0"/>
-          </a:p>
-          <a:p>
-            <a:pPr marL="0" indent="0">
-              <a:buNone/>
-            </a:pPr>
-            <a:r>
-              <a:rPr lang="en-US" dirty="0" smtClean="0"/>
-              <a:t>• </a:t>
-            </a:r>
-            <a:r>
-              <a:rPr lang="en-US" dirty="0"/>
-              <a:t>Variation B: Treatment (the optimized version which you expect to perform </a:t>
-            </a:r>
-            <a:r>
-              <a:rPr lang="en-US" dirty="0" smtClean="0"/>
-              <a:t>better)</a:t>
+              <a:t>How should you position your offer? What messaging will entice your reader? Should you add testimonials to strengthen the visitor’s incentive?</a:t>
             </a:r>
           </a:p>
         </p:txBody>
@@ -16250,7 +12635,7 @@
       </p:sp>
       <p:pic>
         <p:nvPicPr>
-          <p:cNvPr id="4100" name="Picture 4" descr="What is A/B Testing: Best Practices, Examples, Tools 2020"/>
+          <p:cNvPr id="7170" name="Picture 2" descr="A/B Testing with Firebase | Cardinal Path"/>
           <p:cNvPicPr>
             <a:picLocks noChangeAspect="1" noChangeArrowheads="1"/>
           </p:cNvPicPr>
@@ -16271,8 +12656,8 @@
         </p:blipFill>
         <p:spPr bwMode="auto">
           <a:xfrm>
-            <a:off x="2421732" y="3273899"/>
-            <a:ext cx="4183062" cy="1869601"/>
+            <a:off x="5562600" y="2025175"/>
+            <a:ext cx="3392801" cy="1930259"/>
           </a:xfrm>
           <a:prstGeom prst="rect">
             <a:avLst/>
@@ -16333,7 +12718,7 @@
     </p:spTree>
     <p:extLst>
       <p:ext uri="{BB962C8B-B14F-4D97-AF65-F5344CB8AC3E}">
-        <p14:creationId xmlns:p14="http://schemas.microsoft.com/office/powerpoint/2010/main" val="2904991225"/>
+        <p14:creationId xmlns:p14="http://schemas.microsoft.com/office/powerpoint/2010/main" val="4157633883"/>
       </p:ext>
     </p:extLst>
   </p:cSld>
@@ -16424,17 +12809,10 @@
           <a:lstStyle/>
           <a:p>
             <a:r>
-              <a:rPr lang="en-US" sz="2800" dirty="0"/>
-              <a:t>G</a:t>
-            </a:r>
-            <a:r>
-              <a:rPr lang="en-US" sz="2800" dirty="0" smtClean="0"/>
-              <a:t>uidelines </a:t>
-            </a:r>
-            <a:r>
-              <a:rPr lang="en-US" sz="2800" dirty="0"/>
-              <a:t>for effective A/B Testing</a:t>
-            </a:r>
+              <a:rPr lang="en-US" sz="3600" dirty="0" smtClean="0"/>
+              <a:t>What Variables you should test</a:t>
+            </a:r>
+            <a:endParaRPr lang="en-US" sz="3600" dirty="0"/>
           </a:p>
         </p:txBody>
       </p:sp>
@@ -16448,12 +12826,7 @@
             <p:ph type="body" sz="quarter" idx="14"/>
           </p:nvPr>
         </p:nvSpPr>
-        <p:spPr>
-          <a:xfrm>
-            <a:off x="1083926" y="1070850"/>
-            <a:ext cx="7491412" cy="1919454"/>
-          </a:xfrm>
-        </p:spPr>
+        <p:spPr/>
         <p:txBody>
           <a:bodyPr/>
           <a:lstStyle/>
@@ -16462,16 +12835,30 @@
               <a:buNone/>
             </a:pPr>
             <a:r>
+              <a:rPr lang="en-US" b="1" dirty="0" smtClean="0"/>
+              <a:t>Landing pages:</a:t>
+            </a:r>
+          </a:p>
+          <a:p>
+            <a:pPr marL="0" indent="0">
+              <a:buNone/>
+            </a:pPr>
+            <a:r>
               <a:rPr lang="en-US" dirty="0" smtClean="0"/>
-              <a:t>#6 Decide </a:t>
-            </a:r>
+              <a:t>FORM FIELDS:</a:t>
+            </a:r>
+          </a:p>
+          <a:p>
+            <a:pPr marL="0" indent="0">
+              <a:buNone/>
+            </a:pPr>
             <a:r>
               <a:rPr lang="en-US" dirty="0"/>
-              <a:t>what you want to </a:t>
+              <a:t>Should your lead capture form only request an email address or should it ask for more </a:t>
             </a:r>
             <a:r>
               <a:rPr lang="en-US" dirty="0" smtClean="0"/>
-              <a:t>test</a:t>
+              <a:t>information?</a:t>
             </a:r>
           </a:p>
           <a:p>
@@ -16479,34 +12866,15 @@
               <a:buNone/>
             </a:pPr>
             <a:r>
-              <a:rPr lang="en-US" dirty="0" smtClean="0"/>
-              <a:t>#7 Split </a:t>
-            </a:r>
-            <a:r>
               <a:rPr lang="en-US" dirty="0"/>
-              <a:t>your sample group </a:t>
-            </a:r>
-            <a:r>
-              <a:rPr lang="en-US" dirty="0" smtClean="0"/>
-              <a:t>randomly</a:t>
+              <a:t>WHOLE PAGE</a:t>
             </a:r>
           </a:p>
           <a:p>
             <a:pPr marL="0" indent="0">
               <a:buNone/>
             </a:pPr>
-            <a:r>
-              <a:rPr lang="en-US" dirty="0" smtClean="0"/>
-              <a:t>#8 Test </a:t>
-            </a:r>
-            <a:r>
-              <a:rPr lang="en-US" dirty="0"/>
-              <a:t>at the same </a:t>
-            </a:r>
-            <a:r>
-              <a:rPr lang="en-US" dirty="0" smtClean="0"/>
-              <a:t>time</a:t>
-            </a:r>
+            <a:endParaRPr lang="en-US" dirty="0"/>
           </a:p>
         </p:txBody>
       </p:sp>
@@ -16536,7 +12904,7 @@
       </p:sp>
       <p:pic>
         <p:nvPicPr>
-          <p:cNvPr id="5122" name="Picture 2" descr="A/B Testing | The Invesp Blog"/>
+          <p:cNvPr id="8194" name="Picture 2" descr="A/B Testing"/>
           <p:cNvPicPr>
             <a:picLocks noChangeAspect="1" noChangeArrowheads="1"/>
           </p:cNvPicPr>
@@ -16557,8 +12925,8 @@
         </p:blipFill>
         <p:spPr bwMode="auto">
           <a:xfrm>
-            <a:off x="938333" y="2960878"/>
-            <a:ext cx="2549794" cy="1933995"/>
+            <a:off x="4370880" y="3071814"/>
+            <a:ext cx="2410920" cy="2067456"/>
           </a:xfrm>
           <a:prstGeom prst="rect">
             <a:avLst/>
@@ -16577,7 +12945,7 @@
       </p:pic>
       <p:pic>
         <p:nvPicPr>
-          <p:cNvPr id="5124" name="Picture 4" descr="How to Do A/B Testing: A Checklist You'll Want to Bookmark"/>
+          <p:cNvPr id="7" name="Picture 2" descr="Breda University of Applied Sciences"/>
           <p:cNvPicPr>
             <a:picLocks noChangeAspect="1" noChangeArrowheads="1"/>
           </p:cNvPicPr>
@@ -16598,8 +12966,8 @@
         </p:blipFill>
         <p:spPr bwMode="auto">
           <a:xfrm>
-            <a:off x="3792927" y="3158703"/>
-            <a:ext cx="4093773" cy="1538343"/>
+            <a:off x="0" y="4537973"/>
+            <a:ext cx="1707722" cy="589899"/>
           </a:xfrm>
           <a:prstGeom prst="rect">
             <a:avLst/>
@@ -16616,51 +12984,10 @@
           </a:extLst>
         </p:spPr>
       </p:pic>
-      <p:pic>
-        <p:nvPicPr>
-          <p:cNvPr id="8" name="Picture 2" descr="Breda University of Applied Sciences"/>
-          <p:cNvPicPr>
-            <a:picLocks noChangeAspect="1" noChangeArrowheads="1"/>
-          </p:cNvPicPr>
-          <p:nvPr/>
-        </p:nvPicPr>
-        <p:blipFill>
-          <a:blip r:embed="rId6">
-            <a:extLst>
-              <a:ext uri="{28A0092B-C50C-407E-A947-70E740481C1C}">
-                <a14:useLocalDpi xmlns:a14="http://schemas.microsoft.com/office/drawing/2010/main" val="0"/>
-              </a:ext>
-            </a:extLst>
-          </a:blip>
-          <a:srcRect/>
-          <a:stretch>
-            <a:fillRect/>
-          </a:stretch>
-        </p:blipFill>
-        <p:spPr bwMode="auto">
-          <a:xfrm>
-            <a:off x="77665" y="4571800"/>
-            <a:ext cx="1707722" cy="589899"/>
-          </a:xfrm>
-          <a:prstGeom prst="rect">
-            <a:avLst/>
-          </a:prstGeom>
-          <a:noFill/>
-          <a:extLst>
-            <a:ext uri="{909E8E84-426E-40DD-AFC4-6F175D3DCCD1}">
-              <a14:hiddenFill xmlns:a14="http://schemas.microsoft.com/office/drawing/2010/main">
-                <a:solidFill>
-                  <a:srgbClr val="FFFFFF"/>
-                </a:solidFill>
-              </a14:hiddenFill>
-            </a:ext>
-          </a:extLst>
-        </p:spPr>
-      </p:pic>
     </p:spTree>
     <p:extLst>
       <p:ext uri="{BB962C8B-B14F-4D97-AF65-F5344CB8AC3E}">
-        <p14:creationId xmlns:p14="http://schemas.microsoft.com/office/powerpoint/2010/main" val="845100138"/>
+        <p14:creationId xmlns:p14="http://schemas.microsoft.com/office/powerpoint/2010/main" val="4060384533"/>
       </p:ext>
     </p:extLst>
   </p:cSld>
